--- a/Presentation/Thesis.pptx
+++ b/Presentation/Thesis.pptx
@@ -5,10 +5,10 @@
     <p:sldMasterId id="2147483648" r:id="rId1"/>
   </p:sldMasterIdLst>
   <p:notesMasterIdLst>
-    <p:notesMasterId r:id="rId17"/>
+    <p:notesMasterId r:id="rId25"/>
   </p:notesMasterIdLst>
   <p:handoutMasterIdLst>
-    <p:handoutMasterId r:id="rId18"/>
+    <p:handoutMasterId r:id="rId26"/>
   </p:handoutMasterIdLst>
   <p:sldIdLst>
     <p:sldId id="256" r:id="rId2"/>
@@ -23,9 +23,17 @@
     <p:sldId id="274" r:id="rId11"/>
     <p:sldId id="269" r:id="rId12"/>
     <p:sldId id="276" r:id="rId13"/>
-    <p:sldId id="275" r:id="rId14"/>
-    <p:sldId id="270" r:id="rId15"/>
-    <p:sldId id="266" r:id="rId16"/>
+    <p:sldId id="277" r:id="rId14"/>
+    <p:sldId id="278" r:id="rId15"/>
+    <p:sldId id="279" r:id="rId16"/>
+    <p:sldId id="280" r:id="rId17"/>
+    <p:sldId id="281" r:id="rId18"/>
+    <p:sldId id="282" r:id="rId19"/>
+    <p:sldId id="283" r:id="rId20"/>
+    <p:sldId id="284" r:id="rId21"/>
+    <p:sldId id="275" r:id="rId22"/>
+    <p:sldId id="270" r:id="rId23"/>
+    <p:sldId id="266" r:id="rId24"/>
   </p:sldIdLst>
   <p:sldSz cx="12192000" cy="6858000"/>
   <p:notesSz cx="6858000" cy="9144000"/>
@@ -124,6 +132,11 @@
       </a:defRPr>
     </a:lvl9pPr>
   </p:defaultTextStyle>
+  <p:extLst>
+    <p:ext uri="{EFAFB233-063F-42B5-8137-9DF3F51BA10A}">
+      <p15:sldGuideLst xmlns:p15="http://schemas.microsoft.com/office/powerpoint/2012/main"/>
+    </p:ext>
+  </p:extLst>
 </p:presentation>
 </file>
 
@@ -411,7 +424,7 @@
           <a:p>
             <a:fld id="{8B310AA7-6D8B-4F3B-8203-18310C0040C3}" type="datetimeFigureOut">
               <a:rPr lang="LID4096" smtClean="0"/>
-              <a:t>08/23/2020</a:t>
+              <a:t>08/24/2020</a:t>
             </a:fld>
             <a:endParaRPr lang="LID4096"/>
           </a:p>
@@ -5196,6 +5209,2374 @@
           <a:chExt cx="0" cy="0"/>
         </a:xfrm>
       </p:grpSpPr>
+      <p:pic>
+        <p:nvPicPr>
+          <p:cNvPr id="7" name="Picture 6" descr="A screenshot of a cell phone&#10;&#10;Description automatically generated">
+            <a:extLst>
+              <a:ext uri="{FF2B5EF4-FFF2-40B4-BE49-F238E27FC236}">
+                <a16:creationId xmlns:a16="http://schemas.microsoft.com/office/drawing/2014/main" id="{9C9B70BA-BC6D-4BF3-A61B-589838ABCF58}"/>
+              </a:ext>
+            </a:extLst>
+          </p:cNvPr>
+          <p:cNvPicPr>
+            <a:picLocks noChangeAspect="1"/>
+          </p:cNvPicPr>
+          <p:nvPr/>
+        </p:nvPicPr>
+        <p:blipFill>
+          <a:blip r:embed="rId2">
+            <a:extLst>
+              <a:ext uri="{28A0092B-C50C-407E-A947-70E740481C1C}">
+                <a14:useLocalDpi xmlns:a14="http://schemas.microsoft.com/office/drawing/2010/main" val="0"/>
+              </a:ext>
+            </a:extLst>
+          </a:blip>
+          <a:stretch>
+            <a:fillRect/>
+          </a:stretch>
+        </p:blipFill>
+        <p:spPr>
+          <a:xfrm>
+            <a:off x="1825758" y="1455789"/>
+            <a:ext cx="9075056" cy="5402211"/>
+          </a:xfrm>
+          <a:prstGeom prst="rect">
+            <a:avLst/>
+          </a:prstGeom>
+        </p:spPr>
+      </p:pic>
+      <p:sp>
+        <p:nvSpPr>
+          <p:cNvPr id="4" name="Slide Number Placeholder 3">
+            <a:extLst>
+              <a:ext uri="{FF2B5EF4-FFF2-40B4-BE49-F238E27FC236}">
+                <a16:creationId xmlns:a16="http://schemas.microsoft.com/office/drawing/2014/main" id="{7448BF2A-1F67-45F3-9E5B-A0E949BC49D6}"/>
+              </a:ext>
+            </a:extLst>
+          </p:cNvPr>
+          <p:cNvSpPr>
+            <a:spLocks noGrp="1"/>
+          </p:cNvSpPr>
+          <p:nvPr>
+            <p:ph type="sldNum" sz="quarter" idx="12"/>
+          </p:nvPr>
+        </p:nvSpPr>
+        <p:spPr/>
+        <p:txBody>
+          <a:bodyPr/>
+          <a:lstStyle/>
+          <a:p>
+            <a:fld id="{8F224621-ADB6-4DE2-A945-BF9C42D66C16}" type="slidenum">
+              <a:rPr lang="LID4096" smtClean="0"/>
+              <a:pPr/>
+              <a:t>13</a:t>
+            </a:fld>
+            <a:endParaRPr lang="LID4096" dirty="0"/>
+          </a:p>
+        </p:txBody>
+      </p:sp>
+      <p:sp>
+        <p:nvSpPr>
+          <p:cNvPr id="3" name="Google Shape;62;p14">
+            <a:extLst>
+              <a:ext uri="{FF2B5EF4-FFF2-40B4-BE49-F238E27FC236}">
+                <a16:creationId xmlns:a16="http://schemas.microsoft.com/office/drawing/2014/main" id="{E155BFF9-202C-475B-A266-871949978C02}"/>
+              </a:ext>
+            </a:extLst>
+          </p:cNvPr>
+          <p:cNvSpPr txBox="1">
+            <a:spLocks/>
+          </p:cNvSpPr>
+          <p:nvPr/>
+        </p:nvSpPr>
+        <p:spPr>
+          <a:xfrm>
+            <a:off x="415600" y="247650"/>
+            <a:ext cx="11360800" cy="834800"/>
+          </a:xfrm>
+          <a:prstGeom prst="rect">
+            <a:avLst/>
+          </a:prstGeom>
+        </p:spPr>
+        <p:txBody>
+          <a:bodyPr spcFirstLastPara="1" vert="horz" wrap="square" lIns="121900" tIns="121900" rIns="121900" bIns="121900" rtlCol="0" anchor="b" anchorCtr="0">
+            <a:noAutofit/>
+          </a:bodyPr>
+          <a:lstStyle>
+            <a:lvl1pPr algn="l" defTabSz="914400" rtl="0" eaLnBrk="1" latinLnBrk="0" hangingPunct="1">
+              <a:lnSpc>
+                <a:spcPct val="90000"/>
+              </a:lnSpc>
+              <a:spcBef>
+                <a:spcPct val="0"/>
+              </a:spcBef>
+              <a:buNone/>
+              <a:defRPr sz="4400" kern="1200">
+                <a:solidFill>
+                  <a:schemeClr val="tx1"/>
+                </a:solidFill>
+                <a:latin typeface="+mj-lt"/>
+                <a:ea typeface="+mj-ea"/>
+                <a:cs typeface="+mj-cs"/>
+              </a:defRPr>
+            </a:lvl1pPr>
+          </a:lstStyle>
+          <a:p>
+            <a:pPr algn="ctr">
+              <a:spcBef>
+                <a:spcPts val="0"/>
+              </a:spcBef>
+            </a:pPr>
+            <a:r>
+              <a:rPr lang="en-US" sz="4800" b="1" dirty="0">
+                <a:latin typeface="Arial" panose="020B0604020202020204" pitchFamily="34" charset="0"/>
+                <a:cs typeface="Arial" panose="020B0604020202020204" pitchFamily="34" charset="0"/>
+              </a:rPr>
+              <a:t>Discrete Fourier Transform</a:t>
+            </a:r>
+          </a:p>
+        </p:txBody>
+      </p:sp>
+      <p:sp>
+        <p:nvSpPr>
+          <p:cNvPr id="5" name="TextBox 4">
+            <a:extLst>
+              <a:ext uri="{FF2B5EF4-FFF2-40B4-BE49-F238E27FC236}">
+                <a16:creationId xmlns:a16="http://schemas.microsoft.com/office/drawing/2014/main" id="{896CF217-BFBD-493C-AB68-87A8BC9371B8}"/>
+              </a:ext>
+            </a:extLst>
+          </p:cNvPr>
+          <p:cNvSpPr txBox="1"/>
+          <p:nvPr/>
+        </p:nvSpPr>
+        <p:spPr>
+          <a:xfrm>
+            <a:off x="2062844" y="1082450"/>
+            <a:ext cx="9075056" cy="646331"/>
+          </a:xfrm>
+          <a:prstGeom prst="rect">
+            <a:avLst/>
+          </a:prstGeom>
+          <a:noFill/>
+        </p:spPr>
+        <p:txBody>
+          <a:bodyPr wrap="square" rtlCol="0">
+            <a:spAutoFit/>
+          </a:bodyPr>
+          <a:lstStyle/>
+          <a:p>
+            <a:r>
+              <a:rPr lang="en-GB" sz="3600" b="1" dirty="0">
+                <a:solidFill>
+                  <a:schemeClr val="tx1">
+                    <a:lumMod val="65000"/>
+                    <a:lumOff val="35000"/>
+                  </a:schemeClr>
+                </a:solidFill>
+                <a:latin typeface="Arial" panose="020B0604020202020204" pitchFamily="34" charset="0"/>
+                <a:cs typeface="Arial" panose="020B0604020202020204" pitchFamily="34" charset="0"/>
+              </a:rPr>
+              <a:t>1. Nyquist-Shannon theorem</a:t>
+            </a:r>
+          </a:p>
+        </p:txBody>
+      </p:sp>
+    </p:spTree>
+    <p:extLst>
+      <p:ext uri="{BB962C8B-B14F-4D97-AF65-F5344CB8AC3E}">
+        <p14:creationId xmlns:p14="http://schemas.microsoft.com/office/powerpoint/2010/main" val="1089791445"/>
+      </p:ext>
+    </p:extLst>
+  </p:cSld>
+  <p:clrMapOvr>
+    <a:masterClrMapping/>
+  </p:clrMapOvr>
+</p:sld>
+</file>
+
+<file path=ppt/slides/slide14.xml><?xml version="1.0" encoding="utf-8"?>
+<p:sld xmlns:a="http://schemas.openxmlformats.org/drawingml/2006/main" xmlns:r="http://schemas.openxmlformats.org/officeDocument/2006/relationships" xmlns:p="http://schemas.openxmlformats.org/presentationml/2006/main">
+  <p:cSld>
+    <p:spTree>
+      <p:nvGrpSpPr>
+        <p:cNvPr id="1" name=""/>
+        <p:cNvGrpSpPr/>
+        <p:nvPr/>
+      </p:nvGrpSpPr>
+      <p:grpSpPr>
+        <a:xfrm>
+          <a:off x="0" y="0"/>
+          <a:ext cx="0" cy="0"/>
+          <a:chOff x="0" y="0"/>
+          <a:chExt cx="0" cy="0"/>
+        </a:xfrm>
+      </p:grpSpPr>
+      <p:pic>
+        <p:nvPicPr>
+          <p:cNvPr id="7" name="Picture 6">
+            <a:extLst>
+              <a:ext uri="{FF2B5EF4-FFF2-40B4-BE49-F238E27FC236}">
+                <a16:creationId xmlns:a16="http://schemas.microsoft.com/office/drawing/2014/main" id="{9C9B70BA-BC6D-4BF3-A61B-589838ABCF58}"/>
+              </a:ext>
+            </a:extLst>
+          </p:cNvPr>
+          <p:cNvPicPr>
+            <a:picLocks noChangeAspect="1"/>
+          </p:cNvPicPr>
+          <p:nvPr/>
+        </p:nvPicPr>
+        <p:blipFill>
+          <a:blip r:embed="rId2">
+            <a:extLst>
+              <a:ext uri="{28A0092B-C50C-407E-A947-70E740481C1C}">
+                <a14:useLocalDpi xmlns:a14="http://schemas.microsoft.com/office/drawing/2010/main" val="0"/>
+              </a:ext>
+            </a:extLst>
+          </a:blip>
+          <a:srcRect/>
+          <a:stretch/>
+        </p:blipFill>
+        <p:spPr>
+          <a:xfrm>
+            <a:off x="1825758" y="1455789"/>
+            <a:ext cx="9075055" cy="5402211"/>
+          </a:xfrm>
+          <a:prstGeom prst="rect">
+            <a:avLst/>
+          </a:prstGeom>
+        </p:spPr>
+      </p:pic>
+      <p:sp>
+        <p:nvSpPr>
+          <p:cNvPr id="4" name="Slide Number Placeholder 3">
+            <a:extLst>
+              <a:ext uri="{FF2B5EF4-FFF2-40B4-BE49-F238E27FC236}">
+                <a16:creationId xmlns:a16="http://schemas.microsoft.com/office/drawing/2014/main" id="{7448BF2A-1F67-45F3-9E5B-A0E949BC49D6}"/>
+              </a:ext>
+            </a:extLst>
+          </p:cNvPr>
+          <p:cNvSpPr>
+            <a:spLocks noGrp="1"/>
+          </p:cNvSpPr>
+          <p:nvPr>
+            <p:ph type="sldNum" sz="quarter" idx="12"/>
+          </p:nvPr>
+        </p:nvSpPr>
+        <p:spPr/>
+        <p:txBody>
+          <a:bodyPr/>
+          <a:lstStyle/>
+          <a:p>
+            <a:fld id="{8F224621-ADB6-4DE2-A945-BF9C42D66C16}" type="slidenum">
+              <a:rPr lang="LID4096" smtClean="0"/>
+              <a:pPr/>
+              <a:t>14</a:t>
+            </a:fld>
+            <a:endParaRPr lang="LID4096" dirty="0"/>
+          </a:p>
+        </p:txBody>
+      </p:sp>
+      <p:sp>
+        <p:nvSpPr>
+          <p:cNvPr id="3" name="Google Shape;62;p14">
+            <a:extLst>
+              <a:ext uri="{FF2B5EF4-FFF2-40B4-BE49-F238E27FC236}">
+                <a16:creationId xmlns:a16="http://schemas.microsoft.com/office/drawing/2014/main" id="{E155BFF9-202C-475B-A266-871949978C02}"/>
+              </a:ext>
+            </a:extLst>
+          </p:cNvPr>
+          <p:cNvSpPr txBox="1">
+            <a:spLocks/>
+          </p:cNvSpPr>
+          <p:nvPr/>
+        </p:nvSpPr>
+        <p:spPr>
+          <a:xfrm>
+            <a:off x="415600" y="247650"/>
+            <a:ext cx="11360800" cy="834800"/>
+          </a:xfrm>
+          <a:prstGeom prst="rect">
+            <a:avLst/>
+          </a:prstGeom>
+        </p:spPr>
+        <p:txBody>
+          <a:bodyPr spcFirstLastPara="1" vert="horz" wrap="square" lIns="121900" tIns="121900" rIns="121900" bIns="121900" rtlCol="0" anchor="b" anchorCtr="0">
+            <a:noAutofit/>
+          </a:bodyPr>
+          <a:lstStyle>
+            <a:lvl1pPr algn="l" defTabSz="914400" rtl="0" eaLnBrk="1" latinLnBrk="0" hangingPunct="1">
+              <a:lnSpc>
+                <a:spcPct val="90000"/>
+              </a:lnSpc>
+              <a:spcBef>
+                <a:spcPct val="0"/>
+              </a:spcBef>
+              <a:buNone/>
+              <a:defRPr sz="4400" kern="1200">
+                <a:solidFill>
+                  <a:schemeClr val="tx1"/>
+                </a:solidFill>
+                <a:latin typeface="+mj-lt"/>
+                <a:ea typeface="+mj-ea"/>
+                <a:cs typeface="+mj-cs"/>
+              </a:defRPr>
+            </a:lvl1pPr>
+          </a:lstStyle>
+          <a:p>
+            <a:pPr algn="ctr">
+              <a:spcBef>
+                <a:spcPts val="0"/>
+              </a:spcBef>
+            </a:pPr>
+            <a:r>
+              <a:rPr lang="en-US" sz="4800" b="1" dirty="0">
+                <a:latin typeface="Arial" panose="020B0604020202020204" pitchFamily="34" charset="0"/>
+                <a:cs typeface="Arial" panose="020B0604020202020204" pitchFamily="34" charset="0"/>
+              </a:rPr>
+              <a:t>Discrete Fourier Transform</a:t>
+            </a:r>
+          </a:p>
+        </p:txBody>
+      </p:sp>
+      <p:sp>
+        <p:nvSpPr>
+          <p:cNvPr id="2" name="TextBox 1">
+            <a:extLst>
+              <a:ext uri="{FF2B5EF4-FFF2-40B4-BE49-F238E27FC236}">
+                <a16:creationId xmlns:a16="http://schemas.microsoft.com/office/drawing/2014/main" id="{53ABD063-A521-46C8-B4A4-E3C1658CCE94}"/>
+              </a:ext>
+            </a:extLst>
+          </p:cNvPr>
+          <p:cNvSpPr txBox="1"/>
+          <p:nvPr/>
+        </p:nvSpPr>
+        <p:spPr>
+          <a:xfrm>
+            <a:off x="2062844" y="1082450"/>
+            <a:ext cx="9075056" cy="646331"/>
+          </a:xfrm>
+          <a:prstGeom prst="rect">
+            <a:avLst/>
+          </a:prstGeom>
+          <a:noFill/>
+        </p:spPr>
+        <p:txBody>
+          <a:bodyPr wrap="square" rtlCol="0">
+            <a:spAutoFit/>
+          </a:bodyPr>
+          <a:lstStyle/>
+          <a:p>
+            <a:r>
+              <a:rPr lang="en-GB" sz="3600" b="1" dirty="0">
+                <a:solidFill>
+                  <a:schemeClr val="tx1">
+                    <a:lumMod val="65000"/>
+                    <a:lumOff val="35000"/>
+                  </a:schemeClr>
+                </a:solidFill>
+                <a:latin typeface="Arial" panose="020B0604020202020204" pitchFamily="34" charset="0"/>
+                <a:cs typeface="Arial" panose="020B0604020202020204" pitchFamily="34" charset="0"/>
+              </a:rPr>
+              <a:t>1. Nyquist-Shannon theorem</a:t>
+            </a:r>
+          </a:p>
+        </p:txBody>
+      </p:sp>
+    </p:spTree>
+    <p:extLst>
+      <p:ext uri="{BB962C8B-B14F-4D97-AF65-F5344CB8AC3E}">
+        <p14:creationId xmlns:p14="http://schemas.microsoft.com/office/powerpoint/2010/main" val="1695201300"/>
+      </p:ext>
+    </p:extLst>
+  </p:cSld>
+  <p:clrMapOvr>
+    <a:masterClrMapping/>
+  </p:clrMapOvr>
+</p:sld>
+</file>
+
+<file path=ppt/slides/slide15.xml><?xml version="1.0" encoding="utf-8"?>
+<p:sld xmlns:a="http://schemas.openxmlformats.org/drawingml/2006/main" xmlns:r="http://schemas.openxmlformats.org/officeDocument/2006/relationships" xmlns:p="http://schemas.openxmlformats.org/presentationml/2006/main">
+  <p:cSld>
+    <p:spTree>
+      <p:nvGrpSpPr>
+        <p:cNvPr id="1" name=""/>
+        <p:cNvGrpSpPr/>
+        <p:nvPr/>
+      </p:nvGrpSpPr>
+      <p:grpSpPr>
+        <a:xfrm>
+          <a:off x="0" y="0"/>
+          <a:ext cx="0" cy="0"/>
+          <a:chOff x="0" y="0"/>
+          <a:chExt cx="0" cy="0"/>
+        </a:xfrm>
+      </p:grpSpPr>
+      <p:pic>
+        <p:nvPicPr>
+          <p:cNvPr id="7" name="Picture 6">
+            <a:extLst>
+              <a:ext uri="{FF2B5EF4-FFF2-40B4-BE49-F238E27FC236}">
+                <a16:creationId xmlns:a16="http://schemas.microsoft.com/office/drawing/2014/main" id="{9C9B70BA-BC6D-4BF3-A61B-589838ABCF58}"/>
+              </a:ext>
+            </a:extLst>
+          </p:cNvPr>
+          <p:cNvPicPr>
+            <a:picLocks noChangeAspect="1"/>
+          </p:cNvPicPr>
+          <p:nvPr/>
+        </p:nvPicPr>
+        <p:blipFill>
+          <a:blip r:embed="rId2">
+            <a:extLst>
+              <a:ext uri="{28A0092B-C50C-407E-A947-70E740481C1C}">
+                <a14:useLocalDpi xmlns:a14="http://schemas.microsoft.com/office/drawing/2010/main" val="0"/>
+              </a:ext>
+            </a:extLst>
+          </a:blip>
+          <a:srcRect/>
+          <a:stretch/>
+        </p:blipFill>
+        <p:spPr>
+          <a:xfrm>
+            <a:off x="1825758" y="1455789"/>
+            <a:ext cx="9075055" cy="5402211"/>
+          </a:xfrm>
+          <a:prstGeom prst="rect">
+            <a:avLst/>
+          </a:prstGeom>
+        </p:spPr>
+      </p:pic>
+      <p:sp>
+        <p:nvSpPr>
+          <p:cNvPr id="4" name="Slide Number Placeholder 3">
+            <a:extLst>
+              <a:ext uri="{FF2B5EF4-FFF2-40B4-BE49-F238E27FC236}">
+                <a16:creationId xmlns:a16="http://schemas.microsoft.com/office/drawing/2014/main" id="{7448BF2A-1F67-45F3-9E5B-A0E949BC49D6}"/>
+              </a:ext>
+            </a:extLst>
+          </p:cNvPr>
+          <p:cNvSpPr>
+            <a:spLocks noGrp="1"/>
+          </p:cNvSpPr>
+          <p:nvPr>
+            <p:ph type="sldNum" sz="quarter" idx="12"/>
+          </p:nvPr>
+        </p:nvSpPr>
+        <p:spPr/>
+        <p:txBody>
+          <a:bodyPr/>
+          <a:lstStyle/>
+          <a:p>
+            <a:fld id="{8F224621-ADB6-4DE2-A945-BF9C42D66C16}" type="slidenum">
+              <a:rPr lang="LID4096" smtClean="0"/>
+              <a:pPr/>
+              <a:t>15</a:t>
+            </a:fld>
+            <a:endParaRPr lang="LID4096" dirty="0"/>
+          </a:p>
+        </p:txBody>
+      </p:sp>
+      <p:sp>
+        <p:nvSpPr>
+          <p:cNvPr id="3" name="Google Shape;62;p14">
+            <a:extLst>
+              <a:ext uri="{FF2B5EF4-FFF2-40B4-BE49-F238E27FC236}">
+                <a16:creationId xmlns:a16="http://schemas.microsoft.com/office/drawing/2014/main" id="{E155BFF9-202C-475B-A266-871949978C02}"/>
+              </a:ext>
+            </a:extLst>
+          </p:cNvPr>
+          <p:cNvSpPr txBox="1">
+            <a:spLocks/>
+          </p:cNvSpPr>
+          <p:nvPr/>
+        </p:nvSpPr>
+        <p:spPr>
+          <a:xfrm>
+            <a:off x="415600" y="247650"/>
+            <a:ext cx="11360800" cy="834800"/>
+          </a:xfrm>
+          <a:prstGeom prst="rect">
+            <a:avLst/>
+          </a:prstGeom>
+        </p:spPr>
+        <p:txBody>
+          <a:bodyPr spcFirstLastPara="1" vert="horz" wrap="square" lIns="121900" tIns="121900" rIns="121900" bIns="121900" rtlCol="0" anchor="b" anchorCtr="0">
+            <a:noAutofit/>
+          </a:bodyPr>
+          <a:lstStyle>
+            <a:lvl1pPr algn="l" defTabSz="914400" rtl="0" eaLnBrk="1" latinLnBrk="0" hangingPunct="1">
+              <a:lnSpc>
+                <a:spcPct val="90000"/>
+              </a:lnSpc>
+              <a:spcBef>
+                <a:spcPct val="0"/>
+              </a:spcBef>
+              <a:buNone/>
+              <a:defRPr sz="4400" kern="1200">
+                <a:solidFill>
+                  <a:schemeClr val="tx1"/>
+                </a:solidFill>
+                <a:latin typeface="+mj-lt"/>
+                <a:ea typeface="+mj-ea"/>
+                <a:cs typeface="+mj-cs"/>
+              </a:defRPr>
+            </a:lvl1pPr>
+          </a:lstStyle>
+          <a:p>
+            <a:pPr algn="ctr">
+              <a:spcBef>
+                <a:spcPts val="0"/>
+              </a:spcBef>
+            </a:pPr>
+            <a:r>
+              <a:rPr lang="en-US" sz="4800" b="1" dirty="0">
+                <a:latin typeface="Arial" panose="020B0604020202020204" pitchFamily="34" charset="0"/>
+                <a:cs typeface="Arial" panose="020B0604020202020204" pitchFamily="34" charset="0"/>
+              </a:rPr>
+              <a:t>Discrete Fourier Transform</a:t>
+            </a:r>
+          </a:p>
+        </p:txBody>
+      </p:sp>
+      <p:sp>
+        <p:nvSpPr>
+          <p:cNvPr id="2" name="TextBox 1">
+            <a:extLst>
+              <a:ext uri="{FF2B5EF4-FFF2-40B4-BE49-F238E27FC236}">
+                <a16:creationId xmlns:a16="http://schemas.microsoft.com/office/drawing/2014/main" id="{B0C910E0-8B8D-414B-9D90-24187F323FB8}"/>
+              </a:ext>
+            </a:extLst>
+          </p:cNvPr>
+          <p:cNvSpPr txBox="1"/>
+          <p:nvPr/>
+        </p:nvSpPr>
+        <p:spPr>
+          <a:xfrm>
+            <a:off x="2062844" y="1082450"/>
+            <a:ext cx="9075056" cy="646331"/>
+          </a:xfrm>
+          <a:prstGeom prst="rect">
+            <a:avLst/>
+          </a:prstGeom>
+          <a:noFill/>
+        </p:spPr>
+        <p:txBody>
+          <a:bodyPr wrap="square" rtlCol="0">
+            <a:spAutoFit/>
+          </a:bodyPr>
+          <a:lstStyle/>
+          <a:p>
+            <a:r>
+              <a:rPr lang="en-GB" sz="3600" b="1" dirty="0">
+                <a:solidFill>
+                  <a:schemeClr val="tx1">
+                    <a:lumMod val="65000"/>
+                    <a:lumOff val="35000"/>
+                  </a:schemeClr>
+                </a:solidFill>
+                <a:latin typeface="Arial" panose="020B0604020202020204" pitchFamily="34" charset="0"/>
+                <a:cs typeface="Arial" panose="020B0604020202020204" pitchFamily="34" charset="0"/>
+              </a:rPr>
+              <a:t>1. Nyquist-Shannon theorem</a:t>
+            </a:r>
+          </a:p>
+        </p:txBody>
+      </p:sp>
+    </p:spTree>
+    <p:extLst>
+      <p:ext uri="{BB962C8B-B14F-4D97-AF65-F5344CB8AC3E}">
+        <p14:creationId xmlns:p14="http://schemas.microsoft.com/office/powerpoint/2010/main" val="3282747896"/>
+      </p:ext>
+    </p:extLst>
+  </p:cSld>
+  <p:clrMapOvr>
+    <a:masterClrMapping/>
+  </p:clrMapOvr>
+</p:sld>
+</file>
+
+<file path=ppt/slides/slide16.xml><?xml version="1.0" encoding="utf-8"?>
+<p:sld xmlns:a="http://schemas.openxmlformats.org/drawingml/2006/main" xmlns:r="http://schemas.openxmlformats.org/officeDocument/2006/relationships" xmlns:p="http://schemas.openxmlformats.org/presentationml/2006/main">
+  <p:cSld>
+    <p:spTree>
+      <p:nvGrpSpPr>
+        <p:cNvPr id="1" name=""/>
+        <p:cNvGrpSpPr/>
+        <p:nvPr/>
+      </p:nvGrpSpPr>
+      <p:grpSpPr>
+        <a:xfrm>
+          <a:off x="0" y="0"/>
+          <a:ext cx="0" cy="0"/>
+          <a:chOff x="0" y="0"/>
+          <a:chExt cx="0" cy="0"/>
+        </a:xfrm>
+      </p:grpSpPr>
+      <p:sp>
+        <p:nvSpPr>
+          <p:cNvPr id="4" name="Slide Number Placeholder 3">
+            <a:extLst>
+              <a:ext uri="{FF2B5EF4-FFF2-40B4-BE49-F238E27FC236}">
+                <a16:creationId xmlns:a16="http://schemas.microsoft.com/office/drawing/2014/main" id="{7448BF2A-1F67-45F3-9E5B-A0E949BC49D6}"/>
+              </a:ext>
+            </a:extLst>
+          </p:cNvPr>
+          <p:cNvSpPr>
+            <a:spLocks noGrp="1"/>
+          </p:cNvSpPr>
+          <p:nvPr>
+            <p:ph type="sldNum" sz="quarter" idx="12"/>
+          </p:nvPr>
+        </p:nvSpPr>
+        <p:spPr/>
+        <p:txBody>
+          <a:bodyPr/>
+          <a:lstStyle/>
+          <a:p>
+            <a:fld id="{8F224621-ADB6-4DE2-A945-BF9C42D66C16}" type="slidenum">
+              <a:rPr lang="LID4096" smtClean="0"/>
+              <a:pPr/>
+              <a:t>16</a:t>
+            </a:fld>
+            <a:endParaRPr lang="LID4096" dirty="0"/>
+          </a:p>
+        </p:txBody>
+      </p:sp>
+      <p:sp>
+        <p:nvSpPr>
+          <p:cNvPr id="3" name="Google Shape;62;p14">
+            <a:extLst>
+              <a:ext uri="{FF2B5EF4-FFF2-40B4-BE49-F238E27FC236}">
+                <a16:creationId xmlns:a16="http://schemas.microsoft.com/office/drawing/2014/main" id="{E155BFF9-202C-475B-A266-871949978C02}"/>
+              </a:ext>
+            </a:extLst>
+          </p:cNvPr>
+          <p:cNvSpPr txBox="1">
+            <a:spLocks/>
+          </p:cNvSpPr>
+          <p:nvPr/>
+        </p:nvSpPr>
+        <p:spPr>
+          <a:xfrm>
+            <a:off x="415600" y="247650"/>
+            <a:ext cx="11360800" cy="834800"/>
+          </a:xfrm>
+          <a:prstGeom prst="rect">
+            <a:avLst/>
+          </a:prstGeom>
+        </p:spPr>
+        <p:txBody>
+          <a:bodyPr spcFirstLastPara="1" vert="horz" wrap="square" lIns="121900" tIns="121900" rIns="121900" bIns="121900" rtlCol="0" anchor="b" anchorCtr="0">
+            <a:noAutofit/>
+          </a:bodyPr>
+          <a:lstStyle>
+            <a:lvl1pPr algn="l" defTabSz="914400" rtl="0" eaLnBrk="1" latinLnBrk="0" hangingPunct="1">
+              <a:lnSpc>
+                <a:spcPct val="90000"/>
+              </a:lnSpc>
+              <a:spcBef>
+                <a:spcPct val="0"/>
+              </a:spcBef>
+              <a:buNone/>
+              <a:defRPr sz="4400" kern="1200">
+                <a:solidFill>
+                  <a:schemeClr val="tx1"/>
+                </a:solidFill>
+                <a:latin typeface="+mj-lt"/>
+                <a:ea typeface="+mj-ea"/>
+                <a:cs typeface="+mj-cs"/>
+              </a:defRPr>
+            </a:lvl1pPr>
+          </a:lstStyle>
+          <a:p>
+            <a:pPr algn="ctr">
+              <a:spcBef>
+                <a:spcPts val="0"/>
+              </a:spcBef>
+            </a:pPr>
+            <a:r>
+              <a:rPr lang="en-US" sz="4800" b="1" dirty="0">
+                <a:latin typeface="Arial" panose="020B0604020202020204" pitchFamily="34" charset="0"/>
+                <a:cs typeface="Arial" panose="020B0604020202020204" pitchFamily="34" charset="0"/>
+              </a:rPr>
+              <a:t>Discrete Fourier Transform</a:t>
+            </a:r>
+          </a:p>
+        </p:txBody>
+      </p:sp>
+      <p:sp>
+        <p:nvSpPr>
+          <p:cNvPr id="2" name="TextBox 1">
+            <a:extLst>
+              <a:ext uri="{FF2B5EF4-FFF2-40B4-BE49-F238E27FC236}">
+                <a16:creationId xmlns:a16="http://schemas.microsoft.com/office/drawing/2014/main" id="{50D5BAAA-B6CF-4151-BE00-2816038A6D57}"/>
+              </a:ext>
+            </a:extLst>
+          </p:cNvPr>
+          <p:cNvSpPr txBox="1"/>
+          <p:nvPr/>
+        </p:nvSpPr>
+        <p:spPr>
+          <a:xfrm>
+            <a:off x="2062844" y="1082450"/>
+            <a:ext cx="9075056" cy="646331"/>
+          </a:xfrm>
+          <a:prstGeom prst="rect">
+            <a:avLst/>
+          </a:prstGeom>
+          <a:noFill/>
+        </p:spPr>
+        <p:txBody>
+          <a:bodyPr wrap="square" rtlCol="0">
+            <a:spAutoFit/>
+          </a:bodyPr>
+          <a:lstStyle/>
+          <a:p>
+            <a:r>
+              <a:rPr lang="en-GB" sz="3600" b="1" dirty="0">
+                <a:solidFill>
+                  <a:schemeClr val="tx1">
+                    <a:lumMod val="65000"/>
+                    <a:lumOff val="35000"/>
+                  </a:schemeClr>
+                </a:solidFill>
+                <a:latin typeface="Arial" panose="020B0604020202020204" pitchFamily="34" charset="0"/>
+                <a:cs typeface="Arial" panose="020B0604020202020204" pitchFamily="34" charset="0"/>
+              </a:rPr>
+              <a:t>2. Periodicity</a:t>
+            </a:r>
+          </a:p>
+        </p:txBody>
+      </p:sp>
+      <p:sp>
+        <p:nvSpPr>
+          <p:cNvPr id="11" name="TextBox 10">
+            <a:extLst>
+              <a:ext uri="{FF2B5EF4-FFF2-40B4-BE49-F238E27FC236}">
+                <a16:creationId xmlns:a16="http://schemas.microsoft.com/office/drawing/2014/main" id="{DB12D3B7-D54C-4522-BDCE-F28F057AFDF4}"/>
+              </a:ext>
+            </a:extLst>
+          </p:cNvPr>
+          <p:cNvSpPr txBox="1"/>
+          <p:nvPr/>
+        </p:nvSpPr>
+        <p:spPr>
+          <a:xfrm>
+            <a:off x="2062845" y="1917250"/>
+            <a:ext cx="8431654" cy="1200329"/>
+          </a:xfrm>
+          <a:prstGeom prst="rect">
+            <a:avLst/>
+          </a:prstGeom>
+          <a:noFill/>
+        </p:spPr>
+        <p:txBody>
+          <a:bodyPr wrap="square" rtlCol="0">
+            <a:spAutoFit/>
+          </a:bodyPr>
+          <a:lstStyle/>
+          <a:p>
+            <a:r>
+              <a:rPr lang="en-GB" sz="3600" dirty="0">
+                <a:latin typeface="Arial" panose="020B0604020202020204" pitchFamily="34" charset="0"/>
+                <a:cs typeface="Arial" panose="020B0604020202020204" pitchFamily="34" charset="0"/>
+              </a:rPr>
+              <a:t>DFT assumes that the underlying signal is periodic for all time.</a:t>
+            </a:r>
+          </a:p>
+        </p:txBody>
+      </p:sp>
+    </p:spTree>
+    <p:extLst>
+      <p:ext uri="{BB962C8B-B14F-4D97-AF65-F5344CB8AC3E}">
+        <p14:creationId xmlns:p14="http://schemas.microsoft.com/office/powerpoint/2010/main" val="2629282689"/>
+      </p:ext>
+    </p:extLst>
+  </p:cSld>
+  <p:clrMapOvr>
+    <a:masterClrMapping/>
+  </p:clrMapOvr>
+</p:sld>
+</file>
+
+<file path=ppt/slides/slide17.xml><?xml version="1.0" encoding="utf-8"?>
+<p:sld xmlns:a="http://schemas.openxmlformats.org/drawingml/2006/main" xmlns:r="http://schemas.openxmlformats.org/officeDocument/2006/relationships" xmlns:p="http://schemas.openxmlformats.org/presentationml/2006/main">
+  <p:cSld>
+    <p:spTree>
+      <p:nvGrpSpPr>
+        <p:cNvPr id="1" name=""/>
+        <p:cNvGrpSpPr/>
+        <p:nvPr/>
+      </p:nvGrpSpPr>
+      <p:grpSpPr>
+        <a:xfrm>
+          <a:off x="0" y="0"/>
+          <a:ext cx="0" cy="0"/>
+          <a:chOff x="0" y="0"/>
+          <a:chExt cx="0" cy="0"/>
+        </a:xfrm>
+      </p:grpSpPr>
+      <p:pic>
+        <p:nvPicPr>
+          <p:cNvPr id="6" name="Picture 5" descr="A screenshot of a cell phone&#10;&#10;Description automatically generated">
+            <a:extLst>
+              <a:ext uri="{FF2B5EF4-FFF2-40B4-BE49-F238E27FC236}">
+                <a16:creationId xmlns:a16="http://schemas.microsoft.com/office/drawing/2014/main" id="{3095B9F8-3266-4A8B-B550-F4BDF1D47376}"/>
+              </a:ext>
+            </a:extLst>
+          </p:cNvPr>
+          <p:cNvPicPr>
+            <a:picLocks noChangeAspect="1"/>
+          </p:cNvPicPr>
+          <p:nvPr/>
+        </p:nvPicPr>
+        <p:blipFill>
+          <a:blip r:embed="rId2">
+            <a:extLst>
+              <a:ext uri="{28A0092B-C50C-407E-A947-70E740481C1C}">
+                <a14:useLocalDpi xmlns:a14="http://schemas.microsoft.com/office/drawing/2010/main" val="0"/>
+              </a:ext>
+            </a:extLst>
+          </a:blip>
+          <a:stretch>
+            <a:fillRect/>
+          </a:stretch>
+        </p:blipFill>
+        <p:spPr>
+          <a:xfrm>
+            <a:off x="2494671" y="1458065"/>
+            <a:ext cx="7202658" cy="5399936"/>
+          </a:xfrm>
+          <a:prstGeom prst="rect">
+            <a:avLst/>
+          </a:prstGeom>
+        </p:spPr>
+      </p:pic>
+      <p:sp>
+        <p:nvSpPr>
+          <p:cNvPr id="4" name="Slide Number Placeholder 3">
+            <a:extLst>
+              <a:ext uri="{FF2B5EF4-FFF2-40B4-BE49-F238E27FC236}">
+                <a16:creationId xmlns:a16="http://schemas.microsoft.com/office/drawing/2014/main" id="{7448BF2A-1F67-45F3-9E5B-A0E949BC49D6}"/>
+              </a:ext>
+            </a:extLst>
+          </p:cNvPr>
+          <p:cNvSpPr>
+            <a:spLocks noGrp="1"/>
+          </p:cNvSpPr>
+          <p:nvPr>
+            <p:ph type="sldNum" sz="quarter" idx="12"/>
+          </p:nvPr>
+        </p:nvSpPr>
+        <p:spPr/>
+        <p:txBody>
+          <a:bodyPr/>
+          <a:lstStyle/>
+          <a:p>
+            <a:fld id="{8F224621-ADB6-4DE2-A945-BF9C42D66C16}" type="slidenum">
+              <a:rPr lang="LID4096" smtClean="0"/>
+              <a:pPr/>
+              <a:t>17</a:t>
+            </a:fld>
+            <a:endParaRPr lang="LID4096" dirty="0"/>
+          </a:p>
+        </p:txBody>
+      </p:sp>
+      <p:sp>
+        <p:nvSpPr>
+          <p:cNvPr id="3" name="Google Shape;62;p14">
+            <a:extLst>
+              <a:ext uri="{FF2B5EF4-FFF2-40B4-BE49-F238E27FC236}">
+                <a16:creationId xmlns:a16="http://schemas.microsoft.com/office/drawing/2014/main" id="{E155BFF9-202C-475B-A266-871949978C02}"/>
+              </a:ext>
+            </a:extLst>
+          </p:cNvPr>
+          <p:cNvSpPr txBox="1">
+            <a:spLocks/>
+          </p:cNvSpPr>
+          <p:nvPr/>
+        </p:nvSpPr>
+        <p:spPr>
+          <a:xfrm>
+            <a:off x="415600" y="247650"/>
+            <a:ext cx="11360800" cy="834800"/>
+          </a:xfrm>
+          <a:prstGeom prst="rect">
+            <a:avLst/>
+          </a:prstGeom>
+        </p:spPr>
+        <p:txBody>
+          <a:bodyPr spcFirstLastPara="1" vert="horz" wrap="square" lIns="121900" tIns="121900" rIns="121900" bIns="121900" rtlCol="0" anchor="b" anchorCtr="0">
+            <a:noAutofit/>
+          </a:bodyPr>
+          <a:lstStyle>
+            <a:lvl1pPr algn="l" defTabSz="914400" rtl="0" eaLnBrk="1" latinLnBrk="0" hangingPunct="1">
+              <a:lnSpc>
+                <a:spcPct val="90000"/>
+              </a:lnSpc>
+              <a:spcBef>
+                <a:spcPct val="0"/>
+              </a:spcBef>
+              <a:buNone/>
+              <a:defRPr sz="4400" kern="1200">
+                <a:solidFill>
+                  <a:schemeClr val="tx1"/>
+                </a:solidFill>
+                <a:latin typeface="+mj-lt"/>
+                <a:ea typeface="+mj-ea"/>
+                <a:cs typeface="+mj-cs"/>
+              </a:defRPr>
+            </a:lvl1pPr>
+          </a:lstStyle>
+          <a:p>
+            <a:pPr algn="ctr">
+              <a:spcBef>
+                <a:spcPts val="0"/>
+              </a:spcBef>
+            </a:pPr>
+            <a:r>
+              <a:rPr lang="en-US" sz="4800" b="1" dirty="0">
+                <a:latin typeface="Arial" panose="020B0604020202020204" pitchFamily="34" charset="0"/>
+                <a:cs typeface="Arial" panose="020B0604020202020204" pitchFamily="34" charset="0"/>
+              </a:rPr>
+              <a:t>Discrete Fourier Transform</a:t>
+            </a:r>
+          </a:p>
+        </p:txBody>
+      </p:sp>
+      <p:sp>
+        <p:nvSpPr>
+          <p:cNvPr id="2" name="TextBox 1">
+            <a:extLst>
+              <a:ext uri="{FF2B5EF4-FFF2-40B4-BE49-F238E27FC236}">
+                <a16:creationId xmlns:a16="http://schemas.microsoft.com/office/drawing/2014/main" id="{50D5BAAA-B6CF-4151-BE00-2816038A6D57}"/>
+              </a:ext>
+            </a:extLst>
+          </p:cNvPr>
+          <p:cNvSpPr txBox="1"/>
+          <p:nvPr/>
+        </p:nvSpPr>
+        <p:spPr>
+          <a:xfrm>
+            <a:off x="2062844" y="1082450"/>
+            <a:ext cx="9075056" cy="646331"/>
+          </a:xfrm>
+          <a:prstGeom prst="rect">
+            <a:avLst/>
+          </a:prstGeom>
+          <a:noFill/>
+        </p:spPr>
+        <p:txBody>
+          <a:bodyPr wrap="square" rtlCol="0">
+            <a:spAutoFit/>
+          </a:bodyPr>
+          <a:lstStyle/>
+          <a:p>
+            <a:r>
+              <a:rPr lang="en-GB" sz="3600" b="1" dirty="0">
+                <a:solidFill>
+                  <a:schemeClr val="tx1">
+                    <a:lumMod val="65000"/>
+                    <a:lumOff val="35000"/>
+                  </a:schemeClr>
+                </a:solidFill>
+                <a:latin typeface="Arial" panose="020B0604020202020204" pitchFamily="34" charset="0"/>
+                <a:cs typeface="Arial" panose="020B0604020202020204" pitchFamily="34" charset="0"/>
+              </a:rPr>
+              <a:t>3. Leakage</a:t>
+            </a:r>
+          </a:p>
+        </p:txBody>
+      </p:sp>
+    </p:spTree>
+    <p:extLst>
+      <p:ext uri="{BB962C8B-B14F-4D97-AF65-F5344CB8AC3E}">
+        <p14:creationId xmlns:p14="http://schemas.microsoft.com/office/powerpoint/2010/main" val="868571837"/>
+      </p:ext>
+    </p:extLst>
+  </p:cSld>
+  <p:clrMapOvr>
+    <a:masterClrMapping/>
+  </p:clrMapOvr>
+</p:sld>
+</file>
+
+<file path=ppt/slides/slide18.xml><?xml version="1.0" encoding="utf-8"?>
+<p:sld xmlns:a="http://schemas.openxmlformats.org/drawingml/2006/main" xmlns:r="http://schemas.openxmlformats.org/officeDocument/2006/relationships" xmlns:p="http://schemas.openxmlformats.org/presentationml/2006/main">
+  <p:cSld>
+    <p:spTree>
+      <p:nvGrpSpPr>
+        <p:cNvPr id="1" name=""/>
+        <p:cNvGrpSpPr/>
+        <p:nvPr/>
+      </p:nvGrpSpPr>
+      <p:grpSpPr>
+        <a:xfrm>
+          <a:off x="0" y="0"/>
+          <a:ext cx="0" cy="0"/>
+          <a:chOff x="0" y="0"/>
+          <a:chExt cx="0" cy="0"/>
+        </a:xfrm>
+      </p:grpSpPr>
+      <p:pic>
+        <p:nvPicPr>
+          <p:cNvPr id="6" name="Picture 5">
+            <a:extLst>
+              <a:ext uri="{FF2B5EF4-FFF2-40B4-BE49-F238E27FC236}">
+                <a16:creationId xmlns:a16="http://schemas.microsoft.com/office/drawing/2014/main" id="{3095B9F8-3266-4A8B-B550-F4BDF1D47376}"/>
+              </a:ext>
+            </a:extLst>
+          </p:cNvPr>
+          <p:cNvPicPr>
+            <a:picLocks noChangeAspect="1"/>
+          </p:cNvPicPr>
+          <p:nvPr/>
+        </p:nvPicPr>
+        <p:blipFill>
+          <a:blip r:embed="rId2">
+            <a:extLst>
+              <a:ext uri="{28A0092B-C50C-407E-A947-70E740481C1C}">
+                <a14:useLocalDpi xmlns:a14="http://schemas.microsoft.com/office/drawing/2010/main" val="0"/>
+              </a:ext>
+            </a:extLst>
+          </a:blip>
+          <a:srcRect/>
+          <a:stretch/>
+        </p:blipFill>
+        <p:spPr>
+          <a:xfrm>
+            <a:off x="2494671" y="1458065"/>
+            <a:ext cx="7202658" cy="5399935"/>
+          </a:xfrm>
+          <a:prstGeom prst="rect">
+            <a:avLst/>
+          </a:prstGeom>
+        </p:spPr>
+      </p:pic>
+      <p:sp>
+        <p:nvSpPr>
+          <p:cNvPr id="4" name="Slide Number Placeholder 3">
+            <a:extLst>
+              <a:ext uri="{FF2B5EF4-FFF2-40B4-BE49-F238E27FC236}">
+                <a16:creationId xmlns:a16="http://schemas.microsoft.com/office/drawing/2014/main" id="{7448BF2A-1F67-45F3-9E5B-A0E949BC49D6}"/>
+              </a:ext>
+            </a:extLst>
+          </p:cNvPr>
+          <p:cNvSpPr>
+            <a:spLocks noGrp="1"/>
+          </p:cNvSpPr>
+          <p:nvPr>
+            <p:ph type="sldNum" sz="quarter" idx="12"/>
+          </p:nvPr>
+        </p:nvSpPr>
+        <p:spPr/>
+        <p:txBody>
+          <a:bodyPr/>
+          <a:lstStyle/>
+          <a:p>
+            <a:fld id="{8F224621-ADB6-4DE2-A945-BF9C42D66C16}" type="slidenum">
+              <a:rPr lang="LID4096" smtClean="0"/>
+              <a:pPr/>
+              <a:t>18</a:t>
+            </a:fld>
+            <a:endParaRPr lang="LID4096" dirty="0"/>
+          </a:p>
+        </p:txBody>
+      </p:sp>
+      <p:sp>
+        <p:nvSpPr>
+          <p:cNvPr id="3" name="Google Shape;62;p14">
+            <a:extLst>
+              <a:ext uri="{FF2B5EF4-FFF2-40B4-BE49-F238E27FC236}">
+                <a16:creationId xmlns:a16="http://schemas.microsoft.com/office/drawing/2014/main" id="{E155BFF9-202C-475B-A266-871949978C02}"/>
+              </a:ext>
+            </a:extLst>
+          </p:cNvPr>
+          <p:cNvSpPr txBox="1">
+            <a:spLocks/>
+          </p:cNvSpPr>
+          <p:nvPr/>
+        </p:nvSpPr>
+        <p:spPr>
+          <a:xfrm>
+            <a:off x="415600" y="247650"/>
+            <a:ext cx="11360800" cy="834800"/>
+          </a:xfrm>
+          <a:prstGeom prst="rect">
+            <a:avLst/>
+          </a:prstGeom>
+        </p:spPr>
+        <p:txBody>
+          <a:bodyPr spcFirstLastPara="1" vert="horz" wrap="square" lIns="121900" tIns="121900" rIns="121900" bIns="121900" rtlCol="0" anchor="b" anchorCtr="0">
+            <a:noAutofit/>
+          </a:bodyPr>
+          <a:lstStyle>
+            <a:lvl1pPr algn="l" defTabSz="914400" rtl="0" eaLnBrk="1" latinLnBrk="0" hangingPunct="1">
+              <a:lnSpc>
+                <a:spcPct val="90000"/>
+              </a:lnSpc>
+              <a:spcBef>
+                <a:spcPct val="0"/>
+              </a:spcBef>
+              <a:buNone/>
+              <a:defRPr sz="4400" kern="1200">
+                <a:solidFill>
+                  <a:schemeClr val="tx1"/>
+                </a:solidFill>
+                <a:latin typeface="+mj-lt"/>
+                <a:ea typeface="+mj-ea"/>
+                <a:cs typeface="+mj-cs"/>
+              </a:defRPr>
+            </a:lvl1pPr>
+          </a:lstStyle>
+          <a:p>
+            <a:pPr algn="ctr">
+              <a:spcBef>
+                <a:spcPts val="0"/>
+              </a:spcBef>
+            </a:pPr>
+            <a:r>
+              <a:rPr lang="en-US" sz="4800" b="1" dirty="0">
+                <a:latin typeface="Arial" panose="020B0604020202020204" pitchFamily="34" charset="0"/>
+                <a:cs typeface="Arial" panose="020B0604020202020204" pitchFamily="34" charset="0"/>
+              </a:rPr>
+              <a:t>Discrete Fourier Transform</a:t>
+            </a:r>
+          </a:p>
+        </p:txBody>
+      </p:sp>
+      <p:sp>
+        <p:nvSpPr>
+          <p:cNvPr id="2" name="TextBox 1">
+            <a:extLst>
+              <a:ext uri="{FF2B5EF4-FFF2-40B4-BE49-F238E27FC236}">
+                <a16:creationId xmlns:a16="http://schemas.microsoft.com/office/drawing/2014/main" id="{50D5BAAA-B6CF-4151-BE00-2816038A6D57}"/>
+              </a:ext>
+            </a:extLst>
+          </p:cNvPr>
+          <p:cNvSpPr txBox="1"/>
+          <p:nvPr/>
+        </p:nvSpPr>
+        <p:spPr>
+          <a:xfrm>
+            <a:off x="2062844" y="1082450"/>
+            <a:ext cx="9075056" cy="646331"/>
+          </a:xfrm>
+          <a:prstGeom prst="rect">
+            <a:avLst/>
+          </a:prstGeom>
+          <a:noFill/>
+        </p:spPr>
+        <p:txBody>
+          <a:bodyPr wrap="square" rtlCol="0">
+            <a:spAutoFit/>
+          </a:bodyPr>
+          <a:lstStyle/>
+          <a:p>
+            <a:r>
+              <a:rPr lang="en-GB" sz="3600" b="1" dirty="0">
+                <a:solidFill>
+                  <a:schemeClr val="tx1">
+                    <a:lumMod val="65000"/>
+                    <a:lumOff val="35000"/>
+                  </a:schemeClr>
+                </a:solidFill>
+                <a:latin typeface="Arial" panose="020B0604020202020204" pitchFamily="34" charset="0"/>
+                <a:cs typeface="Arial" panose="020B0604020202020204" pitchFamily="34" charset="0"/>
+              </a:rPr>
+              <a:t>3. Leakage</a:t>
+            </a:r>
+          </a:p>
+        </p:txBody>
+      </p:sp>
+    </p:spTree>
+    <p:extLst>
+      <p:ext uri="{BB962C8B-B14F-4D97-AF65-F5344CB8AC3E}">
+        <p14:creationId xmlns:p14="http://schemas.microsoft.com/office/powerpoint/2010/main" val="37603052"/>
+      </p:ext>
+    </p:extLst>
+  </p:cSld>
+  <p:clrMapOvr>
+    <a:masterClrMapping/>
+  </p:clrMapOvr>
+</p:sld>
+</file>
+
+<file path=ppt/slides/slide19.xml><?xml version="1.0" encoding="utf-8"?>
+<p:sld xmlns:a="http://schemas.openxmlformats.org/drawingml/2006/main" xmlns:r="http://schemas.openxmlformats.org/officeDocument/2006/relationships" xmlns:p="http://schemas.openxmlformats.org/presentationml/2006/main">
+  <p:cSld>
+    <p:spTree>
+      <p:nvGrpSpPr>
+        <p:cNvPr id="1" name=""/>
+        <p:cNvGrpSpPr/>
+        <p:nvPr/>
+      </p:nvGrpSpPr>
+      <p:grpSpPr>
+        <a:xfrm>
+          <a:off x="0" y="0"/>
+          <a:ext cx="0" cy="0"/>
+          <a:chOff x="0" y="0"/>
+          <a:chExt cx="0" cy="0"/>
+        </a:xfrm>
+      </p:grpSpPr>
+      <p:sp>
+        <p:nvSpPr>
+          <p:cNvPr id="4" name="Slide Number Placeholder 3">
+            <a:extLst>
+              <a:ext uri="{FF2B5EF4-FFF2-40B4-BE49-F238E27FC236}">
+                <a16:creationId xmlns:a16="http://schemas.microsoft.com/office/drawing/2014/main" id="{7448BF2A-1F67-45F3-9E5B-A0E949BC49D6}"/>
+              </a:ext>
+            </a:extLst>
+          </p:cNvPr>
+          <p:cNvSpPr>
+            <a:spLocks noGrp="1"/>
+          </p:cNvSpPr>
+          <p:nvPr>
+            <p:ph type="sldNum" sz="quarter" idx="12"/>
+          </p:nvPr>
+        </p:nvSpPr>
+        <p:spPr/>
+        <p:txBody>
+          <a:bodyPr/>
+          <a:lstStyle/>
+          <a:p>
+            <a:fld id="{8F224621-ADB6-4DE2-A945-BF9C42D66C16}" type="slidenum">
+              <a:rPr lang="LID4096" smtClean="0"/>
+              <a:pPr/>
+              <a:t>19</a:t>
+            </a:fld>
+            <a:endParaRPr lang="LID4096" dirty="0"/>
+          </a:p>
+        </p:txBody>
+      </p:sp>
+      <p:sp>
+        <p:nvSpPr>
+          <p:cNvPr id="3" name="Google Shape;62;p14">
+            <a:extLst>
+              <a:ext uri="{FF2B5EF4-FFF2-40B4-BE49-F238E27FC236}">
+                <a16:creationId xmlns:a16="http://schemas.microsoft.com/office/drawing/2014/main" id="{E155BFF9-202C-475B-A266-871949978C02}"/>
+              </a:ext>
+            </a:extLst>
+          </p:cNvPr>
+          <p:cNvSpPr txBox="1">
+            <a:spLocks/>
+          </p:cNvSpPr>
+          <p:nvPr/>
+        </p:nvSpPr>
+        <p:spPr>
+          <a:xfrm>
+            <a:off x="415600" y="247650"/>
+            <a:ext cx="11360800" cy="834800"/>
+          </a:xfrm>
+          <a:prstGeom prst="rect">
+            <a:avLst/>
+          </a:prstGeom>
+        </p:spPr>
+        <p:txBody>
+          <a:bodyPr spcFirstLastPara="1" vert="horz" wrap="square" lIns="121900" tIns="121900" rIns="121900" bIns="121900" rtlCol="0" anchor="b" anchorCtr="0">
+            <a:noAutofit/>
+          </a:bodyPr>
+          <a:lstStyle>
+            <a:lvl1pPr algn="l" defTabSz="914400" rtl="0" eaLnBrk="1" latinLnBrk="0" hangingPunct="1">
+              <a:lnSpc>
+                <a:spcPct val="90000"/>
+              </a:lnSpc>
+              <a:spcBef>
+                <a:spcPct val="0"/>
+              </a:spcBef>
+              <a:buNone/>
+              <a:defRPr sz="4400" kern="1200">
+                <a:solidFill>
+                  <a:schemeClr val="tx1"/>
+                </a:solidFill>
+                <a:latin typeface="+mj-lt"/>
+                <a:ea typeface="+mj-ea"/>
+                <a:cs typeface="+mj-cs"/>
+              </a:defRPr>
+            </a:lvl1pPr>
+          </a:lstStyle>
+          <a:p>
+            <a:pPr algn="ctr">
+              <a:spcBef>
+                <a:spcPts val="0"/>
+              </a:spcBef>
+            </a:pPr>
+            <a:r>
+              <a:rPr lang="en-US" sz="4800" b="1" dirty="0">
+                <a:latin typeface="Arial" panose="020B0604020202020204" pitchFamily="34" charset="0"/>
+                <a:cs typeface="Arial" panose="020B0604020202020204" pitchFamily="34" charset="0"/>
+              </a:rPr>
+              <a:t>Discrete Fourier Transform</a:t>
+            </a:r>
+          </a:p>
+        </p:txBody>
+      </p:sp>
+      <p:sp>
+        <p:nvSpPr>
+          <p:cNvPr id="2" name="TextBox 1">
+            <a:extLst>
+              <a:ext uri="{FF2B5EF4-FFF2-40B4-BE49-F238E27FC236}">
+                <a16:creationId xmlns:a16="http://schemas.microsoft.com/office/drawing/2014/main" id="{50D5BAAA-B6CF-4151-BE00-2816038A6D57}"/>
+              </a:ext>
+            </a:extLst>
+          </p:cNvPr>
+          <p:cNvSpPr txBox="1"/>
+          <p:nvPr/>
+        </p:nvSpPr>
+        <p:spPr>
+          <a:xfrm>
+            <a:off x="2062844" y="1082450"/>
+            <a:ext cx="9075056" cy="646331"/>
+          </a:xfrm>
+          <a:prstGeom prst="rect">
+            <a:avLst/>
+          </a:prstGeom>
+          <a:noFill/>
+        </p:spPr>
+        <p:txBody>
+          <a:bodyPr wrap="square" rtlCol="0">
+            <a:spAutoFit/>
+          </a:bodyPr>
+          <a:lstStyle/>
+          <a:p>
+            <a:r>
+              <a:rPr lang="en-GB" sz="3600" b="1" dirty="0">
+                <a:solidFill>
+                  <a:schemeClr val="tx1">
+                    <a:lumMod val="65000"/>
+                    <a:lumOff val="35000"/>
+                  </a:schemeClr>
+                </a:solidFill>
+                <a:latin typeface="Arial" panose="020B0604020202020204" pitchFamily="34" charset="0"/>
+                <a:cs typeface="Arial" panose="020B0604020202020204" pitchFamily="34" charset="0"/>
+              </a:rPr>
+              <a:t>3. Leakage</a:t>
+            </a:r>
+          </a:p>
+        </p:txBody>
+      </p:sp>
+      <p:pic>
+        <p:nvPicPr>
+          <p:cNvPr id="7" name="Picture 6" descr="A picture containing object, clock&#10;&#10;Description automatically generated">
+            <a:extLst>
+              <a:ext uri="{FF2B5EF4-FFF2-40B4-BE49-F238E27FC236}">
+                <a16:creationId xmlns:a16="http://schemas.microsoft.com/office/drawing/2014/main" id="{B357DED4-DEFA-43AD-B386-BC4C6CD48C58}"/>
+              </a:ext>
+            </a:extLst>
+          </p:cNvPr>
+          <p:cNvPicPr>
+            <a:picLocks noChangeAspect="1"/>
+          </p:cNvPicPr>
+          <p:nvPr/>
+        </p:nvPicPr>
+        <p:blipFill>
+          <a:blip r:embed="rId2">
+            <a:extLst>
+              <a:ext uri="{28A0092B-C50C-407E-A947-70E740481C1C}">
+                <a14:useLocalDpi xmlns:a14="http://schemas.microsoft.com/office/drawing/2010/main" val="0"/>
+              </a:ext>
+            </a:extLst>
+          </a:blip>
+          <a:stretch>
+            <a:fillRect/>
+          </a:stretch>
+        </p:blipFill>
+        <p:spPr>
+          <a:xfrm>
+            <a:off x="3008777" y="2169191"/>
+            <a:ext cx="6174446" cy="1259809"/>
+          </a:xfrm>
+          <a:prstGeom prst="rect">
+            <a:avLst/>
+          </a:prstGeom>
+          <a:ln>
+            <a:solidFill>
+              <a:schemeClr val="tx1">
+                <a:lumMod val="95000"/>
+                <a:lumOff val="5000"/>
+              </a:schemeClr>
+            </a:solidFill>
+          </a:ln>
+        </p:spPr>
+      </p:pic>
+      <p:sp>
+        <p:nvSpPr>
+          <p:cNvPr id="5" name="TextBox 4">
+            <a:extLst>
+              <a:ext uri="{FF2B5EF4-FFF2-40B4-BE49-F238E27FC236}">
+                <a16:creationId xmlns:a16="http://schemas.microsoft.com/office/drawing/2014/main" id="{D937F6A5-5CC6-4009-B508-359C5C7036A1}"/>
+              </a:ext>
+            </a:extLst>
+          </p:cNvPr>
+          <p:cNvSpPr txBox="1"/>
+          <p:nvPr/>
+        </p:nvSpPr>
+        <p:spPr>
+          <a:xfrm>
+            <a:off x="993037" y="3928891"/>
+            <a:ext cx="10205925" cy="1200329"/>
+          </a:xfrm>
+          <a:prstGeom prst="rect">
+            <a:avLst/>
+          </a:prstGeom>
+          <a:noFill/>
+        </p:spPr>
+        <p:txBody>
+          <a:bodyPr wrap="square" rtlCol="0">
+            <a:spAutoFit/>
+          </a:bodyPr>
+          <a:lstStyle/>
+          <a:p>
+            <a:r>
+              <a:rPr lang="en-US" sz="3600" dirty="0">
+                <a:latin typeface="Arial" panose="020B0604020202020204" pitchFamily="34" charset="0"/>
+                <a:cs typeface="Arial" panose="020B0604020202020204" pitchFamily="34" charset="0"/>
+              </a:rPr>
+              <a:t>The measurement time must contain an integer number of periods of the measured signal</a:t>
+            </a:r>
+            <a:endParaRPr lang="en-GB" sz="3600" dirty="0">
+              <a:latin typeface="Arial" panose="020B0604020202020204" pitchFamily="34" charset="0"/>
+              <a:cs typeface="Arial" panose="020B0604020202020204" pitchFamily="34" charset="0"/>
+            </a:endParaRPr>
+          </a:p>
+        </p:txBody>
+      </p:sp>
+    </p:spTree>
+    <p:extLst>
+      <p:ext uri="{BB962C8B-B14F-4D97-AF65-F5344CB8AC3E}">
+        <p14:creationId xmlns:p14="http://schemas.microsoft.com/office/powerpoint/2010/main" val="1702631687"/>
+      </p:ext>
+    </p:extLst>
+  </p:cSld>
+  <p:clrMapOvr>
+    <a:masterClrMapping/>
+  </p:clrMapOvr>
+</p:sld>
+</file>
+
+<file path=ppt/slides/slide2.xml><?xml version="1.0" encoding="utf-8"?>
+<p:sld xmlns:a="http://schemas.openxmlformats.org/drawingml/2006/main" xmlns:r="http://schemas.openxmlformats.org/officeDocument/2006/relationships" xmlns:p="http://schemas.openxmlformats.org/presentationml/2006/main">
+  <p:cSld>
+    <p:spTree>
+      <p:nvGrpSpPr>
+        <p:cNvPr id="1" name=""/>
+        <p:cNvGrpSpPr/>
+        <p:nvPr/>
+      </p:nvGrpSpPr>
+      <p:grpSpPr>
+        <a:xfrm>
+          <a:off x="0" y="0"/>
+          <a:ext cx="0" cy="0"/>
+          <a:chOff x="0" y="0"/>
+          <a:chExt cx="0" cy="0"/>
+        </a:xfrm>
+      </p:grpSpPr>
+      <p:sp>
+        <p:nvSpPr>
+          <p:cNvPr id="4" name="Slide Number Placeholder 3">
+            <a:extLst>
+              <a:ext uri="{FF2B5EF4-FFF2-40B4-BE49-F238E27FC236}">
+                <a16:creationId xmlns:a16="http://schemas.microsoft.com/office/drawing/2014/main" id="{7448BF2A-1F67-45F3-9E5B-A0E949BC49D6}"/>
+              </a:ext>
+            </a:extLst>
+          </p:cNvPr>
+          <p:cNvSpPr>
+            <a:spLocks noGrp="1"/>
+          </p:cNvSpPr>
+          <p:nvPr>
+            <p:ph type="sldNum" sz="quarter" idx="12"/>
+          </p:nvPr>
+        </p:nvSpPr>
+        <p:spPr/>
+        <p:txBody>
+          <a:bodyPr/>
+          <a:lstStyle/>
+          <a:p>
+            <a:fld id="{8F224621-ADB6-4DE2-A945-BF9C42D66C16}" type="slidenum">
+              <a:rPr lang="LID4096" smtClean="0"/>
+              <a:pPr/>
+              <a:t>2</a:t>
+            </a:fld>
+            <a:endParaRPr lang="LID4096" dirty="0"/>
+          </a:p>
+        </p:txBody>
+      </p:sp>
+      <p:sp>
+        <p:nvSpPr>
+          <p:cNvPr id="3" name="Google Shape;62;p14">
+            <a:extLst>
+              <a:ext uri="{FF2B5EF4-FFF2-40B4-BE49-F238E27FC236}">
+                <a16:creationId xmlns:a16="http://schemas.microsoft.com/office/drawing/2014/main" id="{E155BFF9-202C-475B-A266-871949978C02}"/>
+              </a:ext>
+            </a:extLst>
+          </p:cNvPr>
+          <p:cNvSpPr txBox="1">
+            <a:spLocks/>
+          </p:cNvSpPr>
+          <p:nvPr/>
+        </p:nvSpPr>
+        <p:spPr>
+          <a:xfrm>
+            <a:off x="415600" y="247650"/>
+            <a:ext cx="11360800" cy="834800"/>
+          </a:xfrm>
+          <a:prstGeom prst="rect">
+            <a:avLst/>
+          </a:prstGeom>
+        </p:spPr>
+        <p:txBody>
+          <a:bodyPr spcFirstLastPara="1" vert="horz" wrap="square" lIns="121900" tIns="121900" rIns="121900" bIns="121900" rtlCol="0" anchor="b" anchorCtr="0">
+            <a:noAutofit/>
+          </a:bodyPr>
+          <a:lstStyle>
+            <a:lvl1pPr algn="l" defTabSz="914400" rtl="0" eaLnBrk="1" latinLnBrk="0" hangingPunct="1">
+              <a:lnSpc>
+                <a:spcPct val="90000"/>
+              </a:lnSpc>
+              <a:spcBef>
+                <a:spcPct val="0"/>
+              </a:spcBef>
+              <a:buNone/>
+              <a:defRPr sz="4400" kern="1200">
+                <a:solidFill>
+                  <a:schemeClr val="tx1"/>
+                </a:solidFill>
+                <a:latin typeface="+mj-lt"/>
+                <a:ea typeface="+mj-ea"/>
+                <a:cs typeface="+mj-cs"/>
+              </a:defRPr>
+            </a:lvl1pPr>
+          </a:lstStyle>
+          <a:p>
+            <a:pPr algn="ctr">
+              <a:spcBef>
+                <a:spcPts val="0"/>
+              </a:spcBef>
+            </a:pPr>
+            <a:r>
+              <a:rPr lang="nl" sz="4800" b="1" dirty="0">
+                <a:latin typeface="Arial" panose="020B0604020202020204" pitchFamily="34" charset="0"/>
+                <a:cs typeface="Arial" panose="020B0604020202020204" pitchFamily="34" charset="0"/>
+              </a:rPr>
+              <a:t>Table of contents</a:t>
+            </a:r>
+            <a:endParaRPr lang="en-US" sz="4800" b="1" dirty="0">
+              <a:latin typeface="Arial" panose="020B0604020202020204" pitchFamily="34" charset="0"/>
+              <a:cs typeface="Arial" panose="020B0604020202020204" pitchFamily="34" charset="0"/>
+            </a:endParaRPr>
+          </a:p>
+        </p:txBody>
+      </p:sp>
+      <p:sp>
+        <p:nvSpPr>
+          <p:cNvPr id="6" name="TextBox 5">
+            <a:extLst>
+              <a:ext uri="{FF2B5EF4-FFF2-40B4-BE49-F238E27FC236}">
+                <a16:creationId xmlns:a16="http://schemas.microsoft.com/office/drawing/2014/main" id="{94E1F2D7-F1C4-4F57-B61F-C41ECEC7ADE6}"/>
+              </a:ext>
+            </a:extLst>
+          </p:cNvPr>
+          <p:cNvSpPr txBox="1"/>
+          <p:nvPr/>
+        </p:nvSpPr>
+        <p:spPr>
+          <a:xfrm>
+            <a:off x="415600" y="1082450"/>
+            <a:ext cx="6635150" cy="2308324"/>
+          </a:xfrm>
+          <a:prstGeom prst="rect">
+            <a:avLst/>
+          </a:prstGeom>
+          <a:noFill/>
+        </p:spPr>
+        <p:txBody>
+          <a:bodyPr wrap="none" rtlCol="0">
+            <a:spAutoFit/>
+          </a:bodyPr>
+          <a:lstStyle/>
+          <a:p>
+            <a:pPr marL="571500" indent="-571500">
+              <a:buFont typeface="Arial" panose="020B0604020202020204" pitchFamily="34" charset="0"/>
+              <a:buChar char="•"/>
+            </a:pPr>
+            <a:r>
+              <a:rPr lang="en-GB" sz="3600" dirty="0">
+                <a:latin typeface="Arial" panose="020B0604020202020204" pitchFamily="34" charset="0"/>
+                <a:cs typeface="Arial" panose="020B0604020202020204" pitchFamily="34" charset="0"/>
+              </a:rPr>
+              <a:t>Data-driven control</a:t>
+            </a:r>
+          </a:p>
+          <a:p>
+            <a:pPr marL="571500" indent="-571500">
+              <a:buFont typeface="Arial" panose="020B0604020202020204" pitchFamily="34" charset="0"/>
+              <a:buChar char="•"/>
+            </a:pPr>
+            <a:r>
+              <a:rPr lang="en-GB" sz="3600" dirty="0">
+                <a:latin typeface="Arial" panose="020B0604020202020204" pitchFamily="34" charset="0"/>
+                <a:cs typeface="Arial" panose="020B0604020202020204" pitchFamily="34" charset="0"/>
+              </a:rPr>
+              <a:t>LTI systems</a:t>
+            </a:r>
+          </a:p>
+          <a:p>
+            <a:pPr marL="571500" indent="-571500">
+              <a:buFont typeface="Arial" panose="020B0604020202020204" pitchFamily="34" charset="0"/>
+              <a:buChar char="•"/>
+            </a:pPr>
+            <a:r>
+              <a:rPr lang="en-GB" sz="3600" dirty="0">
+                <a:latin typeface="Arial" panose="020B0604020202020204" pitchFamily="34" charset="0"/>
+                <a:cs typeface="Arial" panose="020B0604020202020204" pitchFamily="34" charset="0"/>
+              </a:rPr>
+              <a:t>Discrete Fourier Transform</a:t>
+            </a:r>
+          </a:p>
+          <a:p>
+            <a:pPr marL="571500" indent="-571500">
+              <a:buFont typeface="Arial" panose="020B0604020202020204" pitchFamily="34" charset="0"/>
+              <a:buChar char="•"/>
+            </a:pPr>
+            <a:r>
+              <a:rPr lang="en-GB" sz="3600" dirty="0">
+                <a:latin typeface="Arial" panose="020B0604020202020204" pitchFamily="34" charset="0"/>
+                <a:cs typeface="Arial" panose="020B0604020202020204" pitchFamily="34" charset="0"/>
+              </a:rPr>
+              <a:t>Frequency domain approach</a:t>
+            </a:r>
+          </a:p>
+        </p:txBody>
+      </p:sp>
+    </p:spTree>
+    <p:extLst>
+      <p:ext uri="{BB962C8B-B14F-4D97-AF65-F5344CB8AC3E}">
+        <p14:creationId xmlns:p14="http://schemas.microsoft.com/office/powerpoint/2010/main" val="306977291"/>
+      </p:ext>
+    </p:extLst>
+  </p:cSld>
+  <p:clrMapOvr>
+    <a:masterClrMapping/>
+  </p:clrMapOvr>
+</p:sld>
+</file>
+
+<file path=ppt/slides/slide20.xml><?xml version="1.0" encoding="utf-8"?>
+<p:sld xmlns:a="http://schemas.openxmlformats.org/drawingml/2006/main" xmlns:r="http://schemas.openxmlformats.org/officeDocument/2006/relationships" xmlns:p="http://schemas.openxmlformats.org/presentationml/2006/main">
+  <p:cSld>
+    <p:spTree>
+      <p:nvGrpSpPr>
+        <p:cNvPr id="1" name=""/>
+        <p:cNvGrpSpPr/>
+        <p:nvPr/>
+      </p:nvGrpSpPr>
+      <p:grpSpPr>
+        <a:xfrm>
+          <a:off x="0" y="0"/>
+          <a:ext cx="0" cy="0"/>
+          <a:chOff x="0" y="0"/>
+          <a:chExt cx="0" cy="0"/>
+        </a:xfrm>
+      </p:grpSpPr>
+      <p:sp>
+        <p:nvSpPr>
+          <p:cNvPr id="4" name="Slide Number Placeholder 3">
+            <a:extLst>
+              <a:ext uri="{FF2B5EF4-FFF2-40B4-BE49-F238E27FC236}">
+                <a16:creationId xmlns:a16="http://schemas.microsoft.com/office/drawing/2014/main" id="{7448BF2A-1F67-45F3-9E5B-A0E949BC49D6}"/>
+              </a:ext>
+            </a:extLst>
+          </p:cNvPr>
+          <p:cNvSpPr>
+            <a:spLocks noGrp="1"/>
+          </p:cNvSpPr>
+          <p:nvPr>
+            <p:ph type="sldNum" sz="quarter" idx="12"/>
+          </p:nvPr>
+        </p:nvSpPr>
+        <p:spPr/>
+        <p:txBody>
+          <a:bodyPr/>
+          <a:lstStyle/>
+          <a:p>
+            <a:fld id="{8F224621-ADB6-4DE2-A945-BF9C42D66C16}" type="slidenum">
+              <a:rPr lang="LID4096" smtClean="0"/>
+              <a:pPr/>
+              <a:t>20</a:t>
+            </a:fld>
+            <a:endParaRPr lang="LID4096" dirty="0"/>
+          </a:p>
+        </p:txBody>
+      </p:sp>
+      <p:sp>
+        <p:nvSpPr>
+          <p:cNvPr id="3" name="Google Shape;62;p14">
+            <a:extLst>
+              <a:ext uri="{FF2B5EF4-FFF2-40B4-BE49-F238E27FC236}">
+                <a16:creationId xmlns:a16="http://schemas.microsoft.com/office/drawing/2014/main" id="{E155BFF9-202C-475B-A266-871949978C02}"/>
+              </a:ext>
+            </a:extLst>
+          </p:cNvPr>
+          <p:cNvSpPr txBox="1">
+            <a:spLocks/>
+          </p:cNvSpPr>
+          <p:nvPr/>
+        </p:nvSpPr>
+        <p:spPr>
+          <a:xfrm>
+            <a:off x="415600" y="247650"/>
+            <a:ext cx="11360800" cy="834800"/>
+          </a:xfrm>
+          <a:prstGeom prst="rect">
+            <a:avLst/>
+          </a:prstGeom>
+        </p:spPr>
+        <p:txBody>
+          <a:bodyPr spcFirstLastPara="1" vert="horz" wrap="square" lIns="121900" tIns="121900" rIns="121900" bIns="121900" rtlCol="0" anchor="b" anchorCtr="0">
+            <a:noAutofit/>
+          </a:bodyPr>
+          <a:lstStyle>
+            <a:lvl1pPr algn="l" defTabSz="914400" rtl="0" eaLnBrk="1" latinLnBrk="0" hangingPunct="1">
+              <a:lnSpc>
+                <a:spcPct val="90000"/>
+              </a:lnSpc>
+              <a:spcBef>
+                <a:spcPct val="0"/>
+              </a:spcBef>
+              <a:buNone/>
+              <a:defRPr sz="4400" kern="1200">
+                <a:solidFill>
+                  <a:schemeClr val="tx1"/>
+                </a:solidFill>
+                <a:latin typeface="+mj-lt"/>
+                <a:ea typeface="+mj-ea"/>
+                <a:cs typeface="+mj-cs"/>
+              </a:defRPr>
+            </a:lvl1pPr>
+          </a:lstStyle>
+          <a:p>
+            <a:pPr algn="ctr">
+              <a:spcBef>
+                <a:spcPts val="0"/>
+              </a:spcBef>
+            </a:pPr>
+            <a:r>
+              <a:rPr lang="en-US" sz="4800" b="1" dirty="0">
+                <a:latin typeface="Arial" panose="020B0604020202020204" pitchFamily="34" charset="0"/>
+                <a:cs typeface="Arial" panose="020B0604020202020204" pitchFamily="34" charset="0"/>
+              </a:rPr>
+              <a:t>Discrete Fourier Transform</a:t>
+            </a:r>
+          </a:p>
+        </p:txBody>
+      </p:sp>
+      <p:sp>
+        <p:nvSpPr>
+          <p:cNvPr id="2" name="TextBox 1">
+            <a:extLst>
+              <a:ext uri="{FF2B5EF4-FFF2-40B4-BE49-F238E27FC236}">
+                <a16:creationId xmlns:a16="http://schemas.microsoft.com/office/drawing/2014/main" id="{50D5BAAA-B6CF-4151-BE00-2816038A6D57}"/>
+              </a:ext>
+            </a:extLst>
+          </p:cNvPr>
+          <p:cNvSpPr txBox="1"/>
+          <p:nvPr/>
+        </p:nvSpPr>
+        <p:spPr>
+          <a:xfrm>
+            <a:off x="2062844" y="1082450"/>
+            <a:ext cx="9075056" cy="1754326"/>
+          </a:xfrm>
+          <a:prstGeom prst="rect">
+            <a:avLst/>
+          </a:prstGeom>
+          <a:noFill/>
+        </p:spPr>
+        <p:txBody>
+          <a:bodyPr wrap="square" rtlCol="0">
+            <a:spAutoFit/>
+          </a:bodyPr>
+          <a:lstStyle/>
+          <a:p>
+            <a:r>
+              <a:rPr lang="en-GB" sz="3600" b="1" dirty="0">
+                <a:solidFill>
+                  <a:schemeClr val="tx1">
+                    <a:lumMod val="65000"/>
+                    <a:lumOff val="35000"/>
+                  </a:schemeClr>
+                </a:solidFill>
+                <a:latin typeface="Arial" panose="020B0604020202020204" pitchFamily="34" charset="0"/>
+                <a:cs typeface="Arial" panose="020B0604020202020204" pitchFamily="34" charset="0"/>
+              </a:rPr>
+              <a:t>1. Nyquist-Shannon theorem</a:t>
+            </a:r>
+          </a:p>
+          <a:p>
+            <a:r>
+              <a:rPr lang="en-GB" sz="3600" b="1" dirty="0">
+                <a:solidFill>
+                  <a:schemeClr val="tx1">
+                    <a:lumMod val="65000"/>
+                    <a:lumOff val="35000"/>
+                  </a:schemeClr>
+                </a:solidFill>
+                <a:latin typeface="Arial" panose="020B0604020202020204" pitchFamily="34" charset="0"/>
+                <a:cs typeface="Arial" panose="020B0604020202020204" pitchFamily="34" charset="0"/>
+              </a:rPr>
+              <a:t>2. Periodicity</a:t>
+            </a:r>
+          </a:p>
+          <a:p>
+            <a:r>
+              <a:rPr lang="en-GB" sz="3600" b="1" dirty="0">
+                <a:solidFill>
+                  <a:schemeClr val="tx1">
+                    <a:lumMod val="65000"/>
+                    <a:lumOff val="35000"/>
+                  </a:schemeClr>
+                </a:solidFill>
+                <a:latin typeface="Arial" panose="020B0604020202020204" pitchFamily="34" charset="0"/>
+                <a:cs typeface="Arial" panose="020B0604020202020204" pitchFamily="34" charset="0"/>
+              </a:rPr>
+              <a:t>3. Leakage</a:t>
+            </a:r>
+          </a:p>
+        </p:txBody>
+      </p:sp>
+      <p:pic>
+        <p:nvPicPr>
+          <p:cNvPr id="8" name="Picture 7">
+            <a:extLst>
+              <a:ext uri="{FF2B5EF4-FFF2-40B4-BE49-F238E27FC236}">
+                <a16:creationId xmlns:a16="http://schemas.microsoft.com/office/drawing/2014/main" id="{FE05E21F-6B9F-42A7-B136-EF56A80D2F33}"/>
+              </a:ext>
+            </a:extLst>
+          </p:cNvPr>
+          <p:cNvPicPr>
+            <a:picLocks noChangeAspect="1"/>
+          </p:cNvPicPr>
+          <p:nvPr/>
+        </p:nvPicPr>
+        <p:blipFill>
+          <a:blip r:embed="rId2">
+            <a:extLst>
+              <a:ext uri="{28A0092B-C50C-407E-A947-70E740481C1C}">
+                <a14:useLocalDpi xmlns:a14="http://schemas.microsoft.com/office/drawing/2010/main" val="0"/>
+              </a:ext>
+            </a:extLst>
+          </a:blip>
+          <a:stretch>
+            <a:fillRect/>
+          </a:stretch>
+        </p:blipFill>
+        <p:spPr>
+          <a:xfrm>
+            <a:off x="381715" y="2843285"/>
+            <a:ext cx="11428571" cy="1171429"/>
+          </a:xfrm>
+          <a:prstGeom prst="rect">
+            <a:avLst/>
+          </a:prstGeom>
+        </p:spPr>
+      </p:pic>
+      <p:sp>
+        <p:nvSpPr>
+          <p:cNvPr id="10" name="TextBox 9">
+            <a:extLst>
+              <a:ext uri="{FF2B5EF4-FFF2-40B4-BE49-F238E27FC236}">
+                <a16:creationId xmlns:a16="http://schemas.microsoft.com/office/drawing/2014/main" id="{8CF078FA-2F79-4ADE-8531-7D4A79E7F208}"/>
+              </a:ext>
+            </a:extLst>
+          </p:cNvPr>
+          <p:cNvSpPr txBox="1"/>
+          <p:nvPr/>
+        </p:nvSpPr>
+        <p:spPr>
+          <a:xfrm>
+            <a:off x="5809704" y="1966858"/>
+            <a:ext cx="3672800" cy="646331"/>
+          </a:xfrm>
+          <a:prstGeom prst="rect">
+            <a:avLst/>
+          </a:prstGeom>
+          <a:noFill/>
+        </p:spPr>
+        <p:txBody>
+          <a:bodyPr wrap="none" rtlCol="0">
+            <a:spAutoFit/>
+          </a:bodyPr>
+          <a:lstStyle/>
+          <a:p>
+            <a:r>
+              <a:rPr lang="en-GB" sz="3600" dirty="0">
+                <a:solidFill>
+                  <a:srgbClr val="FF0000"/>
+                </a:solidFill>
+                <a:latin typeface="Arial" panose="020B0604020202020204" pitchFamily="34" charset="0"/>
+                <a:cs typeface="Arial" panose="020B0604020202020204" pitchFamily="34" charset="0"/>
+              </a:rPr>
+              <a:t>Fourier spectrum</a:t>
+            </a:r>
+          </a:p>
+        </p:txBody>
+      </p:sp>
+      <p:sp>
+        <p:nvSpPr>
+          <p:cNvPr id="12" name="TextBox 11">
+            <a:extLst>
+              <a:ext uri="{FF2B5EF4-FFF2-40B4-BE49-F238E27FC236}">
+                <a16:creationId xmlns:a16="http://schemas.microsoft.com/office/drawing/2014/main" id="{F5CA366D-D646-42C9-A94D-4F37925A49C2}"/>
+              </a:ext>
+            </a:extLst>
+          </p:cNvPr>
+          <p:cNvSpPr txBox="1"/>
+          <p:nvPr/>
+        </p:nvSpPr>
+        <p:spPr>
+          <a:xfrm>
+            <a:off x="8621764" y="4226155"/>
+            <a:ext cx="3100208" cy="646331"/>
+          </a:xfrm>
+          <a:prstGeom prst="rect">
+            <a:avLst/>
+          </a:prstGeom>
+          <a:noFill/>
+        </p:spPr>
+        <p:txBody>
+          <a:bodyPr wrap="none" rtlCol="0">
+            <a:spAutoFit/>
+          </a:bodyPr>
+          <a:lstStyle/>
+          <a:p>
+            <a:r>
+              <a:rPr lang="en-GB" sz="3600" dirty="0">
+                <a:solidFill>
+                  <a:srgbClr val="FF0000"/>
+                </a:solidFill>
+                <a:latin typeface="Arial" panose="020B0604020202020204" pitchFamily="34" charset="0"/>
+                <a:cs typeface="Arial" panose="020B0604020202020204" pitchFamily="34" charset="0"/>
+              </a:rPr>
+              <a:t>DFT spectrum</a:t>
+            </a:r>
+          </a:p>
+        </p:txBody>
+      </p:sp>
+      <p:cxnSp>
+        <p:nvCxnSpPr>
+          <p:cNvPr id="13" name="Straight Arrow Connector 12">
+            <a:extLst>
+              <a:ext uri="{FF2B5EF4-FFF2-40B4-BE49-F238E27FC236}">
+                <a16:creationId xmlns:a16="http://schemas.microsoft.com/office/drawing/2014/main" id="{ACD5D505-3D70-4E94-B303-8FB21E930CC3}"/>
+              </a:ext>
+            </a:extLst>
+          </p:cNvPr>
+          <p:cNvCxnSpPr>
+            <a:cxnSpLocks/>
+          </p:cNvCxnSpPr>
+          <p:nvPr/>
+        </p:nvCxnSpPr>
+        <p:spPr>
+          <a:xfrm flipH="1">
+            <a:off x="7175502" y="2619698"/>
+            <a:ext cx="470602" cy="568002"/>
+          </a:xfrm>
+          <a:prstGeom prst="straightConnector1">
+            <a:avLst/>
+          </a:prstGeom>
+          <a:ln w="57150">
+            <a:solidFill>
+              <a:srgbClr val="FF0000"/>
+            </a:solidFill>
+            <a:tailEnd type="triangle"/>
+          </a:ln>
+        </p:spPr>
+        <p:style>
+          <a:lnRef idx="1">
+            <a:schemeClr val="accent1"/>
+          </a:lnRef>
+          <a:fillRef idx="0">
+            <a:schemeClr val="accent1"/>
+          </a:fillRef>
+          <a:effectRef idx="0">
+            <a:schemeClr val="accent1"/>
+          </a:effectRef>
+          <a:fontRef idx="minor">
+            <a:schemeClr val="tx1"/>
+          </a:fontRef>
+        </p:style>
+      </p:cxnSp>
+      <p:cxnSp>
+        <p:nvCxnSpPr>
+          <p:cNvPr id="17" name="Straight Arrow Connector 16">
+            <a:extLst>
+              <a:ext uri="{FF2B5EF4-FFF2-40B4-BE49-F238E27FC236}">
+                <a16:creationId xmlns:a16="http://schemas.microsoft.com/office/drawing/2014/main" id="{CCB70E67-D2F2-4090-B166-14AE24BE6F67}"/>
+              </a:ext>
+            </a:extLst>
+          </p:cNvPr>
+          <p:cNvCxnSpPr>
+            <a:cxnSpLocks/>
+            <a:stCxn id="12" idx="0"/>
+          </p:cNvCxnSpPr>
+          <p:nvPr/>
+        </p:nvCxnSpPr>
+        <p:spPr>
+          <a:xfrm flipH="1" flipV="1">
+            <a:off x="9247204" y="3819203"/>
+            <a:ext cx="924664" cy="406952"/>
+          </a:xfrm>
+          <a:prstGeom prst="straightConnector1">
+            <a:avLst/>
+          </a:prstGeom>
+          <a:ln w="57150">
+            <a:solidFill>
+              <a:srgbClr val="FF0000"/>
+            </a:solidFill>
+            <a:tailEnd type="triangle"/>
+          </a:ln>
+        </p:spPr>
+        <p:style>
+          <a:lnRef idx="1">
+            <a:schemeClr val="accent1"/>
+          </a:lnRef>
+          <a:fillRef idx="0">
+            <a:schemeClr val="accent1"/>
+          </a:fillRef>
+          <a:effectRef idx="0">
+            <a:schemeClr val="accent1"/>
+          </a:effectRef>
+          <a:fontRef idx="minor">
+            <a:schemeClr val="tx1"/>
+          </a:fontRef>
+        </p:style>
+      </p:cxnSp>
+      <p:pic>
+        <p:nvPicPr>
+          <p:cNvPr id="20" name="Picture 19" descr="A close up of a logo&#10;&#10;Description automatically generated">
+            <a:extLst>
+              <a:ext uri="{FF2B5EF4-FFF2-40B4-BE49-F238E27FC236}">
+                <a16:creationId xmlns:a16="http://schemas.microsoft.com/office/drawing/2014/main" id="{C95A2B09-361D-4C88-9935-DF1361206DA2}"/>
+              </a:ext>
+            </a:extLst>
+          </p:cNvPr>
+          <p:cNvPicPr>
+            <a:picLocks noChangeAspect="1"/>
+          </p:cNvPicPr>
+          <p:nvPr/>
+        </p:nvPicPr>
+        <p:blipFill>
+          <a:blip r:embed="rId3">
+            <a:extLst>
+              <a:ext uri="{28A0092B-C50C-407E-A947-70E740481C1C}">
+                <a14:useLocalDpi xmlns:a14="http://schemas.microsoft.com/office/drawing/2010/main" val="0"/>
+              </a:ext>
+            </a:extLst>
+          </a:blip>
+          <a:stretch>
+            <a:fillRect/>
+          </a:stretch>
+        </p:blipFill>
+        <p:spPr>
+          <a:xfrm>
+            <a:off x="4177610" y="4872486"/>
+            <a:ext cx="3264187" cy="1265247"/>
+          </a:xfrm>
+          <a:prstGeom prst="rect">
+            <a:avLst/>
+          </a:prstGeom>
+        </p:spPr>
+      </p:pic>
+      <p:cxnSp>
+        <p:nvCxnSpPr>
+          <p:cNvPr id="21" name="Straight Arrow Connector 20">
+            <a:extLst>
+              <a:ext uri="{FF2B5EF4-FFF2-40B4-BE49-F238E27FC236}">
+                <a16:creationId xmlns:a16="http://schemas.microsoft.com/office/drawing/2014/main" id="{AECF3641-2C9D-4657-9F53-3E4BCFDA4667}"/>
+              </a:ext>
+            </a:extLst>
+          </p:cNvPr>
+          <p:cNvCxnSpPr>
+            <a:cxnSpLocks/>
+            <a:stCxn id="12" idx="1"/>
+          </p:cNvCxnSpPr>
+          <p:nvPr/>
+        </p:nvCxnSpPr>
+        <p:spPr>
+          <a:xfrm flipH="1">
+            <a:off x="7441798" y="4549321"/>
+            <a:ext cx="1179966" cy="548836"/>
+          </a:xfrm>
+          <a:prstGeom prst="straightConnector1">
+            <a:avLst/>
+          </a:prstGeom>
+          <a:ln w="57150">
+            <a:solidFill>
+              <a:srgbClr val="FF0000"/>
+            </a:solidFill>
+            <a:tailEnd type="triangle"/>
+          </a:ln>
+        </p:spPr>
+        <p:style>
+          <a:lnRef idx="1">
+            <a:schemeClr val="accent1"/>
+          </a:lnRef>
+          <a:fillRef idx="0">
+            <a:schemeClr val="accent1"/>
+          </a:fillRef>
+          <a:effectRef idx="0">
+            <a:schemeClr val="accent1"/>
+          </a:effectRef>
+          <a:fontRef idx="minor">
+            <a:schemeClr val="tx1"/>
+          </a:fontRef>
+        </p:style>
+      </p:cxnSp>
+    </p:spTree>
+    <p:extLst>
+      <p:ext uri="{BB962C8B-B14F-4D97-AF65-F5344CB8AC3E}">
+        <p14:creationId xmlns:p14="http://schemas.microsoft.com/office/powerpoint/2010/main" val="1727679540"/>
+      </p:ext>
+    </p:extLst>
+  </p:cSld>
+  <p:clrMapOvr>
+    <a:masterClrMapping/>
+  </p:clrMapOvr>
+  <p:timing>
+    <p:tnLst>
+      <p:par>
+        <p:cTn id="1" dur="indefinite" restart="never" nodeType="tmRoot">
+          <p:childTnLst>
+            <p:seq concurrent="1" nextAc="seek">
+              <p:cTn id="2" dur="indefinite" nodeType="mainSeq">
+                <p:childTnLst>
+                  <p:par>
+                    <p:cTn id="3" fill="hold">
+                      <p:stCondLst>
+                        <p:cond delay="indefinite"/>
+                      </p:stCondLst>
+                      <p:childTnLst>
+                        <p:par>
+                          <p:cTn id="4" fill="hold">
+                            <p:stCondLst>
+                              <p:cond delay="0"/>
+                            </p:stCondLst>
+                            <p:childTnLst>
+                              <p:par>
+                                <p:cTn id="5" presetID="1" presetClass="entr" presetSubtype="0" fill="hold" nodeType="clickEffect">
+                                  <p:stCondLst>
+                                    <p:cond delay="0"/>
+                                  </p:stCondLst>
+                                  <p:childTnLst>
+                                    <p:set>
+                                      <p:cBhvr>
+                                        <p:cTn id="6" dur="1" fill="hold">
+                                          <p:stCondLst>
+                                            <p:cond delay="0"/>
+                                          </p:stCondLst>
+                                        </p:cTn>
+                                        <p:tgtEl>
+                                          <p:spTgt spid="8"/>
+                                        </p:tgtEl>
+                                        <p:attrNameLst>
+                                          <p:attrName>style.visibility</p:attrName>
+                                        </p:attrNameLst>
+                                      </p:cBhvr>
+                                      <p:to>
+                                        <p:strVal val="visible"/>
+                                      </p:to>
+                                    </p:set>
+                                  </p:childTnLst>
+                                </p:cTn>
+                              </p:par>
+                              <p:par>
+                                <p:cTn id="7" presetID="1" presetClass="entr" presetSubtype="0" fill="hold" grpId="0" nodeType="withEffect">
+                                  <p:stCondLst>
+                                    <p:cond delay="0"/>
+                                  </p:stCondLst>
+                                  <p:childTnLst>
+                                    <p:set>
+                                      <p:cBhvr>
+                                        <p:cTn id="8" dur="1" fill="hold">
+                                          <p:stCondLst>
+                                            <p:cond delay="0"/>
+                                          </p:stCondLst>
+                                        </p:cTn>
+                                        <p:tgtEl>
+                                          <p:spTgt spid="10"/>
+                                        </p:tgtEl>
+                                        <p:attrNameLst>
+                                          <p:attrName>style.visibility</p:attrName>
+                                        </p:attrNameLst>
+                                      </p:cBhvr>
+                                      <p:to>
+                                        <p:strVal val="visible"/>
+                                      </p:to>
+                                    </p:set>
+                                  </p:childTnLst>
+                                </p:cTn>
+                              </p:par>
+                              <p:par>
+                                <p:cTn id="9" presetID="1" presetClass="entr" presetSubtype="0" fill="hold" nodeType="withEffect">
+                                  <p:stCondLst>
+                                    <p:cond delay="0"/>
+                                  </p:stCondLst>
+                                  <p:childTnLst>
+                                    <p:set>
+                                      <p:cBhvr>
+                                        <p:cTn id="10" dur="1" fill="hold">
+                                          <p:stCondLst>
+                                            <p:cond delay="0"/>
+                                          </p:stCondLst>
+                                        </p:cTn>
+                                        <p:tgtEl>
+                                          <p:spTgt spid="13"/>
+                                        </p:tgtEl>
+                                        <p:attrNameLst>
+                                          <p:attrName>style.visibility</p:attrName>
+                                        </p:attrNameLst>
+                                      </p:cBhvr>
+                                      <p:to>
+                                        <p:strVal val="visible"/>
+                                      </p:to>
+                                    </p:set>
+                                  </p:childTnLst>
+                                </p:cTn>
+                              </p:par>
+                              <p:par>
+                                <p:cTn id="11" presetID="1" presetClass="entr" presetSubtype="0" fill="hold" grpId="0" nodeType="withEffect">
+                                  <p:stCondLst>
+                                    <p:cond delay="0"/>
+                                  </p:stCondLst>
+                                  <p:childTnLst>
+                                    <p:set>
+                                      <p:cBhvr>
+                                        <p:cTn id="12" dur="1" fill="hold">
+                                          <p:stCondLst>
+                                            <p:cond delay="0"/>
+                                          </p:stCondLst>
+                                        </p:cTn>
+                                        <p:tgtEl>
+                                          <p:spTgt spid="12"/>
+                                        </p:tgtEl>
+                                        <p:attrNameLst>
+                                          <p:attrName>style.visibility</p:attrName>
+                                        </p:attrNameLst>
+                                      </p:cBhvr>
+                                      <p:to>
+                                        <p:strVal val="visible"/>
+                                      </p:to>
+                                    </p:set>
+                                  </p:childTnLst>
+                                </p:cTn>
+                              </p:par>
+                              <p:par>
+                                <p:cTn id="13" presetID="1" presetClass="entr" presetSubtype="0" fill="hold" nodeType="withEffect">
+                                  <p:stCondLst>
+                                    <p:cond delay="0"/>
+                                  </p:stCondLst>
+                                  <p:childTnLst>
+                                    <p:set>
+                                      <p:cBhvr>
+                                        <p:cTn id="14" dur="1" fill="hold">
+                                          <p:stCondLst>
+                                            <p:cond delay="0"/>
+                                          </p:stCondLst>
+                                        </p:cTn>
+                                        <p:tgtEl>
+                                          <p:spTgt spid="17"/>
+                                        </p:tgtEl>
+                                        <p:attrNameLst>
+                                          <p:attrName>style.visibility</p:attrName>
+                                        </p:attrNameLst>
+                                      </p:cBhvr>
+                                      <p:to>
+                                        <p:strVal val="visible"/>
+                                      </p:to>
+                                    </p:set>
+                                  </p:childTnLst>
+                                </p:cTn>
+                              </p:par>
+                              <p:par>
+                                <p:cTn id="15" presetID="1" presetClass="entr" presetSubtype="0" fill="hold" nodeType="withEffect">
+                                  <p:stCondLst>
+                                    <p:cond delay="0"/>
+                                  </p:stCondLst>
+                                  <p:childTnLst>
+                                    <p:set>
+                                      <p:cBhvr>
+                                        <p:cTn id="16" dur="1" fill="hold">
+                                          <p:stCondLst>
+                                            <p:cond delay="0"/>
+                                          </p:stCondLst>
+                                        </p:cTn>
+                                        <p:tgtEl>
+                                          <p:spTgt spid="21"/>
+                                        </p:tgtEl>
+                                        <p:attrNameLst>
+                                          <p:attrName>style.visibility</p:attrName>
+                                        </p:attrNameLst>
+                                      </p:cBhvr>
+                                      <p:to>
+                                        <p:strVal val="visible"/>
+                                      </p:to>
+                                    </p:set>
+                                  </p:childTnLst>
+                                </p:cTn>
+                              </p:par>
+                            </p:childTnLst>
+                          </p:cTn>
+                        </p:par>
+                      </p:childTnLst>
+                    </p:cTn>
+                  </p:par>
+                </p:childTnLst>
+              </p:cTn>
+              <p:prevCondLst>
+                <p:cond evt="onPrev" delay="0">
+                  <p:tgtEl>
+                    <p:sldTgt/>
+                  </p:tgtEl>
+                </p:cond>
+              </p:prevCondLst>
+              <p:nextCondLst>
+                <p:cond evt="onNext" delay="0">
+                  <p:tgtEl>
+                    <p:sldTgt/>
+                  </p:tgtEl>
+                </p:cond>
+              </p:nextCondLst>
+            </p:seq>
+          </p:childTnLst>
+        </p:cTn>
+      </p:par>
+    </p:tnLst>
+    <p:bldLst>
+      <p:bldP spid="10" grpId="0"/>
+      <p:bldP spid="12" grpId="0"/>
+    </p:bldLst>
+  </p:timing>
+</p:sld>
+</file>
+
+<file path=ppt/slides/slide21.xml><?xml version="1.0" encoding="utf-8"?>
+<p:sld xmlns:a="http://schemas.openxmlformats.org/drawingml/2006/main" xmlns:r="http://schemas.openxmlformats.org/officeDocument/2006/relationships" xmlns:p="http://schemas.openxmlformats.org/presentationml/2006/main">
+  <p:cSld>
+    <p:spTree>
+      <p:nvGrpSpPr>
+        <p:cNvPr id="1" name=""/>
+        <p:cNvGrpSpPr/>
+        <p:nvPr/>
+      </p:nvGrpSpPr>
+      <p:grpSpPr>
+        <a:xfrm>
+          <a:off x="0" y="0"/>
+          <a:ext cx="0" cy="0"/>
+          <a:chOff x="0" y="0"/>
+          <a:chExt cx="0" cy="0"/>
+        </a:xfrm>
+      </p:grpSpPr>
       <p:sp>
         <p:nvSpPr>
           <p:cNvPr id="2" name="Right Triangle 1">
@@ -5330,7 +7711,7 @@
             <a:fld id="{8F224621-ADB6-4DE2-A945-BF9C42D66C16}" type="slidenum">
               <a:rPr lang="LID4096" smtClean="0"/>
               <a:pPr/>
-              <a:t>13</a:t>
+              <a:t>21</a:t>
             </a:fld>
             <a:endParaRPr lang="LID4096" dirty="0"/>
           </a:p>
@@ -5418,7 +7799,7 @@
 </p:sld>
 </file>
 
-<file path=ppt/slides/slide14.xml><?xml version="1.0" encoding="utf-8"?>
+<file path=ppt/slides/slide22.xml><?xml version="1.0" encoding="utf-8"?>
 <p:sld xmlns:a="http://schemas.openxmlformats.org/drawingml/2006/main" xmlns:r="http://schemas.openxmlformats.org/officeDocument/2006/relationships" xmlns:p="http://schemas.openxmlformats.org/presentationml/2006/main">
   <p:cSld>
     <p:spTree>
@@ -5569,7 +7950,7 @@
             <a:fld id="{8F224621-ADB6-4DE2-A945-BF9C42D66C16}" type="slidenum">
               <a:rPr lang="LID4096" smtClean="0"/>
               <a:pPr/>
-              <a:t>14</a:t>
+              <a:t>22</a:t>
             </a:fld>
             <a:endParaRPr lang="LID4096" dirty="0"/>
           </a:p>
@@ -5650,7 +8031,7 @@
 </p:sld>
 </file>
 
-<file path=ppt/slides/slide15.xml><?xml version="1.0" encoding="utf-8"?>
+<file path=ppt/slides/slide23.xml><?xml version="1.0" encoding="utf-8"?>
 <p:sld xmlns:a="http://schemas.openxmlformats.org/drawingml/2006/main" xmlns:r="http://schemas.openxmlformats.org/officeDocument/2006/relationships" xmlns:p="http://schemas.openxmlformats.org/presentationml/2006/main">
   <p:cSld>
     <p:spTree>
@@ -5691,7 +8072,7 @@
             <a:fld id="{8F224621-ADB6-4DE2-A945-BF9C42D66C16}" type="slidenum">
               <a:rPr lang="LID4096" smtClean="0"/>
               <a:pPr/>
-              <a:t>15</a:t>
+              <a:t>23</a:t>
             </a:fld>
             <a:endParaRPr lang="LID4096" dirty="0"/>
           </a:p>
@@ -5855,7 +8236,7 @@
         </p:nvSpPr>
         <p:spPr>
           <a:xfrm>
-            <a:off x="1258647" y="4107543"/>
+            <a:off x="1220547" y="4018643"/>
             <a:ext cx="1633781" cy="369332"/>
           </a:xfrm>
           <a:prstGeom prst="rect">
@@ -5887,213 +8268,6 @@
     <p:extLst>
       <p:ext uri="{BB962C8B-B14F-4D97-AF65-F5344CB8AC3E}">
         <p14:creationId xmlns:p14="http://schemas.microsoft.com/office/powerpoint/2010/main" val="4002409651"/>
-      </p:ext>
-    </p:extLst>
-  </p:cSld>
-  <p:clrMapOvr>
-    <a:masterClrMapping/>
-  </p:clrMapOvr>
-</p:sld>
-</file>
-
-<file path=ppt/slides/slide2.xml><?xml version="1.0" encoding="utf-8"?>
-<p:sld xmlns:a="http://schemas.openxmlformats.org/drawingml/2006/main" xmlns:r="http://schemas.openxmlformats.org/officeDocument/2006/relationships" xmlns:p="http://schemas.openxmlformats.org/presentationml/2006/main">
-  <p:cSld>
-    <p:spTree>
-      <p:nvGrpSpPr>
-        <p:cNvPr id="1" name=""/>
-        <p:cNvGrpSpPr/>
-        <p:nvPr/>
-      </p:nvGrpSpPr>
-      <p:grpSpPr>
-        <a:xfrm>
-          <a:off x="0" y="0"/>
-          <a:ext cx="0" cy="0"/>
-          <a:chOff x="0" y="0"/>
-          <a:chExt cx="0" cy="0"/>
-        </a:xfrm>
-      </p:grpSpPr>
-      <p:sp>
-        <p:nvSpPr>
-          <p:cNvPr id="4" name="Slide Number Placeholder 3">
-            <a:extLst>
-              <a:ext uri="{FF2B5EF4-FFF2-40B4-BE49-F238E27FC236}">
-                <a16:creationId xmlns:a16="http://schemas.microsoft.com/office/drawing/2014/main" id="{7448BF2A-1F67-45F3-9E5B-A0E949BC49D6}"/>
-              </a:ext>
-            </a:extLst>
-          </p:cNvPr>
-          <p:cNvSpPr>
-            <a:spLocks noGrp="1"/>
-          </p:cNvSpPr>
-          <p:nvPr>
-            <p:ph type="sldNum" sz="quarter" idx="12"/>
-          </p:nvPr>
-        </p:nvSpPr>
-        <p:spPr/>
-        <p:txBody>
-          <a:bodyPr/>
-          <a:lstStyle/>
-          <a:p>
-            <a:fld id="{8F224621-ADB6-4DE2-A945-BF9C42D66C16}" type="slidenum">
-              <a:rPr lang="LID4096" smtClean="0"/>
-              <a:pPr/>
-              <a:t>2</a:t>
-            </a:fld>
-            <a:endParaRPr lang="LID4096" dirty="0"/>
-          </a:p>
-        </p:txBody>
-      </p:sp>
-      <p:sp>
-        <p:nvSpPr>
-          <p:cNvPr id="3" name="Google Shape;62;p14">
-            <a:extLst>
-              <a:ext uri="{FF2B5EF4-FFF2-40B4-BE49-F238E27FC236}">
-                <a16:creationId xmlns:a16="http://schemas.microsoft.com/office/drawing/2014/main" id="{E155BFF9-202C-475B-A266-871949978C02}"/>
-              </a:ext>
-            </a:extLst>
-          </p:cNvPr>
-          <p:cNvSpPr txBox="1">
-            <a:spLocks/>
-          </p:cNvSpPr>
-          <p:nvPr/>
-        </p:nvSpPr>
-        <p:spPr>
-          <a:xfrm>
-            <a:off x="415600" y="247650"/>
-            <a:ext cx="11360800" cy="834800"/>
-          </a:xfrm>
-          <a:prstGeom prst="rect">
-            <a:avLst/>
-          </a:prstGeom>
-        </p:spPr>
-        <p:txBody>
-          <a:bodyPr spcFirstLastPara="1" vert="horz" wrap="square" lIns="121900" tIns="121900" rIns="121900" bIns="121900" rtlCol="0" anchor="b" anchorCtr="0">
-            <a:noAutofit/>
-          </a:bodyPr>
-          <a:lstStyle>
-            <a:lvl1pPr algn="l" defTabSz="914400" rtl="0" eaLnBrk="1" latinLnBrk="0" hangingPunct="1">
-              <a:lnSpc>
-                <a:spcPct val="90000"/>
-              </a:lnSpc>
-              <a:spcBef>
-                <a:spcPct val="0"/>
-              </a:spcBef>
-              <a:buNone/>
-              <a:defRPr sz="4400" kern="1200">
-                <a:solidFill>
-                  <a:schemeClr val="tx1"/>
-                </a:solidFill>
-                <a:latin typeface="+mj-lt"/>
-                <a:ea typeface="+mj-ea"/>
-                <a:cs typeface="+mj-cs"/>
-              </a:defRPr>
-            </a:lvl1pPr>
-          </a:lstStyle>
-          <a:p>
-            <a:pPr algn="ctr">
-              <a:spcBef>
-                <a:spcPts val="0"/>
-              </a:spcBef>
-            </a:pPr>
-            <a:r>
-              <a:rPr lang="nl" sz="4800" b="1" dirty="0">
-                <a:latin typeface="Arial" panose="020B0604020202020204" pitchFamily="34" charset="0"/>
-                <a:cs typeface="Arial" panose="020B0604020202020204" pitchFamily="34" charset="0"/>
-              </a:rPr>
-              <a:t>Table of contents</a:t>
-            </a:r>
-            <a:endParaRPr lang="en-US" sz="4800" b="1" dirty="0">
-              <a:latin typeface="Arial" panose="020B0604020202020204" pitchFamily="34" charset="0"/>
-              <a:cs typeface="Arial" panose="020B0604020202020204" pitchFamily="34" charset="0"/>
-            </a:endParaRPr>
-          </a:p>
-        </p:txBody>
-      </p:sp>
-      <p:sp>
-        <p:nvSpPr>
-          <p:cNvPr id="6" name="TextBox 5">
-            <a:extLst>
-              <a:ext uri="{FF2B5EF4-FFF2-40B4-BE49-F238E27FC236}">
-                <a16:creationId xmlns:a16="http://schemas.microsoft.com/office/drawing/2014/main" id="{94E1F2D7-F1C4-4F57-B61F-C41ECEC7ADE6}"/>
-              </a:ext>
-            </a:extLst>
-          </p:cNvPr>
-          <p:cNvSpPr txBox="1"/>
-          <p:nvPr/>
-        </p:nvSpPr>
-        <p:spPr>
-          <a:xfrm>
-            <a:off x="415600" y="1082450"/>
-            <a:ext cx="6635150" cy="2308324"/>
-          </a:xfrm>
-          <a:prstGeom prst="rect">
-            <a:avLst/>
-          </a:prstGeom>
-          <a:noFill/>
-        </p:spPr>
-        <p:txBody>
-          <a:bodyPr wrap="none" rtlCol="0">
-            <a:spAutoFit/>
-          </a:bodyPr>
-          <a:lstStyle/>
-          <a:p>
-            <a:pPr marL="571500" indent="-571500">
-              <a:buFont typeface="Arial" panose="020B0604020202020204" pitchFamily="34" charset="0"/>
-              <a:buChar char="•"/>
-            </a:pPr>
-            <a:r>
-              <a:rPr lang="en-GB" sz="3600" dirty="0">
-                <a:latin typeface="Arial" panose="020B0604020202020204" pitchFamily="34" charset="0"/>
-                <a:cs typeface="Arial" panose="020B0604020202020204" pitchFamily="34" charset="0"/>
-              </a:rPr>
-              <a:t>Data-driven control</a:t>
-            </a:r>
-          </a:p>
-          <a:p>
-            <a:pPr marL="571500" indent="-571500">
-              <a:buFont typeface="Arial" panose="020B0604020202020204" pitchFamily="34" charset="0"/>
-              <a:buChar char="•"/>
-            </a:pPr>
-            <a:r>
-              <a:rPr lang="en-GB" sz="3600" dirty="0">
-                <a:latin typeface="Arial" panose="020B0604020202020204" pitchFamily="34" charset="0"/>
-                <a:cs typeface="Arial" panose="020B0604020202020204" pitchFamily="34" charset="0"/>
-              </a:rPr>
-              <a:t>LTI systems</a:t>
-            </a:r>
-          </a:p>
-          <a:p>
-            <a:pPr marL="571500" indent="-571500">
-              <a:buFont typeface="Arial" panose="020B0604020202020204" pitchFamily="34" charset="0"/>
-              <a:buChar char="•"/>
-            </a:pPr>
-            <a:r>
-              <a:rPr lang="en-GB" sz="3600" dirty="0">
-                <a:latin typeface="Arial" panose="020B0604020202020204" pitchFamily="34" charset="0"/>
-                <a:cs typeface="Arial" panose="020B0604020202020204" pitchFamily="34" charset="0"/>
-              </a:rPr>
-              <a:t>Discrete Fourier Transform</a:t>
-            </a:r>
-          </a:p>
-          <a:p>
-            <a:pPr marL="571500" indent="-571500">
-              <a:buFont typeface="Arial" panose="020B0604020202020204" pitchFamily="34" charset="0"/>
-              <a:buChar char="•"/>
-            </a:pPr>
-            <a:r>
-              <a:rPr lang="en-GB" sz="3600" dirty="0">
-                <a:latin typeface="Arial" panose="020B0604020202020204" pitchFamily="34" charset="0"/>
-                <a:cs typeface="Arial" panose="020B0604020202020204" pitchFamily="34" charset="0"/>
-              </a:rPr>
-              <a:t>Frequency domain approach</a:t>
-            </a:r>
-          </a:p>
-        </p:txBody>
-      </p:sp>
-    </p:spTree>
-    <p:extLst>
-      <p:ext uri="{BB962C8B-B14F-4D97-AF65-F5344CB8AC3E}">
-        <p14:creationId xmlns:p14="http://schemas.microsoft.com/office/powerpoint/2010/main" val="306977291"/>
       </p:ext>
     </p:extLst>
   </p:cSld>
@@ -6747,8 +8921,8 @@
           </a:prstGeom>
         </p:spPr>
       </p:pic>
-      <mc:AlternateContent xmlns:mc="http://schemas.openxmlformats.org/markup-compatibility/2006">
-        <mc:Choice xmlns:a14="http://schemas.microsoft.com/office/drawing/2010/main" Requires="a14">
+      <mc:AlternateContent xmlns:mc="http://schemas.openxmlformats.org/markup-compatibility/2006" xmlns:a14="http://schemas.microsoft.com/office/drawing/2010/main">
+        <mc:Choice Requires="a14">
           <p:sp>
             <p:nvSpPr>
               <p:cNvPr id="9" name="TextBox 8">
@@ -6777,6 +8951,7 @@
               </a:bodyPr>
               <a:lstStyle/>
               <a:p>
+                <a:pPr/>
                 <a14:m>
                   <m:oMathPara xmlns:m="http://schemas.openxmlformats.org/officeDocument/2006/math">
                     <m:oMathParaPr>
@@ -6870,7 +9045,7 @@
             </p:txBody>
           </p:sp>
         </mc:Choice>
-        <mc:Fallback>
+        <mc:Fallback xmlns="">
           <p:sp>
             <p:nvSpPr>
               <p:cNvPr id="9" name="TextBox 8">
@@ -6915,8 +9090,8 @@
           </p:sp>
         </mc:Fallback>
       </mc:AlternateContent>
-      <mc:AlternateContent xmlns:mc="http://schemas.openxmlformats.org/markup-compatibility/2006">
-        <mc:Choice xmlns:a14="http://schemas.microsoft.com/office/drawing/2010/main" Requires="a14">
+      <mc:AlternateContent xmlns:mc="http://schemas.openxmlformats.org/markup-compatibility/2006" xmlns:a14="http://schemas.microsoft.com/office/drawing/2010/main">
+        <mc:Choice Requires="a14">
           <p:sp>
             <p:nvSpPr>
               <p:cNvPr id="11" name="TextBox 10">
@@ -7159,7 +9334,7 @@
             </p:txBody>
           </p:sp>
         </mc:Choice>
-        <mc:Fallback>
+        <mc:Fallback xmlns="">
           <p:sp>
             <p:nvSpPr>
               <p:cNvPr id="11" name="TextBox 10">
@@ -7594,8 +9769,8 @@
           </a:p>
         </p:txBody>
       </p:sp>
-      <mc:AlternateContent xmlns:mc="http://schemas.openxmlformats.org/markup-compatibility/2006">
-        <mc:Choice xmlns:a14="http://schemas.microsoft.com/office/drawing/2010/main" Requires="a14">
+      <mc:AlternateContent xmlns:mc="http://schemas.openxmlformats.org/markup-compatibility/2006" xmlns:a14="http://schemas.microsoft.com/office/drawing/2010/main">
+        <mc:Choice Requires="a14">
           <p:sp>
             <p:nvSpPr>
               <p:cNvPr id="9" name="TextBox 8">
@@ -7624,6 +9799,7 @@
               </a:bodyPr>
               <a:lstStyle/>
               <a:p>
+                <a:pPr/>
                 <a14:m>
                   <m:oMathPara xmlns:m="http://schemas.openxmlformats.org/officeDocument/2006/math">
                     <m:oMathParaPr>
@@ -7717,7 +9893,7 @@
             </p:txBody>
           </p:sp>
         </mc:Choice>
-        <mc:Fallback>
+        <mc:Fallback xmlns="">
           <p:sp>
             <p:nvSpPr>
               <p:cNvPr id="9" name="TextBox 8">
@@ -7762,8 +9938,8 @@
           </p:sp>
         </mc:Fallback>
       </mc:AlternateContent>
-      <mc:AlternateContent xmlns:mc="http://schemas.openxmlformats.org/markup-compatibility/2006">
-        <mc:Choice xmlns:a14="http://schemas.microsoft.com/office/drawing/2010/main" Requires="a14">
+      <mc:AlternateContent xmlns:mc="http://schemas.openxmlformats.org/markup-compatibility/2006" xmlns:a14="http://schemas.microsoft.com/office/drawing/2010/main">
+        <mc:Choice Requires="a14">
           <p:sp>
             <p:nvSpPr>
               <p:cNvPr id="11" name="TextBox 10">
@@ -8006,7 +10182,7 @@
             </p:txBody>
           </p:sp>
         </mc:Choice>
-        <mc:Fallback>
+        <mc:Fallback xmlns="">
           <p:sp>
             <p:nvSpPr>
               <p:cNvPr id="11" name="TextBox 10">
@@ -8139,8 +10315,8 @@
           </a:p>
         </p:txBody>
       </p:sp>
-      <mc:AlternateContent xmlns:mc="http://schemas.openxmlformats.org/markup-compatibility/2006">
-        <mc:Choice xmlns:a14="http://schemas.microsoft.com/office/drawing/2010/main" Requires="a14">
+      <mc:AlternateContent xmlns:mc="http://schemas.openxmlformats.org/markup-compatibility/2006" xmlns:a14="http://schemas.microsoft.com/office/drawing/2010/main">
+        <mc:Choice Requires="a14">
           <p:sp>
             <p:nvSpPr>
               <p:cNvPr id="5" name="TextBox 4">
@@ -8263,7 +10439,7 @@
             </p:txBody>
           </p:sp>
         </mc:Choice>
-        <mc:Fallback>
+        <mc:Fallback xmlns="">
           <p:sp>
             <p:nvSpPr>
               <p:cNvPr id="5" name="TextBox 4">
@@ -8308,8 +10484,8 @@
           </p:sp>
         </mc:Fallback>
       </mc:AlternateContent>
-      <mc:AlternateContent xmlns:mc="http://schemas.openxmlformats.org/markup-compatibility/2006">
-        <mc:Choice xmlns:a14="http://schemas.microsoft.com/office/drawing/2010/main" Requires="a14">
+      <mc:AlternateContent xmlns:mc="http://schemas.openxmlformats.org/markup-compatibility/2006" xmlns:a14="http://schemas.microsoft.com/office/drawing/2010/main">
+        <mc:Choice Requires="a14">
           <p:sp>
             <p:nvSpPr>
               <p:cNvPr id="6" name="TextBox 5">
@@ -8558,7 +10734,7 @@
             </p:txBody>
           </p:sp>
         </mc:Choice>
-        <mc:Fallback>
+        <mc:Fallback xmlns="">
           <p:sp>
             <p:nvSpPr>
               <p:cNvPr id="6" name="TextBox 5">
@@ -8735,8 +10911,8 @@
           </a:p>
         </p:txBody>
       </p:sp>
-      <mc:AlternateContent xmlns:mc="http://schemas.openxmlformats.org/markup-compatibility/2006">
-        <mc:Choice xmlns:a14="http://schemas.microsoft.com/office/drawing/2010/main" Requires="a14">
+      <mc:AlternateContent xmlns:mc="http://schemas.openxmlformats.org/markup-compatibility/2006" xmlns:a14="http://schemas.microsoft.com/office/drawing/2010/main">
+        <mc:Choice Requires="a14">
           <p:sp>
             <p:nvSpPr>
               <p:cNvPr id="19" name="TextBox 18">
@@ -8857,7 +11033,7 @@
             </p:txBody>
           </p:sp>
         </mc:Choice>
-        <mc:Fallback>
+        <mc:Fallback xmlns="">
           <p:sp>
             <p:nvSpPr>
               <p:cNvPr id="19" name="TextBox 18">
@@ -8902,8 +11078,8 @@
           </p:sp>
         </mc:Fallback>
       </mc:AlternateContent>
-      <mc:AlternateContent xmlns:mc="http://schemas.openxmlformats.org/markup-compatibility/2006">
-        <mc:Choice xmlns:a14="http://schemas.microsoft.com/office/drawing/2010/main" Requires="a14">
+      <mc:AlternateContent xmlns:mc="http://schemas.openxmlformats.org/markup-compatibility/2006" xmlns:a14="http://schemas.microsoft.com/office/drawing/2010/main">
+        <mc:Choice Requires="a14">
           <p:sp>
             <p:nvSpPr>
               <p:cNvPr id="20" name="TextBox 19">
@@ -9004,7 +11180,7 @@
             </p:txBody>
           </p:sp>
         </mc:Choice>
-        <mc:Fallback>
+        <mc:Fallback xmlns="">
           <p:sp>
             <p:nvSpPr>
               <p:cNvPr id="20" name="TextBox 19">

--- a/Presentation/Thesis.pptx
+++ b/Presentation/Thesis.pptx
@@ -5,35 +5,42 @@
     <p:sldMasterId id="2147483648" r:id="rId1"/>
   </p:sldMasterIdLst>
   <p:notesMasterIdLst>
-    <p:notesMasterId r:id="rId25"/>
+    <p:notesMasterId r:id="rId32"/>
   </p:notesMasterIdLst>
   <p:handoutMasterIdLst>
-    <p:handoutMasterId r:id="rId26"/>
+    <p:handoutMasterId r:id="rId33"/>
   </p:handoutMasterIdLst>
   <p:sldIdLst>
     <p:sldId id="256" r:id="rId2"/>
     <p:sldId id="264" r:id="rId3"/>
-    <p:sldId id="265" r:id="rId4"/>
-    <p:sldId id="268" r:id="rId5"/>
-    <p:sldId id="263" r:id="rId6"/>
-    <p:sldId id="267" r:id="rId7"/>
-    <p:sldId id="271" r:id="rId8"/>
-    <p:sldId id="272" r:id="rId9"/>
-    <p:sldId id="273" r:id="rId10"/>
-    <p:sldId id="274" r:id="rId11"/>
-    <p:sldId id="269" r:id="rId12"/>
-    <p:sldId id="276" r:id="rId13"/>
-    <p:sldId id="277" r:id="rId14"/>
-    <p:sldId id="278" r:id="rId15"/>
-    <p:sldId id="279" r:id="rId16"/>
-    <p:sldId id="280" r:id="rId17"/>
-    <p:sldId id="281" r:id="rId18"/>
-    <p:sldId id="282" r:id="rId19"/>
-    <p:sldId id="283" r:id="rId20"/>
-    <p:sldId id="284" r:id="rId21"/>
-    <p:sldId id="275" r:id="rId22"/>
-    <p:sldId id="270" r:id="rId23"/>
-    <p:sldId id="266" r:id="rId24"/>
+    <p:sldId id="268" r:id="rId4"/>
+    <p:sldId id="263" r:id="rId5"/>
+    <p:sldId id="267" r:id="rId6"/>
+    <p:sldId id="271" r:id="rId7"/>
+    <p:sldId id="272" r:id="rId8"/>
+    <p:sldId id="273" r:id="rId9"/>
+    <p:sldId id="274" r:id="rId10"/>
+    <p:sldId id="269" r:id="rId11"/>
+    <p:sldId id="276" r:id="rId12"/>
+    <p:sldId id="277" r:id="rId13"/>
+    <p:sldId id="278" r:id="rId14"/>
+    <p:sldId id="279" r:id="rId15"/>
+    <p:sldId id="280" r:id="rId16"/>
+    <p:sldId id="281" r:id="rId17"/>
+    <p:sldId id="282" r:id="rId18"/>
+    <p:sldId id="283" r:id="rId19"/>
+    <p:sldId id="284" r:id="rId20"/>
+    <p:sldId id="275" r:id="rId21"/>
+    <p:sldId id="285" r:id="rId22"/>
+    <p:sldId id="287" r:id="rId23"/>
+    <p:sldId id="288" r:id="rId24"/>
+    <p:sldId id="289" r:id="rId25"/>
+    <p:sldId id="290" r:id="rId26"/>
+    <p:sldId id="291" r:id="rId27"/>
+    <p:sldId id="292" r:id="rId28"/>
+    <p:sldId id="265" r:id="rId29"/>
+    <p:sldId id="270" r:id="rId30"/>
+    <p:sldId id="266" r:id="rId31"/>
   </p:sldIdLst>
   <p:sldSz cx="12192000" cy="6858000"/>
   <p:notesSz cx="6858000" cy="9144000"/>
@@ -136,6 +143,9 @@
     <p:ext uri="{EFAFB233-063F-42B5-8137-9DF3F51BA10A}">
       <p15:sldGuideLst xmlns:p15="http://schemas.microsoft.com/office/powerpoint/2012/main"/>
     </p:ext>
+    <p:ext uri="{2D200454-40CA-4A62-9FC3-DE9A4176ACB9}">
+      <p15:notesGuideLst xmlns:p15="http://schemas.microsoft.com/office/powerpoint/2012/main"/>
+    </p:ext>
   </p:extLst>
 </p:presentation>
 </file>
@@ -150,6 +160,541 @@
     </p:extLst>
   </p:cmAuthor>
 </p:cmAuthorLst>
+</file>
+
+<file path=ppt/revisionInfo.xml><?xml version="1.0" encoding="utf-8"?>
+<p1510:revInfo xmlns:a="http://schemas.openxmlformats.org/drawingml/2006/main" xmlns:r="http://schemas.openxmlformats.org/officeDocument/2006/relationships" xmlns:p1510="http://schemas.microsoft.com/office/powerpoint/2015/10/main">
+  <p1510:revLst>
+    <p1510:client id="{586DEE1A-CE0A-4E3C-B144-A347ABF1FE9F}" v="121" dt="2020-08-24T19:50:39.057"/>
+  </p1510:revLst>
+</p1510:revInfo>
+</file>
+
+<file path=ppt/changesInfos/changesInfo1.xml><?xml version="1.0" encoding="utf-8"?>
+<pc:chgInfo xmlns:a="http://schemas.openxmlformats.org/drawingml/2006/main" xmlns:r="http://schemas.openxmlformats.org/officeDocument/2006/relationships" xmlns:ac="http://schemas.microsoft.com/office/drawing/2013/main/command" xmlns:pc="http://schemas.microsoft.com/office/powerpoint/2013/main/command">
+  <pc:docChgLst>
+    <pc:chgData name="Marc Berneman" userId="6e80ea52-aae6-495c-9775-04fc3644c8c5" providerId="ADAL" clId="{586DEE1A-CE0A-4E3C-B144-A347ABF1FE9F}"/>
+    <pc:docChg chg="undo custSel addSld delSld modSld sldOrd">
+      <pc:chgData name="Marc Berneman" userId="6e80ea52-aae6-495c-9775-04fc3644c8c5" providerId="ADAL" clId="{586DEE1A-CE0A-4E3C-B144-A347ABF1FE9F}" dt="2020-08-24T19:56:24.737" v="692" actId="20577"/>
+      <pc:docMkLst>
+        <pc:docMk/>
+      </pc:docMkLst>
+      <pc:sldChg chg="addSp delSp modSp mod">
+        <pc:chgData name="Marc Berneman" userId="6e80ea52-aae6-495c-9775-04fc3644c8c5" providerId="ADAL" clId="{586DEE1A-CE0A-4E3C-B144-A347ABF1FE9F}" dt="2020-08-24T19:27:34.660" v="144" actId="21"/>
+        <pc:sldMkLst>
+          <pc:docMk/>
+          <pc:sldMk cId="2155472058" sldId="256"/>
+        </pc:sldMkLst>
+        <pc:picChg chg="add del mod">
+          <ac:chgData name="Marc Berneman" userId="6e80ea52-aae6-495c-9775-04fc3644c8c5" providerId="ADAL" clId="{586DEE1A-CE0A-4E3C-B144-A347ABF1FE9F}" dt="2020-08-24T19:27:34.660" v="144" actId="21"/>
+          <ac:picMkLst>
+            <pc:docMk/>
+            <pc:sldMk cId="2155472058" sldId="256"/>
+            <ac:picMk id="5" creationId="{0EA3437B-42F0-48F1-A29A-4697A52D1155}"/>
+          </ac:picMkLst>
+        </pc:picChg>
+      </pc:sldChg>
+      <pc:sldChg chg="modSp mod">
+        <pc:chgData name="Marc Berneman" userId="6e80ea52-aae6-495c-9775-04fc3644c8c5" providerId="ADAL" clId="{586DEE1A-CE0A-4E3C-B144-A347ABF1FE9F}" dt="2020-08-24T19:56:24.737" v="692" actId="20577"/>
+        <pc:sldMkLst>
+          <pc:docMk/>
+          <pc:sldMk cId="306977291" sldId="264"/>
+        </pc:sldMkLst>
+        <pc:spChg chg="mod">
+          <ac:chgData name="Marc Berneman" userId="6e80ea52-aae6-495c-9775-04fc3644c8c5" providerId="ADAL" clId="{586DEE1A-CE0A-4E3C-B144-A347ABF1FE9F}" dt="2020-08-24T19:56:24.737" v="692" actId="20577"/>
+          <ac:spMkLst>
+            <pc:docMk/>
+            <pc:sldMk cId="306977291" sldId="264"/>
+            <ac:spMk id="6" creationId="{94E1F2D7-F1C4-4F57-B61F-C41ECEC7ADE6}"/>
+          </ac:spMkLst>
+        </pc:spChg>
+      </pc:sldChg>
+      <pc:sldChg chg="delSp add mod">
+        <pc:chgData name="Marc Berneman" userId="6e80ea52-aae6-495c-9775-04fc3644c8c5" providerId="ADAL" clId="{586DEE1A-CE0A-4E3C-B144-A347ABF1FE9F}" dt="2020-08-24T19:50:48.391" v="680" actId="21"/>
+        <pc:sldMkLst>
+          <pc:docMk/>
+          <pc:sldMk cId="2061743488" sldId="265"/>
+        </pc:sldMkLst>
+        <pc:picChg chg="del">
+          <ac:chgData name="Marc Berneman" userId="6e80ea52-aae6-495c-9775-04fc3644c8c5" providerId="ADAL" clId="{586DEE1A-CE0A-4E3C-B144-A347ABF1FE9F}" dt="2020-08-24T19:50:48.391" v="680" actId="21"/>
+          <ac:picMkLst>
+            <pc:docMk/>
+            <pc:sldMk cId="2061743488" sldId="265"/>
+            <ac:picMk id="6" creationId="{F45AC2AE-F3F7-4B17-8253-2E7C11CF54F2}"/>
+          </ac:picMkLst>
+        </pc:picChg>
+      </pc:sldChg>
+      <pc:sldChg chg="del">
+        <pc:chgData name="Marc Berneman" userId="6e80ea52-aae6-495c-9775-04fc3644c8c5" providerId="ADAL" clId="{586DEE1A-CE0A-4E3C-B144-A347ABF1FE9F}" dt="2020-08-24T19:50:30.011" v="650" actId="2696"/>
+        <pc:sldMkLst>
+          <pc:docMk/>
+          <pc:sldMk cId="2420322313" sldId="265"/>
+        </pc:sldMkLst>
+      </pc:sldChg>
+      <pc:sldChg chg="addSp delSp modSp mod">
+        <pc:chgData name="Marc Berneman" userId="6e80ea52-aae6-495c-9775-04fc3644c8c5" providerId="ADAL" clId="{586DEE1A-CE0A-4E3C-B144-A347ABF1FE9F}" dt="2020-08-24T19:32:57.241" v="320" actId="22"/>
+        <pc:sldMkLst>
+          <pc:docMk/>
+          <pc:sldMk cId="1243701346" sldId="270"/>
+        </pc:sldMkLst>
+        <pc:spChg chg="add del">
+          <ac:chgData name="Marc Berneman" userId="6e80ea52-aae6-495c-9775-04fc3644c8c5" providerId="ADAL" clId="{586DEE1A-CE0A-4E3C-B144-A347ABF1FE9F}" dt="2020-08-24T19:32:57.241" v="320" actId="22"/>
+          <ac:spMkLst>
+            <pc:docMk/>
+            <pc:sldMk cId="1243701346" sldId="270"/>
+            <ac:spMk id="7" creationId="{84949A33-3411-478A-9177-FD64CF5F46FC}"/>
+          </ac:spMkLst>
+        </pc:spChg>
+        <pc:picChg chg="add del mod ord">
+          <ac:chgData name="Marc Berneman" userId="6e80ea52-aae6-495c-9775-04fc3644c8c5" providerId="ADAL" clId="{586DEE1A-CE0A-4E3C-B144-A347ABF1FE9F}" dt="2020-08-24T19:32:09.889" v="291" actId="21"/>
+          <ac:picMkLst>
+            <pc:docMk/>
+            <pc:sldMk cId="1243701346" sldId="270"/>
+            <ac:picMk id="6" creationId="{583D936D-27F7-42F4-8961-6C36E70DBE83}"/>
+          </ac:picMkLst>
+        </pc:picChg>
+      </pc:sldChg>
+      <pc:sldChg chg="addSp delSp modSp mod">
+        <pc:chgData name="Marc Berneman" userId="6e80ea52-aae6-495c-9775-04fc3644c8c5" providerId="ADAL" clId="{586DEE1A-CE0A-4E3C-B144-A347ABF1FE9F}" dt="2020-08-24T19:28:16.530" v="177" actId="1036"/>
+        <pc:sldMkLst>
+          <pc:docMk/>
+          <pc:sldMk cId="3288217535" sldId="275"/>
+        </pc:sldMkLst>
+        <pc:picChg chg="add del mod ord modCrop">
+          <ac:chgData name="Marc Berneman" userId="6e80ea52-aae6-495c-9775-04fc3644c8c5" providerId="ADAL" clId="{586DEE1A-CE0A-4E3C-B144-A347ABF1FE9F}" dt="2020-08-24T19:27:38.800" v="146" actId="478"/>
+          <ac:picMkLst>
+            <pc:docMk/>
+            <pc:sldMk cId="3288217535" sldId="275"/>
+            <ac:picMk id="6" creationId="{381E21F5-299E-425A-8899-94FCA05F4DAE}"/>
+          </ac:picMkLst>
+        </pc:picChg>
+        <pc:picChg chg="add mod ord modCrop">
+          <ac:chgData name="Marc Berneman" userId="6e80ea52-aae6-495c-9775-04fc3644c8c5" providerId="ADAL" clId="{586DEE1A-CE0A-4E3C-B144-A347ABF1FE9F}" dt="2020-08-24T19:28:16.530" v="177" actId="1036"/>
+          <ac:picMkLst>
+            <pc:docMk/>
+            <pc:sldMk cId="3288217535" sldId="275"/>
+            <ac:picMk id="7" creationId="{C8C153BF-ECDD-4119-9B33-C9D1C31C02D9}"/>
+          </ac:picMkLst>
+        </pc:picChg>
+      </pc:sldChg>
+      <pc:sldChg chg="modAnim">
+        <pc:chgData name="Marc Berneman" userId="6e80ea52-aae6-495c-9775-04fc3644c8c5" providerId="ADAL" clId="{586DEE1A-CE0A-4E3C-B144-A347ABF1FE9F}" dt="2020-08-24T19:49:03.822" v="593"/>
+        <pc:sldMkLst>
+          <pc:docMk/>
+          <pc:sldMk cId="1727679540" sldId="284"/>
+        </pc:sldMkLst>
+      </pc:sldChg>
+      <pc:sldChg chg="addSp delSp modSp add mod ord modAnim">
+        <pc:chgData name="Marc Berneman" userId="6e80ea52-aae6-495c-9775-04fc3644c8c5" providerId="ADAL" clId="{586DEE1A-CE0A-4E3C-B144-A347ABF1FE9F}" dt="2020-08-24T19:49:28.619" v="603"/>
+        <pc:sldMkLst>
+          <pc:docMk/>
+          <pc:sldMk cId="2772281251" sldId="285"/>
+        </pc:sldMkLst>
+        <pc:spChg chg="mod">
+          <ac:chgData name="Marc Berneman" userId="6e80ea52-aae6-495c-9775-04fc3644c8c5" providerId="ADAL" clId="{586DEE1A-CE0A-4E3C-B144-A347ABF1FE9F}" dt="2020-08-24T19:22:09.559" v="137" actId="12788"/>
+          <ac:spMkLst>
+            <pc:docMk/>
+            <pc:sldMk cId="2772281251" sldId="285"/>
+            <ac:spMk id="2" creationId="{07705E8B-B431-42B4-B668-D6E71B87C830}"/>
+          </ac:spMkLst>
+        </pc:spChg>
+        <pc:spChg chg="mod">
+          <ac:chgData name="Marc Berneman" userId="6e80ea52-aae6-495c-9775-04fc3644c8c5" providerId="ADAL" clId="{586DEE1A-CE0A-4E3C-B144-A347ABF1FE9F}" dt="2020-08-24T19:20:43.965" v="65" actId="20577"/>
+          <ac:spMkLst>
+            <pc:docMk/>
+            <pc:sldMk cId="2772281251" sldId="285"/>
+            <ac:spMk id="3" creationId="{E155BFF9-202C-475B-A266-871949978C02}"/>
+          </ac:spMkLst>
+        </pc:spChg>
+        <pc:spChg chg="mod">
+          <ac:chgData name="Marc Berneman" userId="6e80ea52-aae6-495c-9775-04fc3644c8c5" providerId="ADAL" clId="{586DEE1A-CE0A-4E3C-B144-A347ABF1FE9F}" dt="2020-08-24T19:22:15.510" v="138" actId="12788"/>
+          <ac:spMkLst>
+            <pc:docMk/>
+            <pc:sldMk cId="2772281251" sldId="285"/>
+            <ac:spMk id="5" creationId="{896CF217-BFBD-493C-AB68-87A8BC9371B8}"/>
+          </ac:spMkLst>
+        </pc:spChg>
+        <pc:spChg chg="del">
+          <ac:chgData name="Marc Berneman" userId="6e80ea52-aae6-495c-9775-04fc3644c8c5" providerId="ADAL" clId="{586DEE1A-CE0A-4E3C-B144-A347ABF1FE9F}" dt="2020-08-24T19:21:57.814" v="134" actId="478"/>
+          <ac:spMkLst>
+            <pc:docMk/>
+            <pc:sldMk cId="2772281251" sldId="285"/>
+            <ac:spMk id="7" creationId="{A269A873-90E1-4BED-AF3F-2907645C3A7D}"/>
+          </ac:spMkLst>
+        </pc:spChg>
+        <pc:spChg chg="add mod">
+          <ac:chgData name="Marc Berneman" userId="6e80ea52-aae6-495c-9775-04fc3644c8c5" providerId="ADAL" clId="{586DEE1A-CE0A-4E3C-B144-A347ABF1FE9F}" dt="2020-08-24T19:49:24.914" v="602" actId="12788"/>
+          <ac:spMkLst>
+            <pc:docMk/>
+            <pc:sldMk cId="2772281251" sldId="285"/>
+            <ac:spMk id="10" creationId="{D42968AC-5212-49F6-B7D8-B7CA660B0B20}"/>
+          </ac:spMkLst>
+        </pc:spChg>
+        <pc:picChg chg="add mod">
+          <ac:chgData name="Marc Berneman" userId="6e80ea52-aae6-495c-9775-04fc3644c8c5" providerId="ADAL" clId="{586DEE1A-CE0A-4E3C-B144-A347ABF1FE9F}" dt="2020-08-24T19:22:15.510" v="138" actId="12788"/>
+          <ac:picMkLst>
+            <pc:docMk/>
+            <pc:sldMk cId="2772281251" sldId="285"/>
+            <ac:picMk id="8" creationId="{7F30B576-C35C-4F3B-B8B0-92D4841A9A0E}"/>
+          </ac:picMkLst>
+        </pc:picChg>
+      </pc:sldChg>
+      <pc:sldChg chg="add del">
+        <pc:chgData name="Marc Berneman" userId="6e80ea52-aae6-495c-9775-04fc3644c8c5" providerId="ADAL" clId="{586DEE1A-CE0A-4E3C-B144-A347ABF1FE9F}" dt="2020-08-24T19:22:30.139" v="141" actId="47"/>
+        <pc:sldMkLst>
+          <pc:docMk/>
+          <pc:sldMk cId="121055634" sldId="286"/>
+        </pc:sldMkLst>
+      </pc:sldChg>
+      <pc:sldChg chg="addSp delSp modSp add mod">
+        <pc:chgData name="Marc Berneman" userId="6e80ea52-aae6-495c-9775-04fc3644c8c5" providerId="ADAL" clId="{586DEE1A-CE0A-4E3C-B144-A347ABF1FE9F}" dt="2020-08-24T19:29:27.407" v="205" actId="22"/>
+        <pc:sldMkLst>
+          <pc:docMk/>
+          <pc:sldMk cId="2438169337" sldId="287"/>
+        </pc:sldMkLst>
+        <pc:spChg chg="del">
+          <ac:chgData name="Marc Berneman" userId="6e80ea52-aae6-495c-9775-04fc3644c8c5" providerId="ADAL" clId="{586DEE1A-CE0A-4E3C-B144-A347ABF1FE9F}" dt="2020-08-24T19:28:24.852" v="178" actId="478"/>
+          <ac:spMkLst>
+            <pc:docMk/>
+            <pc:sldMk cId="2438169337" sldId="287"/>
+            <ac:spMk id="2" creationId="{07705E8B-B431-42B4-B668-D6E71B87C830}"/>
+          </ac:spMkLst>
+        </pc:spChg>
+        <pc:spChg chg="del mod">
+          <ac:chgData name="Marc Berneman" userId="6e80ea52-aae6-495c-9775-04fc3644c8c5" providerId="ADAL" clId="{586DEE1A-CE0A-4E3C-B144-A347ABF1FE9F}" dt="2020-08-24T19:28:25.972" v="180" actId="478"/>
+          <ac:spMkLst>
+            <pc:docMk/>
+            <pc:sldMk cId="2438169337" sldId="287"/>
+            <ac:spMk id="5" creationId="{896CF217-BFBD-493C-AB68-87A8BC9371B8}"/>
+          </ac:spMkLst>
+        </pc:spChg>
+        <pc:picChg chg="add mod">
+          <ac:chgData name="Marc Berneman" userId="6e80ea52-aae6-495c-9775-04fc3644c8c5" providerId="ADAL" clId="{586DEE1A-CE0A-4E3C-B144-A347ABF1FE9F}" dt="2020-08-24T19:28:44.187" v="198" actId="1036"/>
+          <ac:picMkLst>
+            <pc:docMk/>
+            <pc:sldMk cId="2438169337" sldId="287"/>
+            <ac:picMk id="7" creationId="{14338B7A-2D97-4A6F-9938-0B1997130FE9}"/>
+          </ac:picMkLst>
+        </pc:picChg>
+        <pc:picChg chg="del">
+          <ac:chgData name="Marc Berneman" userId="6e80ea52-aae6-495c-9775-04fc3644c8c5" providerId="ADAL" clId="{586DEE1A-CE0A-4E3C-B144-A347ABF1FE9F}" dt="2020-08-24T19:28:24.852" v="178" actId="478"/>
+          <ac:picMkLst>
+            <pc:docMk/>
+            <pc:sldMk cId="2438169337" sldId="287"/>
+            <ac:picMk id="8" creationId="{7F30B576-C35C-4F3B-B8B0-92D4841A9A0E}"/>
+          </ac:picMkLst>
+        </pc:picChg>
+        <pc:picChg chg="add del">
+          <ac:chgData name="Marc Berneman" userId="6e80ea52-aae6-495c-9775-04fc3644c8c5" providerId="ADAL" clId="{586DEE1A-CE0A-4E3C-B144-A347ABF1FE9F}" dt="2020-08-24T19:29:27.407" v="205" actId="22"/>
+          <ac:picMkLst>
+            <pc:docMk/>
+            <pc:sldMk cId="2438169337" sldId="287"/>
+            <ac:picMk id="10" creationId="{B8316CA2-E061-43C4-B0DA-5A5D95337180}"/>
+          </ac:picMkLst>
+        </pc:picChg>
+      </pc:sldChg>
+      <pc:sldChg chg="modSp add">
+        <pc:chgData name="Marc Berneman" userId="6e80ea52-aae6-495c-9775-04fc3644c8c5" providerId="ADAL" clId="{586DEE1A-CE0A-4E3C-B144-A347ABF1FE9F}" dt="2020-08-24T19:29:03.083" v="200" actId="14826"/>
+        <pc:sldMkLst>
+          <pc:docMk/>
+          <pc:sldMk cId="2780589432" sldId="288"/>
+        </pc:sldMkLst>
+        <pc:picChg chg="mod">
+          <ac:chgData name="Marc Berneman" userId="6e80ea52-aae6-495c-9775-04fc3644c8c5" providerId="ADAL" clId="{586DEE1A-CE0A-4E3C-B144-A347ABF1FE9F}" dt="2020-08-24T19:29:03.083" v="200" actId="14826"/>
+          <ac:picMkLst>
+            <pc:docMk/>
+            <pc:sldMk cId="2780589432" sldId="288"/>
+            <ac:picMk id="7" creationId="{14338B7A-2D97-4A6F-9938-0B1997130FE9}"/>
+          </ac:picMkLst>
+        </pc:picChg>
+      </pc:sldChg>
+      <pc:sldChg chg="addSp modSp add mod modAnim">
+        <pc:chgData name="Marc Berneman" userId="6e80ea52-aae6-495c-9775-04fc3644c8c5" providerId="ADAL" clId="{586DEE1A-CE0A-4E3C-B144-A347ABF1FE9F}" dt="2020-08-24T19:50:03.334" v="649" actId="1076"/>
+        <pc:sldMkLst>
+          <pc:docMk/>
+          <pc:sldMk cId="3094686256" sldId="289"/>
+        </pc:sldMkLst>
+        <pc:spChg chg="mod">
+          <ac:chgData name="Marc Berneman" userId="6e80ea52-aae6-495c-9775-04fc3644c8c5" providerId="ADAL" clId="{586DEE1A-CE0A-4E3C-B144-A347ABF1FE9F}" dt="2020-08-24T19:31:52.095" v="285" actId="1076"/>
+          <ac:spMkLst>
+            <pc:docMk/>
+            <pc:sldMk cId="3094686256" sldId="289"/>
+            <ac:spMk id="3" creationId="{E155BFF9-202C-475B-A266-871949978C02}"/>
+          </ac:spMkLst>
+        </pc:spChg>
+        <pc:spChg chg="add mod ord">
+          <ac:chgData name="Marc Berneman" userId="6e80ea52-aae6-495c-9775-04fc3644c8c5" providerId="ADAL" clId="{586DEE1A-CE0A-4E3C-B144-A347ABF1FE9F}" dt="2020-08-24T19:49:59.717" v="648" actId="171"/>
+          <ac:spMkLst>
+            <pc:docMk/>
+            <pc:sldMk cId="3094686256" sldId="289"/>
+            <ac:spMk id="6" creationId="{1A52EE45-EA4B-4B8D-9F9B-D8B6393699EB}"/>
+          </ac:spMkLst>
+        </pc:spChg>
+        <pc:picChg chg="add mod ord modCrop">
+          <ac:chgData name="Marc Berneman" userId="6e80ea52-aae6-495c-9775-04fc3644c8c5" providerId="ADAL" clId="{586DEE1A-CE0A-4E3C-B144-A347ABF1FE9F}" dt="2020-08-24T19:49:59.717" v="648" actId="171"/>
+          <ac:picMkLst>
+            <pc:docMk/>
+            <pc:sldMk cId="3094686256" sldId="289"/>
+            <ac:picMk id="2" creationId="{5E0B2C72-2EB0-42D4-9616-5E440DF4108B}"/>
+          </ac:picMkLst>
+        </pc:picChg>
+        <pc:picChg chg="mod ord modCrop">
+          <ac:chgData name="Marc Berneman" userId="6e80ea52-aae6-495c-9775-04fc3644c8c5" providerId="ADAL" clId="{586DEE1A-CE0A-4E3C-B144-A347ABF1FE9F}" dt="2020-08-24T19:49:59.717" v="648" actId="171"/>
+          <ac:picMkLst>
+            <pc:docMk/>
+            <pc:sldMk cId="3094686256" sldId="289"/>
+            <ac:picMk id="7" creationId="{14338B7A-2D97-4A6F-9938-0B1997130FE9}"/>
+          </ac:picMkLst>
+        </pc:picChg>
+        <pc:picChg chg="add mod">
+          <ac:chgData name="Marc Berneman" userId="6e80ea52-aae6-495c-9775-04fc3644c8c5" providerId="ADAL" clId="{586DEE1A-CE0A-4E3C-B144-A347ABF1FE9F}" dt="2020-08-24T19:50:03.334" v="649" actId="1076"/>
+          <ac:picMkLst>
+            <pc:docMk/>
+            <pc:sldMk cId="3094686256" sldId="289"/>
+            <ac:picMk id="25" creationId="{5F52A89E-0AA4-43A3-9F1C-33F35474CBAE}"/>
+          </ac:picMkLst>
+        </pc:picChg>
+        <pc:cxnChg chg="add mod ord">
+          <ac:chgData name="Marc Berneman" userId="6e80ea52-aae6-495c-9775-04fc3644c8c5" providerId="ADAL" clId="{586DEE1A-CE0A-4E3C-B144-A347ABF1FE9F}" dt="2020-08-24T19:49:59.717" v="648" actId="171"/>
+          <ac:cxnSpMkLst>
+            <pc:docMk/>
+            <pc:sldMk cId="3094686256" sldId="289"/>
+            <ac:cxnSpMk id="9" creationId="{45EEF573-45A0-4302-9854-CB26DD39F5FF}"/>
+          </ac:cxnSpMkLst>
+        </pc:cxnChg>
+        <pc:cxnChg chg="add mod ord">
+          <ac:chgData name="Marc Berneman" userId="6e80ea52-aae6-495c-9775-04fc3644c8c5" providerId="ADAL" clId="{586DEE1A-CE0A-4E3C-B144-A347ABF1FE9F}" dt="2020-08-24T19:49:59.717" v="648" actId="171"/>
+          <ac:cxnSpMkLst>
+            <pc:docMk/>
+            <pc:sldMk cId="3094686256" sldId="289"/>
+            <ac:cxnSpMk id="17" creationId="{161D2E81-B08B-4947-A600-54EF32E8D3B5}"/>
+          </ac:cxnSpMkLst>
+        </pc:cxnChg>
+      </pc:sldChg>
+      <pc:sldChg chg="addSp delSp modSp add mod delAnim modAnim">
+        <pc:chgData name="Marc Berneman" userId="6e80ea52-aae6-495c-9775-04fc3644c8c5" providerId="ADAL" clId="{586DEE1A-CE0A-4E3C-B144-A347ABF1FE9F}" dt="2020-08-24T19:35:09.322" v="382"/>
+        <pc:sldMkLst>
+          <pc:docMk/>
+          <pc:sldMk cId="4145367178" sldId="290"/>
+        </pc:sldMkLst>
+        <pc:spChg chg="del">
+          <ac:chgData name="Marc Berneman" userId="6e80ea52-aae6-495c-9775-04fc3644c8c5" providerId="ADAL" clId="{586DEE1A-CE0A-4E3C-B144-A347ABF1FE9F}" dt="2020-08-24T19:32:18.184" v="294" actId="478"/>
+          <ac:spMkLst>
+            <pc:docMk/>
+            <pc:sldMk cId="4145367178" sldId="290"/>
+            <ac:spMk id="6" creationId="{1A52EE45-EA4B-4B8D-9F9B-D8B6393699EB}"/>
+          </ac:spMkLst>
+        </pc:spChg>
+        <pc:spChg chg="add del mod">
+          <ac:chgData name="Marc Berneman" userId="6e80ea52-aae6-495c-9775-04fc3644c8c5" providerId="ADAL" clId="{586DEE1A-CE0A-4E3C-B144-A347ABF1FE9F}" dt="2020-08-24T19:33:05.779" v="324" actId="478"/>
+          <ac:spMkLst>
+            <pc:docMk/>
+            <pc:sldMk cId="4145367178" sldId="290"/>
+            <ac:spMk id="10" creationId="{552FBEF2-932F-4A0F-9378-5786E74A2030}"/>
+          </ac:spMkLst>
+        </pc:spChg>
+        <pc:spChg chg="add mod">
+          <ac:chgData name="Marc Berneman" userId="6e80ea52-aae6-495c-9775-04fc3644c8c5" providerId="ADAL" clId="{586DEE1A-CE0A-4E3C-B144-A347ABF1FE9F}" dt="2020-08-24T19:33:33.894" v="345" actId="1076"/>
+          <ac:spMkLst>
+            <pc:docMk/>
+            <pc:sldMk cId="4145367178" sldId="290"/>
+            <ac:spMk id="12" creationId="{E05E4263-F4FB-497C-AD48-3099E515FCE2}"/>
+          </ac:spMkLst>
+        </pc:spChg>
+        <pc:spChg chg="add mod">
+          <ac:chgData name="Marc Berneman" userId="6e80ea52-aae6-495c-9775-04fc3644c8c5" providerId="ADAL" clId="{586DEE1A-CE0A-4E3C-B144-A347ABF1FE9F}" dt="2020-08-24T19:33:31.909" v="344" actId="1076"/>
+          <ac:spMkLst>
+            <pc:docMk/>
+            <pc:sldMk cId="4145367178" sldId="290"/>
+            <ac:spMk id="13" creationId="{8A88061C-29FD-4711-8153-7CD279C4A78E}"/>
+          </ac:spMkLst>
+        </pc:spChg>
+        <pc:spChg chg="add mod">
+          <ac:chgData name="Marc Berneman" userId="6e80ea52-aae6-495c-9775-04fc3644c8c5" providerId="ADAL" clId="{586DEE1A-CE0A-4E3C-B144-A347ABF1FE9F}" dt="2020-08-24T19:33:40.077" v="350" actId="20577"/>
+          <ac:spMkLst>
+            <pc:docMk/>
+            <pc:sldMk cId="4145367178" sldId="290"/>
+            <ac:spMk id="15" creationId="{E7AD40FE-C9E9-4218-9770-15F1BE1AB28B}"/>
+          </ac:spMkLst>
+        </pc:spChg>
+        <pc:spChg chg="add mod">
+          <ac:chgData name="Marc Berneman" userId="6e80ea52-aae6-495c-9775-04fc3644c8c5" providerId="ADAL" clId="{586DEE1A-CE0A-4E3C-B144-A347ABF1FE9F}" dt="2020-08-24T19:33:44.786" v="354" actId="20577"/>
+          <ac:spMkLst>
+            <pc:docMk/>
+            <pc:sldMk cId="4145367178" sldId="290"/>
+            <ac:spMk id="19" creationId="{0162C4BA-4F08-4034-9712-B41F7EA79C39}"/>
+          </ac:spMkLst>
+        </pc:spChg>
+        <pc:picChg chg="del">
+          <ac:chgData name="Marc Berneman" userId="6e80ea52-aae6-495c-9775-04fc3644c8c5" providerId="ADAL" clId="{586DEE1A-CE0A-4E3C-B144-A347ABF1FE9F}" dt="2020-08-24T19:32:16.464" v="293" actId="478"/>
+          <ac:picMkLst>
+            <pc:docMk/>
+            <pc:sldMk cId="4145367178" sldId="290"/>
+            <ac:picMk id="2" creationId="{5E0B2C72-2EB0-42D4-9616-5E440DF4108B}"/>
+          </ac:picMkLst>
+        </pc:picChg>
+        <pc:picChg chg="del">
+          <ac:chgData name="Marc Berneman" userId="6e80ea52-aae6-495c-9775-04fc3644c8c5" providerId="ADAL" clId="{586DEE1A-CE0A-4E3C-B144-A347ABF1FE9F}" dt="2020-08-24T19:32:18.621" v="295" actId="478"/>
+          <ac:picMkLst>
+            <pc:docMk/>
+            <pc:sldMk cId="4145367178" sldId="290"/>
+            <ac:picMk id="7" creationId="{14338B7A-2D97-4A6F-9938-0B1997130FE9}"/>
+          </ac:picMkLst>
+        </pc:picChg>
+        <pc:picChg chg="add mod ord">
+          <ac:chgData name="Marc Berneman" userId="6e80ea52-aae6-495c-9775-04fc3644c8c5" providerId="ADAL" clId="{586DEE1A-CE0A-4E3C-B144-A347ABF1FE9F}" dt="2020-08-24T19:32:36.615" v="318" actId="12788"/>
+          <ac:picMkLst>
+            <pc:docMk/>
+            <pc:sldMk cId="4145367178" sldId="290"/>
+            <ac:picMk id="8" creationId="{4616CDFD-87B8-4581-A55F-76627FA79995}"/>
+          </ac:picMkLst>
+        </pc:picChg>
+        <pc:cxnChg chg="del">
+          <ac:chgData name="Marc Berneman" userId="6e80ea52-aae6-495c-9775-04fc3644c8c5" providerId="ADAL" clId="{586DEE1A-CE0A-4E3C-B144-A347ABF1FE9F}" dt="2020-08-24T19:32:18.184" v="294" actId="478"/>
+          <ac:cxnSpMkLst>
+            <pc:docMk/>
+            <pc:sldMk cId="4145367178" sldId="290"/>
+            <ac:cxnSpMk id="9" creationId="{45EEF573-45A0-4302-9854-CB26DD39F5FF}"/>
+          </ac:cxnSpMkLst>
+        </pc:cxnChg>
+        <pc:cxnChg chg="del mod">
+          <ac:chgData name="Marc Berneman" userId="6e80ea52-aae6-495c-9775-04fc3644c8c5" providerId="ADAL" clId="{586DEE1A-CE0A-4E3C-B144-A347ABF1FE9F}" dt="2020-08-24T19:32:18.184" v="294" actId="478"/>
+          <ac:cxnSpMkLst>
+            <pc:docMk/>
+            <pc:sldMk cId="4145367178" sldId="290"/>
+            <ac:cxnSpMk id="17" creationId="{161D2E81-B08B-4947-A600-54EF32E8D3B5}"/>
+          </ac:cxnSpMkLst>
+        </pc:cxnChg>
+        <pc:cxnChg chg="add mod">
+          <ac:chgData name="Marc Berneman" userId="6e80ea52-aae6-495c-9775-04fc3644c8c5" providerId="ADAL" clId="{586DEE1A-CE0A-4E3C-B144-A347ABF1FE9F}" dt="2020-08-24T19:34:01.447" v="358" actId="1582"/>
+          <ac:cxnSpMkLst>
+            <pc:docMk/>
+            <pc:sldMk cId="4145367178" sldId="290"/>
+            <ac:cxnSpMk id="21" creationId="{7176F7F5-443E-4239-A1E0-875443A5E3E6}"/>
+          </ac:cxnSpMkLst>
+        </pc:cxnChg>
+        <pc:cxnChg chg="add mod">
+          <ac:chgData name="Marc Berneman" userId="6e80ea52-aae6-495c-9775-04fc3644c8c5" providerId="ADAL" clId="{586DEE1A-CE0A-4E3C-B144-A347ABF1FE9F}" dt="2020-08-24T19:34:14.781" v="363" actId="14100"/>
+          <ac:cxnSpMkLst>
+            <pc:docMk/>
+            <pc:sldMk cId="4145367178" sldId="290"/>
+            <ac:cxnSpMk id="23" creationId="{4F955CDF-7F0C-4CAE-B576-ACACF1E4860A}"/>
+          </ac:cxnSpMkLst>
+        </pc:cxnChg>
+        <pc:cxnChg chg="add mod">
+          <ac:chgData name="Marc Berneman" userId="6e80ea52-aae6-495c-9775-04fc3644c8c5" providerId="ADAL" clId="{586DEE1A-CE0A-4E3C-B144-A347ABF1FE9F}" dt="2020-08-24T19:35:04.113" v="380" actId="1076"/>
+          <ac:cxnSpMkLst>
+            <pc:docMk/>
+            <pc:sldMk cId="4145367178" sldId="290"/>
+            <ac:cxnSpMk id="27" creationId="{7CCA72E9-E64F-4C9D-8154-3252B804712E}"/>
+          </ac:cxnSpMkLst>
+        </pc:cxnChg>
+        <pc:cxnChg chg="add mod">
+          <ac:chgData name="Marc Berneman" userId="6e80ea52-aae6-495c-9775-04fc3644c8c5" providerId="ADAL" clId="{586DEE1A-CE0A-4E3C-B144-A347ABF1FE9F}" dt="2020-08-24T19:34:31.837" v="371" actId="14100"/>
+          <ac:cxnSpMkLst>
+            <pc:docMk/>
+            <pc:sldMk cId="4145367178" sldId="290"/>
+            <ac:cxnSpMk id="30" creationId="{785DD52A-13EC-4152-ACA4-1B602E511799}"/>
+          </ac:cxnSpMkLst>
+        </pc:cxnChg>
+      </pc:sldChg>
+      <pc:sldChg chg="addSp delSp modSp add mod ord modAnim">
+        <pc:chgData name="Marc Berneman" userId="6e80ea52-aae6-495c-9775-04fc3644c8c5" providerId="ADAL" clId="{586DEE1A-CE0A-4E3C-B144-A347ABF1FE9F}" dt="2020-08-24T19:37:23.840" v="591"/>
+        <pc:sldMkLst>
+          <pc:docMk/>
+          <pc:sldMk cId="3695714036" sldId="291"/>
+        </pc:sldMkLst>
+        <pc:spChg chg="mod">
+          <ac:chgData name="Marc Berneman" userId="6e80ea52-aae6-495c-9775-04fc3644c8c5" providerId="ADAL" clId="{586DEE1A-CE0A-4E3C-B144-A347ABF1FE9F}" dt="2020-08-24T19:35:41.728" v="429" actId="1035"/>
+          <ac:spMkLst>
+            <pc:docMk/>
+            <pc:sldMk cId="3695714036" sldId="291"/>
+            <ac:spMk id="2" creationId="{07705E8B-B431-42B4-B668-D6E71B87C830}"/>
+          </ac:spMkLst>
+        </pc:spChg>
+        <pc:spChg chg="mod">
+          <ac:chgData name="Marc Berneman" userId="6e80ea52-aae6-495c-9775-04fc3644c8c5" providerId="ADAL" clId="{586DEE1A-CE0A-4E3C-B144-A347ABF1FE9F}" dt="2020-08-24T19:35:47.521" v="447" actId="1036"/>
+          <ac:spMkLst>
+            <pc:docMk/>
+            <pc:sldMk cId="3695714036" sldId="291"/>
+            <ac:spMk id="5" creationId="{896CF217-BFBD-493C-AB68-87A8BC9371B8}"/>
+          </ac:spMkLst>
+        </pc:spChg>
+        <pc:spChg chg="add mod">
+          <ac:chgData name="Marc Berneman" userId="6e80ea52-aae6-495c-9775-04fc3644c8c5" providerId="ADAL" clId="{586DEE1A-CE0A-4E3C-B144-A347ABF1FE9F}" dt="2020-08-24T19:36:55.266" v="584" actId="12788"/>
+          <ac:spMkLst>
+            <pc:docMk/>
+            <pc:sldMk cId="3695714036" sldId="291"/>
+            <ac:spMk id="6" creationId="{4902BAE8-114E-40C2-9441-A0D73EE7B17B}"/>
+          </ac:spMkLst>
+        </pc:spChg>
+        <pc:spChg chg="add mod">
+          <ac:chgData name="Marc Berneman" userId="6e80ea52-aae6-495c-9775-04fc3644c8c5" providerId="ADAL" clId="{586DEE1A-CE0A-4E3C-B144-A347ABF1FE9F}" dt="2020-08-24T19:36:55.266" v="584" actId="12788"/>
+          <ac:spMkLst>
+            <pc:docMk/>
+            <pc:sldMk cId="3695714036" sldId="291"/>
+            <ac:spMk id="10" creationId="{DB2B04C8-749D-49A4-8C40-23A6AF2B9B4D}"/>
+          </ac:spMkLst>
+        </pc:spChg>
+        <pc:spChg chg="add mod">
+          <ac:chgData name="Marc Berneman" userId="6e80ea52-aae6-495c-9775-04fc3644c8c5" providerId="ADAL" clId="{586DEE1A-CE0A-4E3C-B144-A347ABF1FE9F}" dt="2020-08-24T19:36:55.266" v="584" actId="12788"/>
+          <ac:spMkLst>
+            <pc:docMk/>
+            <pc:sldMk cId="3695714036" sldId="291"/>
+            <ac:spMk id="14" creationId="{98E1C20A-2263-4D1E-AEC9-1D4DB4B5E437}"/>
+          </ac:spMkLst>
+        </pc:spChg>
+        <pc:picChg chg="mod">
+          <ac:chgData name="Marc Berneman" userId="6e80ea52-aae6-495c-9775-04fc3644c8c5" providerId="ADAL" clId="{586DEE1A-CE0A-4E3C-B144-A347ABF1FE9F}" dt="2020-08-24T19:35:43.746" v="434" actId="1036"/>
+          <ac:picMkLst>
+            <pc:docMk/>
+            <pc:sldMk cId="3695714036" sldId="291"/>
+            <ac:picMk id="8" creationId="{7F30B576-C35C-4F3B-B8B0-92D4841A9A0E}"/>
+          </ac:picMkLst>
+        </pc:picChg>
+        <pc:picChg chg="add del mod">
+          <ac:chgData name="Marc Berneman" userId="6e80ea52-aae6-495c-9775-04fc3644c8c5" providerId="ADAL" clId="{586DEE1A-CE0A-4E3C-B144-A347ABF1FE9F}" dt="2020-08-24T19:36:08.925" v="454" actId="478"/>
+          <ac:picMkLst>
+            <pc:docMk/>
+            <pc:sldMk cId="3695714036" sldId="291"/>
+            <ac:picMk id="12" creationId="{94958D48-DA4E-45B8-ABE2-E3632BA61657}"/>
+          </ac:picMkLst>
+        </pc:picChg>
+        <pc:cxnChg chg="add mod">
+          <ac:chgData name="Marc Berneman" userId="6e80ea52-aae6-495c-9775-04fc3644c8c5" providerId="ADAL" clId="{586DEE1A-CE0A-4E3C-B144-A347ABF1FE9F}" dt="2020-08-24T19:37:17.738" v="590" actId="12788"/>
+          <ac:cxnSpMkLst>
+            <pc:docMk/>
+            <pc:sldMk cId="3695714036" sldId="291"/>
+            <ac:cxnSpMk id="16" creationId="{2AB3732D-CDEF-496C-B13E-AEC7046B29DC}"/>
+          </ac:cxnSpMkLst>
+        </pc:cxnChg>
+      </pc:sldChg>
+      <pc:sldChg chg="addSp modSp add mod ord">
+        <pc:chgData name="Marc Berneman" userId="6e80ea52-aae6-495c-9775-04fc3644c8c5" providerId="ADAL" clId="{586DEE1A-CE0A-4E3C-B144-A347ABF1FE9F}" dt="2020-08-24T19:50:54.954" v="687" actId="12788"/>
+        <pc:sldMkLst>
+          <pc:docMk/>
+          <pc:sldMk cId="3647982022" sldId="292"/>
+        </pc:sldMkLst>
+        <pc:spChg chg="mod">
+          <ac:chgData name="Marc Berneman" userId="6e80ea52-aae6-495c-9775-04fc3644c8c5" providerId="ADAL" clId="{586DEE1A-CE0A-4E3C-B144-A347ABF1FE9F}" dt="2020-08-24T19:50:46.509" v="679" actId="20577"/>
+          <ac:spMkLst>
+            <pc:docMk/>
+            <pc:sldMk cId="3647982022" sldId="292"/>
+            <ac:spMk id="3" creationId="{E155BFF9-202C-475B-A266-871949978C02}"/>
+          </ac:spMkLst>
+        </pc:spChg>
+        <pc:picChg chg="add mod ord">
+          <ac:chgData name="Marc Berneman" userId="6e80ea52-aae6-495c-9775-04fc3644c8c5" providerId="ADAL" clId="{586DEE1A-CE0A-4E3C-B144-A347ABF1FE9F}" dt="2020-08-24T19:50:54.954" v="687" actId="12788"/>
+          <ac:picMkLst>
+            <pc:docMk/>
+            <pc:sldMk cId="3647982022" sldId="292"/>
+            <ac:picMk id="5" creationId="{4D00BC36-DF6E-42AE-AF29-AE0C9F5EA43C}"/>
+          </ac:picMkLst>
+        </pc:picChg>
+      </pc:sldChg>
+    </pc:docChg>
+  </pc:docChgLst>
+</pc:chgInfo>
 </file>
 
 <file path=ppt/handoutMasters/handoutMaster1.xml><?xml version="1.0" encoding="utf-8"?>
@@ -4327,417 +4872,6 @@
           <a:chExt cx="0" cy="0"/>
         </a:xfrm>
       </p:grpSpPr>
-      <p:sp>
-        <p:nvSpPr>
-          <p:cNvPr id="4" name="Slide Number Placeholder 3">
-            <a:extLst>
-              <a:ext uri="{FF2B5EF4-FFF2-40B4-BE49-F238E27FC236}">
-                <a16:creationId xmlns:a16="http://schemas.microsoft.com/office/drawing/2014/main" id="{7448BF2A-1F67-45F3-9E5B-A0E949BC49D6}"/>
-              </a:ext>
-            </a:extLst>
-          </p:cNvPr>
-          <p:cNvSpPr>
-            <a:spLocks noGrp="1"/>
-          </p:cNvSpPr>
-          <p:nvPr>
-            <p:ph type="sldNum" sz="quarter" idx="12"/>
-          </p:nvPr>
-        </p:nvSpPr>
-        <p:spPr/>
-        <p:txBody>
-          <a:bodyPr/>
-          <a:lstStyle/>
-          <a:p>
-            <a:fld id="{8F224621-ADB6-4DE2-A945-BF9C42D66C16}" type="slidenum">
-              <a:rPr lang="LID4096" smtClean="0"/>
-              <a:pPr/>
-              <a:t>10</a:t>
-            </a:fld>
-            <a:endParaRPr lang="LID4096" dirty="0"/>
-          </a:p>
-        </p:txBody>
-      </p:sp>
-      <p:sp>
-        <p:nvSpPr>
-          <p:cNvPr id="3" name="Google Shape;62;p14">
-            <a:extLst>
-              <a:ext uri="{FF2B5EF4-FFF2-40B4-BE49-F238E27FC236}">
-                <a16:creationId xmlns:a16="http://schemas.microsoft.com/office/drawing/2014/main" id="{E155BFF9-202C-475B-A266-871949978C02}"/>
-              </a:ext>
-            </a:extLst>
-          </p:cNvPr>
-          <p:cNvSpPr txBox="1">
-            <a:spLocks/>
-          </p:cNvSpPr>
-          <p:nvPr/>
-        </p:nvSpPr>
-        <p:spPr>
-          <a:xfrm>
-            <a:off x="415600" y="247650"/>
-            <a:ext cx="11360800" cy="834800"/>
-          </a:xfrm>
-          <a:prstGeom prst="rect">
-            <a:avLst/>
-          </a:prstGeom>
-        </p:spPr>
-        <p:txBody>
-          <a:bodyPr spcFirstLastPara="1" vert="horz" wrap="square" lIns="121900" tIns="121900" rIns="121900" bIns="121900" rtlCol="0" anchor="b" anchorCtr="0">
-            <a:noAutofit/>
-          </a:bodyPr>
-          <a:lstStyle>
-            <a:lvl1pPr algn="l" defTabSz="914400" rtl="0" eaLnBrk="1" latinLnBrk="0" hangingPunct="1">
-              <a:lnSpc>
-                <a:spcPct val="90000"/>
-              </a:lnSpc>
-              <a:spcBef>
-                <a:spcPct val="0"/>
-              </a:spcBef>
-              <a:buNone/>
-              <a:defRPr sz="4400" kern="1200">
-                <a:solidFill>
-                  <a:schemeClr val="tx1"/>
-                </a:solidFill>
-                <a:latin typeface="+mj-lt"/>
-                <a:ea typeface="+mj-ea"/>
-                <a:cs typeface="+mj-cs"/>
-              </a:defRPr>
-            </a:lvl1pPr>
-          </a:lstStyle>
-          <a:p>
-            <a:pPr algn="ctr">
-              <a:spcBef>
-                <a:spcPts val="0"/>
-              </a:spcBef>
-            </a:pPr>
-            <a:r>
-              <a:rPr lang="en-US" sz="4800" b="1" dirty="0">
-                <a:latin typeface="Arial" panose="020B0604020202020204" pitchFamily="34" charset="0"/>
-                <a:cs typeface="Arial" panose="020B0604020202020204" pitchFamily="34" charset="0"/>
-              </a:rPr>
-              <a:t>LTI systems</a:t>
-            </a:r>
-          </a:p>
-        </p:txBody>
-      </p:sp>
-      <p:pic>
-        <p:nvPicPr>
-          <p:cNvPr id="8" name="Picture 7">
-            <a:extLst>
-              <a:ext uri="{FF2B5EF4-FFF2-40B4-BE49-F238E27FC236}">
-                <a16:creationId xmlns:a16="http://schemas.microsoft.com/office/drawing/2014/main" id="{570403F4-C157-48BD-BFE2-601540A75248}"/>
-              </a:ext>
-            </a:extLst>
-          </p:cNvPr>
-          <p:cNvPicPr>
-            <a:picLocks noChangeAspect="1"/>
-          </p:cNvPicPr>
-          <p:nvPr/>
-        </p:nvPicPr>
-        <p:blipFill>
-          <a:blip r:embed="rId2">
-            <a:extLst>
-              <a:ext uri="{28A0092B-C50C-407E-A947-70E740481C1C}">
-                <a14:useLocalDpi xmlns:a14="http://schemas.microsoft.com/office/drawing/2010/main" val="0"/>
-              </a:ext>
-            </a:extLst>
-          </a:blip>
-          <a:srcRect/>
-          <a:stretch/>
-        </p:blipFill>
-        <p:spPr>
-          <a:xfrm>
-            <a:off x="1795204" y="1115855"/>
-            <a:ext cx="8601593" cy="5149940"/>
-          </a:xfrm>
-          <a:prstGeom prst="rect">
-            <a:avLst/>
-          </a:prstGeom>
-        </p:spPr>
-      </p:pic>
-      <p:sp>
-        <p:nvSpPr>
-          <p:cNvPr id="10" name="TextBox 9">
-            <a:extLst>
-              <a:ext uri="{FF2B5EF4-FFF2-40B4-BE49-F238E27FC236}">
-                <a16:creationId xmlns:a16="http://schemas.microsoft.com/office/drawing/2014/main" id="{3F2A25D7-4A81-49B8-B8FD-19AC8BF46B28}"/>
-              </a:ext>
-            </a:extLst>
-          </p:cNvPr>
-          <p:cNvSpPr txBox="1"/>
-          <p:nvPr/>
-        </p:nvSpPr>
-        <p:spPr>
-          <a:xfrm>
-            <a:off x="5054690" y="6299200"/>
-            <a:ext cx="2082621" cy="369332"/>
-          </a:xfrm>
-          <a:prstGeom prst="rect">
-            <a:avLst/>
-          </a:prstGeom>
-          <a:noFill/>
-        </p:spPr>
-        <p:txBody>
-          <a:bodyPr wrap="none" rtlCol="0">
-            <a:spAutoFit/>
-          </a:bodyPr>
-          <a:lstStyle/>
-          <a:p>
-            <a:pPr algn="ctr"/>
-            <a:r>
-              <a:rPr lang="en-GB" dirty="0">
-                <a:latin typeface="Arial" panose="020B0604020202020204" pitchFamily="34" charset="0"/>
-                <a:cs typeface="Arial" panose="020B0604020202020204" pitchFamily="34" charset="0"/>
-              </a:rPr>
-              <a:t>Ref. </a:t>
-            </a:r>
-            <a:r>
-              <a:rPr lang="en-GB" dirty="0" err="1">
-                <a:latin typeface="Arial" panose="020B0604020202020204" pitchFamily="34" charset="0"/>
-                <a:cs typeface="Arial" panose="020B0604020202020204" pitchFamily="34" charset="0"/>
-              </a:rPr>
-              <a:t>Lataire</a:t>
-            </a:r>
-            <a:r>
-              <a:rPr lang="en-GB" dirty="0">
-                <a:latin typeface="Arial" panose="020B0604020202020204" pitchFamily="34" charset="0"/>
-                <a:cs typeface="Arial" panose="020B0604020202020204" pitchFamily="34" charset="0"/>
-              </a:rPr>
-              <a:t> [2017]</a:t>
-            </a:r>
-            <a:endParaRPr lang="LID4096" dirty="0">
-              <a:latin typeface="Arial" panose="020B0604020202020204" pitchFamily="34" charset="0"/>
-              <a:cs typeface="Arial" panose="020B0604020202020204" pitchFamily="34" charset="0"/>
-            </a:endParaRPr>
-          </a:p>
-        </p:txBody>
-      </p:sp>
-      <p:cxnSp>
-        <p:nvCxnSpPr>
-          <p:cNvPr id="6" name="Straight Arrow Connector 5">
-            <a:extLst>
-              <a:ext uri="{FF2B5EF4-FFF2-40B4-BE49-F238E27FC236}">
-                <a16:creationId xmlns:a16="http://schemas.microsoft.com/office/drawing/2014/main" id="{14DAAD0F-D684-4F4C-8822-38A9D0D38B59}"/>
-              </a:ext>
-            </a:extLst>
-          </p:cNvPr>
-          <p:cNvCxnSpPr>
-            <a:cxnSpLocks/>
-          </p:cNvCxnSpPr>
-          <p:nvPr/>
-        </p:nvCxnSpPr>
-        <p:spPr>
-          <a:xfrm flipH="1">
-            <a:off x="4455887" y="2017486"/>
-            <a:ext cx="3207656" cy="2090057"/>
-          </a:xfrm>
-          <a:prstGeom prst="straightConnector1">
-            <a:avLst/>
-          </a:prstGeom>
-          <a:ln w="57150">
-            <a:solidFill>
-              <a:srgbClr val="FF0000"/>
-            </a:solidFill>
-            <a:tailEnd type="triangle"/>
-          </a:ln>
-        </p:spPr>
-        <p:style>
-          <a:lnRef idx="1">
-            <a:schemeClr val="accent1"/>
-          </a:lnRef>
-          <a:fillRef idx="0">
-            <a:schemeClr val="accent1"/>
-          </a:fillRef>
-          <a:effectRef idx="0">
-            <a:schemeClr val="accent1"/>
-          </a:effectRef>
-          <a:fontRef idx="minor">
-            <a:schemeClr val="tx1"/>
-          </a:fontRef>
-        </p:style>
-      </p:cxnSp>
-      <p:sp>
-        <p:nvSpPr>
-          <p:cNvPr id="9" name="TextBox 8">
-            <a:extLst>
-              <a:ext uri="{FF2B5EF4-FFF2-40B4-BE49-F238E27FC236}">
-                <a16:creationId xmlns:a16="http://schemas.microsoft.com/office/drawing/2014/main" id="{B00A6F4C-F3CB-46BD-AD47-735075D46F77}"/>
-              </a:ext>
-            </a:extLst>
-          </p:cNvPr>
-          <p:cNvSpPr txBox="1"/>
-          <p:nvPr/>
-        </p:nvSpPr>
-        <p:spPr>
-          <a:xfrm>
-            <a:off x="6660704" y="1371155"/>
-            <a:ext cx="2005677" cy="646331"/>
-          </a:xfrm>
-          <a:prstGeom prst="rect">
-            <a:avLst/>
-          </a:prstGeom>
-          <a:noFill/>
-        </p:spPr>
-        <p:txBody>
-          <a:bodyPr wrap="none" rtlCol="0">
-            <a:spAutoFit/>
-          </a:bodyPr>
-          <a:lstStyle/>
-          <a:p>
-            <a:r>
-              <a:rPr lang="en-GB" sz="3600" dirty="0" err="1">
-                <a:solidFill>
-                  <a:srgbClr val="FF0000"/>
-                </a:solidFill>
-                <a:latin typeface="Arial" panose="020B0604020202020204" pitchFamily="34" charset="0"/>
-                <a:cs typeface="Arial" panose="020B0604020202020204" pitchFamily="34" charset="0"/>
-              </a:rPr>
-              <a:t>Multisine</a:t>
-            </a:r>
-            <a:endParaRPr lang="en-GB" sz="3600" dirty="0">
-              <a:solidFill>
-                <a:srgbClr val="FF0000"/>
-              </a:solidFill>
-              <a:latin typeface="Arial" panose="020B0604020202020204" pitchFamily="34" charset="0"/>
-              <a:cs typeface="Arial" panose="020B0604020202020204" pitchFamily="34" charset="0"/>
-            </a:endParaRPr>
-          </a:p>
-        </p:txBody>
-      </p:sp>
-    </p:spTree>
-    <p:extLst>
-      <p:ext uri="{BB962C8B-B14F-4D97-AF65-F5344CB8AC3E}">
-        <p14:creationId xmlns:p14="http://schemas.microsoft.com/office/powerpoint/2010/main" val="1346309420"/>
-      </p:ext>
-    </p:extLst>
-  </p:cSld>
-  <p:clrMapOvr>
-    <a:masterClrMapping/>
-  </p:clrMapOvr>
-  <p:timing>
-    <p:tnLst>
-      <p:par>
-        <p:cTn id="1" dur="indefinite" restart="never" nodeType="tmRoot">
-          <p:childTnLst>
-            <p:seq concurrent="1" nextAc="seek">
-              <p:cTn id="2" dur="indefinite" nodeType="mainSeq">
-                <p:childTnLst>
-                  <p:par>
-                    <p:cTn id="3" fill="hold">
-                      <p:stCondLst>
-                        <p:cond delay="indefinite"/>
-                      </p:stCondLst>
-                      <p:childTnLst>
-                        <p:par>
-                          <p:cTn id="4" fill="hold">
-                            <p:stCondLst>
-                              <p:cond delay="0"/>
-                            </p:stCondLst>
-                            <p:childTnLst>
-                              <p:par>
-                                <p:cTn id="5" presetID="1" presetClass="entr" presetSubtype="0" fill="hold" grpId="0" nodeType="clickEffect">
-                                  <p:stCondLst>
-                                    <p:cond delay="0"/>
-                                  </p:stCondLst>
-                                  <p:childTnLst>
-                                    <p:set>
-                                      <p:cBhvr>
-                                        <p:cTn id="6" dur="1" fill="hold">
-                                          <p:stCondLst>
-                                            <p:cond delay="0"/>
-                                          </p:stCondLst>
-                                        </p:cTn>
-                                        <p:tgtEl>
-                                          <p:spTgt spid="9"/>
-                                        </p:tgtEl>
-                                        <p:attrNameLst>
-                                          <p:attrName>style.visibility</p:attrName>
-                                        </p:attrNameLst>
-                                      </p:cBhvr>
-                                      <p:to>
-                                        <p:strVal val="visible"/>
-                                      </p:to>
-                                    </p:set>
-                                  </p:childTnLst>
-                                </p:cTn>
-                              </p:par>
-                              <p:par>
-                                <p:cTn id="7" presetID="1" presetClass="entr" presetSubtype="0" fill="hold" nodeType="withEffect">
-                                  <p:stCondLst>
-                                    <p:cond delay="0"/>
-                                  </p:stCondLst>
-                                  <p:childTnLst>
-                                    <p:set>
-                                      <p:cBhvr>
-                                        <p:cTn id="8" dur="1" fill="hold">
-                                          <p:stCondLst>
-                                            <p:cond delay="0"/>
-                                          </p:stCondLst>
-                                        </p:cTn>
-                                        <p:tgtEl>
-                                          <p:spTgt spid="6"/>
-                                        </p:tgtEl>
-                                        <p:attrNameLst>
-                                          <p:attrName>style.visibility</p:attrName>
-                                        </p:attrNameLst>
-                                      </p:cBhvr>
-                                      <p:to>
-                                        <p:strVal val="visible"/>
-                                      </p:to>
-                                    </p:set>
-                                  </p:childTnLst>
-                                </p:cTn>
-                              </p:par>
-                            </p:childTnLst>
-                          </p:cTn>
-                        </p:par>
-                      </p:childTnLst>
-                    </p:cTn>
-                  </p:par>
-                </p:childTnLst>
-              </p:cTn>
-              <p:prevCondLst>
-                <p:cond evt="onPrev" delay="0">
-                  <p:tgtEl>
-                    <p:sldTgt/>
-                  </p:tgtEl>
-                </p:cond>
-              </p:prevCondLst>
-              <p:nextCondLst>
-                <p:cond evt="onNext" delay="0">
-                  <p:tgtEl>
-                    <p:sldTgt/>
-                  </p:tgtEl>
-                </p:cond>
-              </p:nextCondLst>
-            </p:seq>
-          </p:childTnLst>
-        </p:cTn>
-      </p:par>
-    </p:tnLst>
-    <p:bldLst>
-      <p:bldP spid="9" grpId="0"/>
-    </p:bldLst>
-  </p:timing>
-</p:sld>
-</file>
-
-<file path=ppt/slides/slide11.xml><?xml version="1.0" encoding="utf-8"?>
-<p:sld xmlns:a="http://schemas.openxmlformats.org/drawingml/2006/main" xmlns:r="http://schemas.openxmlformats.org/officeDocument/2006/relationships" xmlns:p="http://schemas.openxmlformats.org/presentationml/2006/main">
-  <p:cSld>
-    <p:spTree>
-      <p:nvGrpSpPr>
-        <p:cNvPr id="1" name=""/>
-        <p:cNvGrpSpPr/>
-        <p:nvPr/>
-      </p:nvGrpSpPr>
-      <p:grpSpPr>
-        <a:xfrm>
-          <a:off x="0" y="0"/>
-          <a:ext cx="0" cy="0"/>
-          <a:chOff x="0" y="0"/>
-          <a:chExt cx="0" cy="0"/>
-        </a:xfrm>
-      </p:grpSpPr>
       <p:pic>
         <p:nvPicPr>
           <p:cNvPr id="6" name="Picture 5" descr="A close up of a clock&#10;&#10;Description automatically generated">
@@ -4908,7 +5042,7 @@
             <a:fld id="{8F224621-ADB6-4DE2-A945-BF9C42D66C16}" type="slidenum">
               <a:rPr lang="LID4096" smtClean="0"/>
               <a:pPr/>
-              <a:t>11</a:t>
+              <a:t>10</a:t>
             </a:fld>
             <a:endParaRPr lang="LID4096" dirty="0"/>
           </a:p>
@@ -4989,7 +5123,7 @@
 </p:sld>
 </file>
 
-<file path=ppt/slides/slide12.xml><?xml version="1.0" encoding="utf-8"?>
+<file path=ppt/slides/slide11.xml><?xml version="1.0" encoding="utf-8"?>
 <p:sld xmlns:a="http://schemas.openxmlformats.org/drawingml/2006/main" xmlns:r="http://schemas.openxmlformats.org/officeDocument/2006/relationships" xmlns:p="http://schemas.openxmlformats.org/presentationml/2006/main">
   <p:cSld>
     <p:spTree>
@@ -5030,7 +5164,7 @@
             <a:fld id="{8F224621-ADB6-4DE2-A945-BF9C42D66C16}" type="slidenum">
               <a:rPr lang="LID4096" smtClean="0"/>
               <a:pPr/>
-              <a:t>12</a:t>
+              <a:t>11</a:t>
             </a:fld>
             <a:endParaRPr lang="LID4096" dirty="0"/>
           </a:p>
@@ -5192,7 +5326,7 @@
 </p:sld>
 </file>
 
-<file path=ppt/slides/slide13.xml><?xml version="1.0" encoding="utf-8"?>
+<file path=ppt/slides/slide12.xml><?xml version="1.0" encoding="utf-8"?>
 <p:sld xmlns:a="http://schemas.openxmlformats.org/drawingml/2006/main" xmlns:r="http://schemas.openxmlformats.org/officeDocument/2006/relationships" xmlns:p="http://schemas.openxmlformats.org/presentationml/2006/main">
   <p:cSld>
     <p:spTree>
@@ -5269,7 +5403,7 @@
             <a:fld id="{8F224621-ADB6-4DE2-A945-BF9C42D66C16}" type="slidenum">
               <a:rPr lang="LID4096" smtClean="0"/>
               <a:pPr/>
-              <a:t>13</a:t>
+              <a:t>12</a:t>
             </a:fld>
             <a:endParaRPr lang="LID4096" dirty="0"/>
           </a:p>
@@ -5385,6 +5519,207 @@
     <p:extLst>
       <p:ext uri="{BB962C8B-B14F-4D97-AF65-F5344CB8AC3E}">
         <p14:creationId xmlns:p14="http://schemas.microsoft.com/office/powerpoint/2010/main" val="1089791445"/>
+      </p:ext>
+    </p:extLst>
+  </p:cSld>
+  <p:clrMapOvr>
+    <a:masterClrMapping/>
+  </p:clrMapOvr>
+</p:sld>
+</file>
+
+<file path=ppt/slides/slide13.xml><?xml version="1.0" encoding="utf-8"?>
+<p:sld xmlns:a="http://schemas.openxmlformats.org/drawingml/2006/main" xmlns:r="http://schemas.openxmlformats.org/officeDocument/2006/relationships" xmlns:p="http://schemas.openxmlformats.org/presentationml/2006/main">
+  <p:cSld>
+    <p:spTree>
+      <p:nvGrpSpPr>
+        <p:cNvPr id="1" name=""/>
+        <p:cNvGrpSpPr/>
+        <p:nvPr/>
+      </p:nvGrpSpPr>
+      <p:grpSpPr>
+        <a:xfrm>
+          <a:off x="0" y="0"/>
+          <a:ext cx="0" cy="0"/>
+          <a:chOff x="0" y="0"/>
+          <a:chExt cx="0" cy="0"/>
+        </a:xfrm>
+      </p:grpSpPr>
+      <p:pic>
+        <p:nvPicPr>
+          <p:cNvPr id="7" name="Picture 6">
+            <a:extLst>
+              <a:ext uri="{FF2B5EF4-FFF2-40B4-BE49-F238E27FC236}">
+                <a16:creationId xmlns:a16="http://schemas.microsoft.com/office/drawing/2014/main" id="{9C9B70BA-BC6D-4BF3-A61B-589838ABCF58}"/>
+              </a:ext>
+            </a:extLst>
+          </p:cNvPr>
+          <p:cNvPicPr>
+            <a:picLocks noChangeAspect="1"/>
+          </p:cNvPicPr>
+          <p:nvPr/>
+        </p:nvPicPr>
+        <p:blipFill>
+          <a:blip r:embed="rId2">
+            <a:extLst>
+              <a:ext uri="{28A0092B-C50C-407E-A947-70E740481C1C}">
+                <a14:useLocalDpi xmlns:a14="http://schemas.microsoft.com/office/drawing/2010/main" val="0"/>
+              </a:ext>
+            </a:extLst>
+          </a:blip>
+          <a:srcRect/>
+          <a:stretch/>
+        </p:blipFill>
+        <p:spPr>
+          <a:xfrm>
+            <a:off x="1825758" y="1455789"/>
+            <a:ext cx="9075055" cy="5402211"/>
+          </a:xfrm>
+          <a:prstGeom prst="rect">
+            <a:avLst/>
+          </a:prstGeom>
+        </p:spPr>
+      </p:pic>
+      <p:sp>
+        <p:nvSpPr>
+          <p:cNvPr id="4" name="Slide Number Placeholder 3">
+            <a:extLst>
+              <a:ext uri="{FF2B5EF4-FFF2-40B4-BE49-F238E27FC236}">
+                <a16:creationId xmlns:a16="http://schemas.microsoft.com/office/drawing/2014/main" id="{7448BF2A-1F67-45F3-9E5B-A0E949BC49D6}"/>
+              </a:ext>
+            </a:extLst>
+          </p:cNvPr>
+          <p:cNvSpPr>
+            <a:spLocks noGrp="1"/>
+          </p:cNvSpPr>
+          <p:nvPr>
+            <p:ph type="sldNum" sz="quarter" idx="12"/>
+          </p:nvPr>
+        </p:nvSpPr>
+        <p:spPr/>
+        <p:txBody>
+          <a:bodyPr/>
+          <a:lstStyle/>
+          <a:p>
+            <a:fld id="{8F224621-ADB6-4DE2-A945-BF9C42D66C16}" type="slidenum">
+              <a:rPr lang="LID4096" smtClean="0"/>
+              <a:pPr/>
+              <a:t>13</a:t>
+            </a:fld>
+            <a:endParaRPr lang="LID4096" dirty="0"/>
+          </a:p>
+        </p:txBody>
+      </p:sp>
+      <p:sp>
+        <p:nvSpPr>
+          <p:cNvPr id="3" name="Google Shape;62;p14">
+            <a:extLst>
+              <a:ext uri="{FF2B5EF4-FFF2-40B4-BE49-F238E27FC236}">
+                <a16:creationId xmlns:a16="http://schemas.microsoft.com/office/drawing/2014/main" id="{E155BFF9-202C-475B-A266-871949978C02}"/>
+              </a:ext>
+            </a:extLst>
+          </p:cNvPr>
+          <p:cNvSpPr txBox="1">
+            <a:spLocks/>
+          </p:cNvSpPr>
+          <p:nvPr/>
+        </p:nvSpPr>
+        <p:spPr>
+          <a:xfrm>
+            <a:off x="415600" y="247650"/>
+            <a:ext cx="11360800" cy="834800"/>
+          </a:xfrm>
+          <a:prstGeom prst="rect">
+            <a:avLst/>
+          </a:prstGeom>
+        </p:spPr>
+        <p:txBody>
+          <a:bodyPr spcFirstLastPara="1" vert="horz" wrap="square" lIns="121900" tIns="121900" rIns="121900" bIns="121900" rtlCol="0" anchor="b" anchorCtr="0">
+            <a:noAutofit/>
+          </a:bodyPr>
+          <a:lstStyle>
+            <a:lvl1pPr algn="l" defTabSz="914400" rtl="0" eaLnBrk="1" latinLnBrk="0" hangingPunct="1">
+              <a:lnSpc>
+                <a:spcPct val="90000"/>
+              </a:lnSpc>
+              <a:spcBef>
+                <a:spcPct val="0"/>
+              </a:spcBef>
+              <a:buNone/>
+              <a:defRPr sz="4400" kern="1200">
+                <a:solidFill>
+                  <a:schemeClr val="tx1"/>
+                </a:solidFill>
+                <a:latin typeface="+mj-lt"/>
+                <a:ea typeface="+mj-ea"/>
+                <a:cs typeface="+mj-cs"/>
+              </a:defRPr>
+            </a:lvl1pPr>
+          </a:lstStyle>
+          <a:p>
+            <a:pPr algn="ctr">
+              <a:spcBef>
+                <a:spcPts val="0"/>
+              </a:spcBef>
+            </a:pPr>
+            <a:r>
+              <a:rPr lang="en-US" sz="4800" b="1" dirty="0">
+                <a:latin typeface="Arial" panose="020B0604020202020204" pitchFamily="34" charset="0"/>
+                <a:cs typeface="Arial" panose="020B0604020202020204" pitchFamily="34" charset="0"/>
+              </a:rPr>
+              <a:t>Discrete Fourier Transform</a:t>
+            </a:r>
+          </a:p>
+        </p:txBody>
+      </p:sp>
+      <p:sp>
+        <p:nvSpPr>
+          <p:cNvPr id="2" name="TextBox 1">
+            <a:extLst>
+              <a:ext uri="{FF2B5EF4-FFF2-40B4-BE49-F238E27FC236}">
+                <a16:creationId xmlns:a16="http://schemas.microsoft.com/office/drawing/2014/main" id="{53ABD063-A521-46C8-B4A4-E3C1658CCE94}"/>
+              </a:ext>
+            </a:extLst>
+          </p:cNvPr>
+          <p:cNvSpPr txBox="1"/>
+          <p:nvPr/>
+        </p:nvSpPr>
+        <p:spPr>
+          <a:xfrm>
+            <a:off x="2062844" y="1082450"/>
+            <a:ext cx="9075056" cy="646331"/>
+          </a:xfrm>
+          <a:prstGeom prst="rect">
+            <a:avLst/>
+          </a:prstGeom>
+          <a:noFill/>
+        </p:spPr>
+        <p:txBody>
+          <a:bodyPr wrap="square" rtlCol="0">
+            <a:spAutoFit/>
+          </a:bodyPr>
+          <a:lstStyle/>
+          <a:p>
+            <a:r>
+              <a:rPr lang="en-GB" sz="3600" b="1" dirty="0">
+                <a:solidFill>
+                  <a:schemeClr val="tx1">
+                    <a:lumMod val="65000"/>
+                    <a:lumOff val="35000"/>
+                  </a:schemeClr>
+                </a:solidFill>
+                <a:latin typeface="Arial" panose="020B0604020202020204" pitchFamily="34" charset="0"/>
+                <a:cs typeface="Arial" panose="020B0604020202020204" pitchFamily="34" charset="0"/>
+              </a:rPr>
+              <a:t>1. Nyquist-Shannon theorem</a:t>
+            </a:r>
+          </a:p>
+        </p:txBody>
+      </p:sp>
+    </p:spTree>
+    <p:extLst>
+      <p:ext uri="{BB962C8B-B14F-4D97-AF65-F5344CB8AC3E}">
+        <p14:creationId xmlns:p14="http://schemas.microsoft.com/office/powerpoint/2010/main" val="1695201300"/>
       </p:ext>
     </p:extLst>
   </p:cSld>
@@ -5543,7 +5878,7 @@
           <p:cNvPr id="2" name="TextBox 1">
             <a:extLst>
               <a:ext uri="{FF2B5EF4-FFF2-40B4-BE49-F238E27FC236}">
-                <a16:creationId xmlns:a16="http://schemas.microsoft.com/office/drawing/2014/main" id="{53ABD063-A521-46C8-B4A4-E3C1658CCE94}"/>
+                <a16:creationId xmlns:a16="http://schemas.microsoft.com/office/drawing/2014/main" id="{B0C910E0-8B8D-414B-9D90-24187F323FB8}"/>
               </a:ext>
             </a:extLst>
           </p:cNvPr>
@@ -5585,7 +5920,7 @@
     </p:spTree>
     <p:extLst>
       <p:ext uri="{BB962C8B-B14F-4D97-AF65-F5344CB8AC3E}">
-        <p14:creationId xmlns:p14="http://schemas.microsoft.com/office/powerpoint/2010/main" val="1695201300"/>
+        <p14:creationId xmlns:p14="http://schemas.microsoft.com/office/powerpoint/2010/main" val="3282747896"/>
       </p:ext>
     </p:extLst>
   </p:cSld>
@@ -5612,41 +5947,6 @@
           <a:chExt cx="0" cy="0"/>
         </a:xfrm>
       </p:grpSpPr>
-      <p:pic>
-        <p:nvPicPr>
-          <p:cNvPr id="7" name="Picture 6">
-            <a:extLst>
-              <a:ext uri="{FF2B5EF4-FFF2-40B4-BE49-F238E27FC236}">
-                <a16:creationId xmlns:a16="http://schemas.microsoft.com/office/drawing/2014/main" id="{9C9B70BA-BC6D-4BF3-A61B-589838ABCF58}"/>
-              </a:ext>
-            </a:extLst>
-          </p:cNvPr>
-          <p:cNvPicPr>
-            <a:picLocks noChangeAspect="1"/>
-          </p:cNvPicPr>
-          <p:nvPr/>
-        </p:nvPicPr>
-        <p:blipFill>
-          <a:blip r:embed="rId2">
-            <a:extLst>
-              <a:ext uri="{28A0092B-C50C-407E-A947-70E740481C1C}">
-                <a14:useLocalDpi xmlns:a14="http://schemas.microsoft.com/office/drawing/2010/main" val="0"/>
-              </a:ext>
-            </a:extLst>
-          </a:blip>
-          <a:srcRect/>
-          <a:stretch/>
-        </p:blipFill>
-        <p:spPr>
-          <a:xfrm>
-            <a:off x="1825758" y="1455789"/>
-            <a:ext cx="9075055" cy="5402211"/>
-          </a:xfrm>
-          <a:prstGeom prst="rect">
-            <a:avLst/>
-          </a:prstGeom>
-        </p:spPr>
-      </p:pic>
       <p:sp>
         <p:nvSpPr>
           <p:cNvPr id="4" name="Slide Number Placeholder 3">
@@ -5744,7 +6044,7 @@
           <p:cNvPr id="2" name="TextBox 1">
             <a:extLst>
               <a:ext uri="{FF2B5EF4-FFF2-40B4-BE49-F238E27FC236}">
-                <a16:creationId xmlns:a16="http://schemas.microsoft.com/office/drawing/2014/main" id="{B0C910E0-8B8D-414B-9D90-24187F323FB8}"/>
+                <a16:creationId xmlns:a16="http://schemas.microsoft.com/office/drawing/2014/main" id="{50D5BAAA-B6CF-4151-BE00-2816038A6D57}"/>
               </a:ext>
             </a:extLst>
           </p:cNvPr>
@@ -5778,7 +6078,45 @@
                 <a:latin typeface="Arial" panose="020B0604020202020204" pitchFamily="34" charset="0"/>
                 <a:cs typeface="Arial" panose="020B0604020202020204" pitchFamily="34" charset="0"/>
               </a:rPr>
-              <a:t>1. Nyquist-Shannon theorem</a:t>
+              <a:t>2. Periodicity</a:t>
+            </a:r>
+          </a:p>
+        </p:txBody>
+      </p:sp>
+      <p:sp>
+        <p:nvSpPr>
+          <p:cNvPr id="11" name="TextBox 10">
+            <a:extLst>
+              <a:ext uri="{FF2B5EF4-FFF2-40B4-BE49-F238E27FC236}">
+                <a16:creationId xmlns:a16="http://schemas.microsoft.com/office/drawing/2014/main" id="{DB12D3B7-D54C-4522-BDCE-F28F057AFDF4}"/>
+              </a:ext>
+            </a:extLst>
+          </p:cNvPr>
+          <p:cNvSpPr txBox="1"/>
+          <p:nvPr/>
+        </p:nvSpPr>
+        <p:spPr>
+          <a:xfrm>
+            <a:off x="2062845" y="1917250"/>
+            <a:ext cx="8431654" cy="1200329"/>
+          </a:xfrm>
+          <a:prstGeom prst="rect">
+            <a:avLst/>
+          </a:prstGeom>
+          <a:noFill/>
+        </p:spPr>
+        <p:txBody>
+          <a:bodyPr wrap="square" rtlCol="0">
+            <a:spAutoFit/>
+          </a:bodyPr>
+          <a:lstStyle/>
+          <a:p>
+            <a:r>
+              <a:rPr lang="en-GB" sz="3600" dirty="0">
+                <a:latin typeface="Arial" panose="020B0604020202020204" pitchFamily="34" charset="0"/>
+                <a:cs typeface="Arial" panose="020B0604020202020204" pitchFamily="34" charset="0"/>
+              </a:rPr>
+              <a:t>DFT assumes that the underlying signal is periodic for all time.</a:t>
             </a:r>
           </a:p>
         </p:txBody>
@@ -5786,7 +6124,7 @@
     </p:spTree>
     <p:extLst>
       <p:ext uri="{BB962C8B-B14F-4D97-AF65-F5344CB8AC3E}">
-        <p14:creationId xmlns:p14="http://schemas.microsoft.com/office/powerpoint/2010/main" val="3282747896"/>
+        <p14:creationId xmlns:p14="http://schemas.microsoft.com/office/powerpoint/2010/main" val="2629282689"/>
       </p:ext>
     </p:extLst>
   </p:cSld>
@@ -5813,6 +6151,42 @@
           <a:chExt cx="0" cy="0"/>
         </a:xfrm>
       </p:grpSpPr>
+      <p:pic>
+        <p:nvPicPr>
+          <p:cNvPr id="6" name="Picture 5" descr="A screenshot of a cell phone&#10;&#10;Description automatically generated">
+            <a:extLst>
+              <a:ext uri="{FF2B5EF4-FFF2-40B4-BE49-F238E27FC236}">
+                <a16:creationId xmlns:a16="http://schemas.microsoft.com/office/drawing/2014/main" id="{3095B9F8-3266-4A8B-B550-F4BDF1D47376}"/>
+              </a:ext>
+            </a:extLst>
+          </p:cNvPr>
+          <p:cNvPicPr>
+            <a:picLocks noChangeAspect="1"/>
+          </p:cNvPicPr>
+          <p:nvPr/>
+        </p:nvPicPr>
+        <p:blipFill>
+          <a:blip r:embed="rId2">
+            <a:extLst>
+              <a:ext uri="{28A0092B-C50C-407E-A947-70E740481C1C}">
+                <a14:useLocalDpi xmlns:a14="http://schemas.microsoft.com/office/drawing/2010/main" val="0"/>
+              </a:ext>
+            </a:extLst>
+          </a:blip>
+          <a:stretch>
+            <a:fillRect/>
+          </a:stretch>
+        </p:blipFill>
+        <p:spPr>
+          <a:xfrm>
+            <a:off x="2494671" y="1458065"/>
+            <a:ext cx="7202658" cy="5399936"/>
+          </a:xfrm>
+          <a:prstGeom prst="rect">
+            <a:avLst/>
+          </a:prstGeom>
+        </p:spPr>
+      </p:pic>
       <p:sp>
         <p:nvSpPr>
           <p:cNvPr id="4" name="Slide Number Placeholder 3">
@@ -5944,45 +6318,7 @@
                 <a:latin typeface="Arial" panose="020B0604020202020204" pitchFamily="34" charset="0"/>
                 <a:cs typeface="Arial" panose="020B0604020202020204" pitchFamily="34" charset="0"/>
               </a:rPr>
-              <a:t>2. Periodicity</a:t>
-            </a:r>
-          </a:p>
-        </p:txBody>
-      </p:sp>
-      <p:sp>
-        <p:nvSpPr>
-          <p:cNvPr id="11" name="TextBox 10">
-            <a:extLst>
-              <a:ext uri="{FF2B5EF4-FFF2-40B4-BE49-F238E27FC236}">
-                <a16:creationId xmlns:a16="http://schemas.microsoft.com/office/drawing/2014/main" id="{DB12D3B7-D54C-4522-BDCE-F28F057AFDF4}"/>
-              </a:ext>
-            </a:extLst>
-          </p:cNvPr>
-          <p:cNvSpPr txBox="1"/>
-          <p:nvPr/>
-        </p:nvSpPr>
-        <p:spPr>
-          <a:xfrm>
-            <a:off x="2062845" y="1917250"/>
-            <a:ext cx="8431654" cy="1200329"/>
-          </a:xfrm>
-          <a:prstGeom prst="rect">
-            <a:avLst/>
-          </a:prstGeom>
-          <a:noFill/>
-        </p:spPr>
-        <p:txBody>
-          <a:bodyPr wrap="square" rtlCol="0">
-            <a:spAutoFit/>
-          </a:bodyPr>
-          <a:lstStyle/>
-          <a:p>
-            <a:r>
-              <a:rPr lang="en-GB" sz="3600" dirty="0">
-                <a:latin typeface="Arial" panose="020B0604020202020204" pitchFamily="34" charset="0"/>
-                <a:cs typeface="Arial" panose="020B0604020202020204" pitchFamily="34" charset="0"/>
-              </a:rPr>
-              <a:t>DFT assumes that the underlying signal is periodic for all time.</a:t>
+              <a:t>3. Leakage</a:t>
             </a:r>
           </a:p>
         </p:txBody>
@@ -5990,7 +6326,7 @@
     </p:spTree>
     <p:extLst>
       <p:ext uri="{BB962C8B-B14F-4D97-AF65-F5344CB8AC3E}">
-        <p14:creationId xmlns:p14="http://schemas.microsoft.com/office/powerpoint/2010/main" val="2629282689"/>
+        <p14:creationId xmlns:p14="http://schemas.microsoft.com/office/powerpoint/2010/main" val="868571837"/>
       </p:ext>
     </p:extLst>
   </p:cSld>
@@ -6019,7 +6355,7 @@
       </p:grpSpPr>
       <p:pic>
         <p:nvPicPr>
-          <p:cNvPr id="6" name="Picture 5" descr="A screenshot of a cell phone&#10;&#10;Description automatically generated">
+          <p:cNvPr id="6" name="Picture 5">
             <a:extLst>
               <a:ext uri="{FF2B5EF4-FFF2-40B4-BE49-F238E27FC236}">
                 <a16:creationId xmlns:a16="http://schemas.microsoft.com/office/drawing/2014/main" id="{3095B9F8-3266-4A8B-B550-F4BDF1D47376}"/>
@@ -6039,14 +6375,13 @@
               </a:ext>
             </a:extLst>
           </a:blip>
-          <a:stretch>
-            <a:fillRect/>
-          </a:stretch>
+          <a:srcRect/>
+          <a:stretch/>
         </p:blipFill>
         <p:spPr>
           <a:xfrm>
             <a:off x="2494671" y="1458065"/>
-            <a:ext cx="7202658" cy="5399936"/>
+            <a:ext cx="7202658" cy="5399935"/>
           </a:xfrm>
           <a:prstGeom prst="rect">
             <a:avLst/>
@@ -6192,7 +6527,7 @@
     </p:spTree>
     <p:extLst>
       <p:ext uri="{BB962C8B-B14F-4D97-AF65-F5344CB8AC3E}">
-        <p14:creationId xmlns:p14="http://schemas.microsoft.com/office/powerpoint/2010/main" val="868571837"/>
+        <p14:creationId xmlns:p14="http://schemas.microsoft.com/office/powerpoint/2010/main" val="37603052"/>
       </p:ext>
     </p:extLst>
   </p:cSld>
@@ -6219,41 +6554,6 @@
           <a:chExt cx="0" cy="0"/>
         </a:xfrm>
       </p:grpSpPr>
-      <p:pic>
-        <p:nvPicPr>
-          <p:cNvPr id="6" name="Picture 5">
-            <a:extLst>
-              <a:ext uri="{FF2B5EF4-FFF2-40B4-BE49-F238E27FC236}">
-                <a16:creationId xmlns:a16="http://schemas.microsoft.com/office/drawing/2014/main" id="{3095B9F8-3266-4A8B-B550-F4BDF1D47376}"/>
-              </a:ext>
-            </a:extLst>
-          </p:cNvPr>
-          <p:cNvPicPr>
-            <a:picLocks noChangeAspect="1"/>
-          </p:cNvPicPr>
-          <p:nvPr/>
-        </p:nvPicPr>
-        <p:blipFill>
-          <a:blip r:embed="rId2">
-            <a:extLst>
-              <a:ext uri="{28A0092B-C50C-407E-A947-70E740481C1C}">
-                <a14:useLocalDpi xmlns:a14="http://schemas.microsoft.com/office/drawing/2010/main" val="0"/>
-              </a:ext>
-            </a:extLst>
-          </a:blip>
-          <a:srcRect/>
-          <a:stretch/>
-        </p:blipFill>
-        <p:spPr>
-          <a:xfrm>
-            <a:off x="2494671" y="1458065"/>
-            <a:ext cx="7202658" cy="5399935"/>
-          </a:xfrm>
-          <a:prstGeom prst="rect">
-            <a:avLst/>
-          </a:prstGeom>
-        </p:spPr>
-      </p:pic>
       <p:sp>
         <p:nvSpPr>
           <p:cNvPr id="4" name="Slide Number Placeholder 3">
@@ -6390,10 +6690,96 @@
           </a:p>
         </p:txBody>
       </p:sp>
+      <p:pic>
+        <p:nvPicPr>
+          <p:cNvPr id="7" name="Picture 6" descr="A picture containing object, clock&#10;&#10;Description automatically generated">
+            <a:extLst>
+              <a:ext uri="{FF2B5EF4-FFF2-40B4-BE49-F238E27FC236}">
+                <a16:creationId xmlns:a16="http://schemas.microsoft.com/office/drawing/2014/main" id="{B357DED4-DEFA-43AD-B386-BC4C6CD48C58}"/>
+              </a:ext>
+            </a:extLst>
+          </p:cNvPr>
+          <p:cNvPicPr>
+            <a:picLocks noChangeAspect="1"/>
+          </p:cNvPicPr>
+          <p:nvPr/>
+        </p:nvPicPr>
+        <p:blipFill>
+          <a:blip r:embed="rId2">
+            <a:extLst>
+              <a:ext uri="{28A0092B-C50C-407E-A947-70E740481C1C}">
+                <a14:useLocalDpi xmlns:a14="http://schemas.microsoft.com/office/drawing/2010/main" val="0"/>
+              </a:ext>
+            </a:extLst>
+          </a:blip>
+          <a:stretch>
+            <a:fillRect/>
+          </a:stretch>
+        </p:blipFill>
+        <p:spPr>
+          <a:xfrm>
+            <a:off x="3008777" y="2169191"/>
+            <a:ext cx="6174446" cy="1259809"/>
+          </a:xfrm>
+          <a:prstGeom prst="rect">
+            <a:avLst/>
+          </a:prstGeom>
+          <a:ln>
+            <a:solidFill>
+              <a:schemeClr val="tx1">
+                <a:lumMod val="95000"/>
+                <a:lumOff val="5000"/>
+              </a:schemeClr>
+            </a:solidFill>
+          </a:ln>
+        </p:spPr>
+      </p:pic>
+      <p:sp>
+        <p:nvSpPr>
+          <p:cNvPr id="5" name="TextBox 4">
+            <a:extLst>
+              <a:ext uri="{FF2B5EF4-FFF2-40B4-BE49-F238E27FC236}">
+                <a16:creationId xmlns:a16="http://schemas.microsoft.com/office/drawing/2014/main" id="{D937F6A5-5CC6-4009-B508-359C5C7036A1}"/>
+              </a:ext>
+            </a:extLst>
+          </p:cNvPr>
+          <p:cNvSpPr txBox="1"/>
+          <p:nvPr/>
+        </p:nvSpPr>
+        <p:spPr>
+          <a:xfrm>
+            <a:off x="993037" y="3928891"/>
+            <a:ext cx="10205925" cy="1200329"/>
+          </a:xfrm>
+          <a:prstGeom prst="rect">
+            <a:avLst/>
+          </a:prstGeom>
+          <a:noFill/>
+        </p:spPr>
+        <p:txBody>
+          <a:bodyPr wrap="square" rtlCol="0">
+            <a:spAutoFit/>
+          </a:bodyPr>
+          <a:lstStyle/>
+          <a:p>
+            <a:r>
+              <a:rPr lang="en-US" sz="3600" dirty="0">
+                <a:latin typeface="Arial" panose="020B0604020202020204" pitchFamily="34" charset="0"/>
+                <a:cs typeface="Arial" panose="020B0604020202020204" pitchFamily="34" charset="0"/>
+              </a:rPr>
+              <a:t>The measurement time must contain an integer number of periods of the measured signal</a:t>
+            </a:r>
+            <a:endParaRPr lang="en-GB" sz="3600" dirty="0">
+              <a:latin typeface="Arial" panose="020B0604020202020204" pitchFamily="34" charset="0"/>
+              <a:cs typeface="Arial" panose="020B0604020202020204" pitchFamily="34" charset="0"/>
+            </a:endParaRPr>
+          </a:p>
+        </p:txBody>
+      </p:sp>
     </p:spTree>
     <p:extLst>
       <p:ext uri="{BB962C8B-B14F-4D97-AF65-F5344CB8AC3E}">
-        <p14:creationId xmlns:p14="http://schemas.microsoft.com/office/powerpoint/2010/main" val="37603052"/>
+        <p14:creationId xmlns:p14="http://schemas.microsoft.com/office/powerpoint/2010/main" val="1702631687"/>
       </p:ext>
     </p:extLst>
   </p:cSld>
@@ -6445,465 +6831,6 @@
               <a:rPr lang="LID4096" smtClean="0"/>
               <a:pPr/>
               <a:t>19</a:t>
-            </a:fld>
-            <a:endParaRPr lang="LID4096" dirty="0"/>
-          </a:p>
-        </p:txBody>
-      </p:sp>
-      <p:sp>
-        <p:nvSpPr>
-          <p:cNvPr id="3" name="Google Shape;62;p14">
-            <a:extLst>
-              <a:ext uri="{FF2B5EF4-FFF2-40B4-BE49-F238E27FC236}">
-                <a16:creationId xmlns:a16="http://schemas.microsoft.com/office/drawing/2014/main" id="{E155BFF9-202C-475B-A266-871949978C02}"/>
-              </a:ext>
-            </a:extLst>
-          </p:cNvPr>
-          <p:cNvSpPr txBox="1">
-            <a:spLocks/>
-          </p:cNvSpPr>
-          <p:nvPr/>
-        </p:nvSpPr>
-        <p:spPr>
-          <a:xfrm>
-            <a:off x="415600" y="247650"/>
-            <a:ext cx="11360800" cy="834800"/>
-          </a:xfrm>
-          <a:prstGeom prst="rect">
-            <a:avLst/>
-          </a:prstGeom>
-        </p:spPr>
-        <p:txBody>
-          <a:bodyPr spcFirstLastPara="1" vert="horz" wrap="square" lIns="121900" tIns="121900" rIns="121900" bIns="121900" rtlCol="0" anchor="b" anchorCtr="0">
-            <a:noAutofit/>
-          </a:bodyPr>
-          <a:lstStyle>
-            <a:lvl1pPr algn="l" defTabSz="914400" rtl="0" eaLnBrk="1" latinLnBrk="0" hangingPunct="1">
-              <a:lnSpc>
-                <a:spcPct val="90000"/>
-              </a:lnSpc>
-              <a:spcBef>
-                <a:spcPct val="0"/>
-              </a:spcBef>
-              <a:buNone/>
-              <a:defRPr sz="4400" kern="1200">
-                <a:solidFill>
-                  <a:schemeClr val="tx1"/>
-                </a:solidFill>
-                <a:latin typeface="+mj-lt"/>
-                <a:ea typeface="+mj-ea"/>
-                <a:cs typeface="+mj-cs"/>
-              </a:defRPr>
-            </a:lvl1pPr>
-          </a:lstStyle>
-          <a:p>
-            <a:pPr algn="ctr">
-              <a:spcBef>
-                <a:spcPts val="0"/>
-              </a:spcBef>
-            </a:pPr>
-            <a:r>
-              <a:rPr lang="en-US" sz="4800" b="1" dirty="0">
-                <a:latin typeface="Arial" panose="020B0604020202020204" pitchFamily="34" charset="0"/>
-                <a:cs typeface="Arial" panose="020B0604020202020204" pitchFamily="34" charset="0"/>
-              </a:rPr>
-              <a:t>Discrete Fourier Transform</a:t>
-            </a:r>
-          </a:p>
-        </p:txBody>
-      </p:sp>
-      <p:sp>
-        <p:nvSpPr>
-          <p:cNvPr id="2" name="TextBox 1">
-            <a:extLst>
-              <a:ext uri="{FF2B5EF4-FFF2-40B4-BE49-F238E27FC236}">
-                <a16:creationId xmlns:a16="http://schemas.microsoft.com/office/drawing/2014/main" id="{50D5BAAA-B6CF-4151-BE00-2816038A6D57}"/>
-              </a:ext>
-            </a:extLst>
-          </p:cNvPr>
-          <p:cNvSpPr txBox="1"/>
-          <p:nvPr/>
-        </p:nvSpPr>
-        <p:spPr>
-          <a:xfrm>
-            <a:off x="2062844" y="1082450"/>
-            <a:ext cx="9075056" cy="646331"/>
-          </a:xfrm>
-          <a:prstGeom prst="rect">
-            <a:avLst/>
-          </a:prstGeom>
-          <a:noFill/>
-        </p:spPr>
-        <p:txBody>
-          <a:bodyPr wrap="square" rtlCol="0">
-            <a:spAutoFit/>
-          </a:bodyPr>
-          <a:lstStyle/>
-          <a:p>
-            <a:r>
-              <a:rPr lang="en-GB" sz="3600" b="1" dirty="0">
-                <a:solidFill>
-                  <a:schemeClr val="tx1">
-                    <a:lumMod val="65000"/>
-                    <a:lumOff val="35000"/>
-                  </a:schemeClr>
-                </a:solidFill>
-                <a:latin typeface="Arial" panose="020B0604020202020204" pitchFamily="34" charset="0"/>
-                <a:cs typeface="Arial" panose="020B0604020202020204" pitchFamily="34" charset="0"/>
-              </a:rPr>
-              <a:t>3. Leakage</a:t>
-            </a:r>
-          </a:p>
-        </p:txBody>
-      </p:sp>
-      <p:pic>
-        <p:nvPicPr>
-          <p:cNvPr id="7" name="Picture 6" descr="A picture containing object, clock&#10;&#10;Description automatically generated">
-            <a:extLst>
-              <a:ext uri="{FF2B5EF4-FFF2-40B4-BE49-F238E27FC236}">
-                <a16:creationId xmlns:a16="http://schemas.microsoft.com/office/drawing/2014/main" id="{B357DED4-DEFA-43AD-B386-BC4C6CD48C58}"/>
-              </a:ext>
-            </a:extLst>
-          </p:cNvPr>
-          <p:cNvPicPr>
-            <a:picLocks noChangeAspect="1"/>
-          </p:cNvPicPr>
-          <p:nvPr/>
-        </p:nvPicPr>
-        <p:blipFill>
-          <a:blip r:embed="rId2">
-            <a:extLst>
-              <a:ext uri="{28A0092B-C50C-407E-A947-70E740481C1C}">
-                <a14:useLocalDpi xmlns:a14="http://schemas.microsoft.com/office/drawing/2010/main" val="0"/>
-              </a:ext>
-            </a:extLst>
-          </a:blip>
-          <a:stretch>
-            <a:fillRect/>
-          </a:stretch>
-        </p:blipFill>
-        <p:spPr>
-          <a:xfrm>
-            <a:off x="3008777" y="2169191"/>
-            <a:ext cx="6174446" cy="1259809"/>
-          </a:xfrm>
-          <a:prstGeom prst="rect">
-            <a:avLst/>
-          </a:prstGeom>
-          <a:ln>
-            <a:solidFill>
-              <a:schemeClr val="tx1">
-                <a:lumMod val="95000"/>
-                <a:lumOff val="5000"/>
-              </a:schemeClr>
-            </a:solidFill>
-          </a:ln>
-        </p:spPr>
-      </p:pic>
-      <p:sp>
-        <p:nvSpPr>
-          <p:cNvPr id="5" name="TextBox 4">
-            <a:extLst>
-              <a:ext uri="{FF2B5EF4-FFF2-40B4-BE49-F238E27FC236}">
-                <a16:creationId xmlns:a16="http://schemas.microsoft.com/office/drawing/2014/main" id="{D937F6A5-5CC6-4009-B508-359C5C7036A1}"/>
-              </a:ext>
-            </a:extLst>
-          </p:cNvPr>
-          <p:cNvSpPr txBox="1"/>
-          <p:nvPr/>
-        </p:nvSpPr>
-        <p:spPr>
-          <a:xfrm>
-            <a:off x="993037" y="3928891"/>
-            <a:ext cx="10205925" cy="1200329"/>
-          </a:xfrm>
-          <a:prstGeom prst="rect">
-            <a:avLst/>
-          </a:prstGeom>
-          <a:noFill/>
-        </p:spPr>
-        <p:txBody>
-          <a:bodyPr wrap="square" rtlCol="0">
-            <a:spAutoFit/>
-          </a:bodyPr>
-          <a:lstStyle/>
-          <a:p>
-            <a:r>
-              <a:rPr lang="en-US" sz="3600" dirty="0">
-                <a:latin typeface="Arial" panose="020B0604020202020204" pitchFamily="34" charset="0"/>
-                <a:cs typeface="Arial" panose="020B0604020202020204" pitchFamily="34" charset="0"/>
-              </a:rPr>
-              <a:t>The measurement time must contain an integer number of periods of the measured signal</a:t>
-            </a:r>
-            <a:endParaRPr lang="en-GB" sz="3600" dirty="0">
-              <a:latin typeface="Arial" panose="020B0604020202020204" pitchFamily="34" charset="0"/>
-              <a:cs typeface="Arial" panose="020B0604020202020204" pitchFamily="34" charset="0"/>
-            </a:endParaRPr>
-          </a:p>
-        </p:txBody>
-      </p:sp>
-    </p:spTree>
-    <p:extLst>
-      <p:ext uri="{BB962C8B-B14F-4D97-AF65-F5344CB8AC3E}">
-        <p14:creationId xmlns:p14="http://schemas.microsoft.com/office/powerpoint/2010/main" val="1702631687"/>
-      </p:ext>
-    </p:extLst>
-  </p:cSld>
-  <p:clrMapOvr>
-    <a:masterClrMapping/>
-  </p:clrMapOvr>
-</p:sld>
-</file>
-
-<file path=ppt/slides/slide2.xml><?xml version="1.0" encoding="utf-8"?>
-<p:sld xmlns:a="http://schemas.openxmlformats.org/drawingml/2006/main" xmlns:r="http://schemas.openxmlformats.org/officeDocument/2006/relationships" xmlns:p="http://schemas.openxmlformats.org/presentationml/2006/main">
-  <p:cSld>
-    <p:spTree>
-      <p:nvGrpSpPr>
-        <p:cNvPr id="1" name=""/>
-        <p:cNvGrpSpPr/>
-        <p:nvPr/>
-      </p:nvGrpSpPr>
-      <p:grpSpPr>
-        <a:xfrm>
-          <a:off x="0" y="0"/>
-          <a:ext cx="0" cy="0"/>
-          <a:chOff x="0" y="0"/>
-          <a:chExt cx="0" cy="0"/>
-        </a:xfrm>
-      </p:grpSpPr>
-      <p:sp>
-        <p:nvSpPr>
-          <p:cNvPr id="4" name="Slide Number Placeholder 3">
-            <a:extLst>
-              <a:ext uri="{FF2B5EF4-FFF2-40B4-BE49-F238E27FC236}">
-                <a16:creationId xmlns:a16="http://schemas.microsoft.com/office/drawing/2014/main" id="{7448BF2A-1F67-45F3-9E5B-A0E949BC49D6}"/>
-              </a:ext>
-            </a:extLst>
-          </p:cNvPr>
-          <p:cNvSpPr>
-            <a:spLocks noGrp="1"/>
-          </p:cNvSpPr>
-          <p:nvPr>
-            <p:ph type="sldNum" sz="quarter" idx="12"/>
-          </p:nvPr>
-        </p:nvSpPr>
-        <p:spPr/>
-        <p:txBody>
-          <a:bodyPr/>
-          <a:lstStyle/>
-          <a:p>
-            <a:fld id="{8F224621-ADB6-4DE2-A945-BF9C42D66C16}" type="slidenum">
-              <a:rPr lang="LID4096" smtClean="0"/>
-              <a:pPr/>
-              <a:t>2</a:t>
-            </a:fld>
-            <a:endParaRPr lang="LID4096" dirty="0"/>
-          </a:p>
-        </p:txBody>
-      </p:sp>
-      <p:sp>
-        <p:nvSpPr>
-          <p:cNvPr id="3" name="Google Shape;62;p14">
-            <a:extLst>
-              <a:ext uri="{FF2B5EF4-FFF2-40B4-BE49-F238E27FC236}">
-                <a16:creationId xmlns:a16="http://schemas.microsoft.com/office/drawing/2014/main" id="{E155BFF9-202C-475B-A266-871949978C02}"/>
-              </a:ext>
-            </a:extLst>
-          </p:cNvPr>
-          <p:cNvSpPr txBox="1">
-            <a:spLocks/>
-          </p:cNvSpPr>
-          <p:nvPr/>
-        </p:nvSpPr>
-        <p:spPr>
-          <a:xfrm>
-            <a:off x="415600" y="247650"/>
-            <a:ext cx="11360800" cy="834800"/>
-          </a:xfrm>
-          <a:prstGeom prst="rect">
-            <a:avLst/>
-          </a:prstGeom>
-        </p:spPr>
-        <p:txBody>
-          <a:bodyPr spcFirstLastPara="1" vert="horz" wrap="square" lIns="121900" tIns="121900" rIns="121900" bIns="121900" rtlCol="0" anchor="b" anchorCtr="0">
-            <a:noAutofit/>
-          </a:bodyPr>
-          <a:lstStyle>
-            <a:lvl1pPr algn="l" defTabSz="914400" rtl="0" eaLnBrk="1" latinLnBrk="0" hangingPunct="1">
-              <a:lnSpc>
-                <a:spcPct val="90000"/>
-              </a:lnSpc>
-              <a:spcBef>
-                <a:spcPct val="0"/>
-              </a:spcBef>
-              <a:buNone/>
-              <a:defRPr sz="4400" kern="1200">
-                <a:solidFill>
-                  <a:schemeClr val="tx1"/>
-                </a:solidFill>
-                <a:latin typeface="+mj-lt"/>
-                <a:ea typeface="+mj-ea"/>
-                <a:cs typeface="+mj-cs"/>
-              </a:defRPr>
-            </a:lvl1pPr>
-          </a:lstStyle>
-          <a:p>
-            <a:pPr algn="ctr">
-              <a:spcBef>
-                <a:spcPts val="0"/>
-              </a:spcBef>
-            </a:pPr>
-            <a:r>
-              <a:rPr lang="nl" sz="4800" b="1" dirty="0">
-                <a:latin typeface="Arial" panose="020B0604020202020204" pitchFamily="34" charset="0"/>
-                <a:cs typeface="Arial" panose="020B0604020202020204" pitchFamily="34" charset="0"/>
-              </a:rPr>
-              <a:t>Table of contents</a:t>
-            </a:r>
-            <a:endParaRPr lang="en-US" sz="4800" b="1" dirty="0">
-              <a:latin typeface="Arial" panose="020B0604020202020204" pitchFamily="34" charset="0"/>
-              <a:cs typeface="Arial" panose="020B0604020202020204" pitchFamily="34" charset="0"/>
-            </a:endParaRPr>
-          </a:p>
-        </p:txBody>
-      </p:sp>
-      <p:sp>
-        <p:nvSpPr>
-          <p:cNvPr id="6" name="TextBox 5">
-            <a:extLst>
-              <a:ext uri="{FF2B5EF4-FFF2-40B4-BE49-F238E27FC236}">
-                <a16:creationId xmlns:a16="http://schemas.microsoft.com/office/drawing/2014/main" id="{94E1F2D7-F1C4-4F57-B61F-C41ECEC7ADE6}"/>
-              </a:ext>
-            </a:extLst>
-          </p:cNvPr>
-          <p:cNvSpPr txBox="1"/>
-          <p:nvPr/>
-        </p:nvSpPr>
-        <p:spPr>
-          <a:xfrm>
-            <a:off x="415600" y="1082450"/>
-            <a:ext cx="6635150" cy="2308324"/>
-          </a:xfrm>
-          <a:prstGeom prst="rect">
-            <a:avLst/>
-          </a:prstGeom>
-          <a:noFill/>
-        </p:spPr>
-        <p:txBody>
-          <a:bodyPr wrap="none" rtlCol="0">
-            <a:spAutoFit/>
-          </a:bodyPr>
-          <a:lstStyle/>
-          <a:p>
-            <a:pPr marL="571500" indent="-571500">
-              <a:buFont typeface="Arial" panose="020B0604020202020204" pitchFamily="34" charset="0"/>
-              <a:buChar char="•"/>
-            </a:pPr>
-            <a:r>
-              <a:rPr lang="en-GB" sz="3600" dirty="0">
-                <a:latin typeface="Arial" panose="020B0604020202020204" pitchFamily="34" charset="0"/>
-                <a:cs typeface="Arial" panose="020B0604020202020204" pitchFamily="34" charset="0"/>
-              </a:rPr>
-              <a:t>Data-driven control</a:t>
-            </a:r>
-          </a:p>
-          <a:p>
-            <a:pPr marL="571500" indent="-571500">
-              <a:buFont typeface="Arial" panose="020B0604020202020204" pitchFamily="34" charset="0"/>
-              <a:buChar char="•"/>
-            </a:pPr>
-            <a:r>
-              <a:rPr lang="en-GB" sz="3600" dirty="0">
-                <a:latin typeface="Arial" panose="020B0604020202020204" pitchFamily="34" charset="0"/>
-                <a:cs typeface="Arial" panose="020B0604020202020204" pitchFamily="34" charset="0"/>
-              </a:rPr>
-              <a:t>LTI systems</a:t>
-            </a:r>
-          </a:p>
-          <a:p>
-            <a:pPr marL="571500" indent="-571500">
-              <a:buFont typeface="Arial" panose="020B0604020202020204" pitchFamily="34" charset="0"/>
-              <a:buChar char="•"/>
-            </a:pPr>
-            <a:r>
-              <a:rPr lang="en-GB" sz="3600" dirty="0">
-                <a:latin typeface="Arial" panose="020B0604020202020204" pitchFamily="34" charset="0"/>
-                <a:cs typeface="Arial" panose="020B0604020202020204" pitchFamily="34" charset="0"/>
-              </a:rPr>
-              <a:t>Discrete Fourier Transform</a:t>
-            </a:r>
-          </a:p>
-          <a:p>
-            <a:pPr marL="571500" indent="-571500">
-              <a:buFont typeface="Arial" panose="020B0604020202020204" pitchFamily="34" charset="0"/>
-              <a:buChar char="•"/>
-            </a:pPr>
-            <a:r>
-              <a:rPr lang="en-GB" sz="3600" dirty="0">
-                <a:latin typeface="Arial" panose="020B0604020202020204" pitchFamily="34" charset="0"/>
-                <a:cs typeface="Arial" panose="020B0604020202020204" pitchFamily="34" charset="0"/>
-              </a:rPr>
-              <a:t>Frequency domain approach</a:t>
-            </a:r>
-          </a:p>
-        </p:txBody>
-      </p:sp>
-    </p:spTree>
-    <p:extLst>
-      <p:ext uri="{BB962C8B-B14F-4D97-AF65-F5344CB8AC3E}">
-        <p14:creationId xmlns:p14="http://schemas.microsoft.com/office/powerpoint/2010/main" val="306977291"/>
-      </p:ext>
-    </p:extLst>
-  </p:cSld>
-  <p:clrMapOvr>
-    <a:masterClrMapping/>
-  </p:clrMapOvr>
-</p:sld>
-</file>
-
-<file path=ppt/slides/slide20.xml><?xml version="1.0" encoding="utf-8"?>
-<p:sld xmlns:a="http://schemas.openxmlformats.org/drawingml/2006/main" xmlns:r="http://schemas.openxmlformats.org/officeDocument/2006/relationships" xmlns:p="http://schemas.openxmlformats.org/presentationml/2006/main">
-  <p:cSld>
-    <p:spTree>
-      <p:nvGrpSpPr>
-        <p:cNvPr id="1" name=""/>
-        <p:cNvGrpSpPr/>
-        <p:nvPr/>
-      </p:nvGrpSpPr>
-      <p:grpSpPr>
-        <a:xfrm>
-          <a:off x="0" y="0"/>
-          <a:ext cx="0" cy="0"/>
-          <a:chOff x="0" y="0"/>
-          <a:chExt cx="0" cy="0"/>
-        </a:xfrm>
-      </p:grpSpPr>
-      <p:sp>
-        <p:nvSpPr>
-          <p:cNvPr id="4" name="Slide Number Placeholder 3">
-            <a:extLst>
-              <a:ext uri="{FF2B5EF4-FFF2-40B4-BE49-F238E27FC236}">
-                <a16:creationId xmlns:a16="http://schemas.microsoft.com/office/drawing/2014/main" id="{7448BF2A-1F67-45F3-9E5B-A0E949BC49D6}"/>
-              </a:ext>
-            </a:extLst>
-          </p:cNvPr>
-          <p:cNvSpPr>
-            <a:spLocks noGrp="1"/>
-          </p:cNvSpPr>
-          <p:nvPr>
-            <p:ph type="sldNum" sz="quarter" idx="12"/>
-          </p:nvPr>
-        </p:nvSpPr>
-        <p:spPr/>
-        <p:txBody>
-          <a:bodyPr/>
-          <a:lstStyle/>
-          <a:p>
-            <a:fld id="{8F224621-ADB6-4DE2-A945-BF9C42D66C16}" type="slidenum">
-              <a:rPr lang="LID4096" smtClean="0"/>
-              <a:pPr/>
-              <a:t>20</a:t>
             </a:fld>
             <a:endParaRPr lang="LID4096" dirty="0"/>
           </a:p>
@@ -7498,21 +7425,66 @@
                                   </p:childTnLst>
                                 </p:cTn>
                               </p:par>
+                            </p:childTnLst>
+                          </p:cTn>
+                        </p:par>
+                      </p:childTnLst>
+                    </p:cTn>
+                  </p:par>
+                  <p:par>
+                    <p:cTn id="15" fill="hold">
+                      <p:stCondLst>
+                        <p:cond delay="indefinite"/>
+                      </p:stCondLst>
+                      <p:childTnLst>
+                        <p:par>
+                          <p:cTn id="16" fill="hold">
+                            <p:stCondLst>
+                              <p:cond delay="0"/>
+                            </p:stCondLst>
+                            <p:childTnLst>
                               <p:par>
-                                <p:cTn id="15" presetID="1" presetClass="entr" presetSubtype="0" fill="hold" nodeType="withEffect">
+                                <p:cTn id="17" presetID="1" presetClass="entr" presetSubtype="0" fill="hold" nodeType="clickEffect">
                                   <p:stCondLst>
                                     <p:cond delay="0"/>
                                   </p:stCondLst>
                                   <p:childTnLst>
                                     <p:set>
                                       <p:cBhvr>
-                                        <p:cTn id="16" dur="1" fill="hold">
+                                        <p:cTn id="18" dur="1" fill="hold">
                                           <p:stCondLst>
                                             <p:cond delay="0"/>
                                           </p:stCondLst>
                                         </p:cTn>
                                         <p:tgtEl>
                                           <p:spTgt spid="21"/>
+                                        </p:tgtEl>
+                                        <p:attrNameLst>
+                                          <p:attrName>style.visibility</p:attrName>
+                                        </p:attrNameLst>
+                                      </p:cBhvr>
+                                      <p:to>
+                                        <p:strVal val="visible"/>
+                                      </p:to>
+                                    </p:set>
+                                  </p:childTnLst>
+                                </p:cTn>
+                              </p:par>
+                              <p:par>
+                                <p:cTn id="19" presetID="1" presetClass="entr" presetSubtype="0" fill="hold" nodeType="withEffect">
+                                  <p:stCondLst>
+                                    <p:cond delay="0"/>
+                                  </p:stCondLst>
+                                  <p:childTnLst>
+                                    <p:set>
+                                      <p:cBhvr>
+                                        <p:cTn id="20" dur="1" fill="hold">
+                                          <p:stCondLst>
+                                            <p:cond delay="0"/>
+                                          </p:stCondLst>
+                                        </p:cTn>
+                                        <p:tgtEl>
+                                          <p:spTgt spid="20"/>
                                         </p:tgtEl>
                                         <p:attrNameLst>
                                           <p:attrName>style.visibility</p:attrName>
@@ -7560,7 +7532,7 @@
 </p:sld>
 </file>
 
-<file path=ppt/slides/slide21.xml><?xml version="1.0" encoding="utf-8"?>
+<file path=ppt/slides/slide2.xml><?xml version="1.0" encoding="utf-8"?>
 <p:sld xmlns:a="http://schemas.openxmlformats.org/drawingml/2006/main" xmlns:r="http://schemas.openxmlformats.org/officeDocument/2006/relationships" xmlns:p="http://schemas.openxmlformats.org/presentationml/2006/main">
   <p:cSld>
     <p:spTree>
@@ -7577,6 +7549,248 @@
           <a:chExt cx="0" cy="0"/>
         </a:xfrm>
       </p:grpSpPr>
+      <p:sp>
+        <p:nvSpPr>
+          <p:cNvPr id="4" name="Slide Number Placeholder 3">
+            <a:extLst>
+              <a:ext uri="{FF2B5EF4-FFF2-40B4-BE49-F238E27FC236}">
+                <a16:creationId xmlns:a16="http://schemas.microsoft.com/office/drawing/2014/main" id="{7448BF2A-1F67-45F3-9E5B-A0E949BC49D6}"/>
+              </a:ext>
+            </a:extLst>
+          </p:cNvPr>
+          <p:cNvSpPr>
+            <a:spLocks noGrp="1"/>
+          </p:cNvSpPr>
+          <p:nvPr>
+            <p:ph type="sldNum" sz="quarter" idx="12"/>
+          </p:nvPr>
+        </p:nvSpPr>
+        <p:spPr/>
+        <p:txBody>
+          <a:bodyPr/>
+          <a:lstStyle/>
+          <a:p>
+            <a:fld id="{8F224621-ADB6-4DE2-A945-BF9C42D66C16}" type="slidenum">
+              <a:rPr lang="LID4096" smtClean="0"/>
+              <a:pPr/>
+              <a:t>2</a:t>
+            </a:fld>
+            <a:endParaRPr lang="LID4096" dirty="0"/>
+          </a:p>
+        </p:txBody>
+      </p:sp>
+      <p:sp>
+        <p:nvSpPr>
+          <p:cNvPr id="3" name="Google Shape;62;p14">
+            <a:extLst>
+              <a:ext uri="{FF2B5EF4-FFF2-40B4-BE49-F238E27FC236}">
+                <a16:creationId xmlns:a16="http://schemas.microsoft.com/office/drawing/2014/main" id="{E155BFF9-202C-475B-A266-871949978C02}"/>
+              </a:ext>
+            </a:extLst>
+          </p:cNvPr>
+          <p:cNvSpPr txBox="1">
+            <a:spLocks/>
+          </p:cNvSpPr>
+          <p:nvPr/>
+        </p:nvSpPr>
+        <p:spPr>
+          <a:xfrm>
+            <a:off x="415600" y="247650"/>
+            <a:ext cx="11360800" cy="834800"/>
+          </a:xfrm>
+          <a:prstGeom prst="rect">
+            <a:avLst/>
+          </a:prstGeom>
+        </p:spPr>
+        <p:txBody>
+          <a:bodyPr spcFirstLastPara="1" vert="horz" wrap="square" lIns="121900" tIns="121900" rIns="121900" bIns="121900" rtlCol="0" anchor="b" anchorCtr="0">
+            <a:noAutofit/>
+          </a:bodyPr>
+          <a:lstStyle>
+            <a:lvl1pPr algn="l" defTabSz="914400" rtl="0" eaLnBrk="1" latinLnBrk="0" hangingPunct="1">
+              <a:lnSpc>
+                <a:spcPct val="90000"/>
+              </a:lnSpc>
+              <a:spcBef>
+                <a:spcPct val="0"/>
+              </a:spcBef>
+              <a:buNone/>
+              <a:defRPr sz="4400" kern="1200">
+                <a:solidFill>
+                  <a:schemeClr val="tx1"/>
+                </a:solidFill>
+                <a:latin typeface="+mj-lt"/>
+                <a:ea typeface="+mj-ea"/>
+                <a:cs typeface="+mj-cs"/>
+              </a:defRPr>
+            </a:lvl1pPr>
+          </a:lstStyle>
+          <a:p>
+            <a:pPr algn="ctr">
+              <a:spcBef>
+                <a:spcPts val="0"/>
+              </a:spcBef>
+            </a:pPr>
+            <a:r>
+              <a:rPr lang="nl" sz="4800" b="1" dirty="0">
+                <a:latin typeface="Arial" panose="020B0604020202020204" pitchFamily="34" charset="0"/>
+                <a:cs typeface="Arial" panose="020B0604020202020204" pitchFamily="34" charset="0"/>
+              </a:rPr>
+              <a:t>Table of contents</a:t>
+            </a:r>
+            <a:endParaRPr lang="en-US" sz="4800" b="1" dirty="0">
+              <a:latin typeface="Arial" panose="020B0604020202020204" pitchFamily="34" charset="0"/>
+              <a:cs typeface="Arial" panose="020B0604020202020204" pitchFamily="34" charset="0"/>
+            </a:endParaRPr>
+          </a:p>
+        </p:txBody>
+      </p:sp>
+      <p:sp>
+        <p:nvSpPr>
+          <p:cNvPr id="6" name="TextBox 5">
+            <a:extLst>
+              <a:ext uri="{FF2B5EF4-FFF2-40B4-BE49-F238E27FC236}">
+                <a16:creationId xmlns:a16="http://schemas.microsoft.com/office/drawing/2014/main" id="{94E1F2D7-F1C4-4F57-B61F-C41ECEC7ADE6}"/>
+              </a:ext>
+            </a:extLst>
+          </p:cNvPr>
+          <p:cNvSpPr txBox="1"/>
+          <p:nvPr/>
+        </p:nvSpPr>
+        <p:spPr>
+          <a:xfrm>
+            <a:off x="415600" y="1082450"/>
+            <a:ext cx="6635150" cy="2308324"/>
+          </a:xfrm>
+          <a:prstGeom prst="rect">
+            <a:avLst/>
+          </a:prstGeom>
+          <a:noFill/>
+        </p:spPr>
+        <p:txBody>
+          <a:bodyPr wrap="none" rtlCol="0">
+            <a:spAutoFit/>
+          </a:bodyPr>
+          <a:lstStyle/>
+          <a:p>
+            <a:pPr marL="571500" indent="-571500">
+              <a:buFont typeface="Arial" panose="020B0604020202020204" pitchFamily="34" charset="0"/>
+              <a:buChar char="•"/>
+            </a:pPr>
+            <a:r>
+              <a:rPr lang="en-GB" sz="3600" dirty="0">
+                <a:latin typeface="Arial" panose="020B0604020202020204" pitchFamily="34" charset="0"/>
+                <a:cs typeface="Arial" panose="020B0604020202020204" pitchFamily="34" charset="0"/>
+              </a:rPr>
+              <a:t>LTI systems</a:t>
+            </a:r>
+          </a:p>
+          <a:p>
+            <a:pPr marL="571500" indent="-571500">
+              <a:buFont typeface="Arial" panose="020B0604020202020204" pitchFamily="34" charset="0"/>
+              <a:buChar char="•"/>
+            </a:pPr>
+            <a:r>
+              <a:rPr lang="en-GB" sz="3600" dirty="0">
+                <a:latin typeface="Arial" panose="020B0604020202020204" pitchFamily="34" charset="0"/>
+                <a:cs typeface="Arial" panose="020B0604020202020204" pitchFamily="34" charset="0"/>
+              </a:rPr>
+              <a:t>Discrete Fourier Transform</a:t>
+            </a:r>
+          </a:p>
+          <a:p>
+            <a:pPr marL="571500" indent="-571500">
+              <a:buFont typeface="Arial" panose="020B0604020202020204" pitchFamily="34" charset="0"/>
+              <a:buChar char="•"/>
+            </a:pPr>
+            <a:r>
+              <a:rPr lang="en-GB" sz="3600" dirty="0">
+                <a:latin typeface="Arial" panose="020B0604020202020204" pitchFamily="34" charset="0"/>
+                <a:cs typeface="Arial" panose="020B0604020202020204" pitchFamily="34" charset="0"/>
+              </a:rPr>
+              <a:t>Frequency domain approach</a:t>
+            </a:r>
+          </a:p>
+          <a:p>
+            <a:pPr marL="571500" indent="-571500">
+              <a:buFont typeface="Arial" panose="020B0604020202020204" pitchFamily="34" charset="0"/>
+              <a:buChar char="•"/>
+            </a:pPr>
+            <a:r>
+              <a:rPr lang="en-GB" sz="3600">
+                <a:latin typeface="Arial" panose="020B0604020202020204" pitchFamily="34" charset="0"/>
+                <a:cs typeface="Arial" panose="020B0604020202020204" pitchFamily="34" charset="0"/>
+              </a:rPr>
+              <a:t>Data-driven control</a:t>
+            </a:r>
+          </a:p>
+        </p:txBody>
+      </p:sp>
+    </p:spTree>
+    <p:extLst>
+      <p:ext uri="{BB962C8B-B14F-4D97-AF65-F5344CB8AC3E}">
+        <p14:creationId xmlns:p14="http://schemas.microsoft.com/office/powerpoint/2010/main" val="306977291"/>
+      </p:ext>
+    </p:extLst>
+  </p:cSld>
+  <p:clrMapOvr>
+    <a:masterClrMapping/>
+  </p:clrMapOvr>
+</p:sld>
+</file>
+
+<file path=ppt/slides/slide20.xml><?xml version="1.0" encoding="utf-8"?>
+<p:sld xmlns:a="http://schemas.openxmlformats.org/drawingml/2006/main" xmlns:r="http://schemas.openxmlformats.org/officeDocument/2006/relationships" xmlns:p="http://schemas.openxmlformats.org/presentationml/2006/main">
+  <p:cSld>
+    <p:spTree>
+      <p:nvGrpSpPr>
+        <p:cNvPr id="1" name=""/>
+        <p:cNvGrpSpPr/>
+        <p:nvPr/>
+      </p:nvGrpSpPr>
+      <p:grpSpPr>
+        <a:xfrm>
+          <a:off x="0" y="0"/>
+          <a:ext cx="0" cy="0"/>
+          <a:chOff x="0" y="0"/>
+          <a:chExt cx="0" cy="0"/>
+        </a:xfrm>
+      </p:grpSpPr>
+      <p:pic>
+        <p:nvPicPr>
+          <p:cNvPr id="7" name="Picture 6">
+            <a:extLst>
+              <a:ext uri="{FF2B5EF4-FFF2-40B4-BE49-F238E27FC236}">
+                <a16:creationId xmlns:a16="http://schemas.microsoft.com/office/drawing/2014/main" id="{C8C153BF-ECDD-4119-9B33-C9D1C31C02D9}"/>
+              </a:ext>
+            </a:extLst>
+          </p:cNvPr>
+          <p:cNvPicPr>
+            <a:picLocks noChangeAspect="1"/>
+          </p:cNvPicPr>
+          <p:nvPr/>
+        </p:nvPicPr>
+        <p:blipFill rotWithShape="1">
+          <a:blip r:embed="rId2">
+            <a:extLst>
+              <a:ext uri="{28A0092B-C50C-407E-A947-70E740481C1C}">
+                <a14:useLocalDpi xmlns:a14="http://schemas.microsoft.com/office/drawing/2010/main" val="0"/>
+              </a:ext>
+            </a:extLst>
+          </a:blip>
+          <a:srcRect l="13710" t="7459" r="8889" b="12146"/>
+          <a:stretch/>
+        </p:blipFill>
+        <p:spPr>
+          <a:xfrm>
+            <a:off x="2657469" y="1187476"/>
+            <a:ext cx="6877063" cy="5355249"/>
+          </a:xfrm>
+          <a:prstGeom prst="rect">
+            <a:avLst/>
+          </a:prstGeom>
+        </p:spPr>
+      </p:pic>
       <p:sp>
         <p:nvSpPr>
           <p:cNvPr id="2" name="Right Triangle 1">
@@ -7711,7 +7925,7 @@
             <a:fld id="{8F224621-ADB6-4DE2-A945-BF9C42D66C16}" type="slidenum">
               <a:rPr lang="LID4096" smtClean="0"/>
               <a:pPr/>
-              <a:t>21</a:t>
+              <a:t>20</a:t>
             </a:fld>
             <a:endParaRPr lang="LID4096" dirty="0"/>
           </a:p>
@@ -7799,6 +8013,434 @@
 </p:sld>
 </file>
 
+<file path=ppt/slides/slide21.xml><?xml version="1.0" encoding="utf-8"?>
+<p:sld xmlns:a="http://schemas.openxmlformats.org/drawingml/2006/main" xmlns:r="http://schemas.openxmlformats.org/officeDocument/2006/relationships" xmlns:p="http://schemas.openxmlformats.org/presentationml/2006/main">
+  <p:cSld>
+    <p:spTree>
+      <p:nvGrpSpPr>
+        <p:cNvPr id="1" name=""/>
+        <p:cNvGrpSpPr/>
+        <p:nvPr/>
+      </p:nvGrpSpPr>
+      <p:grpSpPr>
+        <a:xfrm>
+          <a:off x="0" y="0"/>
+          <a:ext cx="0" cy="0"/>
+          <a:chOff x="0" y="0"/>
+          <a:chExt cx="0" cy="0"/>
+        </a:xfrm>
+      </p:grpSpPr>
+      <p:sp>
+        <p:nvSpPr>
+          <p:cNvPr id="4" name="Slide Number Placeholder 3">
+            <a:extLst>
+              <a:ext uri="{FF2B5EF4-FFF2-40B4-BE49-F238E27FC236}">
+                <a16:creationId xmlns:a16="http://schemas.microsoft.com/office/drawing/2014/main" id="{7448BF2A-1F67-45F3-9E5B-A0E949BC49D6}"/>
+              </a:ext>
+            </a:extLst>
+          </p:cNvPr>
+          <p:cNvSpPr>
+            <a:spLocks noGrp="1"/>
+          </p:cNvSpPr>
+          <p:nvPr>
+            <p:ph type="sldNum" sz="quarter" idx="12"/>
+          </p:nvPr>
+        </p:nvSpPr>
+        <p:spPr/>
+        <p:txBody>
+          <a:bodyPr/>
+          <a:lstStyle/>
+          <a:p>
+            <a:fld id="{8F224621-ADB6-4DE2-A945-BF9C42D66C16}" type="slidenum">
+              <a:rPr lang="LID4096" smtClean="0"/>
+              <a:pPr/>
+              <a:t>21</a:t>
+            </a:fld>
+            <a:endParaRPr lang="LID4096" dirty="0"/>
+          </a:p>
+        </p:txBody>
+      </p:sp>
+      <p:sp>
+        <p:nvSpPr>
+          <p:cNvPr id="3" name="Google Shape;62;p14">
+            <a:extLst>
+              <a:ext uri="{FF2B5EF4-FFF2-40B4-BE49-F238E27FC236}">
+                <a16:creationId xmlns:a16="http://schemas.microsoft.com/office/drawing/2014/main" id="{E155BFF9-202C-475B-A266-871949978C02}"/>
+              </a:ext>
+            </a:extLst>
+          </p:cNvPr>
+          <p:cNvSpPr txBox="1">
+            <a:spLocks/>
+          </p:cNvSpPr>
+          <p:nvPr/>
+        </p:nvSpPr>
+        <p:spPr>
+          <a:xfrm>
+            <a:off x="415600" y="247650"/>
+            <a:ext cx="11360800" cy="834800"/>
+          </a:xfrm>
+          <a:prstGeom prst="rect">
+            <a:avLst/>
+          </a:prstGeom>
+        </p:spPr>
+        <p:txBody>
+          <a:bodyPr spcFirstLastPara="1" vert="horz" wrap="square" lIns="121900" tIns="121900" rIns="121900" bIns="121900" rtlCol="0" anchor="b" anchorCtr="0">
+            <a:noAutofit/>
+          </a:bodyPr>
+          <a:lstStyle>
+            <a:lvl1pPr algn="l" defTabSz="914400" rtl="0" eaLnBrk="1" latinLnBrk="0" hangingPunct="1">
+              <a:lnSpc>
+                <a:spcPct val="90000"/>
+              </a:lnSpc>
+              <a:spcBef>
+                <a:spcPct val="0"/>
+              </a:spcBef>
+              <a:buNone/>
+              <a:defRPr sz="4400" kern="1200">
+                <a:solidFill>
+                  <a:schemeClr val="tx1"/>
+                </a:solidFill>
+                <a:latin typeface="+mj-lt"/>
+                <a:ea typeface="+mj-ea"/>
+                <a:cs typeface="+mj-cs"/>
+              </a:defRPr>
+            </a:lvl1pPr>
+          </a:lstStyle>
+          <a:p>
+            <a:pPr algn="ctr">
+              <a:spcBef>
+                <a:spcPts val="0"/>
+              </a:spcBef>
+            </a:pPr>
+            <a:r>
+              <a:rPr lang="en-US" sz="4800" b="1" dirty="0">
+                <a:latin typeface="Arial" panose="020B0604020202020204" pitchFamily="34" charset="0"/>
+                <a:cs typeface="Arial" panose="020B0604020202020204" pitchFamily="34" charset="0"/>
+              </a:rPr>
+              <a:t>Frequency domain approach</a:t>
+            </a:r>
+          </a:p>
+        </p:txBody>
+      </p:sp>
+      <mc:AlternateContent xmlns:mc="http://schemas.openxmlformats.org/markup-compatibility/2006">
+        <mc:Choice xmlns:a14="http://schemas.microsoft.com/office/drawing/2010/main" Requires="a14">
+          <p:sp>
+            <p:nvSpPr>
+              <p:cNvPr id="2" name="TextBox 1">
+                <a:extLst>
+                  <a:ext uri="{FF2B5EF4-FFF2-40B4-BE49-F238E27FC236}">
+                    <a16:creationId xmlns:a16="http://schemas.microsoft.com/office/drawing/2014/main" id="{07705E8B-B431-42B4-B668-D6E71B87C830}"/>
+                  </a:ext>
+                </a:extLst>
+              </p:cNvPr>
+              <p:cNvSpPr txBox="1"/>
+              <p:nvPr/>
+            </p:nvSpPr>
+            <p:spPr>
+              <a:xfrm>
+                <a:off x="1667544" y="3629833"/>
+                <a:ext cx="8856912" cy="646331"/>
+              </a:xfrm>
+              <a:prstGeom prst="rect">
+                <a:avLst/>
+              </a:prstGeom>
+              <a:noFill/>
+            </p:spPr>
+            <p:txBody>
+              <a:bodyPr wrap="none" rtlCol="0">
+                <a:spAutoFit/>
+              </a:bodyPr>
+              <a:lstStyle/>
+              <a:p>
+                <a:pPr algn="ctr"/>
+                <a:r>
+                  <a:rPr lang="en-GB" sz="3600" dirty="0">
+                    <a:latin typeface="Arial" panose="020B0604020202020204" pitchFamily="34" charset="0"/>
+                    <a:cs typeface="Arial" panose="020B0604020202020204" pitchFamily="34" charset="0"/>
+                  </a:rPr>
+                  <a:t>Parameters: </a:t>
+                </a:r>
+                <a14:m>
+                  <m:oMath xmlns:m="http://schemas.openxmlformats.org/officeDocument/2006/math">
+                    <m:r>
+                      <a:rPr lang="en-GB" sz="3600" b="0" i="1" smtClean="0">
+                        <a:latin typeface="Cambria Math" panose="02040503050406030204" pitchFamily="18" charset="0"/>
+                        <a:cs typeface="Arial" panose="020B0604020202020204" pitchFamily="34" charset="0"/>
+                      </a:rPr>
+                      <m:t>{0.4097,0.407,−1.165,0.9813}</m:t>
+                    </m:r>
+                  </m:oMath>
+                </a14:m>
+                <a:endParaRPr lang="en-GB" sz="3600" dirty="0">
+                  <a:latin typeface="Arial" panose="020B0604020202020204" pitchFamily="34" charset="0"/>
+                  <a:cs typeface="Arial" panose="020B0604020202020204" pitchFamily="34" charset="0"/>
+                </a:endParaRPr>
+              </a:p>
+            </p:txBody>
+          </p:sp>
+        </mc:Choice>
+        <mc:Fallback>
+          <p:sp>
+            <p:nvSpPr>
+              <p:cNvPr id="2" name="TextBox 1">
+                <a:extLst>
+                  <a:ext uri="{FF2B5EF4-FFF2-40B4-BE49-F238E27FC236}">
+                    <a16:creationId xmlns:a16="http://schemas.microsoft.com/office/drawing/2014/main" id="{07705E8B-B431-42B4-B668-D6E71B87C830}"/>
+                  </a:ext>
+                </a:extLst>
+              </p:cNvPr>
+              <p:cNvSpPr txBox="1">
+                <a:spLocks noRot="1" noChangeAspect="1" noMove="1" noResize="1" noEditPoints="1" noAdjustHandles="1" noChangeArrowheads="1" noChangeShapeType="1" noTextEdit="1"/>
+              </p:cNvSpPr>
+              <p:nvPr/>
+            </p:nvSpPr>
+            <p:spPr>
+              <a:xfrm>
+                <a:off x="1667544" y="3629833"/>
+                <a:ext cx="8856912" cy="646331"/>
+              </a:xfrm>
+              <a:prstGeom prst="rect">
+                <a:avLst/>
+              </a:prstGeom>
+              <a:blipFill>
+                <a:blip r:embed="rId2"/>
+                <a:stretch>
+                  <a:fillRect l="-1653" t="-14151" b="-34906"/>
+                </a:stretch>
+              </a:blipFill>
+            </p:spPr>
+            <p:txBody>
+              <a:bodyPr/>
+              <a:lstStyle/>
+              <a:p>
+                <a:r>
+                  <a:rPr lang="LID4096">
+                    <a:noFill/>
+                  </a:rPr>
+                  <a:t> </a:t>
+                </a:r>
+              </a:p>
+            </p:txBody>
+          </p:sp>
+        </mc:Fallback>
+      </mc:AlternateContent>
+      <p:sp>
+        <p:nvSpPr>
+          <p:cNvPr id="5" name="TextBox 4">
+            <a:extLst>
+              <a:ext uri="{FF2B5EF4-FFF2-40B4-BE49-F238E27FC236}">
+                <a16:creationId xmlns:a16="http://schemas.microsoft.com/office/drawing/2014/main" id="{896CF217-BFBD-493C-AB68-87A8BC9371B8}"/>
+              </a:ext>
+            </a:extLst>
+          </p:cNvPr>
+          <p:cNvSpPr txBox="1"/>
+          <p:nvPr/>
+        </p:nvSpPr>
+        <p:spPr>
+          <a:xfrm>
+            <a:off x="4067238" y="1356383"/>
+            <a:ext cx="4057521" cy="646331"/>
+          </a:xfrm>
+          <a:prstGeom prst="rect">
+            <a:avLst/>
+          </a:prstGeom>
+          <a:noFill/>
+        </p:spPr>
+        <p:txBody>
+          <a:bodyPr wrap="none" rtlCol="0">
+            <a:spAutoFit/>
+          </a:bodyPr>
+          <a:lstStyle/>
+          <a:p>
+            <a:pPr algn="ctr"/>
+            <a:r>
+              <a:rPr lang="en-GB" sz="3600" b="1" dirty="0">
+                <a:solidFill>
+                  <a:schemeClr val="tx1">
+                    <a:lumMod val="65000"/>
+                    <a:lumOff val="35000"/>
+                  </a:schemeClr>
+                </a:solidFill>
+                <a:latin typeface="Arial" panose="020B0604020202020204" pitchFamily="34" charset="0"/>
+                <a:cs typeface="Arial" panose="020B0604020202020204" pitchFamily="34" charset="0"/>
+              </a:rPr>
+              <a:t>Parametric model</a:t>
+            </a:r>
+          </a:p>
+        </p:txBody>
+      </p:sp>
+      <p:pic>
+        <p:nvPicPr>
+          <p:cNvPr id="8" name="Picture 7" descr="A close up of a clock&#10;&#10;Description automatically generated">
+            <a:extLst>
+              <a:ext uri="{FF2B5EF4-FFF2-40B4-BE49-F238E27FC236}">
+                <a16:creationId xmlns:a16="http://schemas.microsoft.com/office/drawing/2014/main" id="{7F30B576-C35C-4F3B-B8B0-92D4841A9A0E}"/>
+              </a:ext>
+            </a:extLst>
+          </p:cNvPr>
+          <p:cNvPicPr>
+            <a:picLocks noChangeAspect="1"/>
+          </p:cNvPicPr>
+          <p:nvPr/>
+        </p:nvPicPr>
+        <p:blipFill>
+          <a:blip r:embed="rId3">
+            <a:extLst>
+              <a:ext uri="{28A0092B-C50C-407E-A947-70E740481C1C}">
+                <a14:useLocalDpi xmlns:a14="http://schemas.microsoft.com/office/drawing/2010/main" val="0"/>
+              </a:ext>
+            </a:extLst>
+          </a:blip>
+          <a:stretch>
+            <a:fillRect/>
+          </a:stretch>
+        </p:blipFill>
+        <p:spPr>
+          <a:xfrm>
+            <a:off x="2462665" y="2048881"/>
+            <a:ext cx="7266667" cy="1580952"/>
+          </a:xfrm>
+          <a:prstGeom prst="rect">
+            <a:avLst/>
+          </a:prstGeom>
+        </p:spPr>
+      </p:pic>
+      <p:sp>
+        <p:nvSpPr>
+          <p:cNvPr id="10" name="TextBox 9">
+            <a:extLst>
+              <a:ext uri="{FF2B5EF4-FFF2-40B4-BE49-F238E27FC236}">
+                <a16:creationId xmlns:a16="http://schemas.microsoft.com/office/drawing/2014/main" id="{D42968AC-5212-49F6-B7D8-B7CA660B0B20}"/>
+              </a:ext>
+            </a:extLst>
+          </p:cNvPr>
+          <p:cNvSpPr txBox="1"/>
+          <p:nvPr/>
+        </p:nvSpPr>
+        <p:spPr>
+          <a:xfrm>
+            <a:off x="3490158" y="4596264"/>
+            <a:ext cx="5211684" cy="646331"/>
+          </a:xfrm>
+          <a:prstGeom prst="rect">
+            <a:avLst/>
+          </a:prstGeom>
+          <a:noFill/>
+        </p:spPr>
+        <p:txBody>
+          <a:bodyPr wrap="none" rtlCol="0">
+            <a:spAutoFit/>
+          </a:bodyPr>
+          <a:lstStyle/>
+          <a:p>
+            <a:pPr algn="ctr"/>
+            <a:r>
+              <a:rPr lang="en-GB" sz="3600" b="1" dirty="0">
+                <a:solidFill>
+                  <a:schemeClr val="tx1">
+                    <a:lumMod val="65000"/>
+                    <a:lumOff val="35000"/>
+                  </a:schemeClr>
+                </a:solidFill>
+                <a:latin typeface="Arial" panose="020B0604020202020204" pitchFamily="34" charset="0"/>
+                <a:cs typeface="Arial" panose="020B0604020202020204" pitchFamily="34" charset="0"/>
+              </a:rPr>
+              <a:t>Nonparametric model?</a:t>
+            </a:r>
+          </a:p>
+        </p:txBody>
+      </p:sp>
+    </p:spTree>
+    <p:extLst>
+      <p:ext uri="{BB962C8B-B14F-4D97-AF65-F5344CB8AC3E}">
+        <p14:creationId xmlns:p14="http://schemas.microsoft.com/office/powerpoint/2010/main" val="2772281251"/>
+      </p:ext>
+    </p:extLst>
+  </p:cSld>
+  <p:clrMapOvr>
+    <a:masterClrMapping/>
+  </p:clrMapOvr>
+  <p:timing>
+    <p:tnLst>
+      <p:par>
+        <p:cTn id="1" dur="indefinite" restart="never" nodeType="tmRoot">
+          <p:childTnLst>
+            <p:seq concurrent="1" nextAc="seek">
+              <p:cTn id="2" dur="indefinite" nodeType="mainSeq">
+                <p:childTnLst>
+                  <p:par>
+                    <p:cTn id="3" fill="hold">
+                      <p:stCondLst>
+                        <p:cond delay="indefinite"/>
+                      </p:stCondLst>
+                      <p:childTnLst>
+                        <p:par>
+                          <p:cTn id="4" fill="hold">
+                            <p:stCondLst>
+                              <p:cond delay="0"/>
+                            </p:stCondLst>
+                            <p:childTnLst>
+                              <p:par>
+                                <p:cTn id="5" presetID="1" presetClass="entr" presetSubtype="0" fill="hold" grpId="0" nodeType="clickEffect">
+                                  <p:stCondLst>
+                                    <p:cond delay="0"/>
+                                  </p:stCondLst>
+                                  <p:childTnLst>
+                                    <p:set>
+                                      <p:cBhvr>
+                                        <p:cTn id="6" dur="1" fill="hold">
+                                          <p:stCondLst>
+                                            <p:cond delay="0"/>
+                                          </p:stCondLst>
+                                        </p:cTn>
+                                        <p:tgtEl>
+                                          <p:spTgt spid="10"/>
+                                        </p:tgtEl>
+                                        <p:attrNameLst>
+                                          <p:attrName>style.visibility</p:attrName>
+                                        </p:attrNameLst>
+                                      </p:cBhvr>
+                                      <p:to>
+                                        <p:strVal val="visible"/>
+                                      </p:to>
+                                    </p:set>
+                                  </p:childTnLst>
+                                </p:cTn>
+                              </p:par>
+                            </p:childTnLst>
+                          </p:cTn>
+                        </p:par>
+                      </p:childTnLst>
+                    </p:cTn>
+                  </p:par>
+                </p:childTnLst>
+              </p:cTn>
+              <p:prevCondLst>
+                <p:cond evt="onPrev" delay="0">
+                  <p:tgtEl>
+                    <p:sldTgt/>
+                  </p:tgtEl>
+                </p:cond>
+              </p:prevCondLst>
+              <p:nextCondLst>
+                <p:cond evt="onNext" delay="0">
+                  <p:tgtEl>
+                    <p:sldTgt/>
+                  </p:tgtEl>
+                </p:cond>
+              </p:nextCondLst>
+            </p:seq>
+          </p:childTnLst>
+        </p:cTn>
+      </p:par>
+    </p:tnLst>
+    <p:bldLst>
+      <p:bldP spid="10" grpId="0"/>
+    </p:bldLst>
+  </p:timing>
+</p:sld>
+</file>
+
 <file path=ppt/slides/slide22.xml><?xml version="1.0" encoding="utf-8"?>
 <p:sld xmlns:a="http://schemas.openxmlformats.org/drawingml/2006/main" xmlns:r="http://schemas.openxmlformats.org/officeDocument/2006/relationships" xmlns:p="http://schemas.openxmlformats.org/presentationml/2006/main">
   <p:cSld>
@@ -7816,6 +8458,2746 @@
           <a:chExt cx="0" cy="0"/>
         </a:xfrm>
       </p:grpSpPr>
+      <p:sp>
+        <p:nvSpPr>
+          <p:cNvPr id="4" name="Slide Number Placeholder 3">
+            <a:extLst>
+              <a:ext uri="{FF2B5EF4-FFF2-40B4-BE49-F238E27FC236}">
+                <a16:creationId xmlns:a16="http://schemas.microsoft.com/office/drawing/2014/main" id="{7448BF2A-1F67-45F3-9E5B-A0E949BC49D6}"/>
+              </a:ext>
+            </a:extLst>
+          </p:cNvPr>
+          <p:cNvSpPr>
+            <a:spLocks noGrp="1"/>
+          </p:cNvSpPr>
+          <p:nvPr>
+            <p:ph type="sldNum" sz="quarter" idx="12"/>
+          </p:nvPr>
+        </p:nvSpPr>
+        <p:spPr/>
+        <p:txBody>
+          <a:bodyPr/>
+          <a:lstStyle/>
+          <a:p>
+            <a:fld id="{8F224621-ADB6-4DE2-A945-BF9C42D66C16}" type="slidenum">
+              <a:rPr lang="LID4096" smtClean="0"/>
+              <a:pPr/>
+              <a:t>22</a:t>
+            </a:fld>
+            <a:endParaRPr lang="LID4096" dirty="0"/>
+          </a:p>
+        </p:txBody>
+      </p:sp>
+      <p:sp>
+        <p:nvSpPr>
+          <p:cNvPr id="3" name="Google Shape;62;p14">
+            <a:extLst>
+              <a:ext uri="{FF2B5EF4-FFF2-40B4-BE49-F238E27FC236}">
+                <a16:creationId xmlns:a16="http://schemas.microsoft.com/office/drawing/2014/main" id="{E155BFF9-202C-475B-A266-871949978C02}"/>
+              </a:ext>
+            </a:extLst>
+          </p:cNvPr>
+          <p:cNvSpPr txBox="1">
+            <a:spLocks/>
+          </p:cNvSpPr>
+          <p:nvPr/>
+        </p:nvSpPr>
+        <p:spPr>
+          <a:xfrm>
+            <a:off x="415600" y="247650"/>
+            <a:ext cx="11360800" cy="834800"/>
+          </a:xfrm>
+          <a:prstGeom prst="rect">
+            <a:avLst/>
+          </a:prstGeom>
+        </p:spPr>
+        <p:txBody>
+          <a:bodyPr spcFirstLastPara="1" vert="horz" wrap="square" lIns="121900" tIns="121900" rIns="121900" bIns="121900" rtlCol="0" anchor="b" anchorCtr="0">
+            <a:noAutofit/>
+          </a:bodyPr>
+          <a:lstStyle>
+            <a:lvl1pPr algn="l" defTabSz="914400" rtl="0" eaLnBrk="1" latinLnBrk="0" hangingPunct="1">
+              <a:lnSpc>
+                <a:spcPct val="90000"/>
+              </a:lnSpc>
+              <a:spcBef>
+                <a:spcPct val="0"/>
+              </a:spcBef>
+              <a:buNone/>
+              <a:defRPr sz="4400" kern="1200">
+                <a:solidFill>
+                  <a:schemeClr val="tx1"/>
+                </a:solidFill>
+                <a:latin typeface="+mj-lt"/>
+                <a:ea typeface="+mj-ea"/>
+                <a:cs typeface="+mj-cs"/>
+              </a:defRPr>
+            </a:lvl1pPr>
+          </a:lstStyle>
+          <a:p>
+            <a:pPr algn="ctr">
+              <a:spcBef>
+                <a:spcPts val="0"/>
+              </a:spcBef>
+            </a:pPr>
+            <a:r>
+              <a:rPr lang="en-US" sz="4800" b="1" dirty="0">
+                <a:latin typeface="Arial" panose="020B0604020202020204" pitchFamily="34" charset="0"/>
+                <a:cs typeface="Arial" panose="020B0604020202020204" pitchFamily="34" charset="0"/>
+              </a:rPr>
+              <a:t>Frequency domain approach</a:t>
+            </a:r>
+          </a:p>
+        </p:txBody>
+      </p:sp>
+      <p:pic>
+        <p:nvPicPr>
+          <p:cNvPr id="7" name="Picture 6" descr="A screenshot of a cell phone&#10;&#10;Description automatically generated">
+            <a:extLst>
+              <a:ext uri="{FF2B5EF4-FFF2-40B4-BE49-F238E27FC236}">
+                <a16:creationId xmlns:a16="http://schemas.microsoft.com/office/drawing/2014/main" id="{14338B7A-2D97-4A6F-9938-0B1997130FE9}"/>
+              </a:ext>
+            </a:extLst>
+          </p:cNvPr>
+          <p:cNvPicPr>
+            <a:picLocks noChangeAspect="1"/>
+          </p:cNvPicPr>
+          <p:nvPr/>
+        </p:nvPicPr>
+        <p:blipFill>
+          <a:blip r:embed="rId2">
+            <a:extLst>
+              <a:ext uri="{28A0092B-C50C-407E-A947-70E740481C1C}">
+                <a14:useLocalDpi xmlns:a14="http://schemas.microsoft.com/office/drawing/2010/main" val="0"/>
+              </a:ext>
+            </a:extLst>
+          </a:blip>
+          <a:stretch>
+            <a:fillRect/>
+          </a:stretch>
+        </p:blipFill>
+        <p:spPr>
+          <a:xfrm>
+            <a:off x="2612891" y="1088074"/>
+            <a:ext cx="6966218" cy="5594084"/>
+          </a:xfrm>
+          <a:prstGeom prst="rect">
+            <a:avLst/>
+          </a:prstGeom>
+        </p:spPr>
+      </p:pic>
+    </p:spTree>
+    <p:extLst>
+      <p:ext uri="{BB962C8B-B14F-4D97-AF65-F5344CB8AC3E}">
+        <p14:creationId xmlns:p14="http://schemas.microsoft.com/office/powerpoint/2010/main" val="2438169337"/>
+      </p:ext>
+    </p:extLst>
+  </p:cSld>
+  <p:clrMapOvr>
+    <a:masterClrMapping/>
+  </p:clrMapOvr>
+</p:sld>
+</file>
+
+<file path=ppt/slides/slide23.xml><?xml version="1.0" encoding="utf-8"?>
+<p:sld xmlns:a="http://schemas.openxmlformats.org/drawingml/2006/main" xmlns:r="http://schemas.openxmlformats.org/officeDocument/2006/relationships" xmlns:p="http://schemas.openxmlformats.org/presentationml/2006/main">
+  <p:cSld>
+    <p:spTree>
+      <p:nvGrpSpPr>
+        <p:cNvPr id="1" name=""/>
+        <p:cNvGrpSpPr/>
+        <p:nvPr/>
+      </p:nvGrpSpPr>
+      <p:grpSpPr>
+        <a:xfrm>
+          <a:off x="0" y="0"/>
+          <a:ext cx="0" cy="0"/>
+          <a:chOff x="0" y="0"/>
+          <a:chExt cx="0" cy="0"/>
+        </a:xfrm>
+      </p:grpSpPr>
+      <p:sp>
+        <p:nvSpPr>
+          <p:cNvPr id="4" name="Slide Number Placeholder 3">
+            <a:extLst>
+              <a:ext uri="{FF2B5EF4-FFF2-40B4-BE49-F238E27FC236}">
+                <a16:creationId xmlns:a16="http://schemas.microsoft.com/office/drawing/2014/main" id="{7448BF2A-1F67-45F3-9E5B-A0E949BC49D6}"/>
+              </a:ext>
+            </a:extLst>
+          </p:cNvPr>
+          <p:cNvSpPr>
+            <a:spLocks noGrp="1"/>
+          </p:cNvSpPr>
+          <p:nvPr>
+            <p:ph type="sldNum" sz="quarter" idx="12"/>
+          </p:nvPr>
+        </p:nvSpPr>
+        <p:spPr/>
+        <p:txBody>
+          <a:bodyPr/>
+          <a:lstStyle/>
+          <a:p>
+            <a:fld id="{8F224621-ADB6-4DE2-A945-BF9C42D66C16}" type="slidenum">
+              <a:rPr lang="LID4096" smtClean="0"/>
+              <a:pPr/>
+              <a:t>23</a:t>
+            </a:fld>
+            <a:endParaRPr lang="LID4096" dirty="0"/>
+          </a:p>
+        </p:txBody>
+      </p:sp>
+      <p:sp>
+        <p:nvSpPr>
+          <p:cNvPr id="3" name="Google Shape;62;p14">
+            <a:extLst>
+              <a:ext uri="{FF2B5EF4-FFF2-40B4-BE49-F238E27FC236}">
+                <a16:creationId xmlns:a16="http://schemas.microsoft.com/office/drawing/2014/main" id="{E155BFF9-202C-475B-A266-871949978C02}"/>
+              </a:ext>
+            </a:extLst>
+          </p:cNvPr>
+          <p:cNvSpPr txBox="1">
+            <a:spLocks/>
+          </p:cNvSpPr>
+          <p:nvPr/>
+        </p:nvSpPr>
+        <p:spPr>
+          <a:xfrm>
+            <a:off x="415600" y="247650"/>
+            <a:ext cx="11360800" cy="834800"/>
+          </a:xfrm>
+          <a:prstGeom prst="rect">
+            <a:avLst/>
+          </a:prstGeom>
+        </p:spPr>
+        <p:txBody>
+          <a:bodyPr spcFirstLastPara="1" vert="horz" wrap="square" lIns="121900" tIns="121900" rIns="121900" bIns="121900" rtlCol="0" anchor="b" anchorCtr="0">
+            <a:noAutofit/>
+          </a:bodyPr>
+          <a:lstStyle>
+            <a:lvl1pPr algn="l" defTabSz="914400" rtl="0" eaLnBrk="1" latinLnBrk="0" hangingPunct="1">
+              <a:lnSpc>
+                <a:spcPct val="90000"/>
+              </a:lnSpc>
+              <a:spcBef>
+                <a:spcPct val="0"/>
+              </a:spcBef>
+              <a:buNone/>
+              <a:defRPr sz="4400" kern="1200">
+                <a:solidFill>
+                  <a:schemeClr val="tx1"/>
+                </a:solidFill>
+                <a:latin typeface="+mj-lt"/>
+                <a:ea typeface="+mj-ea"/>
+                <a:cs typeface="+mj-cs"/>
+              </a:defRPr>
+            </a:lvl1pPr>
+          </a:lstStyle>
+          <a:p>
+            <a:pPr algn="ctr">
+              <a:spcBef>
+                <a:spcPts val="0"/>
+              </a:spcBef>
+            </a:pPr>
+            <a:r>
+              <a:rPr lang="en-US" sz="4800" b="1" dirty="0">
+                <a:latin typeface="Arial" panose="020B0604020202020204" pitchFamily="34" charset="0"/>
+                <a:cs typeface="Arial" panose="020B0604020202020204" pitchFamily="34" charset="0"/>
+              </a:rPr>
+              <a:t>Frequency domain approach</a:t>
+            </a:r>
+          </a:p>
+        </p:txBody>
+      </p:sp>
+      <p:pic>
+        <p:nvPicPr>
+          <p:cNvPr id="7" name="Picture 6">
+            <a:extLst>
+              <a:ext uri="{FF2B5EF4-FFF2-40B4-BE49-F238E27FC236}">
+                <a16:creationId xmlns:a16="http://schemas.microsoft.com/office/drawing/2014/main" id="{14338B7A-2D97-4A6F-9938-0B1997130FE9}"/>
+              </a:ext>
+            </a:extLst>
+          </p:cNvPr>
+          <p:cNvPicPr>
+            <a:picLocks noChangeAspect="1"/>
+          </p:cNvPicPr>
+          <p:nvPr/>
+        </p:nvPicPr>
+        <p:blipFill>
+          <a:blip r:embed="rId2">
+            <a:extLst>
+              <a:ext uri="{28A0092B-C50C-407E-A947-70E740481C1C}">
+                <a14:useLocalDpi xmlns:a14="http://schemas.microsoft.com/office/drawing/2010/main" val="0"/>
+              </a:ext>
+            </a:extLst>
+          </a:blip>
+          <a:srcRect/>
+          <a:stretch/>
+        </p:blipFill>
+        <p:spPr>
+          <a:xfrm>
+            <a:off x="2612891" y="1092305"/>
+            <a:ext cx="6966218" cy="5585621"/>
+          </a:xfrm>
+          <a:prstGeom prst="rect">
+            <a:avLst/>
+          </a:prstGeom>
+        </p:spPr>
+      </p:pic>
+    </p:spTree>
+    <p:extLst>
+      <p:ext uri="{BB962C8B-B14F-4D97-AF65-F5344CB8AC3E}">
+        <p14:creationId xmlns:p14="http://schemas.microsoft.com/office/powerpoint/2010/main" val="2780589432"/>
+      </p:ext>
+    </p:extLst>
+  </p:cSld>
+  <p:clrMapOvr>
+    <a:masterClrMapping/>
+  </p:clrMapOvr>
+</p:sld>
+</file>
+
+<file path=ppt/slides/slide24.xml><?xml version="1.0" encoding="utf-8"?>
+<p:sld xmlns:a="http://schemas.openxmlformats.org/drawingml/2006/main" xmlns:r="http://schemas.openxmlformats.org/officeDocument/2006/relationships" xmlns:p="http://schemas.openxmlformats.org/presentationml/2006/main">
+  <p:cSld>
+    <p:spTree>
+      <p:nvGrpSpPr>
+        <p:cNvPr id="1" name=""/>
+        <p:cNvGrpSpPr/>
+        <p:nvPr/>
+      </p:nvGrpSpPr>
+      <p:grpSpPr>
+        <a:xfrm>
+          <a:off x="0" y="0"/>
+          <a:ext cx="0" cy="0"/>
+          <a:chOff x="0" y="0"/>
+          <a:chExt cx="0" cy="0"/>
+        </a:xfrm>
+      </p:grpSpPr>
+      <p:pic>
+        <p:nvPicPr>
+          <p:cNvPr id="7" name="Picture 6">
+            <a:extLst>
+              <a:ext uri="{FF2B5EF4-FFF2-40B4-BE49-F238E27FC236}">
+                <a16:creationId xmlns:a16="http://schemas.microsoft.com/office/drawing/2014/main" id="{14338B7A-2D97-4A6F-9938-0B1997130FE9}"/>
+              </a:ext>
+            </a:extLst>
+          </p:cNvPr>
+          <p:cNvPicPr>
+            <a:picLocks noChangeAspect="1"/>
+          </p:cNvPicPr>
+          <p:nvPr/>
+        </p:nvPicPr>
+        <p:blipFill rotWithShape="1">
+          <a:blip r:embed="rId2">
+            <a:extLst>
+              <a:ext uri="{28A0092B-C50C-407E-A947-70E740481C1C}">
+                <a14:useLocalDpi xmlns:a14="http://schemas.microsoft.com/office/drawing/2010/main" val="0"/>
+              </a:ext>
+            </a:extLst>
+          </a:blip>
+          <a:srcRect t="48697"/>
+          <a:stretch/>
+        </p:blipFill>
+        <p:spPr>
+          <a:xfrm>
+            <a:off x="4879841" y="956604"/>
+            <a:ext cx="6966218" cy="2865581"/>
+          </a:xfrm>
+          <a:prstGeom prst="rect">
+            <a:avLst/>
+          </a:prstGeom>
+        </p:spPr>
+      </p:pic>
+      <p:pic>
+        <p:nvPicPr>
+          <p:cNvPr id="2" name="Picture 1" descr="A screenshot of a cell phone&#10;&#10;Description automatically generated">
+            <a:extLst>
+              <a:ext uri="{FF2B5EF4-FFF2-40B4-BE49-F238E27FC236}">
+                <a16:creationId xmlns:a16="http://schemas.microsoft.com/office/drawing/2014/main" id="{5E0B2C72-2EB0-42D4-9616-5E440DF4108B}"/>
+              </a:ext>
+            </a:extLst>
+          </p:cNvPr>
+          <p:cNvPicPr>
+            <a:picLocks noChangeAspect="1"/>
+          </p:cNvPicPr>
+          <p:nvPr/>
+        </p:nvPicPr>
+        <p:blipFill rotWithShape="1">
+          <a:blip r:embed="rId3">
+            <a:extLst>
+              <a:ext uri="{28A0092B-C50C-407E-A947-70E740481C1C}">
+                <a14:useLocalDpi xmlns:a14="http://schemas.microsoft.com/office/drawing/2010/main" val="0"/>
+              </a:ext>
+            </a:extLst>
+          </a:blip>
+          <a:srcRect t="48875"/>
+          <a:stretch/>
+        </p:blipFill>
+        <p:spPr>
+          <a:xfrm>
+            <a:off x="4767299" y="3442355"/>
+            <a:ext cx="7078760" cy="2906177"/>
+          </a:xfrm>
+          <a:prstGeom prst="rect">
+            <a:avLst/>
+          </a:prstGeom>
+        </p:spPr>
+      </p:pic>
+      <p:sp>
+        <p:nvSpPr>
+          <p:cNvPr id="6" name="Division Sign 5">
+            <a:extLst>
+              <a:ext uri="{FF2B5EF4-FFF2-40B4-BE49-F238E27FC236}">
+                <a16:creationId xmlns:a16="http://schemas.microsoft.com/office/drawing/2014/main" id="{1A52EE45-EA4B-4B8D-9F9B-D8B6393699EB}"/>
+              </a:ext>
+            </a:extLst>
+          </p:cNvPr>
+          <p:cNvSpPr/>
+          <p:nvPr/>
+        </p:nvSpPr>
+        <p:spPr>
+          <a:xfrm>
+            <a:off x="3360529" y="2654564"/>
+            <a:ext cx="1406770" cy="1575581"/>
+          </a:xfrm>
+          <a:prstGeom prst="mathDivide">
+            <a:avLst/>
+          </a:prstGeom>
+        </p:spPr>
+        <p:style>
+          <a:lnRef idx="2">
+            <a:schemeClr val="accent1">
+              <a:shade val="50000"/>
+            </a:schemeClr>
+          </a:lnRef>
+          <a:fillRef idx="1">
+            <a:schemeClr val="accent1"/>
+          </a:fillRef>
+          <a:effectRef idx="0">
+            <a:schemeClr val="accent1"/>
+          </a:effectRef>
+          <a:fontRef idx="minor">
+            <a:schemeClr val="lt1"/>
+          </a:fontRef>
+        </p:style>
+        <p:txBody>
+          <a:bodyPr rtlCol="0" anchor="ctr"/>
+          <a:lstStyle/>
+          <a:p>
+            <a:pPr algn="ctr"/>
+            <a:endParaRPr lang="LID4096"/>
+          </a:p>
+        </p:txBody>
+      </p:sp>
+      <p:cxnSp>
+        <p:nvCxnSpPr>
+          <p:cNvPr id="9" name="Connector: Elbow 8">
+            <a:extLst>
+              <a:ext uri="{FF2B5EF4-FFF2-40B4-BE49-F238E27FC236}">
+                <a16:creationId xmlns:a16="http://schemas.microsoft.com/office/drawing/2014/main" id="{45EEF573-45A0-4302-9854-CB26DD39F5FF}"/>
+              </a:ext>
+            </a:extLst>
+          </p:cNvPr>
+          <p:cNvCxnSpPr>
+            <a:cxnSpLocks/>
+          </p:cNvCxnSpPr>
+          <p:nvPr/>
+        </p:nvCxnSpPr>
+        <p:spPr>
+          <a:xfrm rot="10800000" flipV="1">
+            <a:off x="4063915" y="2036936"/>
+            <a:ext cx="815929" cy="649247"/>
+          </a:xfrm>
+          <a:prstGeom prst="bentConnector3">
+            <a:avLst>
+              <a:gd name="adj1" fmla="val 99808"/>
+            </a:avLst>
+          </a:prstGeom>
+          <a:ln w="57150">
+            <a:tailEnd type="triangle"/>
+          </a:ln>
+        </p:spPr>
+        <p:style>
+          <a:lnRef idx="1">
+            <a:schemeClr val="accent1"/>
+          </a:lnRef>
+          <a:fillRef idx="0">
+            <a:schemeClr val="accent1"/>
+          </a:fillRef>
+          <a:effectRef idx="0">
+            <a:schemeClr val="accent1"/>
+          </a:effectRef>
+          <a:fontRef idx="minor">
+            <a:schemeClr val="tx1"/>
+          </a:fontRef>
+        </p:style>
+      </p:cxnSp>
+      <p:cxnSp>
+        <p:nvCxnSpPr>
+          <p:cNvPr id="17" name="Connector: Elbow 16">
+            <a:extLst>
+              <a:ext uri="{FF2B5EF4-FFF2-40B4-BE49-F238E27FC236}">
+                <a16:creationId xmlns:a16="http://schemas.microsoft.com/office/drawing/2014/main" id="{161D2E81-B08B-4947-A600-54EF32E8D3B5}"/>
+              </a:ext>
+            </a:extLst>
+          </p:cNvPr>
+          <p:cNvCxnSpPr>
+            <a:cxnSpLocks/>
+            <a:stCxn id="2" idx="1"/>
+          </p:cNvCxnSpPr>
+          <p:nvPr/>
+        </p:nvCxnSpPr>
+        <p:spPr>
+          <a:xfrm rot="10800000">
+            <a:off x="4063915" y="4171818"/>
+            <a:ext cx="703385" cy="723626"/>
+          </a:xfrm>
+          <a:prstGeom prst="bentConnector2">
+            <a:avLst/>
+          </a:prstGeom>
+          <a:ln w="57150">
+            <a:tailEnd type="triangle"/>
+          </a:ln>
+        </p:spPr>
+        <p:style>
+          <a:lnRef idx="1">
+            <a:schemeClr val="accent1"/>
+          </a:lnRef>
+          <a:fillRef idx="0">
+            <a:schemeClr val="accent1"/>
+          </a:fillRef>
+          <a:effectRef idx="0">
+            <a:schemeClr val="accent1"/>
+          </a:effectRef>
+          <a:fontRef idx="minor">
+            <a:schemeClr val="tx1"/>
+          </a:fontRef>
+        </p:style>
+      </p:cxnSp>
+      <p:sp>
+        <p:nvSpPr>
+          <p:cNvPr id="4" name="Slide Number Placeholder 3">
+            <a:extLst>
+              <a:ext uri="{FF2B5EF4-FFF2-40B4-BE49-F238E27FC236}">
+                <a16:creationId xmlns:a16="http://schemas.microsoft.com/office/drawing/2014/main" id="{7448BF2A-1F67-45F3-9E5B-A0E949BC49D6}"/>
+              </a:ext>
+            </a:extLst>
+          </p:cNvPr>
+          <p:cNvSpPr>
+            <a:spLocks noGrp="1"/>
+          </p:cNvSpPr>
+          <p:nvPr>
+            <p:ph type="sldNum" sz="quarter" idx="12"/>
+          </p:nvPr>
+        </p:nvSpPr>
+        <p:spPr/>
+        <p:txBody>
+          <a:bodyPr/>
+          <a:lstStyle/>
+          <a:p>
+            <a:fld id="{8F224621-ADB6-4DE2-A945-BF9C42D66C16}" type="slidenum">
+              <a:rPr lang="LID4096" smtClean="0"/>
+              <a:pPr/>
+              <a:t>24</a:t>
+            </a:fld>
+            <a:endParaRPr lang="LID4096" dirty="0"/>
+          </a:p>
+        </p:txBody>
+      </p:sp>
+      <p:sp>
+        <p:nvSpPr>
+          <p:cNvPr id="3" name="Google Shape;62;p14">
+            <a:extLst>
+              <a:ext uri="{FF2B5EF4-FFF2-40B4-BE49-F238E27FC236}">
+                <a16:creationId xmlns:a16="http://schemas.microsoft.com/office/drawing/2014/main" id="{E155BFF9-202C-475B-A266-871949978C02}"/>
+              </a:ext>
+            </a:extLst>
+          </p:cNvPr>
+          <p:cNvSpPr txBox="1">
+            <a:spLocks/>
+          </p:cNvSpPr>
+          <p:nvPr/>
+        </p:nvSpPr>
+        <p:spPr>
+          <a:xfrm>
+            <a:off x="415600" y="247650"/>
+            <a:ext cx="11360800" cy="834800"/>
+          </a:xfrm>
+          <a:prstGeom prst="rect">
+            <a:avLst/>
+          </a:prstGeom>
+        </p:spPr>
+        <p:txBody>
+          <a:bodyPr spcFirstLastPara="1" vert="horz" wrap="square" lIns="121900" tIns="121900" rIns="121900" bIns="121900" rtlCol="0" anchor="b" anchorCtr="0">
+            <a:noAutofit/>
+          </a:bodyPr>
+          <a:lstStyle>
+            <a:lvl1pPr algn="l" defTabSz="914400" rtl="0" eaLnBrk="1" latinLnBrk="0" hangingPunct="1">
+              <a:lnSpc>
+                <a:spcPct val="90000"/>
+              </a:lnSpc>
+              <a:spcBef>
+                <a:spcPct val="0"/>
+              </a:spcBef>
+              <a:buNone/>
+              <a:defRPr sz="4400" kern="1200">
+                <a:solidFill>
+                  <a:schemeClr val="tx1"/>
+                </a:solidFill>
+                <a:latin typeface="+mj-lt"/>
+                <a:ea typeface="+mj-ea"/>
+                <a:cs typeface="+mj-cs"/>
+              </a:defRPr>
+            </a:lvl1pPr>
+          </a:lstStyle>
+          <a:p>
+            <a:pPr algn="ctr">
+              <a:spcBef>
+                <a:spcPts val="0"/>
+              </a:spcBef>
+            </a:pPr>
+            <a:r>
+              <a:rPr lang="en-US" sz="4800" b="1" dirty="0">
+                <a:latin typeface="Arial" panose="020B0604020202020204" pitchFamily="34" charset="0"/>
+                <a:cs typeface="Arial" panose="020B0604020202020204" pitchFamily="34" charset="0"/>
+              </a:rPr>
+              <a:t>Frequency domain approach</a:t>
+            </a:r>
+          </a:p>
+        </p:txBody>
+      </p:sp>
+      <p:pic>
+        <p:nvPicPr>
+          <p:cNvPr id="25" name="Picture 24" descr="A close up of a logo&#10;&#10;Description automatically generated">
+            <a:extLst>
+              <a:ext uri="{FF2B5EF4-FFF2-40B4-BE49-F238E27FC236}">
+                <a16:creationId xmlns:a16="http://schemas.microsoft.com/office/drawing/2014/main" id="{5F52A89E-0AA4-43A3-9F1C-33F35474CBAE}"/>
+              </a:ext>
+            </a:extLst>
+          </p:cNvPr>
+          <p:cNvPicPr>
+            <a:picLocks noChangeAspect="1"/>
+          </p:cNvPicPr>
+          <p:nvPr/>
+        </p:nvPicPr>
+        <p:blipFill>
+          <a:blip r:embed="rId4">
+            <a:extLst>
+              <a:ext uri="{28A0092B-C50C-407E-A947-70E740481C1C}">
+                <a14:useLocalDpi xmlns:a14="http://schemas.microsoft.com/office/drawing/2010/main" val="0"/>
+              </a:ext>
+            </a:extLst>
+          </a:blip>
+          <a:stretch>
+            <a:fillRect/>
+          </a:stretch>
+        </p:blipFill>
+        <p:spPr>
+          <a:xfrm>
+            <a:off x="96341" y="2809730"/>
+            <a:ext cx="3264187" cy="1265247"/>
+          </a:xfrm>
+          <a:prstGeom prst="rect">
+            <a:avLst/>
+          </a:prstGeom>
+        </p:spPr>
+      </p:pic>
+    </p:spTree>
+    <p:extLst>
+      <p:ext uri="{BB962C8B-B14F-4D97-AF65-F5344CB8AC3E}">
+        <p14:creationId xmlns:p14="http://schemas.microsoft.com/office/powerpoint/2010/main" val="3094686256"/>
+      </p:ext>
+    </p:extLst>
+  </p:cSld>
+  <p:clrMapOvr>
+    <a:masterClrMapping/>
+  </p:clrMapOvr>
+  <p:timing>
+    <p:tnLst>
+      <p:par>
+        <p:cTn id="1" dur="indefinite" restart="never" nodeType="tmRoot">
+          <p:childTnLst>
+            <p:seq concurrent="1" nextAc="seek">
+              <p:cTn id="2" dur="indefinite" nodeType="mainSeq">
+                <p:childTnLst>
+                  <p:par>
+                    <p:cTn id="3" fill="hold">
+                      <p:stCondLst>
+                        <p:cond delay="indefinite"/>
+                      </p:stCondLst>
+                      <p:childTnLst>
+                        <p:par>
+                          <p:cTn id="4" fill="hold">
+                            <p:stCondLst>
+                              <p:cond delay="0"/>
+                            </p:stCondLst>
+                            <p:childTnLst>
+                              <p:par>
+                                <p:cTn id="5" presetID="1" presetClass="entr" presetSubtype="0" fill="hold" grpId="0" nodeType="clickEffect">
+                                  <p:stCondLst>
+                                    <p:cond delay="0"/>
+                                  </p:stCondLst>
+                                  <p:childTnLst>
+                                    <p:set>
+                                      <p:cBhvr>
+                                        <p:cTn id="6" dur="1" fill="hold">
+                                          <p:stCondLst>
+                                            <p:cond delay="0"/>
+                                          </p:stCondLst>
+                                        </p:cTn>
+                                        <p:tgtEl>
+                                          <p:spTgt spid="6"/>
+                                        </p:tgtEl>
+                                        <p:attrNameLst>
+                                          <p:attrName>style.visibility</p:attrName>
+                                        </p:attrNameLst>
+                                      </p:cBhvr>
+                                      <p:to>
+                                        <p:strVal val="visible"/>
+                                      </p:to>
+                                    </p:set>
+                                  </p:childTnLst>
+                                </p:cTn>
+                              </p:par>
+                              <p:par>
+                                <p:cTn id="7" presetID="1" presetClass="entr" presetSubtype="0" fill="hold" nodeType="withEffect">
+                                  <p:stCondLst>
+                                    <p:cond delay="0"/>
+                                  </p:stCondLst>
+                                  <p:childTnLst>
+                                    <p:set>
+                                      <p:cBhvr>
+                                        <p:cTn id="8" dur="1" fill="hold">
+                                          <p:stCondLst>
+                                            <p:cond delay="0"/>
+                                          </p:stCondLst>
+                                        </p:cTn>
+                                        <p:tgtEl>
+                                          <p:spTgt spid="9"/>
+                                        </p:tgtEl>
+                                        <p:attrNameLst>
+                                          <p:attrName>style.visibility</p:attrName>
+                                        </p:attrNameLst>
+                                      </p:cBhvr>
+                                      <p:to>
+                                        <p:strVal val="visible"/>
+                                      </p:to>
+                                    </p:set>
+                                  </p:childTnLst>
+                                </p:cTn>
+                              </p:par>
+                              <p:par>
+                                <p:cTn id="9" presetID="1" presetClass="entr" presetSubtype="0" fill="hold" nodeType="withEffect">
+                                  <p:stCondLst>
+                                    <p:cond delay="0"/>
+                                  </p:stCondLst>
+                                  <p:childTnLst>
+                                    <p:set>
+                                      <p:cBhvr>
+                                        <p:cTn id="10" dur="1" fill="hold">
+                                          <p:stCondLst>
+                                            <p:cond delay="0"/>
+                                          </p:stCondLst>
+                                        </p:cTn>
+                                        <p:tgtEl>
+                                          <p:spTgt spid="17"/>
+                                        </p:tgtEl>
+                                        <p:attrNameLst>
+                                          <p:attrName>style.visibility</p:attrName>
+                                        </p:attrNameLst>
+                                      </p:cBhvr>
+                                      <p:to>
+                                        <p:strVal val="visible"/>
+                                      </p:to>
+                                    </p:set>
+                                  </p:childTnLst>
+                                </p:cTn>
+                              </p:par>
+                              <p:par>
+                                <p:cTn id="11" presetID="1" presetClass="entr" presetSubtype="0" fill="hold" nodeType="withEffect">
+                                  <p:stCondLst>
+                                    <p:cond delay="0"/>
+                                  </p:stCondLst>
+                                  <p:childTnLst>
+                                    <p:set>
+                                      <p:cBhvr>
+                                        <p:cTn id="12" dur="1" fill="hold">
+                                          <p:stCondLst>
+                                            <p:cond delay="0"/>
+                                          </p:stCondLst>
+                                        </p:cTn>
+                                        <p:tgtEl>
+                                          <p:spTgt spid="25"/>
+                                        </p:tgtEl>
+                                        <p:attrNameLst>
+                                          <p:attrName>style.visibility</p:attrName>
+                                        </p:attrNameLst>
+                                      </p:cBhvr>
+                                      <p:to>
+                                        <p:strVal val="visible"/>
+                                      </p:to>
+                                    </p:set>
+                                  </p:childTnLst>
+                                </p:cTn>
+                              </p:par>
+                            </p:childTnLst>
+                          </p:cTn>
+                        </p:par>
+                      </p:childTnLst>
+                    </p:cTn>
+                  </p:par>
+                </p:childTnLst>
+              </p:cTn>
+              <p:prevCondLst>
+                <p:cond evt="onPrev" delay="0">
+                  <p:tgtEl>
+                    <p:sldTgt/>
+                  </p:tgtEl>
+                </p:cond>
+              </p:prevCondLst>
+              <p:nextCondLst>
+                <p:cond evt="onNext" delay="0">
+                  <p:tgtEl>
+                    <p:sldTgt/>
+                  </p:tgtEl>
+                </p:cond>
+              </p:nextCondLst>
+            </p:seq>
+          </p:childTnLst>
+        </p:cTn>
+      </p:par>
+    </p:tnLst>
+    <p:bldLst>
+      <p:bldP spid="6" grpId="0" animBg="1"/>
+    </p:bldLst>
+  </p:timing>
+</p:sld>
+</file>
+
+<file path=ppt/slides/slide25.xml><?xml version="1.0" encoding="utf-8"?>
+<p:sld xmlns:a="http://schemas.openxmlformats.org/drawingml/2006/main" xmlns:r="http://schemas.openxmlformats.org/officeDocument/2006/relationships" xmlns:p="http://schemas.openxmlformats.org/presentationml/2006/main">
+  <p:cSld>
+    <p:spTree>
+      <p:nvGrpSpPr>
+        <p:cNvPr id="1" name=""/>
+        <p:cNvGrpSpPr/>
+        <p:nvPr/>
+      </p:nvGrpSpPr>
+      <p:grpSpPr>
+        <a:xfrm>
+          <a:off x="0" y="0"/>
+          <a:ext cx="0" cy="0"/>
+          <a:chOff x="0" y="0"/>
+          <a:chExt cx="0" cy="0"/>
+        </a:xfrm>
+      </p:grpSpPr>
+      <p:pic>
+        <p:nvPicPr>
+          <p:cNvPr id="8" name="Picture 7" descr="A close up of a map&#10;&#10;Description automatically generated">
+            <a:extLst>
+              <a:ext uri="{FF2B5EF4-FFF2-40B4-BE49-F238E27FC236}">
+                <a16:creationId xmlns:a16="http://schemas.microsoft.com/office/drawing/2014/main" id="{4616CDFD-87B8-4581-A55F-76627FA79995}"/>
+              </a:ext>
+            </a:extLst>
+          </p:cNvPr>
+          <p:cNvPicPr>
+            <a:picLocks noChangeAspect="1"/>
+          </p:cNvPicPr>
+          <p:nvPr/>
+        </p:nvPicPr>
+        <p:blipFill>
+          <a:blip r:embed="rId2">
+            <a:extLst>
+              <a:ext uri="{28A0092B-C50C-407E-A947-70E740481C1C}">
+                <a14:useLocalDpi xmlns:a14="http://schemas.microsoft.com/office/drawing/2010/main" val="0"/>
+              </a:ext>
+            </a:extLst>
+          </a:blip>
+          <a:stretch>
+            <a:fillRect/>
+          </a:stretch>
+        </p:blipFill>
+        <p:spPr>
+          <a:xfrm>
+            <a:off x="2872191" y="1028966"/>
+            <a:ext cx="6447619" cy="5419048"/>
+          </a:xfrm>
+          <a:prstGeom prst="rect">
+            <a:avLst/>
+          </a:prstGeom>
+        </p:spPr>
+      </p:pic>
+      <p:sp>
+        <p:nvSpPr>
+          <p:cNvPr id="4" name="Slide Number Placeholder 3">
+            <a:extLst>
+              <a:ext uri="{FF2B5EF4-FFF2-40B4-BE49-F238E27FC236}">
+                <a16:creationId xmlns:a16="http://schemas.microsoft.com/office/drawing/2014/main" id="{7448BF2A-1F67-45F3-9E5B-A0E949BC49D6}"/>
+              </a:ext>
+            </a:extLst>
+          </p:cNvPr>
+          <p:cNvSpPr>
+            <a:spLocks noGrp="1"/>
+          </p:cNvSpPr>
+          <p:nvPr>
+            <p:ph type="sldNum" sz="quarter" idx="12"/>
+          </p:nvPr>
+        </p:nvSpPr>
+        <p:spPr/>
+        <p:txBody>
+          <a:bodyPr/>
+          <a:lstStyle/>
+          <a:p>
+            <a:fld id="{8F224621-ADB6-4DE2-A945-BF9C42D66C16}" type="slidenum">
+              <a:rPr lang="LID4096" smtClean="0"/>
+              <a:pPr/>
+              <a:t>25</a:t>
+            </a:fld>
+            <a:endParaRPr lang="LID4096" dirty="0"/>
+          </a:p>
+        </p:txBody>
+      </p:sp>
+      <p:sp>
+        <p:nvSpPr>
+          <p:cNvPr id="3" name="Google Shape;62;p14">
+            <a:extLst>
+              <a:ext uri="{FF2B5EF4-FFF2-40B4-BE49-F238E27FC236}">
+                <a16:creationId xmlns:a16="http://schemas.microsoft.com/office/drawing/2014/main" id="{E155BFF9-202C-475B-A266-871949978C02}"/>
+              </a:ext>
+            </a:extLst>
+          </p:cNvPr>
+          <p:cNvSpPr txBox="1">
+            <a:spLocks/>
+          </p:cNvSpPr>
+          <p:nvPr/>
+        </p:nvSpPr>
+        <p:spPr>
+          <a:xfrm>
+            <a:off x="415600" y="247650"/>
+            <a:ext cx="11360800" cy="834800"/>
+          </a:xfrm>
+          <a:prstGeom prst="rect">
+            <a:avLst/>
+          </a:prstGeom>
+        </p:spPr>
+        <p:txBody>
+          <a:bodyPr spcFirstLastPara="1" vert="horz" wrap="square" lIns="121900" tIns="121900" rIns="121900" bIns="121900" rtlCol="0" anchor="b" anchorCtr="0">
+            <a:noAutofit/>
+          </a:bodyPr>
+          <a:lstStyle>
+            <a:lvl1pPr algn="l" defTabSz="914400" rtl="0" eaLnBrk="1" latinLnBrk="0" hangingPunct="1">
+              <a:lnSpc>
+                <a:spcPct val="90000"/>
+              </a:lnSpc>
+              <a:spcBef>
+                <a:spcPct val="0"/>
+              </a:spcBef>
+              <a:buNone/>
+              <a:defRPr sz="4400" kern="1200">
+                <a:solidFill>
+                  <a:schemeClr val="tx1"/>
+                </a:solidFill>
+                <a:latin typeface="+mj-lt"/>
+                <a:ea typeface="+mj-ea"/>
+                <a:cs typeface="+mj-cs"/>
+              </a:defRPr>
+            </a:lvl1pPr>
+          </a:lstStyle>
+          <a:p>
+            <a:pPr algn="ctr">
+              <a:spcBef>
+                <a:spcPts val="0"/>
+              </a:spcBef>
+            </a:pPr>
+            <a:r>
+              <a:rPr lang="en-US" sz="4800" b="1" dirty="0">
+                <a:latin typeface="Arial" panose="020B0604020202020204" pitchFamily="34" charset="0"/>
+                <a:cs typeface="Arial" panose="020B0604020202020204" pitchFamily="34" charset="0"/>
+              </a:rPr>
+              <a:t>Frequency domain approach</a:t>
+            </a:r>
+          </a:p>
+        </p:txBody>
+      </p:sp>
+      <mc:AlternateContent xmlns:mc="http://schemas.openxmlformats.org/markup-compatibility/2006">
+        <mc:Choice xmlns:a14="http://schemas.microsoft.com/office/drawing/2010/main" Requires="a14">
+          <p:sp>
+            <p:nvSpPr>
+              <p:cNvPr id="12" name="TextBox 11">
+                <a:extLst>
+                  <a:ext uri="{FF2B5EF4-FFF2-40B4-BE49-F238E27FC236}">
+                    <a16:creationId xmlns:a16="http://schemas.microsoft.com/office/drawing/2014/main" id="{E05E4263-F4FB-497C-AD48-3099E515FCE2}"/>
+                  </a:ext>
+                </a:extLst>
+              </p:cNvPr>
+              <p:cNvSpPr txBox="1"/>
+              <p:nvPr/>
+            </p:nvSpPr>
+            <p:spPr>
+              <a:xfrm>
+                <a:off x="415600" y="3022527"/>
+                <a:ext cx="1923732" cy="553998"/>
+              </a:xfrm>
+              <a:prstGeom prst="rect">
+                <a:avLst/>
+              </a:prstGeom>
+              <a:noFill/>
+            </p:spPr>
+            <p:txBody>
+              <a:bodyPr wrap="none" lIns="0" tIns="0" rIns="0" bIns="0" rtlCol="0">
+                <a:spAutoFit/>
+              </a:bodyPr>
+              <a:lstStyle/>
+              <a:p>
+                <a14:m>
+                  <m:oMathPara xmlns:m="http://schemas.openxmlformats.org/officeDocument/2006/math">
+                    <m:oMathParaPr>
+                      <m:jc m:val="centerGroup"/>
+                    </m:oMathParaPr>
+                    <m:oMath xmlns:m="http://schemas.openxmlformats.org/officeDocument/2006/math">
+                      <m:r>
+                        <a:rPr lang="en-GB" sz="3600" b="0" i="1" smtClean="0">
+                          <a:solidFill>
+                            <a:srgbClr val="FF0000"/>
+                          </a:solidFill>
+                          <a:latin typeface="Cambria Math" panose="02040503050406030204" pitchFamily="18" charset="0"/>
+                        </a:rPr>
+                        <m:t>𝐺</m:t>
+                      </m:r>
+                      <m:r>
+                        <a:rPr lang="en-GB" sz="3600" b="0" i="1" smtClean="0">
+                          <a:solidFill>
+                            <a:srgbClr val="FF0000"/>
+                          </a:solidFill>
+                          <a:latin typeface="Cambria Math" panose="02040503050406030204" pitchFamily="18" charset="0"/>
+                        </a:rPr>
+                        <m:t>(</m:t>
+                      </m:r>
+                      <m:r>
+                        <a:rPr lang="en-GB" sz="3600" b="0" i="1" smtClean="0">
+                          <a:solidFill>
+                            <a:srgbClr val="FF0000"/>
+                          </a:solidFill>
+                          <a:latin typeface="Cambria Math" panose="02040503050406030204" pitchFamily="18" charset="0"/>
+                        </a:rPr>
+                        <m:t>𝑘</m:t>
+                      </m:r>
+                      <m:r>
+                        <a:rPr lang="en-GB" sz="3600" b="0" i="1" smtClean="0">
+                          <a:solidFill>
+                            <a:srgbClr val="FF0000"/>
+                          </a:solidFill>
+                          <a:latin typeface="Cambria Math" panose="02040503050406030204" pitchFamily="18" charset="0"/>
+                        </a:rPr>
+                        <m:t>=5)</m:t>
+                      </m:r>
+                    </m:oMath>
+                  </m:oMathPara>
+                </a14:m>
+                <a:endParaRPr lang="LID4096" dirty="0">
+                  <a:solidFill>
+                    <a:srgbClr val="FF0000"/>
+                  </a:solidFill>
+                </a:endParaRPr>
+              </a:p>
+            </p:txBody>
+          </p:sp>
+        </mc:Choice>
+        <mc:Fallback>
+          <p:sp>
+            <p:nvSpPr>
+              <p:cNvPr id="12" name="TextBox 11">
+                <a:extLst>
+                  <a:ext uri="{FF2B5EF4-FFF2-40B4-BE49-F238E27FC236}">
+                    <a16:creationId xmlns:a16="http://schemas.microsoft.com/office/drawing/2014/main" id="{E05E4263-F4FB-497C-AD48-3099E515FCE2}"/>
+                  </a:ext>
+                </a:extLst>
+              </p:cNvPr>
+              <p:cNvSpPr txBox="1">
+                <a:spLocks noRot="1" noChangeAspect="1" noMove="1" noResize="1" noEditPoints="1" noAdjustHandles="1" noChangeArrowheads="1" noChangeShapeType="1" noTextEdit="1"/>
+              </p:cNvSpPr>
+              <p:nvPr/>
+            </p:nvSpPr>
+            <p:spPr>
+              <a:xfrm>
+                <a:off x="415600" y="3022527"/>
+                <a:ext cx="1923732" cy="553998"/>
+              </a:xfrm>
+              <a:prstGeom prst="rect">
+                <a:avLst/>
+              </a:prstGeom>
+              <a:blipFill>
+                <a:blip r:embed="rId3"/>
+                <a:stretch>
+                  <a:fillRect/>
+                </a:stretch>
+              </a:blipFill>
+            </p:spPr>
+            <p:txBody>
+              <a:bodyPr/>
+              <a:lstStyle/>
+              <a:p>
+                <a:r>
+                  <a:rPr lang="LID4096">
+                    <a:noFill/>
+                  </a:rPr>
+                  <a:t> </a:t>
+                </a:r>
+              </a:p>
+            </p:txBody>
+          </p:sp>
+        </mc:Fallback>
+      </mc:AlternateContent>
+      <mc:AlternateContent xmlns:mc="http://schemas.openxmlformats.org/markup-compatibility/2006">
+        <mc:Choice xmlns:a14="http://schemas.microsoft.com/office/drawing/2010/main" Requires="a14">
+          <p:sp>
+            <p:nvSpPr>
+              <p:cNvPr id="13" name="TextBox 12">
+                <a:extLst>
+                  <a:ext uri="{FF2B5EF4-FFF2-40B4-BE49-F238E27FC236}">
+                    <a16:creationId xmlns:a16="http://schemas.microsoft.com/office/drawing/2014/main" id="{8A88061C-29FD-4711-8153-7CD279C4A78E}"/>
+                  </a:ext>
+                </a:extLst>
+              </p:cNvPr>
+              <p:cNvSpPr txBox="1"/>
+              <p:nvPr/>
+            </p:nvSpPr>
+            <p:spPr>
+              <a:xfrm>
+                <a:off x="415600" y="4113577"/>
+                <a:ext cx="1923732" cy="553998"/>
+              </a:xfrm>
+              <a:prstGeom prst="rect">
+                <a:avLst/>
+              </a:prstGeom>
+              <a:noFill/>
+            </p:spPr>
+            <p:txBody>
+              <a:bodyPr wrap="none" lIns="0" tIns="0" rIns="0" bIns="0" rtlCol="0">
+                <a:spAutoFit/>
+              </a:bodyPr>
+              <a:lstStyle/>
+              <a:p>
+                <a:pPr/>
+                <a14:m>
+                  <m:oMathPara xmlns:m="http://schemas.openxmlformats.org/officeDocument/2006/math">
+                    <m:oMathParaPr>
+                      <m:jc m:val="centerGroup"/>
+                    </m:oMathParaPr>
+                    <m:oMath xmlns:m="http://schemas.openxmlformats.org/officeDocument/2006/math">
+                      <m:r>
+                        <a:rPr lang="en-GB" sz="3600" b="0" i="1" smtClean="0">
+                          <a:solidFill>
+                            <a:srgbClr val="FF0000"/>
+                          </a:solidFill>
+                          <a:latin typeface="Cambria Math" panose="02040503050406030204" pitchFamily="18" charset="0"/>
+                        </a:rPr>
+                        <m:t>𝐺</m:t>
+                      </m:r>
+                      <m:r>
+                        <a:rPr lang="en-GB" sz="3600" b="0" i="1" smtClean="0">
+                          <a:solidFill>
+                            <a:srgbClr val="FF0000"/>
+                          </a:solidFill>
+                          <a:latin typeface="Cambria Math" panose="02040503050406030204" pitchFamily="18" charset="0"/>
+                        </a:rPr>
+                        <m:t>(</m:t>
+                      </m:r>
+                      <m:r>
+                        <a:rPr lang="en-GB" sz="3600" b="0" i="1" smtClean="0">
+                          <a:solidFill>
+                            <a:srgbClr val="FF0000"/>
+                          </a:solidFill>
+                          <a:latin typeface="Cambria Math" panose="02040503050406030204" pitchFamily="18" charset="0"/>
+                        </a:rPr>
+                        <m:t>𝑘</m:t>
+                      </m:r>
+                      <m:r>
+                        <a:rPr lang="en-GB" sz="3600" b="0" i="1" smtClean="0">
+                          <a:solidFill>
+                            <a:srgbClr val="FF0000"/>
+                          </a:solidFill>
+                          <a:latin typeface="Cambria Math" panose="02040503050406030204" pitchFamily="18" charset="0"/>
+                        </a:rPr>
+                        <m:t>=6)</m:t>
+                      </m:r>
+                    </m:oMath>
+                  </m:oMathPara>
+                </a14:m>
+                <a:endParaRPr lang="LID4096" dirty="0">
+                  <a:solidFill>
+                    <a:srgbClr val="FF0000"/>
+                  </a:solidFill>
+                </a:endParaRPr>
+              </a:p>
+            </p:txBody>
+          </p:sp>
+        </mc:Choice>
+        <mc:Fallback>
+          <p:sp>
+            <p:nvSpPr>
+              <p:cNvPr id="13" name="TextBox 12">
+                <a:extLst>
+                  <a:ext uri="{FF2B5EF4-FFF2-40B4-BE49-F238E27FC236}">
+                    <a16:creationId xmlns:a16="http://schemas.microsoft.com/office/drawing/2014/main" id="{8A88061C-29FD-4711-8153-7CD279C4A78E}"/>
+                  </a:ext>
+                </a:extLst>
+              </p:cNvPr>
+              <p:cNvSpPr txBox="1">
+                <a:spLocks noRot="1" noChangeAspect="1" noMove="1" noResize="1" noEditPoints="1" noAdjustHandles="1" noChangeArrowheads="1" noChangeShapeType="1" noTextEdit="1"/>
+              </p:cNvSpPr>
+              <p:nvPr/>
+            </p:nvSpPr>
+            <p:spPr>
+              <a:xfrm>
+                <a:off x="415600" y="4113577"/>
+                <a:ext cx="1923732" cy="553998"/>
+              </a:xfrm>
+              <a:prstGeom prst="rect">
+                <a:avLst/>
+              </a:prstGeom>
+              <a:blipFill>
+                <a:blip r:embed="rId4"/>
+                <a:stretch>
+                  <a:fillRect/>
+                </a:stretch>
+              </a:blipFill>
+            </p:spPr>
+            <p:txBody>
+              <a:bodyPr/>
+              <a:lstStyle/>
+              <a:p>
+                <a:r>
+                  <a:rPr lang="LID4096">
+                    <a:noFill/>
+                  </a:rPr>
+                  <a:t> </a:t>
+                </a:r>
+              </a:p>
+            </p:txBody>
+          </p:sp>
+        </mc:Fallback>
+      </mc:AlternateContent>
+      <mc:AlternateContent xmlns:mc="http://schemas.openxmlformats.org/markup-compatibility/2006">
+        <mc:Choice xmlns:a14="http://schemas.microsoft.com/office/drawing/2010/main" Requires="a14">
+          <p:sp>
+            <p:nvSpPr>
+              <p:cNvPr id="15" name="TextBox 14">
+                <a:extLst>
+                  <a:ext uri="{FF2B5EF4-FFF2-40B4-BE49-F238E27FC236}">
+                    <a16:creationId xmlns:a16="http://schemas.microsoft.com/office/drawing/2014/main" id="{E7AD40FE-C9E9-4218-9770-15F1BE1AB28B}"/>
+                  </a:ext>
+                </a:extLst>
+              </p:cNvPr>
+              <p:cNvSpPr txBox="1"/>
+              <p:nvPr/>
+            </p:nvSpPr>
+            <p:spPr>
+              <a:xfrm>
+                <a:off x="9319809" y="2044015"/>
+                <a:ext cx="2178610" cy="553998"/>
+              </a:xfrm>
+              <a:prstGeom prst="rect">
+                <a:avLst/>
+              </a:prstGeom>
+              <a:noFill/>
+            </p:spPr>
+            <p:txBody>
+              <a:bodyPr wrap="none" lIns="0" tIns="0" rIns="0" bIns="0" rtlCol="0">
+                <a:spAutoFit/>
+              </a:bodyPr>
+              <a:lstStyle/>
+              <a:p>
+                <a:pPr/>
+                <a14:m>
+                  <m:oMathPara xmlns:m="http://schemas.openxmlformats.org/officeDocument/2006/math">
+                    <m:oMathParaPr>
+                      <m:jc m:val="centerGroup"/>
+                    </m:oMathParaPr>
+                    <m:oMath xmlns:m="http://schemas.openxmlformats.org/officeDocument/2006/math">
+                      <m:r>
+                        <a:rPr lang="en-GB" sz="3600" b="0" i="1" smtClean="0">
+                          <a:solidFill>
+                            <a:srgbClr val="FF0000"/>
+                          </a:solidFill>
+                          <a:latin typeface="Cambria Math" panose="02040503050406030204" pitchFamily="18" charset="0"/>
+                        </a:rPr>
+                        <m:t>𝐺</m:t>
+                      </m:r>
+                      <m:r>
+                        <a:rPr lang="en-GB" sz="3600" b="0" i="1" smtClean="0">
+                          <a:solidFill>
+                            <a:srgbClr val="FF0000"/>
+                          </a:solidFill>
+                          <a:latin typeface="Cambria Math" panose="02040503050406030204" pitchFamily="18" charset="0"/>
+                        </a:rPr>
+                        <m:t>(</m:t>
+                      </m:r>
+                      <m:r>
+                        <a:rPr lang="en-GB" sz="3600" b="0" i="1" smtClean="0">
+                          <a:solidFill>
+                            <a:srgbClr val="FF0000"/>
+                          </a:solidFill>
+                          <a:latin typeface="Cambria Math" panose="02040503050406030204" pitchFamily="18" charset="0"/>
+                        </a:rPr>
+                        <m:t>𝑘</m:t>
+                      </m:r>
+                      <m:r>
+                        <a:rPr lang="en-GB" sz="3600" b="0" i="1" smtClean="0">
+                          <a:solidFill>
+                            <a:srgbClr val="FF0000"/>
+                          </a:solidFill>
+                          <a:latin typeface="Cambria Math" panose="02040503050406030204" pitchFamily="18" charset="0"/>
+                        </a:rPr>
+                        <m:t>=34)</m:t>
+                      </m:r>
+                    </m:oMath>
+                  </m:oMathPara>
+                </a14:m>
+                <a:endParaRPr lang="LID4096" dirty="0">
+                  <a:solidFill>
+                    <a:srgbClr val="FF0000"/>
+                  </a:solidFill>
+                </a:endParaRPr>
+              </a:p>
+            </p:txBody>
+          </p:sp>
+        </mc:Choice>
+        <mc:Fallback>
+          <p:sp>
+            <p:nvSpPr>
+              <p:cNvPr id="15" name="TextBox 14">
+                <a:extLst>
+                  <a:ext uri="{FF2B5EF4-FFF2-40B4-BE49-F238E27FC236}">
+                    <a16:creationId xmlns:a16="http://schemas.microsoft.com/office/drawing/2014/main" id="{E7AD40FE-C9E9-4218-9770-15F1BE1AB28B}"/>
+                  </a:ext>
+                </a:extLst>
+              </p:cNvPr>
+              <p:cNvSpPr txBox="1">
+                <a:spLocks noRot="1" noChangeAspect="1" noMove="1" noResize="1" noEditPoints="1" noAdjustHandles="1" noChangeArrowheads="1" noChangeShapeType="1" noTextEdit="1"/>
+              </p:cNvSpPr>
+              <p:nvPr/>
+            </p:nvSpPr>
+            <p:spPr>
+              <a:xfrm>
+                <a:off x="9319809" y="2044015"/>
+                <a:ext cx="2178610" cy="553998"/>
+              </a:xfrm>
+              <a:prstGeom prst="rect">
+                <a:avLst/>
+              </a:prstGeom>
+              <a:blipFill>
+                <a:blip r:embed="rId5"/>
+                <a:stretch>
+                  <a:fillRect/>
+                </a:stretch>
+              </a:blipFill>
+            </p:spPr>
+            <p:txBody>
+              <a:bodyPr/>
+              <a:lstStyle/>
+              <a:p>
+                <a:r>
+                  <a:rPr lang="LID4096">
+                    <a:noFill/>
+                  </a:rPr>
+                  <a:t> </a:t>
+                </a:r>
+              </a:p>
+            </p:txBody>
+          </p:sp>
+        </mc:Fallback>
+      </mc:AlternateContent>
+      <mc:AlternateContent xmlns:mc="http://schemas.openxmlformats.org/markup-compatibility/2006">
+        <mc:Choice xmlns:a14="http://schemas.microsoft.com/office/drawing/2010/main" Requires="a14">
+          <p:sp>
+            <p:nvSpPr>
+              <p:cNvPr id="19" name="TextBox 18">
+                <a:extLst>
+                  <a:ext uri="{FF2B5EF4-FFF2-40B4-BE49-F238E27FC236}">
+                    <a16:creationId xmlns:a16="http://schemas.microsoft.com/office/drawing/2014/main" id="{0162C4BA-4F08-4034-9712-B41F7EA79C39}"/>
+                  </a:ext>
+                </a:extLst>
+              </p:cNvPr>
+              <p:cNvSpPr txBox="1"/>
+              <p:nvPr/>
+            </p:nvSpPr>
+            <p:spPr>
+              <a:xfrm>
+                <a:off x="9319809" y="2934235"/>
+                <a:ext cx="2178610" cy="553998"/>
+              </a:xfrm>
+              <a:prstGeom prst="rect">
+                <a:avLst/>
+              </a:prstGeom>
+              <a:noFill/>
+            </p:spPr>
+            <p:txBody>
+              <a:bodyPr wrap="none" lIns="0" tIns="0" rIns="0" bIns="0" rtlCol="0">
+                <a:spAutoFit/>
+              </a:bodyPr>
+              <a:lstStyle/>
+              <a:p>
+                <a:pPr/>
+                <a14:m>
+                  <m:oMathPara xmlns:m="http://schemas.openxmlformats.org/officeDocument/2006/math">
+                    <m:oMathParaPr>
+                      <m:jc m:val="centerGroup"/>
+                    </m:oMathParaPr>
+                    <m:oMath xmlns:m="http://schemas.openxmlformats.org/officeDocument/2006/math">
+                      <m:r>
+                        <a:rPr lang="en-GB" sz="3600" b="0" i="1" smtClean="0">
+                          <a:solidFill>
+                            <a:srgbClr val="FF0000"/>
+                          </a:solidFill>
+                          <a:latin typeface="Cambria Math" panose="02040503050406030204" pitchFamily="18" charset="0"/>
+                        </a:rPr>
+                        <m:t>𝐺</m:t>
+                      </m:r>
+                      <m:r>
+                        <a:rPr lang="en-GB" sz="3600" b="0" i="1" smtClean="0">
+                          <a:solidFill>
+                            <a:srgbClr val="FF0000"/>
+                          </a:solidFill>
+                          <a:latin typeface="Cambria Math" panose="02040503050406030204" pitchFamily="18" charset="0"/>
+                        </a:rPr>
+                        <m:t>(</m:t>
+                      </m:r>
+                      <m:r>
+                        <a:rPr lang="en-GB" sz="3600" b="0" i="1" smtClean="0">
+                          <a:solidFill>
+                            <a:srgbClr val="FF0000"/>
+                          </a:solidFill>
+                          <a:latin typeface="Cambria Math" panose="02040503050406030204" pitchFamily="18" charset="0"/>
+                        </a:rPr>
+                        <m:t>𝑘</m:t>
+                      </m:r>
+                      <m:r>
+                        <a:rPr lang="en-GB" sz="3600" b="0" i="1" smtClean="0">
+                          <a:solidFill>
+                            <a:srgbClr val="FF0000"/>
+                          </a:solidFill>
+                          <a:latin typeface="Cambria Math" panose="02040503050406030204" pitchFamily="18" charset="0"/>
+                        </a:rPr>
+                        <m:t>=35)</m:t>
+                      </m:r>
+                    </m:oMath>
+                  </m:oMathPara>
+                </a14:m>
+                <a:endParaRPr lang="LID4096" dirty="0">
+                  <a:solidFill>
+                    <a:srgbClr val="FF0000"/>
+                  </a:solidFill>
+                </a:endParaRPr>
+              </a:p>
+            </p:txBody>
+          </p:sp>
+        </mc:Choice>
+        <mc:Fallback>
+          <p:sp>
+            <p:nvSpPr>
+              <p:cNvPr id="19" name="TextBox 18">
+                <a:extLst>
+                  <a:ext uri="{FF2B5EF4-FFF2-40B4-BE49-F238E27FC236}">
+                    <a16:creationId xmlns:a16="http://schemas.microsoft.com/office/drawing/2014/main" id="{0162C4BA-4F08-4034-9712-B41F7EA79C39}"/>
+                  </a:ext>
+                </a:extLst>
+              </p:cNvPr>
+              <p:cNvSpPr txBox="1">
+                <a:spLocks noRot="1" noChangeAspect="1" noMove="1" noResize="1" noEditPoints="1" noAdjustHandles="1" noChangeArrowheads="1" noChangeShapeType="1" noTextEdit="1"/>
+              </p:cNvSpPr>
+              <p:nvPr/>
+            </p:nvSpPr>
+            <p:spPr>
+              <a:xfrm>
+                <a:off x="9319809" y="2934235"/>
+                <a:ext cx="2178610" cy="553998"/>
+              </a:xfrm>
+              <a:prstGeom prst="rect">
+                <a:avLst/>
+              </a:prstGeom>
+              <a:blipFill>
+                <a:blip r:embed="rId6"/>
+                <a:stretch>
+                  <a:fillRect/>
+                </a:stretch>
+              </a:blipFill>
+            </p:spPr>
+            <p:txBody>
+              <a:bodyPr/>
+              <a:lstStyle/>
+              <a:p>
+                <a:r>
+                  <a:rPr lang="LID4096">
+                    <a:noFill/>
+                  </a:rPr>
+                  <a:t> </a:t>
+                </a:r>
+              </a:p>
+            </p:txBody>
+          </p:sp>
+        </mc:Fallback>
+      </mc:AlternateContent>
+      <p:cxnSp>
+        <p:nvCxnSpPr>
+          <p:cNvPr id="21" name="Straight Arrow Connector 20">
+            <a:extLst>
+              <a:ext uri="{FF2B5EF4-FFF2-40B4-BE49-F238E27FC236}">
+                <a16:creationId xmlns:a16="http://schemas.microsoft.com/office/drawing/2014/main" id="{7176F7F5-443E-4239-A1E0-875443A5E3E6}"/>
+              </a:ext>
+            </a:extLst>
+          </p:cNvPr>
+          <p:cNvCxnSpPr>
+            <a:cxnSpLocks/>
+          </p:cNvCxnSpPr>
+          <p:nvPr/>
+        </p:nvCxnSpPr>
+        <p:spPr>
+          <a:xfrm flipH="1">
+            <a:off x="2339333" y="2889250"/>
+            <a:ext cx="1559567" cy="410276"/>
+          </a:xfrm>
+          <a:prstGeom prst="straightConnector1">
+            <a:avLst/>
+          </a:prstGeom>
+          <a:ln w="19050">
+            <a:solidFill>
+              <a:srgbClr val="FF0000"/>
+            </a:solidFill>
+            <a:tailEnd type="triangle"/>
+          </a:ln>
+        </p:spPr>
+        <p:style>
+          <a:lnRef idx="1">
+            <a:schemeClr val="accent1"/>
+          </a:lnRef>
+          <a:fillRef idx="0">
+            <a:schemeClr val="accent1"/>
+          </a:fillRef>
+          <a:effectRef idx="0">
+            <a:schemeClr val="accent1"/>
+          </a:effectRef>
+          <a:fontRef idx="minor">
+            <a:schemeClr val="tx1"/>
+          </a:fontRef>
+        </p:style>
+      </p:cxnSp>
+      <p:cxnSp>
+        <p:nvCxnSpPr>
+          <p:cNvPr id="23" name="Straight Arrow Connector 22">
+            <a:extLst>
+              <a:ext uri="{FF2B5EF4-FFF2-40B4-BE49-F238E27FC236}">
+                <a16:creationId xmlns:a16="http://schemas.microsoft.com/office/drawing/2014/main" id="{4F955CDF-7F0C-4CAE-B576-ACACF1E4860A}"/>
+              </a:ext>
+            </a:extLst>
+          </p:cNvPr>
+          <p:cNvCxnSpPr>
+            <a:cxnSpLocks/>
+            <a:endCxn id="13" idx="3"/>
+          </p:cNvCxnSpPr>
+          <p:nvPr/>
+        </p:nvCxnSpPr>
+        <p:spPr>
+          <a:xfrm flipH="1">
+            <a:off x="2339332" y="2889250"/>
+            <a:ext cx="1686568" cy="1501326"/>
+          </a:xfrm>
+          <a:prstGeom prst="straightConnector1">
+            <a:avLst/>
+          </a:prstGeom>
+          <a:ln w="19050">
+            <a:solidFill>
+              <a:srgbClr val="FF0000"/>
+            </a:solidFill>
+            <a:tailEnd type="triangle"/>
+          </a:ln>
+        </p:spPr>
+        <p:style>
+          <a:lnRef idx="1">
+            <a:schemeClr val="accent1"/>
+          </a:lnRef>
+          <a:fillRef idx="0">
+            <a:schemeClr val="accent1"/>
+          </a:fillRef>
+          <a:effectRef idx="0">
+            <a:schemeClr val="accent1"/>
+          </a:effectRef>
+          <a:fontRef idx="minor">
+            <a:schemeClr val="tx1"/>
+          </a:fontRef>
+        </p:style>
+      </p:cxnSp>
+      <p:cxnSp>
+        <p:nvCxnSpPr>
+          <p:cNvPr id="27" name="Straight Arrow Connector 26">
+            <a:extLst>
+              <a:ext uri="{FF2B5EF4-FFF2-40B4-BE49-F238E27FC236}">
+                <a16:creationId xmlns:a16="http://schemas.microsoft.com/office/drawing/2014/main" id="{7CCA72E9-E64F-4C9D-8154-3252B804712E}"/>
+              </a:ext>
+            </a:extLst>
+          </p:cNvPr>
+          <p:cNvCxnSpPr>
+            <a:cxnSpLocks/>
+            <a:endCxn id="15" idx="1"/>
+          </p:cNvCxnSpPr>
+          <p:nvPr/>
+        </p:nvCxnSpPr>
+        <p:spPr>
+          <a:xfrm flipV="1">
+            <a:off x="7105650" y="2321014"/>
+            <a:ext cx="2214159" cy="1107986"/>
+          </a:xfrm>
+          <a:prstGeom prst="straightConnector1">
+            <a:avLst/>
+          </a:prstGeom>
+          <a:ln w="19050">
+            <a:solidFill>
+              <a:srgbClr val="FF0000"/>
+            </a:solidFill>
+            <a:tailEnd type="triangle"/>
+          </a:ln>
+        </p:spPr>
+        <p:style>
+          <a:lnRef idx="1">
+            <a:schemeClr val="accent1"/>
+          </a:lnRef>
+          <a:fillRef idx="0">
+            <a:schemeClr val="accent1"/>
+          </a:fillRef>
+          <a:effectRef idx="0">
+            <a:schemeClr val="accent1"/>
+          </a:effectRef>
+          <a:fontRef idx="minor">
+            <a:schemeClr val="tx1"/>
+          </a:fontRef>
+        </p:style>
+      </p:cxnSp>
+      <p:cxnSp>
+        <p:nvCxnSpPr>
+          <p:cNvPr id="30" name="Straight Arrow Connector 29">
+            <a:extLst>
+              <a:ext uri="{FF2B5EF4-FFF2-40B4-BE49-F238E27FC236}">
+                <a16:creationId xmlns:a16="http://schemas.microsoft.com/office/drawing/2014/main" id="{785DD52A-13EC-4152-ACA4-1B602E511799}"/>
+              </a:ext>
+            </a:extLst>
+          </p:cNvPr>
+          <p:cNvCxnSpPr>
+            <a:cxnSpLocks/>
+          </p:cNvCxnSpPr>
+          <p:nvPr/>
+        </p:nvCxnSpPr>
+        <p:spPr>
+          <a:xfrm flipV="1">
+            <a:off x="7226866" y="3211234"/>
+            <a:ext cx="2075169" cy="276994"/>
+          </a:xfrm>
+          <a:prstGeom prst="straightConnector1">
+            <a:avLst/>
+          </a:prstGeom>
+          <a:ln w="19050">
+            <a:solidFill>
+              <a:srgbClr val="FF0000"/>
+            </a:solidFill>
+            <a:tailEnd type="triangle"/>
+          </a:ln>
+        </p:spPr>
+        <p:style>
+          <a:lnRef idx="1">
+            <a:schemeClr val="accent1"/>
+          </a:lnRef>
+          <a:fillRef idx="0">
+            <a:schemeClr val="accent1"/>
+          </a:fillRef>
+          <a:effectRef idx="0">
+            <a:schemeClr val="accent1"/>
+          </a:effectRef>
+          <a:fontRef idx="minor">
+            <a:schemeClr val="tx1"/>
+          </a:fontRef>
+        </p:style>
+      </p:cxnSp>
+    </p:spTree>
+    <p:extLst>
+      <p:ext uri="{BB962C8B-B14F-4D97-AF65-F5344CB8AC3E}">
+        <p14:creationId xmlns:p14="http://schemas.microsoft.com/office/powerpoint/2010/main" val="4145367178"/>
+      </p:ext>
+    </p:extLst>
+  </p:cSld>
+  <p:clrMapOvr>
+    <a:masterClrMapping/>
+  </p:clrMapOvr>
+  <p:timing>
+    <p:tnLst>
+      <p:par>
+        <p:cTn id="1" dur="indefinite" restart="never" nodeType="tmRoot">
+          <p:childTnLst>
+            <p:seq concurrent="1" nextAc="seek">
+              <p:cTn id="2" dur="indefinite" nodeType="mainSeq">
+                <p:childTnLst>
+                  <p:par>
+                    <p:cTn id="3" fill="hold">
+                      <p:stCondLst>
+                        <p:cond delay="indefinite"/>
+                      </p:stCondLst>
+                      <p:childTnLst>
+                        <p:par>
+                          <p:cTn id="4" fill="hold">
+                            <p:stCondLst>
+                              <p:cond delay="0"/>
+                            </p:stCondLst>
+                            <p:childTnLst>
+                              <p:par>
+                                <p:cTn id="5" presetID="1" presetClass="entr" presetSubtype="0" fill="hold" grpId="0" nodeType="clickEffect">
+                                  <p:stCondLst>
+                                    <p:cond delay="0"/>
+                                  </p:stCondLst>
+                                  <p:childTnLst>
+                                    <p:set>
+                                      <p:cBhvr>
+                                        <p:cTn id="6" dur="1" fill="hold">
+                                          <p:stCondLst>
+                                            <p:cond delay="0"/>
+                                          </p:stCondLst>
+                                        </p:cTn>
+                                        <p:tgtEl>
+                                          <p:spTgt spid="12"/>
+                                        </p:tgtEl>
+                                        <p:attrNameLst>
+                                          <p:attrName>style.visibility</p:attrName>
+                                        </p:attrNameLst>
+                                      </p:cBhvr>
+                                      <p:to>
+                                        <p:strVal val="visible"/>
+                                      </p:to>
+                                    </p:set>
+                                  </p:childTnLst>
+                                </p:cTn>
+                              </p:par>
+                              <p:par>
+                                <p:cTn id="7" presetID="1" presetClass="entr" presetSubtype="0" fill="hold" grpId="0" nodeType="withEffect">
+                                  <p:stCondLst>
+                                    <p:cond delay="0"/>
+                                  </p:stCondLst>
+                                  <p:childTnLst>
+                                    <p:set>
+                                      <p:cBhvr>
+                                        <p:cTn id="8" dur="1" fill="hold">
+                                          <p:stCondLst>
+                                            <p:cond delay="0"/>
+                                          </p:stCondLst>
+                                        </p:cTn>
+                                        <p:tgtEl>
+                                          <p:spTgt spid="13"/>
+                                        </p:tgtEl>
+                                        <p:attrNameLst>
+                                          <p:attrName>style.visibility</p:attrName>
+                                        </p:attrNameLst>
+                                      </p:cBhvr>
+                                      <p:to>
+                                        <p:strVal val="visible"/>
+                                      </p:to>
+                                    </p:set>
+                                  </p:childTnLst>
+                                </p:cTn>
+                              </p:par>
+                              <p:par>
+                                <p:cTn id="9" presetID="1" presetClass="entr" presetSubtype="0" fill="hold" nodeType="withEffect">
+                                  <p:stCondLst>
+                                    <p:cond delay="0"/>
+                                  </p:stCondLst>
+                                  <p:childTnLst>
+                                    <p:set>
+                                      <p:cBhvr>
+                                        <p:cTn id="10" dur="1" fill="hold">
+                                          <p:stCondLst>
+                                            <p:cond delay="0"/>
+                                          </p:stCondLst>
+                                        </p:cTn>
+                                        <p:tgtEl>
+                                          <p:spTgt spid="21"/>
+                                        </p:tgtEl>
+                                        <p:attrNameLst>
+                                          <p:attrName>style.visibility</p:attrName>
+                                        </p:attrNameLst>
+                                      </p:cBhvr>
+                                      <p:to>
+                                        <p:strVal val="visible"/>
+                                      </p:to>
+                                    </p:set>
+                                  </p:childTnLst>
+                                </p:cTn>
+                              </p:par>
+                              <p:par>
+                                <p:cTn id="11" presetID="1" presetClass="entr" presetSubtype="0" fill="hold" nodeType="withEffect">
+                                  <p:stCondLst>
+                                    <p:cond delay="0"/>
+                                  </p:stCondLst>
+                                  <p:childTnLst>
+                                    <p:set>
+                                      <p:cBhvr>
+                                        <p:cTn id="12" dur="1" fill="hold">
+                                          <p:stCondLst>
+                                            <p:cond delay="0"/>
+                                          </p:stCondLst>
+                                        </p:cTn>
+                                        <p:tgtEl>
+                                          <p:spTgt spid="23"/>
+                                        </p:tgtEl>
+                                        <p:attrNameLst>
+                                          <p:attrName>style.visibility</p:attrName>
+                                        </p:attrNameLst>
+                                      </p:cBhvr>
+                                      <p:to>
+                                        <p:strVal val="visible"/>
+                                      </p:to>
+                                    </p:set>
+                                  </p:childTnLst>
+                                </p:cTn>
+                              </p:par>
+                              <p:par>
+                                <p:cTn id="13" presetID="1" presetClass="entr" presetSubtype="0" fill="hold" grpId="0" nodeType="withEffect">
+                                  <p:stCondLst>
+                                    <p:cond delay="0"/>
+                                  </p:stCondLst>
+                                  <p:childTnLst>
+                                    <p:set>
+                                      <p:cBhvr>
+                                        <p:cTn id="14" dur="1" fill="hold">
+                                          <p:stCondLst>
+                                            <p:cond delay="0"/>
+                                          </p:stCondLst>
+                                        </p:cTn>
+                                        <p:tgtEl>
+                                          <p:spTgt spid="15"/>
+                                        </p:tgtEl>
+                                        <p:attrNameLst>
+                                          <p:attrName>style.visibility</p:attrName>
+                                        </p:attrNameLst>
+                                      </p:cBhvr>
+                                      <p:to>
+                                        <p:strVal val="visible"/>
+                                      </p:to>
+                                    </p:set>
+                                  </p:childTnLst>
+                                </p:cTn>
+                              </p:par>
+                              <p:par>
+                                <p:cTn id="15" presetID="1" presetClass="entr" presetSubtype="0" fill="hold" grpId="0" nodeType="withEffect">
+                                  <p:stCondLst>
+                                    <p:cond delay="0"/>
+                                  </p:stCondLst>
+                                  <p:childTnLst>
+                                    <p:set>
+                                      <p:cBhvr>
+                                        <p:cTn id="16" dur="1" fill="hold">
+                                          <p:stCondLst>
+                                            <p:cond delay="0"/>
+                                          </p:stCondLst>
+                                        </p:cTn>
+                                        <p:tgtEl>
+                                          <p:spTgt spid="19"/>
+                                        </p:tgtEl>
+                                        <p:attrNameLst>
+                                          <p:attrName>style.visibility</p:attrName>
+                                        </p:attrNameLst>
+                                      </p:cBhvr>
+                                      <p:to>
+                                        <p:strVal val="visible"/>
+                                      </p:to>
+                                    </p:set>
+                                  </p:childTnLst>
+                                </p:cTn>
+                              </p:par>
+                              <p:par>
+                                <p:cTn id="17" presetID="1" presetClass="entr" presetSubtype="0" fill="hold" nodeType="withEffect">
+                                  <p:stCondLst>
+                                    <p:cond delay="0"/>
+                                  </p:stCondLst>
+                                  <p:childTnLst>
+                                    <p:set>
+                                      <p:cBhvr>
+                                        <p:cTn id="18" dur="1" fill="hold">
+                                          <p:stCondLst>
+                                            <p:cond delay="0"/>
+                                          </p:stCondLst>
+                                        </p:cTn>
+                                        <p:tgtEl>
+                                          <p:spTgt spid="30"/>
+                                        </p:tgtEl>
+                                        <p:attrNameLst>
+                                          <p:attrName>style.visibility</p:attrName>
+                                        </p:attrNameLst>
+                                      </p:cBhvr>
+                                      <p:to>
+                                        <p:strVal val="visible"/>
+                                      </p:to>
+                                    </p:set>
+                                  </p:childTnLst>
+                                </p:cTn>
+                              </p:par>
+                              <p:par>
+                                <p:cTn id="19" presetID="1" presetClass="entr" presetSubtype="0" fill="hold" nodeType="withEffect">
+                                  <p:stCondLst>
+                                    <p:cond delay="0"/>
+                                  </p:stCondLst>
+                                  <p:childTnLst>
+                                    <p:set>
+                                      <p:cBhvr>
+                                        <p:cTn id="20" dur="1" fill="hold">
+                                          <p:stCondLst>
+                                            <p:cond delay="0"/>
+                                          </p:stCondLst>
+                                        </p:cTn>
+                                        <p:tgtEl>
+                                          <p:spTgt spid="27"/>
+                                        </p:tgtEl>
+                                        <p:attrNameLst>
+                                          <p:attrName>style.visibility</p:attrName>
+                                        </p:attrNameLst>
+                                      </p:cBhvr>
+                                      <p:to>
+                                        <p:strVal val="visible"/>
+                                      </p:to>
+                                    </p:set>
+                                  </p:childTnLst>
+                                </p:cTn>
+                              </p:par>
+                            </p:childTnLst>
+                          </p:cTn>
+                        </p:par>
+                      </p:childTnLst>
+                    </p:cTn>
+                  </p:par>
+                </p:childTnLst>
+              </p:cTn>
+              <p:prevCondLst>
+                <p:cond evt="onPrev" delay="0">
+                  <p:tgtEl>
+                    <p:sldTgt/>
+                  </p:tgtEl>
+                </p:cond>
+              </p:prevCondLst>
+              <p:nextCondLst>
+                <p:cond evt="onNext" delay="0">
+                  <p:tgtEl>
+                    <p:sldTgt/>
+                  </p:tgtEl>
+                </p:cond>
+              </p:nextCondLst>
+            </p:seq>
+          </p:childTnLst>
+        </p:cTn>
+      </p:par>
+    </p:tnLst>
+    <p:bldLst>
+      <p:bldP spid="12" grpId="0"/>
+      <p:bldP spid="13" grpId="0"/>
+      <p:bldP spid="15" grpId="0"/>
+      <p:bldP spid="19" grpId="0"/>
+    </p:bldLst>
+  </p:timing>
+</p:sld>
+</file>
+
+<file path=ppt/slides/slide26.xml><?xml version="1.0" encoding="utf-8"?>
+<p:sld xmlns:a="http://schemas.openxmlformats.org/drawingml/2006/main" xmlns:r="http://schemas.openxmlformats.org/officeDocument/2006/relationships" xmlns:p="http://schemas.openxmlformats.org/presentationml/2006/main">
+  <p:cSld>
+    <p:spTree>
+      <p:nvGrpSpPr>
+        <p:cNvPr id="1" name=""/>
+        <p:cNvGrpSpPr/>
+        <p:nvPr/>
+      </p:nvGrpSpPr>
+      <p:grpSpPr>
+        <a:xfrm>
+          <a:off x="0" y="0"/>
+          <a:ext cx="0" cy="0"/>
+          <a:chOff x="0" y="0"/>
+          <a:chExt cx="0" cy="0"/>
+        </a:xfrm>
+      </p:grpSpPr>
+      <p:sp>
+        <p:nvSpPr>
+          <p:cNvPr id="4" name="Slide Number Placeholder 3">
+            <a:extLst>
+              <a:ext uri="{FF2B5EF4-FFF2-40B4-BE49-F238E27FC236}">
+                <a16:creationId xmlns:a16="http://schemas.microsoft.com/office/drawing/2014/main" id="{7448BF2A-1F67-45F3-9E5B-A0E949BC49D6}"/>
+              </a:ext>
+            </a:extLst>
+          </p:cNvPr>
+          <p:cNvSpPr>
+            <a:spLocks noGrp="1"/>
+          </p:cNvSpPr>
+          <p:nvPr>
+            <p:ph type="sldNum" sz="quarter" idx="12"/>
+          </p:nvPr>
+        </p:nvSpPr>
+        <p:spPr/>
+        <p:txBody>
+          <a:bodyPr/>
+          <a:lstStyle/>
+          <a:p>
+            <a:fld id="{8F224621-ADB6-4DE2-A945-BF9C42D66C16}" type="slidenum">
+              <a:rPr lang="LID4096" smtClean="0"/>
+              <a:pPr/>
+              <a:t>26</a:t>
+            </a:fld>
+            <a:endParaRPr lang="LID4096" dirty="0"/>
+          </a:p>
+        </p:txBody>
+      </p:sp>
+      <p:sp>
+        <p:nvSpPr>
+          <p:cNvPr id="3" name="Google Shape;62;p14">
+            <a:extLst>
+              <a:ext uri="{FF2B5EF4-FFF2-40B4-BE49-F238E27FC236}">
+                <a16:creationId xmlns:a16="http://schemas.microsoft.com/office/drawing/2014/main" id="{E155BFF9-202C-475B-A266-871949978C02}"/>
+              </a:ext>
+            </a:extLst>
+          </p:cNvPr>
+          <p:cNvSpPr txBox="1">
+            <a:spLocks/>
+          </p:cNvSpPr>
+          <p:nvPr/>
+        </p:nvSpPr>
+        <p:spPr>
+          <a:xfrm>
+            <a:off x="415600" y="247650"/>
+            <a:ext cx="11360800" cy="834800"/>
+          </a:xfrm>
+          <a:prstGeom prst="rect">
+            <a:avLst/>
+          </a:prstGeom>
+        </p:spPr>
+        <p:txBody>
+          <a:bodyPr spcFirstLastPara="1" vert="horz" wrap="square" lIns="121900" tIns="121900" rIns="121900" bIns="121900" rtlCol="0" anchor="b" anchorCtr="0">
+            <a:noAutofit/>
+          </a:bodyPr>
+          <a:lstStyle>
+            <a:lvl1pPr algn="l" defTabSz="914400" rtl="0" eaLnBrk="1" latinLnBrk="0" hangingPunct="1">
+              <a:lnSpc>
+                <a:spcPct val="90000"/>
+              </a:lnSpc>
+              <a:spcBef>
+                <a:spcPct val="0"/>
+              </a:spcBef>
+              <a:buNone/>
+              <a:defRPr sz="4400" kern="1200">
+                <a:solidFill>
+                  <a:schemeClr val="tx1"/>
+                </a:solidFill>
+                <a:latin typeface="+mj-lt"/>
+                <a:ea typeface="+mj-ea"/>
+                <a:cs typeface="+mj-cs"/>
+              </a:defRPr>
+            </a:lvl1pPr>
+          </a:lstStyle>
+          <a:p>
+            <a:pPr algn="ctr">
+              <a:spcBef>
+                <a:spcPts val="0"/>
+              </a:spcBef>
+            </a:pPr>
+            <a:r>
+              <a:rPr lang="en-US" sz="4800" b="1" dirty="0">
+                <a:latin typeface="Arial" panose="020B0604020202020204" pitchFamily="34" charset="0"/>
+                <a:cs typeface="Arial" panose="020B0604020202020204" pitchFamily="34" charset="0"/>
+              </a:rPr>
+              <a:t>Frequency domain approach</a:t>
+            </a:r>
+          </a:p>
+        </p:txBody>
+      </p:sp>
+      <mc:AlternateContent xmlns:mc="http://schemas.openxmlformats.org/markup-compatibility/2006">
+        <mc:Choice xmlns:a14="http://schemas.microsoft.com/office/drawing/2010/main" Requires="a14">
+          <p:sp>
+            <p:nvSpPr>
+              <p:cNvPr id="2" name="TextBox 1">
+                <a:extLst>
+                  <a:ext uri="{FF2B5EF4-FFF2-40B4-BE49-F238E27FC236}">
+                    <a16:creationId xmlns:a16="http://schemas.microsoft.com/office/drawing/2014/main" id="{07705E8B-B431-42B4-B668-D6E71B87C830}"/>
+                  </a:ext>
+                </a:extLst>
+              </p:cNvPr>
+              <p:cNvSpPr txBox="1"/>
+              <p:nvPr/>
+            </p:nvSpPr>
+            <p:spPr>
+              <a:xfrm>
+                <a:off x="1800894" y="6125383"/>
+                <a:ext cx="8856912" cy="646331"/>
+              </a:xfrm>
+              <a:prstGeom prst="rect">
+                <a:avLst/>
+              </a:prstGeom>
+              <a:noFill/>
+            </p:spPr>
+            <p:txBody>
+              <a:bodyPr wrap="none" rtlCol="0">
+                <a:spAutoFit/>
+              </a:bodyPr>
+              <a:lstStyle/>
+              <a:p>
+                <a:pPr algn="ctr"/>
+                <a:r>
+                  <a:rPr lang="en-GB" sz="3600" dirty="0">
+                    <a:latin typeface="Arial" panose="020B0604020202020204" pitchFamily="34" charset="0"/>
+                    <a:cs typeface="Arial" panose="020B0604020202020204" pitchFamily="34" charset="0"/>
+                  </a:rPr>
+                  <a:t>Parameters: </a:t>
+                </a:r>
+                <a14:m>
+                  <m:oMath xmlns:m="http://schemas.openxmlformats.org/officeDocument/2006/math">
+                    <m:r>
+                      <a:rPr lang="en-GB" sz="3600" b="0" i="1" smtClean="0">
+                        <a:latin typeface="Cambria Math" panose="02040503050406030204" pitchFamily="18" charset="0"/>
+                        <a:cs typeface="Arial" panose="020B0604020202020204" pitchFamily="34" charset="0"/>
+                      </a:rPr>
+                      <m:t>{0.4097,0.407,−1.165,0.9813}</m:t>
+                    </m:r>
+                  </m:oMath>
+                </a14:m>
+                <a:endParaRPr lang="en-GB" sz="3600" dirty="0">
+                  <a:latin typeface="Arial" panose="020B0604020202020204" pitchFamily="34" charset="0"/>
+                  <a:cs typeface="Arial" panose="020B0604020202020204" pitchFamily="34" charset="0"/>
+                </a:endParaRPr>
+              </a:p>
+            </p:txBody>
+          </p:sp>
+        </mc:Choice>
+        <mc:Fallback>
+          <p:sp>
+            <p:nvSpPr>
+              <p:cNvPr id="2" name="TextBox 1">
+                <a:extLst>
+                  <a:ext uri="{FF2B5EF4-FFF2-40B4-BE49-F238E27FC236}">
+                    <a16:creationId xmlns:a16="http://schemas.microsoft.com/office/drawing/2014/main" id="{07705E8B-B431-42B4-B668-D6E71B87C830}"/>
+                  </a:ext>
+                </a:extLst>
+              </p:cNvPr>
+              <p:cNvSpPr txBox="1">
+                <a:spLocks noRot="1" noChangeAspect="1" noMove="1" noResize="1" noEditPoints="1" noAdjustHandles="1" noChangeArrowheads="1" noChangeShapeType="1" noTextEdit="1"/>
+              </p:cNvSpPr>
+              <p:nvPr/>
+            </p:nvSpPr>
+            <p:spPr>
+              <a:xfrm>
+                <a:off x="1800894" y="6125383"/>
+                <a:ext cx="8856912" cy="646331"/>
+              </a:xfrm>
+              <a:prstGeom prst="rect">
+                <a:avLst/>
+              </a:prstGeom>
+              <a:blipFill>
+                <a:blip r:embed="rId2"/>
+                <a:stretch>
+                  <a:fillRect l="-1583" t="-15094" b="-34906"/>
+                </a:stretch>
+              </a:blipFill>
+            </p:spPr>
+            <p:txBody>
+              <a:bodyPr/>
+              <a:lstStyle/>
+              <a:p>
+                <a:r>
+                  <a:rPr lang="LID4096">
+                    <a:noFill/>
+                  </a:rPr>
+                  <a:t> </a:t>
+                </a:r>
+              </a:p>
+            </p:txBody>
+          </p:sp>
+        </mc:Fallback>
+      </mc:AlternateContent>
+      <p:sp>
+        <p:nvSpPr>
+          <p:cNvPr id="5" name="TextBox 4">
+            <a:extLst>
+              <a:ext uri="{FF2B5EF4-FFF2-40B4-BE49-F238E27FC236}">
+                <a16:creationId xmlns:a16="http://schemas.microsoft.com/office/drawing/2014/main" id="{896CF217-BFBD-493C-AB68-87A8BC9371B8}"/>
+              </a:ext>
+            </a:extLst>
+          </p:cNvPr>
+          <p:cNvSpPr txBox="1"/>
+          <p:nvPr/>
+        </p:nvSpPr>
+        <p:spPr>
+          <a:xfrm>
+            <a:off x="4200588" y="4118633"/>
+            <a:ext cx="4057521" cy="646331"/>
+          </a:xfrm>
+          <a:prstGeom prst="rect">
+            <a:avLst/>
+          </a:prstGeom>
+          <a:noFill/>
+        </p:spPr>
+        <p:txBody>
+          <a:bodyPr wrap="none" rtlCol="0">
+            <a:spAutoFit/>
+          </a:bodyPr>
+          <a:lstStyle/>
+          <a:p>
+            <a:pPr algn="ctr"/>
+            <a:r>
+              <a:rPr lang="en-GB" sz="3600" b="1" dirty="0">
+                <a:solidFill>
+                  <a:schemeClr val="tx1">
+                    <a:lumMod val="65000"/>
+                    <a:lumOff val="35000"/>
+                  </a:schemeClr>
+                </a:solidFill>
+                <a:latin typeface="Arial" panose="020B0604020202020204" pitchFamily="34" charset="0"/>
+                <a:cs typeface="Arial" panose="020B0604020202020204" pitchFamily="34" charset="0"/>
+              </a:rPr>
+              <a:t>Parametric model</a:t>
+            </a:r>
+          </a:p>
+        </p:txBody>
+      </p:sp>
+      <p:pic>
+        <p:nvPicPr>
+          <p:cNvPr id="8" name="Picture 7" descr="A close up of a clock&#10;&#10;Description automatically generated">
+            <a:extLst>
+              <a:ext uri="{FF2B5EF4-FFF2-40B4-BE49-F238E27FC236}">
+                <a16:creationId xmlns:a16="http://schemas.microsoft.com/office/drawing/2014/main" id="{7F30B576-C35C-4F3B-B8B0-92D4841A9A0E}"/>
+              </a:ext>
+            </a:extLst>
+          </p:cNvPr>
+          <p:cNvPicPr>
+            <a:picLocks noChangeAspect="1"/>
+          </p:cNvPicPr>
+          <p:nvPr/>
+        </p:nvPicPr>
+        <p:blipFill>
+          <a:blip r:embed="rId3">
+            <a:extLst>
+              <a:ext uri="{28A0092B-C50C-407E-A947-70E740481C1C}">
+                <a14:useLocalDpi xmlns:a14="http://schemas.microsoft.com/office/drawing/2010/main" val="0"/>
+              </a:ext>
+            </a:extLst>
+          </a:blip>
+          <a:stretch>
+            <a:fillRect/>
+          </a:stretch>
+        </p:blipFill>
+        <p:spPr>
+          <a:xfrm>
+            <a:off x="2596015" y="4639681"/>
+            <a:ext cx="7266667" cy="1580952"/>
+          </a:xfrm>
+          <a:prstGeom prst="rect">
+            <a:avLst/>
+          </a:prstGeom>
+        </p:spPr>
+      </p:pic>
+      <mc:AlternateContent xmlns:mc="http://schemas.openxmlformats.org/markup-compatibility/2006">
+        <mc:Choice xmlns:a14="http://schemas.microsoft.com/office/drawing/2010/main" Requires="a14">
+          <p:sp>
+            <p:nvSpPr>
+              <p:cNvPr id="6" name="TextBox 5">
+                <a:extLst>
+                  <a:ext uri="{FF2B5EF4-FFF2-40B4-BE49-F238E27FC236}">
+                    <a16:creationId xmlns:a16="http://schemas.microsoft.com/office/drawing/2014/main" id="{4902BAE8-114E-40C2-9441-A0D73EE7B17B}"/>
+                  </a:ext>
+                </a:extLst>
+              </p:cNvPr>
+              <p:cNvSpPr txBox="1"/>
+              <p:nvPr/>
+            </p:nvSpPr>
+            <p:spPr>
+              <a:xfrm>
+                <a:off x="2164308" y="1629577"/>
+                <a:ext cx="7847276" cy="646331"/>
+              </a:xfrm>
+              <a:prstGeom prst="rect">
+                <a:avLst/>
+              </a:prstGeom>
+              <a:noFill/>
+            </p:spPr>
+            <p:txBody>
+              <a:bodyPr wrap="none" rtlCol="0">
+                <a:spAutoFit/>
+              </a:bodyPr>
+              <a:lstStyle/>
+              <a:p>
+                <a:pPr algn="ctr"/>
+                <a:r>
+                  <a:rPr lang="en-GB" sz="3600" dirty="0">
+                    <a:latin typeface="Arial" panose="020B0604020202020204" pitchFamily="34" charset="0"/>
+                    <a:cs typeface="Arial" panose="020B0604020202020204" pitchFamily="34" charset="0"/>
+                  </a:rPr>
+                  <a:t>Parameters: </a:t>
+                </a:r>
+                <a14:m>
+                  <m:oMath xmlns:m="http://schemas.openxmlformats.org/officeDocument/2006/math">
+                    <m:r>
+                      <a:rPr lang="en-GB" sz="3600" b="0" i="1" smtClean="0">
+                        <a:latin typeface="Cambria Math" panose="02040503050406030204" pitchFamily="18" charset="0"/>
+                        <a:cs typeface="Arial" panose="020B0604020202020204" pitchFamily="34" charset="0"/>
+                      </a:rPr>
+                      <m:t>{</m:t>
+                    </m:r>
+                    <m:r>
+                      <a:rPr lang="en-GB" sz="3600" b="0" i="1" smtClean="0">
+                        <a:latin typeface="Cambria Math" panose="02040503050406030204" pitchFamily="18" charset="0"/>
+                        <a:cs typeface="Arial" panose="020B0604020202020204" pitchFamily="34" charset="0"/>
+                      </a:rPr>
+                      <m:t>𝐺</m:t>
+                    </m:r>
+                    <m:r>
+                      <a:rPr lang="en-GB" sz="3600" b="0" i="1" smtClean="0">
+                        <a:latin typeface="Cambria Math" panose="02040503050406030204" pitchFamily="18" charset="0"/>
+                        <a:cs typeface="Arial" panose="020B0604020202020204" pitchFamily="34" charset="0"/>
+                      </a:rPr>
+                      <m:t>(</m:t>
+                    </m:r>
+                    <m:r>
+                      <a:rPr lang="en-GB" sz="3600" b="0" i="1" smtClean="0">
+                        <a:latin typeface="Cambria Math" panose="02040503050406030204" pitchFamily="18" charset="0"/>
+                        <a:cs typeface="Arial" panose="020B0604020202020204" pitchFamily="34" charset="0"/>
+                      </a:rPr>
+                      <m:t>𝑘</m:t>
+                    </m:r>
+                    <m:r>
+                      <a:rPr lang="en-GB" sz="3600" b="0" i="1" smtClean="0">
+                        <a:latin typeface="Cambria Math" panose="02040503050406030204" pitchFamily="18" charset="0"/>
+                        <a:cs typeface="Arial" panose="020B0604020202020204" pitchFamily="34" charset="0"/>
+                      </a:rPr>
+                      <m:t>=5),…,</m:t>
+                    </m:r>
+                    <m:r>
+                      <a:rPr lang="en-GB" sz="3600" b="0" i="1" smtClean="0">
+                        <a:latin typeface="Cambria Math" panose="02040503050406030204" pitchFamily="18" charset="0"/>
+                        <a:cs typeface="Arial" panose="020B0604020202020204" pitchFamily="34" charset="0"/>
+                      </a:rPr>
+                      <m:t>𝐺</m:t>
+                    </m:r>
+                    <m:r>
+                      <a:rPr lang="en-GB" sz="3600" b="0" i="1" smtClean="0">
+                        <a:latin typeface="Cambria Math" panose="02040503050406030204" pitchFamily="18" charset="0"/>
+                        <a:cs typeface="Arial" panose="020B0604020202020204" pitchFamily="34" charset="0"/>
+                      </a:rPr>
+                      <m:t>(</m:t>
+                    </m:r>
+                    <m:r>
+                      <a:rPr lang="en-GB" sz="3600" b="0" i="1" smtClean="0">
+                        <a:latin typeface="Cambria Math" panose="02040503050406030204" pitchFamily="18" charset="0"/>
+                        <a:cs typeface="Arial" panose="020B0604020202020204" pitchFamily="34" charset="0"/>
+                      </a:rPr>
+                      <m:t>𝑘</m:t>
+                    </m:r>
+                    <m:r>
+                      <a:rPr lang="en-GB" sz="3600" b="0" i="1" smtClean="0">
+                        <a:latin typeface="Cambria Math" panose="02040503050406030204" pitchFamily="18" charset="0"/>
+                        <a:cs typeface="Arial" panose="020B0604020202020204" pitchFamily="34" charset="0"/>
+                      </a:rPr>
+                      <m:t>=35)}</m:t>
+                    </m:r>
+                  </m:oMath>
+                </a14:m>
+                <a:endParaRPr lang="en-GB" sz="3600" dirty="0">
+                  <a:latin typeface="Arial" panose="020B0604020202020204" pitchFamily="34" charset="0"/>
+                  <a:cs typeface="Arial" panose="020B0604020202020204" pitchFamily="34" charset="0"/>
+                </a:endParaRPr>
+              </a:p>
+            </p:txBody>
+          </p:sp>
+        </mc:Choice>
+        <mc:Fallback>
+          <p:sp>
+            <p:nvSpPr>
+              <p:cNvPr id="6" name="TextBox 5">
+                <a:extLst>
+                  <a:ext uri="{FF2B5EF4-FFF2-40B4-BE49-F238E27FC236}">
+                    <a16:creationId xmlns:a16="http://schemas.microsoft.com/office/drawing/2014/main" id="{4902BAE8-114E-40C2-9441-A0D73EE7B17B}"/>
+                  </a:ext>
+                </a:extLst>
+              </p:cNvPr>
+              <p:cNvSpPr txBox="1">
+                <a:spLocks noRot="1" noChangeAspect="1" noMove="1" noResize="1" noEditPoints="1" noAdjustHandles="1" noChangeArrowheads="1" noChangeShapeType="1" noTextEdit="1"/>
+              </p:cNvSpPr>
+              <p:nvPr/>
+            </p:nvSpPr>
+            <p:spPr>
+              <a:xfrm>
+                <a:off x="2164308" y="1629577"/>
+                <a:ext cx="7847276" cy="646331"/>
+              </a:xfrm>
+              <a:prstGeom prst="rect">
+                <a:avLst/>
+              </a:prstGeom>
+              <a:blipFill>
+                <a:blip r:embed="rId4"/>
+                <a:stretch>
+                  <a:fillRect l="-1865" t="-14151" b="-34906"/>
+                </a:stretch>
+              </a:blipFill>
+            </p:spPr>
+            <p:txBody>
+              <a:bodyPr/>
+              <a:lstStyle/>
+              <a:p>
+                <a:r>
+                  <a:rPr lang="LID4096">
+                    <a:noFill/>
+                  </a:rPr>
+                  <a:t> </a:t>
+                </a:r>
+              </a:p>
+            </p:txBody>
+          </p:sp>
+        </mc:Fallback>
+      </mc:AlternateContent>
+      <p:sp>
+        <p:nvSpPr>
+          <p:cNvPr id="10" name="TextBox 9">
+            <a:extLst>
+              <a:ext uri="{FF2B5EF4-FFF2-40B4-BE49-F238E27FC236}">
+                <a16:creationId xmlns:a16="http://schemas.microsoft.com/office/drawing/2014/main" id="{DB2B04C8-749D-49A4-8C40-23A6AF2B9B4D}"/>
+              </a:ext>
+            </a:extLst>
+          </p:cNvPr>
+          <p:cNvSpPr txBox="1"/>
+          <p:nvPr/>
+        </p:nvSpPr>
+        <p:spPr>
+          <a:xfrm>
+            <a:off x="3623169" y="1013477"/>
+            <a:ext cx="4929555" cy="646331"/>
+          </a:xfrm>
+          <a:prstGeom prst="rect">
+            <a:avLst/>
+          </a:prstGeom>
+          <a:noFill/>
+        </p:spPr>
+        <p:txBody>
+          <a:bodyPr wrap="none" rtlCol="0">
+            <a:spAutoFit/>
+          </a:bodyPr>
+          <a:lstStyle/>
+          <a:p>
+            <a:pPr algn="ctr"/>
+            <a:r>
+              <a:rPr lang="en-GB" sz="3600" b="1" dirty="0">
+                <a:solidFill>
+                  <a:schemeClr val="tx1">
+                    <a:lumMod val="65000"/>
+                    <a:lumOff val="35000"/>
+                  </a:schemeClr>
+                </a:solidFill>
+                <a:latin typeface="Arial" panose="020B0604020202020204" pitchFamily="34" charset="0"/>
+                <a:cs typeface="Arial" panose="020B0604020202020204" pitchFamily="34" charset="0"/>
+              </a:rPr>
+              <a:t>Nonparametric model</a:t>
+            </a:r>
+          </a:p>
+        </p:txBody>
+      </p:sp>
+      <p:sp>
+        <p:nvSpPr>
+          <p:cNvPr id="14" name="TextBox 13">
+            <a:extLst>
+              <a:ext uri="{FF2B5EF4-FFF2-40B4-BE49-F238E27FC236}">
+                <a16:creationId xmlns:a16="http://schemas.microsoft.com/office/drawing/2014/main" id="{98E1C20A-2263-4D1E-AEC9-1D4DB4B5E437}"/>
+              </a:ext>
+            </a:extLst>
+          </p:cNvPr>
+          <p:cNvSpPr txBox="1"/>
+          <p:nvPr/>
+        </p:nvSpPr>
+        <p:spPr>
+          <a:xfrm>
+            <a:off x="2022905" y="2275908"/>
+            <a:ext cx="8130083" cy="1200329"/>
+          </a:xfrm>
+          <a:prstGeom prst="rect">
+            <a:avLst/>
+          </a:prstGeom>
+          <a:noFill/>
+        </p:spPr>
+        <p:txBody>
+          <a:bodyPr wrap="square" rtlCol="0">
+            <a:spAutoFit/>
+          </a:bodyPr>
+          <a:lstStyle/>
+          <a:p>
+            <a:pPr algn="ctr"/>
+            <a:r>
+              <a:rPr lang="en-GB" sz="3600" dirty="0">
+                <a:latin typeface="Arial" panose="020B0604020202020204" pitchFamily="34" charset="0"/>
+                <a:cs typeface="Arial" panose="020B0604020202020204" pitchFamily="34" charset="0"/>
+              </a:rPr>
+              <a:t>Number of parameters can grow with the amount of data</a:t>
+            </a:r>
+          </a:p>
+        </p:txBody>
+      </p:sp>
+      <p:cxnSp>
+        <p:nvCxnSpPr>
+          <p:cNvPr id="16" name="Straight Connector 15">
+            <a:extLst>
+              <a:ext uri="{FF2B5EF4-FFF2-40B4-BE49-F238E27FC236}">
+                <a16:creationId xmlns:a16="http://schemas.microsoft.com/office/drawing/2014/main" id="{2AB3732D-CDEF-496C-B13E-AEC7046B29DC}"/>
+              </a:ext>
+            </a:extLst>
+          </p:cNvPr>
+          <p:cNvCxnSpPr>
+            <a:cxnSpLocks/>
+          </p:cNvCxnSpPr>
+          <p:nvPr/>
+        </p:nvCxnSpPr>
+        <p:spPr>
+          <a:xfrm>
+            <a:off x="493550" y="3867150"/>
+            <a:ext cx="11204900" cy="0"/>
+          </a:xfrm>
+          <a:prstGeom prst="line">
+            <a:avLst/>
+          </a:prstGeom>
+          <a:ln w="38100"/>
+        </p:spPr>
+        <p:style>
+          <a:lnRef idx="1">
+            <a:schemeClr val="accent2"/>
+          </a:lnRef>
+          <a:fillRef idx="0">
+            <a:schemeClr val="accent2"/>
+          </a:fillRef>
+          <a:effectRef idx="0">
+            <a:schemeClr val="accent2"/>
+          </a:effectRef>
+          <a:fontRef idx="minor">
+            <a:schemeClr val="tx1"/>
+          </a:fontRef>
+        </p:style>
+      </p:cxnSp>
+    </p:spTree>
+    <p:extLst>
+      <p:ext uri="{BB962C8B-B14F-4D97-AF65-F5344CB8AC3E}">
+        <p14:creationId xmlns:p14="http://schemas.microsoft.com/office/powerpoint/2010/main" val="3695714036"/>
+      </p:ext>
+    </p:extLst>
+  </p:cSld>
+  <p:clrMapOvr>
+    <a:masterClrMapping/>
+  </p:clrMapOvr>
+  <p:timing>
+    <p:tnLst>
+      <p:par>
+        <p:cTn id="1" dur="indefinite" restart="never" nodeType="tmRoot">
+          <p:childTnLst>
+            <p:seq concurrent="1" nextAc="seek">
+              <p:cTn id="2" dur="indefinite" nodeType="mainSeq">
+                <p:childTnLst>
+                  <p:par>
+                    <p:cTn id="3" fill="hold">
+                      <p:stCondLst>
+                        <p:cond delay="indefinite"/>
+                      </p:stCondLst>
+                      <p:childTnLst>
+                        <p:par>
+                          <p:cTn id="4" fill="hold">
+                            <p:stCondLst>
+                              <p:cond delay="0"/>
+                            </p:stCondLst>
+                            <p:childTnLst>
+                              <p:par>
+                                <p:cTn id="5" presetID="1" presetClass="entr" presetSubtype="0" fill="hold" grpId="0" nodeType="clickEffect">
+                                  <p:stCondLst>
+                                    <p:cond delay="0"/>
+                                  </p:stCondLst>
+                                  <p:childTnLst>
+                                    <p:set>
+                                      <p:cBhvr>
+                                        <p:cTn id="6" dur="1" fill="hold">
+                                          <p:stCondLst>
+                                            <p:cond delay="0"/>
+                                          </p:stCondLst>
+                                        </p:cTn>
+                                        <p:tgtEl>
+                                          <p:spTgt spid="2"/>
+                                        </p:tgtEl>
+                                        <p:attrNameLst>
+                                          <p:attrName>style.visibility</p:attrName>
+                                        </p:attrNameLst>
+                                      </p:cBhvr>
+                                      <p:to>
+                                        <p:strVal val="visible"/>
+                                      </p:to>
+                                    </p:set>
+                                  </p:childTnLst>
+                                </p:cTn>
+                              </p:par>
+                              <p:par>
+                                <p:cTn id="7" presetID="1" presetClass="entr" presetSubtype="0" fill="hold" grpId="0" nodeType="withEffect">
+                                  <p:stCondLst>
+                                    <p:cond delay="0"/>
+                                  </p:stCondLst>
+                                  <p:childTnLst>
+                                    <p:set>
+                                      <p:cBhvr>
+                                        <p:cTn id="8" dur="1" fill="hold">
+                                          <p:stCondLst>
+                                            <p:cond delay="0"/>
+                                          </p:stCondLst>
+                                        </p:cTn>
+                                        <p:tgtEl>
+                                          <p:spTgt spid="5"/>
+                                        </p:tgtEl>
+                                        <p:attrNameLst>
+                                          <p:attrName>style.visibility</p:attrName>
+                                        </p:attrNameLst>
+                                      </p:cBhvr>
+                                      <p:to>
+                                        <p:strVal val="visible"/>
+                                      </p:to>
+                                    </p:set>
+                                  </p:childTnLst>
+                                </p:cTn>
+                              </p:par>
+                              <p:par>
+                                <p:cTn id="9" presetID="1" presetClass="entr" presetSubtype="0" fill="hold" nodeType="withEffect">
+                                  <p:stCondLst>
+                                    <p:cond delay="0"/>
+                                  </p:stCondLst>
+                                  <p:childTnLst>
+                                    <p:set>
+                                      <p:cBhvr>
+                                        <p:cTn id="10" dur="1" fill="hold">
+                                          <p:stCondLst>
+                                            <p:cond delay="0"/>
+                                          </p:stCondLst>
+                                        </p:cTn>
+                                        <p:tgtEl>
+                                          <p:spTgt spid="8"/>
+                                        </p:tgtEl>
+                                        <p:attrNameLst>
+                                          <p:attrName>style.visibility</p:attrName>
+                                        </p:attrNameLst>
+                                      </p:cBhvr>
+                                      <p:to>
+                                        <p:strVal val="visible"/>
+                                      </p:to>
+                                    </p:set>
+                                  </p:childTnLst>
+                                </p:cTn>
+                              </p:par>
+                              <p:par>
+                                <p:cTn id="11" presetID="1" presetClass="entr" presetSubtype="0" fill="hold" nodeType="withEffect">
+                                  <p:stCondLst>
+                                    <p:cond delay="0"/>
+                                  </p:stCondLst>
+                                  <p:childTnLst>
+                                    <p:set>
+                                      <p:cBhvr>
+                                        <p:cTn id="12" dur="1" fill="hold">
+                                          <p:stCondLst>
+                                            <p:cond delay="0"/>
+                                          </p:stCondLst>
+                                        </p:cTn>
+                                        <p:tgtEl>
+                                          <p:spTgt spid="16"/>
+                                        </p:tgtEl>
+                                        <p:attrNameLst>
+                                          <p:attrName>style.visibility</p:attrName>
+                                        </p:attrNameLst>
+                                      </p:cBhvr>
+                                      <p:to>
+                                        <p:strVal val="visible"/>
+                                      </p:to>
+                                    </p:set>
+                                  </p:childTnLst>
+                                </p:cTn>
+                              </p:par>
+                            </p:childTnLst>
+                          </p:cTn>
+                        </p:par>
+                      </p:childTnLst>
+                    </p:cTn>
+                  </p:par>
+                </p:childTnLst>
+              </p:cTn>
+              <p:prevCondLst>
+                <p:cond evt="onPrev" delay="0">
+                  <p:tgtEl>
+                    <p:sldTgt/>
+                  </p:tgtEl>
+                </p:cond>
+              </p:prevCondLst>
+              <p:nextCondLst>
+                <p:cond evt="onNext" delay="0">
+                  <p:tgtEl>
+                    <p:sldTgt/>
+                  </p:tgtEl>
+                </p:cond>
+              </p:nextCondLst>
+            </p:seq>
+          </p:childTnLst>
+        </p:cTn>
+      </p:par>
+    </p:tnLst>
+    <p:bldLst>
+      <p:bldP spid="2" grpId="0"/>
+      <p:bldP spid="5" grpId="0"/>
+    </p:bldLst>
+  </p:timing>
+</p:sld>
+</file>
+
+<file path=ppt/slides/slide27.xml><?xml version="1.0" encoding="utf-8"?>
+<p:sld xmlns:a="http://schemas.openxmlformats.org/drawingml/2006/main" xmlns:r="http://schemas.openxmlformats.org/officeDocument/2006/relationships" xmlns:p="http://schemas.openxmlformats.org/presentationml/2006/main">
+  <p:cSld>
+    <p:spTree>
+      <p:nvGrpSpPr>
+        <p:cNvPr id="1" name=""/>
+        <p:cNvGrpSpPr/>
+        <p:nvPr/>
+      </p:nvGrpSpPr>
+      <p:grpSpPr>
+        <a:xfrm>
+          <a:off x="0" y="0"/>
+          <a:ext cx="0" cy="0"/>
+          <a:chOff x="0" y="0"/>
+          <a:chExt cx="0" cy="0"/>
+        </a:xfrm>
+      </p:grpSpPr>
+      <p:pic>
+        <p:nvPicPr>
+          <p:cNvPr id="5" name="Picture 4" descr="A picture containing screenshot&#10;&#10;Description automatically generated">
+            <a:extLst>
+              <a:ext uri="{FF2B5EF4-FFF2-40B4-BE49-F238E27FC236}">
+                <a16:creationId xmlns:a16="http://schemas.microsoft.com/office/drawing/2014/main" id="{4D00BC36-DF6E-42AE-AF29-AE0C9F5EA43C}"/>
+              </a:ext>
+            </a:extLst>
+          </p:cNvPr>
+          <p:cNvPicPr>
+            <a:picLocks noChangeAspect="1"/>
+          </p:cNvPicPr>
+          <p:nvPr/>
+        </p:nvPicPr>
+        <p:blipFill>
+          <a:blip r:embed="rId2">
+            <a:extLst>
+              <a:ext uri="{28A0092B-C50C-407E-A947-70E740481C1C}">
+                <a14:useLocalDpi xmlns:a14="http://schemas.microsoft.com/office/drawing/2010/main" val="0"/>
+              </a:ext>
+            </a:extLst>
+          </a:blip>
+          <a:stretch>
+            <a:fillRect/>
+          </a:stretch>
+        </p:blipFill>
+        <p:spPr>
+          <a:xfrm>
+            <a:off x="1567429" y="1290810"/>
+            <a:ext cx="9057143" cy="4571429"/>
+          </a:xfrm>
+          <a:prstGeom prst="rect">
+            <a:avLst/>
+          </a:prstGeom>
+        </p:spPr>
+      </p:pic>
       <p:sp>
         <p:nvSpPr>
           <p:cNvPr id="2" name="Right Triangle 1">
@@ -7950,7 +11332,7 @@
             <a:fld id="{8F224621-ADB6-4DE2-A945-BF9C42D66C16}" type="slidenum">
               <a:rPr lang="LID4096" smtClean="0"/>
               <a:pPr/>
-              <a:t>22</a:t>
+              <a:t>27</a:t>
             </a:fld>
             <a:endParaRPr lang="LID4096" dirty="0"/>
           </a:p>
@@ -8013,7 +11395,7 @@
                 <a:latin typeface="Arial" panose="020B0604020202020204" pitchFamily="34" charset="0"/>
                 <a:cs typeface="Arial" panose="020B0604020202020204" pitchFamily="34" charset="0"/>
               </a:rPr>
-              <a:t>subsection</a:t>
+              <a:t>Data-driven control</a:t>
             </a:r>
           </a:p>
         </p:txBody>
@@ -8021,7 +11403,7 @@
     </p:spTree>
     <p:extLst>
       <p:ext uri="{BB962C8B-B14F-4D97-AF65-F5344CB8AC3E}">
-        <p14:creationId xmlns:p14="http://schemas.microsoft.com/office/powerpoint/2010/main" val="1243701346"/>
+        <p14:creationId xmlns:p14="http://schemas.microsoft.com/office/powerpoint/2010/main" val="3647982022"/>
       </p:ext>
     </p:extLst>
   </p:cSld>
@@ -8031,7 +11413,7 @@
 </p:sld>
 </file>
 
-<file path=ppt/slides/slide23.xml><?xml version="1.0" encoding="utf-8"?>
+<file path=ppt/slides/slide28.xml><?xml version="1.0" encoding="utf-8"?>
 <p:sld xmlns:a="http://schemas.openxmlformats.org/drawingml/2006/main" xmlns:r="http://schemas.openxmlformats.org/officeDocument/2006/relationships" xmlns:p="http://schemas.openxmlformats.org/presentationml/2006/main">
   <p:cSld>
     <p:spTree>
@@ -8072,7 +11454,7 @@
             <a:fld id="{8F224621-ADB6-4DE2-A945-BF9C42D66C16}" type="slidenum">
               <a:rPr lang="LID4096" smtClean="0"/>
               <a:pPr/>
-              <a:t>23</a:t>
+              <a:t>28</a:t>
             </a:fld>
             <a:endParaRPr lang="LID4096" dirty="0"/>
           </a:p>
@@ -8131,133 +11513,13 @@
               </a:spcBef>
             </a:pPr>
             <a:r>
-              <a:rPr lang="en-US" sz="4800" b="1" dirty="0">
+              <a:rPr lang="nl" sz="4800" b="1" dirty="0">
                 <a:latin typeface="Arial" panose="020B0604020202020204" pitchFamily="34" charset="0"/>
                 <a:cs typeface="Arial" panose="020B0604020202020204" pitchFamily="34" charset="0"/>
               </a:rPr>
-              <a:t>Title</a:t>
+              <a:t>Data-driven control</a:t>
             </a:r>
-          </a:p>
-        </p:txBody>
-      </p:sp>
-      <p:sp>
-        <p:nvSpPr>
-          <p:cNvPr id="2" name="TextBox 1">
-            <a:extLst>
-              <a:ext uri="{FF2B5EF4-FFF2-40B4-BE49-F238E27FC236}">
-                <a16:creationId xmlns:a16="http://schemas.microsoft.com/office/drawing/2014/main" id="{07705E8B-B431-42B4-B668-D6E71B87C830}"/>
-              </a:ext>
-            </a:extLst>
-          </p:cNvPr>
-          <p:cNvSpPr txBox="1"/>
-          <p:nvPr/>
-        </p:nvSpPr>
-        <p:spPr>
-          <a:xfrm>
-            <a:off x="0" y="1912735"/>
-            <a:ext cx="2621230" cy="646331"/>
-          </a:xfrm>
-          <a:prstGeom prst="rect">
-            <a:avLst/>
-          </a:prstGeom>
-          <a:noFill/>
-        </p:spPr>
-        <p:txBody>
-          <a:bodyPr wrap="none" rtlCol="0">
-            <a:spAutoFit/>
-          </a:bodyPr>
-          <a:lstStyle/>
-          <a:p>
-            <a:r>
-              <a:rPr lang="en-GB" sz="3600" dirty="0">
-                <a:latin typeface="Arial" panose="020B0604020202020204" pitchFamily="34" charset="0"/>
-                <a:cs typeface="Arial" panose="020B0604020202020204" pitchFamily="34" charset="0"/>
-              </a:rPr>
-              <a:t>Sample text</a:t>
-            </a:r>
-          </a:p>
-        </p:txBody>
-      </p:sp>
-      <p:sp>
-        <p:nvSpPr>
-          <p:cNvPr id="5" name="TextBox 4">
-            <a:extLst>
-              <a:ext uri="{FF2B5EF4-FFF2-40B4-BE49-F238E27FC236}">
-                <a16:creationId xmlns:a16="http://schemas.microsoft.com/office/drawing/2014/main" id="{896CF217-BFBD-493C-AB68-87A8BC9371B8}"/>
-              </a:ext>
-            </a:extLst>
-          </p:cNvPr>
-          <p:cNvSpPr txBox="1"/>
-          <p:nvPr/>
-        </p:nvSpPr>
-        <p:spPr>
-          <a:xfrm>
-            <a:off x="181429" y="3209816"/>
-            <a:ext cx="3159839" cy="646331"/>
-          </a:xfrm>
-          <a:prstGeom prst="rect">
-            <a:avLst/>
-          </a:prstGeom>
-          <a:noFill/>
-        </p:spPr>
-        <p:txBody>
-          <a:bodyPr wrap="none" rtlCol="0">
-            <a:spAutoFit/>
-          </a:bodyPr>
-          <a:lstStyle/>
-          <a:p>
-            <a:r>
-              <a:rPr lang="en-GB" sz="3600" b="1" dirty="0">
-                <a:solidFill>
-                  <a:schemeClr val="tx1">
-                    <a:lumMod val="65000"/>
-                    <a:lumOff val="35000"/>
-                  </a:schemeClr>
-                </a:solidFill>
-                <a:latin typeface="Arial" panose="020B0604020202020204" pitchFamily="34" charset="0"/>
-                <a:cs typeface="Arial" panose="020B0604020202020204" pitchFamily="34" charset="0"/>
-              </a:rPr>
-              <a:t>Sample text 2</a:t>
-            </a:r>
-          </a:p>
-        </p:txBody>
-      </p:sp>
-      <p:sp>
-        <p:nvSpPr>
-          <p:cNvPr id="7" name="TextBox 6">
-            <a:extLst>
-              <a:ext uri="{FF2B5EF4-FFF2-40B4-BE49-F238E27FC236}">
-                <a16:creationId xmlns:a16="http://schemas.microsoft.com/office/drawing/2014/main" id="{A269A873-90E1-4BED-AF3F-2907645C3A7D}"/>
-              </a:ext>
-            </a:extLst>
-          </p:cNvPr>
-          <p:cNvSpPr txBox="1"/>
-          <p:nvPr/>
-        </p:nvSpPr>
-        <p:spPr>
-          <a:xfrm>
-            <a:off x="1220547" y="4018643"/>
-            <a:ext cx="1633781" cy="369332"/>
-          </a:xfrm>
-          <a:prstGeom prst="rect">
-            <a:avLst/>
-          </a:prstGeom>
-          <a:noFill/>
-        </p:spPr>
-        <p:txBody>
-          <a:bodyPr wrap="none" rtlCol="0">
-            <a:spAutoFit/>
-          </a:bodyPr>
-          <a:lstStyle/>
-          <a:p>
-            <a:r>
-              <a:rPr lang="en-GB" dirty="0">
-                <a:latin typeface="Arial" panose="020B0604020202020204" pitchFamily="34" charset="0"/>
-                <a:cs typeface="Arial" panose="020B0604020202020204" pitchFamily="34" charset="0"/>
-              </a:rPr>
-              <a:t>Image caption</a:t>
-            </a:r>
-            <a:endParaRPr lang="LID4096" dirty="0">
+            <a:endParaRPr lang="en-US" sz="4800" b="1" dirty="0">
               <a:latin typeface="Arial" panose="020B0604020202020204" pitchFamily="34" charset="0"/>
               <a:cs typeface="Arial" panose="020B0604020202020204" pitchFamily="34" charset="0"/>
             </a:endParaRPr>
@@ -8267,7 +11529,7 @@
     </p:spTree>
     <p:extLst>
       <p:ext uri="{BB962C8B-B14F-4D97-AF65-F5344CB8AC3E}">
-        <p14:creationId xmlns:p14="http://schemas.microsoft.com/office/powerpoint/2010/main" val="4002409651"/>
+        <p14:creationId xmlns:p14="http://schemas.microsoft.com/office/powerpoint/2010/main" val="2061743488"/>
       </p:ext>
     </p:extLst>
   </p:cSld>
@@ -8277,7 +11539,7 @@
 </p:sld>
 </file>
 
-<file path=ppt/slides/slide3.xml><?xml version="1.0" encoding="utf-8"?>
+<file path=ppt/slides/slide29.xml><?xml version="1.0" encoding="utf-8"?>
 <p:sld xmlns:a="http://schemas.openxmlformats.org/drawingml/2006/main" xmlns:r="http://schemas.openxmlformats.org/officeDocument/2006/relationships" xmlns:p="http://schemas.openxmlformats.org/presentationml/2006/main">
   <p:cSld>
     <p:spTree>
@@ -8296,201 +11558,59 @@
       </p:grpSpPr>
       <p:sp>
         <p:nvSpPr>
-          <p:cNvPr id="4" name="Slide Number Placeholder 3">
-            <a:extLst>
-              <a:ext uri="{FF2B5EF4-FFF2-40B4-BE49-F238E27FC236}">
-                <a16:creationId xmlns:a16="http://schemas.microsoft.com/office/drawing/2014/main" id="{7448BF2A-1F67-45F3-9E5B-A0E949BC49D6}"/>
-              </a:ext>
-            </a:extLst>
-          </p:cNvPr>
-          <p:cNvSpPr>
-            <a:spLocks noGrp="1"/>
-          </p:cNvSpPr>
-          <p:nvPr>
-            <p:ph type="sldNum" sz="quarter" idx="12"/>
-          </p:nvPr>
-        </p:nvSpPr>
-        <p:spPr/>
-        <p:txBody>
-          <a:bodyPr/>
-          <a:lstStyle/>
-          <a:p>
-            <a:fld id="{8F224621-ADB6-4DE2-A945-BF9C42D66C16}" type="slidenum">
-              <a:rPr lang="LID4096" smtClean="0"/>
-              <a:pPr/>
-              <a:t>3</a:t>
-            </a:fld>
-            <a:endParaRPr lang="LID4096" dirty="0"/>
-          </a:p>
-        </p:txBody>
-      </p:sp>
-      <p:sp>
-        <p:nvSpPr>
-          <p:cNvPr id="3" name="Google Shape;62;p14">
-            <a:extLst>
-              <a:ext uri="{FF2B5EF4-FFF2-40B4-BE49-F238E27FC236}">
-                <a16:creationId xmlns:a16="http://schemas.microsoft.com/office/drawing/2014/main" id="{E155BFF9-202C-475B-A266-871949978C02}"/>
-              </a:ext>
-            </a:extLst>
-          </p:cNvPr>
-          <p:cNvSpPr txBox="1">
-            <a:spLocks/>
-          </p:cNvSpPr>
+          <p:cNvPr id="2" name="Right Triangle 1">
+            <a:extLst>
+              <a:ext uri="{FF2B5EF4-FFF2-40B4-BE49-F238E27FC236}">
+                <a16:creationId xmlns:a16="http://schemas.microsoft.com/office/drawing/2014/main" id="{9FEF3065-1ED2-4A32-A448-D3353C03F4A5}"/>
+              </a:ext>
+            </a:extLst>
+          </p:cNvPr>
+          <p:cNvSpPr/>
           <p:nvPr/>
         </p:nvSpPr>
         <p:spPr>
-          <a:xfrm>
-            <a:off x="415600" y="247650"/>
-            <a:ext cx="11360800" cy="834800"/>
+          <a:xfrm rot="5400000">
+            <a:off x="246741" y="-246743"/>
+            <a:ext cx="2931886" cy="3425372"/>
           </a:xfrm>
-          <a:prstGeom prst="rect">
+          <a:prstGeom prst="rtTriangle">
             <a:avLst/>
           </a:prstGeom>
+          <a:solidFill>
+            <a:schemeClr val="accent1">
+              <a:lumMod val="40000"/>
+              <a:lumOff val="60000"/>
+            </a:schemeClr>
+          </a:solidFill>
+          <a:ln>
+            <a:noFill/>
+          </a:ln>
         </p:spPr>
-        <p:txBody>
-          <a:bodyPr spcFirstLastPara="1" vert="horz" wrap="square" lIns="121900" tIns="121900" rIns="121900" bIns="121900" rtlCol="0" anchor="b" anchorCtr="0">
-            <a:noAutofit/>
-          </a:bodyPr>
-          <a:lstStyle>
-            <a:lvl1pPr algn="l" defTabSz="914400" rtl="0" eaLnBrk="1" latinLnBrk="0" hangingPunct="1">
-              <a:lnSpc>
-                <a:spcPct val="90000"/>
-              </a:lnSpc>
-              <a:spcBef>
-                <a:spcPct val="0"/>
-              </a:spcBef>
-              <a:buNone/>
-              <a:defRPr sz="4400" kern="1200">
-                <a:solidFill>
-                  <a:schemeClr val="tx1"/>
-                </a:solidFill>
-                <a:latin typeface="+mj-lt"/>
-                <a:ea typeface="+mj-ea"/>
-                <a:cs typeface="+mj-cs"/>
-              </a:defRPr>
-            </a:lvl1pPr>
-          </a:lstStyle>
-          <a:p>
-            <a:pPr algn="ctr">
-              <a:spcBef>
-                <a:spcPts val="0"/>
-              </a:spcBef>
-            </a:pPr>
-            <a:r>
-              <a:rPr lang="nl" sz="4800" b="1" dirty="0">
-                <a:latin typeface="Arial" panose="020B0604020202020204" pitchFamily="34" charset="0"/>
-                <a:cs typeface="Arial" panose="020B0604020202020204" pitchFamily="34" charset="0"/>
-              </a:rPr>
-              <a:t>Data-driven control</a:t>
-            </a:r>
-            <a:endParaRPr lang="en-US" sz="4800" b="1" dirty="0">
-              <a:latin typeface="Arial" panose="020B0604020202020204" pitchFamily="34" charset="0"/>
-              <a:cs typeface="Arial" panose="020B0604020202020204" pitchFamily="34" charset="0"/>
-            </a:endParaRPr>
-          </a:p>
-        </p:txBody>
-      </p:sp>
-      <p:pic>
-        <p:nvPicPr>
-          <p:cNvPr id="6" name="Picture 5" descr="A picture containing screenshot&#10;&#10;Description automatically generated">
-            <a:extLst>
-              <a:ext uri="{FF2B5EF4-FFF2-40B4-BE49-F238E27FC236}">
-                <a16:creationId xmlns:a16="http://schemas.microsoft.com/office/drawing/2014/main" id="{F45AC2AE-F3F7-4B17-8253-2E7C11CF54F2}"/>
-              </a:ext>
-            </a:extLst>
-          </p:cNvPr>
-          <p:cNvPicPr>
-            <a:picLocks noChangeAspect="1"/>
-          </p:cNvPicPr>
-          <p:nvPr/>
-        </p:nvPicPr>
-        <p:blipFill>
-          <a:blip r:embed="rId2">
-            <a:extLst>
-              <a:ext uri="{28A0092B-C50C-407E-A947-70E740481C1C}">
-                <a14:useLocalDpi xmlns:a14="http://schemas.microsoft.com/office/drawing/2010/main" val="0"/>
-              </a:ext>
-            </a:extLst>
-          </a:blip>
-          <a:stretch>
-            <a:fillRect/>
-          </a:stretch>
-        </p:blipFill>
-        <p:spPr>
-          <a:xfrm>
-            <a:off x="1567428" y="1290810"/>
-            <a:ext cx="9057143" cy="4571429"/>
-          </a:xfrm>
-          <a:prstGeom prst="rect">
-            <a:avLst/>
-          </a:prstGeom>
-        </p:spPr>
-      </p:pic>
-    </p:spTree>
-    <p:extLst>
-      <p:ext uri="{BB962C8B-B14F-4D97-AF65-F5344CB8AC3E}">
-        <p14:creationId xmlns:p14="http://schemas.microsoft.com/office/powerpoint/2010/main" val="2420322313"/>
-      </p:ext>
-    </p:extLst>
-  </p:cSld>
-  <p:clrMapOvr>
-    <a:masterClrMapping/>
-  </p:clrMapOvr>
-</p:sld>
-</file>
-
-<file path=ppt/slides/slide4.xml><?xml version="1.0" encoding="utf-8"?>
-<p:sld xmlns:a="http://schemas.openxmlformats.org/drawingml/2006/main" xmlns:r="http://schemas.openxmlformats.org/officeDocument/2006/relationships" xmlns:p="http://schemas.openxmlformats.org/presentationml/2006/main">
-  <p:cSld>
-    <p:spTree>
-      <p:nvGrpSpPr>
-        <p:cNvPr id="1" name=""/>
-        <p:cNvGrpSpPr/>
-        <p:nvPr/>
-      </p:nvGrpSpPr>
-      <p:grpSpPr>
-        <a:xfrm>
-          <a:off x="0" y="0"/>
-          <a:ext cx="0" cy="0"/>
-          <a:chOff x="0" y="0"/>
-          <a:chExt cx="0" cy="0"/>
-        </a:xfrm>
-      </p:grpSpPr>
-      <p:pic>
-        <p:nvPicPr>
-          <p:cNvPr id="7" name="Picture 6">
-            <a:extLst>
-              <a:ext uri="{FF2B5EF4-FFF2-40B4-BE49-F238E27FC236}">
-                <a16:creationId xmlns:a16="http://schemas.microsoft.com/office/drawing/2014/main" id="{F25F8897-BE75-4366-9D06-6DFF36D643BC}"/>
-              </a:ext>
-            </a:extLst>
-          </p:cNvPr>
-          <p:cNvPicPr>
-            <a:picLocks noChangeAspect="1"/>
-          </p:cNvPicPr>
-          <p:nvPr/>
-        </p:nvPicPr>
-        <p:blipFill>
-          <a:blip r:embed="rId2">
-            <a:extLst>
-              <a:ext uri="{28A0092B-C50C-407E-A947-70E740481C1C}">
-                <a14:useLocalDpi xmlns:a14="http://schemas.microsoft.com/office/drawing/2010/main" val="0"/>
-              </a:ext>
-            </a:extLst>
-          </a:blip>
-          <a:srcRect/>
-          <a:stretch/>
-        </p:blipFill>
-        <p:spPr>
-          <a:xfrm>
-            <a:off x="344728" y="2282504"/>
-            <a:ext cx="11502543" cy="2292990"/>
-          </a:xfrm>
-          <a:prstGeom prst="rect">
-            <a:avLst/>
-          </a:prstGeom>
-        </p:spPr>
-      </p:pic>
+        <p:style>
+          <a:lnRef idx="2">
+            <a:schemeClr val="accent1">
+              <a:shade val="50000"/>
+            </a:schemeClr>
+          </a:lnRef>
+          <a:fillRef idx="1">
+            <a:schemeClr val="accent1"/>
+          </a:fillRef>
+          <a:effectRef idx="0">
+            <a:schemeClr val="accent1"/>
+          </a:effectRef>
+          <a:fontRef idx="minor">
+            <a:schemeClr val="lt1"/>
+          </a:fontRef>
+        </p:style>
+        <p:txBody>
+          <a:bodyPr rtlCol="0" anchor="ctr"/>
+          <a:lstStyle/>
+          <a:p>
+            <a:pPr algn="ctr"/>
+            <a:endParaRPr lang="LID4096"/>
+          </a:p>
+        </p:txBody>
+      </p:sp>
       <p:sp>
         <p:nvSpPr>
           <p:cNvPr id="8" name="Right Triangle 7">
@@ -8570,7 +11690,219 @@
             <a:fld id="{8F224621-ADB6-4DE2-A945-BF9C42D66C16}" type="slidenum">
               <a:rPr lang="LID4096" smtClean="0"/>
               <a:pPr/>
-              <a:t>4</a:t>
+              <a:t>29</a:t>
+            </a:fld>
+            <a:endParaRPr lang="LID4096" dirty="0"/>
+          </a:p>
+        </p:txBody>
+      </p:sp>
+      <p:sp>
+        <p:nvSpPr>
+          <p:cNvPr id="3" name="Google Shape;62;p14">
+            <a:extLst>
+              <a:ext uri="{FF2B5EF4-FFF2-40B4-BE49-F238E27FC236}">
+                <a16:creationId xmlns:a16="http://schemas.microsoft.com/office/drawing/2014/main" id="{E155BFF9-202C-475B-A266-871949978C02}"/>
+              </a:ext>
+            </a:extLst>
+          </p:cNvPr>
+          <p:cNvSpPr txBox="1">
+            <a:spLocks/>
+          </p:cNvSpPr>
+          <p:nvPr/>
+        </p:nvSpPr>
+        <p:spPr>
+          <a:xfrm>
+            <a:off x="415600" y="247650"/>
+            <a:ext cx="11360800" cy="834800"/>
+          </a:xfrm>
+          <a:prstGeom prst="rect">
+            <a:avLst/>
+          </a:prstGeom>
+        </p:spPr>
+        <p:txBody>
+          <a:bodyPr spcFirstLastPara="1" vert="horz" wrap="square" lIns="121900" tIns="121900" rIns="121900" bIns="121900" rtlCol="0" anchor="b" anchorCtr="0">
+            <a:noAutofit/>
+          </a:bodyPr>
+          <a:lstStyle>
+            <a:lvl1pPr algn="l" defTabSz="914400" rtl="0" eaLnBrk="1" latinLnBrk="0" hangingPunct="1">
+              <a:lnSpc>
+                <a:spcPct val="90000"/>
+              </a:lnSpc>
+              <a:spcBef>
+                <a:spcPct val="0"/>
+              </a:spcBef>
+              <a:buNone/>
+              <a:defRPr sz="4400" kern="1200">
+                <a:solidFill>
+                  <a:schemeClr val="tx1"/>
+                </a:solidFill>
+                <a:latin typeface="+mj-lt"/>
+                <a:ea typeface="+mj-ea"/>
+                <a:cs typeface="+mj-cs"/>
+              </a:defRPr>
+            </a:lvl1pPr>
+          </a:lstStyle>
+          <a:p>
+            <a:pPr algn="ctr">
+              <a:spcBef>
+                <a:spcPts val="0"/>
+              </a:spcBef>
+            </a:pPr>
+            <a:r>
+              <a:rPr lang="en-US" sz="4800" b="1" dirty="0">
+                <a:latin typeface="Arial" panose="020B0604020202020204" pitchFamily="34" charset="0"/>
+                <a:cs typeface="Arial" panose="020B0604020202020204" pitchFamily="34" charset="0"/>
+              </a:rPr>
+              <a:t>subsection</a:t>
+            </a:r>
+          </a:p>
+        </p:txBody>
+      </p:sp>
+    </p:spTree>
+    <p:extLst>
+      <p:ext uri="{BB962C8B-B14F-4D97-AF65-F5344CB8AC3E}">
+        <p14:creationId xmlns:p14="http://schemas.microsoft.com/office/powerpoint/2010/main" val="1243701346"/>
+      </p:ext>
+    </p:extLst>
+  </p:cSld>
+  <p:clrMapOvr>
+    <a:masterClrMapping/>
+  </p:clrMapOvr>
+</p:sld>
+</file>
+
+<file path=ppt/slides/slide3.xml><?xml version="1.0" encoding="utf-8"?>
+<p:sld xmlns:a="http://schemas.openxmlformats.org/drawingml/2006/main" xmlns:r="http://schemas.openxmlformats.org/officeDocument/2006/relationships" xmlns:p="http://schemas.openxmlformats.org/presentationml/2006/main">
+  <p:cSld>
+    <p:spTree>
+      <p:nvGrpSpPr>
+        <p:cNvPr id="1" name=""/>
+        <p:cNvGrpSpPr/>
+        <p:nvPr/>
+      </p:nvGrpSpPr>
+      <p:grpSpPr>
+        <a:xfrm>
+          <a:off x="0" y="0"/>
+          <a:ext cx="0" cy="0"/>
+          <a:chOff x="0" y="0"/>
+          <a:chExt cx="0" cy="0"/>
+        </a:xfrm>
+      </p:grpSpPr>
+      <p:pic>
+        <p:nvPicPr>
+          <p:cNvPr id="7" name="Picture 6">
+            <a:extLst>
+              <a:ext uri="{FF2B5EF4-FFF2-40B4-BE49-F238E27FC236}">
+                <a16:creationId xmlns:a16="http://schemas.microsoft.com/office/drawing/2014/main" id="{F25F8897-BE75-4366-9D06-6DFF36D643BC}"/>
+              </a:ext>
+            </a:extLst>
+          </p:cNvPr>
+          <p:cNvPicPr>
+            <a:picLocks noChangeAspect="1"/>
+          </p:cNvPicPr>
+          <p:nvPr/>
+        </p:nvPicPr>
+        <p:blipFill>
+          <a:blip r:embed="rId2">
+            <a:extLst>
+              <a:ext uri="{28A0092B-C50C-407E-A947-70E740481C1C}">
+                <a14:useLocalDpi xmlns:a14="http://schemas.microsoft.com/office/drawing/2010/main" val="0"/>
+              </a:ext>
+            </a:extLst>
+          </a:blip>
+          <a:srcRect/>
+          <a:stretch/>
+        </p:blipFill>
+        <p:spPr>
+          <a:xfrm>
+            <a:off x="344728" y="2282504"/>
+            <a:ext cx="11502543" cy="2292990"/>
+          </a:xfrm>
+          <a:prstGeom prst="rect">
+            <a:avLst/>
+          </a:prstGeom>
+        </p:spPr>
+      </p:pic>
+      <p:sp>
+        <p:nvSpPr>
+          <p:cNvPr id="8" name="Right Triangle 7">
+            <a:extLst>
+              <a:ext uri="{FF2B5EF4-FFF2-40B4-BE49-F238E27FC236}">
+                <a16:creationId xmlns:a16="http://schemas.microsoft.com/office/drawing/2014/main" id="{34BC60F9-272B-49CB-BBC3-9ECABF03CBED}"/>
+              </a:ext>
+            </a:extLst>
+          </p:cNvPr>
+          <p:cNvSpPr/>
+          <p:nvPr/>
+        </p:nvSpPr>
+        <p:spPr>
+          <a:xfrm rot="16200000">
+            <a:off x="9013371" y="3679371"/>
+            <a:ext cx="2931886" cy="3425372"/>
+          </a:xfrm>
+          <a:prstGeom prst="rtTriangle">
+            <a:avLst/>
+          </a:prstGeom>
+          <a:solidFill>
+            <a:schemeClr val="accent2">
+              <a:lumMod val="60000"/>
+              <a:lumOff val="40000"/>
+            </a:schemeClr>
+          </a:solidFill>
+          <a:ln>
+            <a:noFill/>
+          </a:ln>
+        </p:spPr>
+        <p:style>
+          <a:lnRef idx="2">
+            <a:schemeClr val="accent2">
+              <a:shade val="50000"/>
+            </a:schemeClr>
+          </a:lnRef>
+          <a:fillRef idx="1">
+            <a:schemeClr val="accent2"/>
+          </a:fillRef>
+          <a:effectRef idx="0">
+            <a:schemeClr val="accent2"/>
+          </a:effectRef>
+          <a:fontRef idx="minor">
+            <a:schemeClr val="lt1"/>
+          </a:fontRef>
+        </p:style>
+        <p:txBody>
+          <a:bodyPr rtlCol="0" anchor="ctr"/>
+          <a:lstStyle/>
+          <a:p>
+            <a:pPr algn="ctr"/>
+            <a:endParaRPr lang="LID4096"/>
+          </a:p>
+        </p:txBody>
+      </p:sp>
+      <p:sp>
+        <p:nvSpPr>
+          <p:cNvPr id="4" name="Slide Number Placeholder 3">
+            <a:extLst>
+              <a:ext uri="{FF2B5EF4-FFF2-40B4-BE49-F238E27FC236}">
+                <a16:creationId xmlns:a16="http://schemas.microsoft.com/office/drawing/2014/main" id="{7448BF2A-1F67-45F3-9E5B-A0E949BC49D6}"/>
+              </a:ext>
+            </a:extLst>
+          </p:cNvPr>
+          <p:cNvSpPr>
+            <a:spLocks noGrp="1"/>
+          </p:cNvSpPr>
+          <p:nvPr>
+            <p:ph type="sldNum" sz="quarter" idx="12"/>
+          </p:nvPr>
+        </p:nvSpPr>
+        <p:spPr/>
+        <p:txBody>
+          <a:bodyPr/>
+          <a:lstStyle/>
+          <a:p>
+            <a:fld id="{8F224621-ADB6-4DE2-A945-BF9C42D66C16}" type="slidenum">
+              <a:rPr lang="LID4096" smtClean="0"/>
+              <a:pPr/>
+              <a:t>3</a:t>
             </a:fld>
             <a:endParaRPr lang="LID4096" dirty="0"/>
           </a:p>
@@ -8706,7 +12038,7 @@
 </p:sld>
 </file>
 
-<file path=ppt/slides/slide5.xml><?xml version="1.0" encoding="utf-8"?>
+<file path=ppt/slides/slide30.xml><?xml version="1.0" encoding="utf-8"?>
 <p:sld xmlns:a="http://schemas.openxmlformats.org/drawingml/2006/main" xmlns:r="http://schemas.openxmlformats.org/officeDocument/2006/relationships" xmlns:p="http://schemas.openxmlformats.org/presentationml/2006/main">
   <p:cSld>
     <p:spTree>
@@ -8747,7 +12079,253 @@
             <a:fld id="{8F224621-ADB6-4DE2-A945-BF9C42D66C16}" type="slidenum">
               <a:rPr lang="LID4096" smtClean="0"/>
               <a:pPr/>
-              <a:t>5</a:t>
+              <a:t>30</a:t>
+            </a:fld>
+            <a:endParaRPr lang="LID4096" dirty="0"/>
+          </a:p>
+        </p:txBody>
+      </p:sp>
+      <p:sp>
+        <p:nvSpPr>
+          <p:cNvPr id="3" name="Google Shape;62;p14">
+            <a:extLst>
+              <a:ext uri="{FF2B5EF4-FFF2-40B4-BE49-F238E27FC236}">
+                <a16:creationId xmlns:a16="http://schemas.microsoft.com/office/drawing/2014/main" id="{E155BFF9-202C-475B-A266-871949978C02}"/>
+              </a:ext>
+            </a:extLst>
+          </p:cNvPr>
+          <p:cNvSpPr txBox="1">
+            <a:spLocks/>
+          </p:cNvSpPr>
+          <p:nvPr/>
+        </p:nvSpPr>
+        <p:spPr>
+          <a:xfrm>
+            <a:off x="415600" y="247650"/>
+            <a:ext cx="11360800" cy="834800"/>
+          </a:xfrm>
+          <a:prstGeom prst="rect">
+            <a:avLst/>
+          </a:prstGeom>
+        </p:spPr>
+        <p:txBody>
+          <a:bodyPr spcFirstLastPara="1" vert="horz" wrap="square" lIns="121900" tIns="121900" rIns="121900" bIns="121900" rtlCol="0" anchor="b" anchorCtr="0">
+            <a:noAutofit/>
+          </a:bodyPr>
+          <a:lstStyle>
+            <a:lvl1pPr algn="l" defTabSz="914400" rtl="0" eaLnBrk="1" latinLnBrk="0" hangingPunct="1">
+              <a:lnSpc>
+                <a:spcPct val="90000"/>
+              </a:lnSpc>
+              <a:spcBef>
+                <a:spcPct val="0"/>
+              </a:spcBef>
+              <a:buNone/>
+              <a:defRPr sz="4400" kern="1200">
+                <a:solidFill>
+                  <a:schemeClr val="tx1"/>
+                </a:solidFill>
+                <a:latin typeface="+mj-lt"/>
+                <a:ea typeface="+mj-ea"/>
+                <a:cs typeface="+mj-cs"/>
+              </a:defRPr>
+            </a:lvl1pPr>
+          </a:lstStyle>
+          <a:p>
+            <a:pPr algn="ctr">
+              <a:spcBef>
+                <a:spcPts val="0"/>
+              </a:spcBef>
+            </a:pPr>
+            <a:r>
+              <a:rPr lang="en-US" sz="4800" b="1" dirty="0">
+                <a:latin typeface="Arial" panose="020B0604020202020204" pitchFamily="34" charset="0"/>
+                <a:cs typeface="Arial" panose="020B0604020202020204" pitchFamily="34" charset="0"/>
+              </a:rPr>
+              <a:t>Title</a:t>
+            </a:r>
+          </a:p>
+        </p:txBody>
+      </p:sp>
+      <p:sp>
+        <p:nvSpPr>
+          <p:cNvPr id="2" name="TextBox 1">
+            <a:extLst>
+              <a:ext uri="{FF2B5EF4-FFF2-40B4-BE49-F238E27FC236}">
+                <a16:creationId xmlns:a16="http://schemas.microsoft.com/office/drawing/2014/main" id="{07705E8B-B431-42B4-B668-D6E71B87C830}"/>
+              </a:ext>
+            </a:extLst>
+          </p:cNvPr>
+          <p:cNvSpPr txBox="1"/>
+          <p:nvPr/>
+        </p:nvSpPr>
+        <p:spPr>
+          <a:xfrm>
+            <a:off x="0" y="1912735"/>
+            <a:ext cx="2621230" cy="646331"/>
+          </a:xfrm>
+          <a:prstGeom prst="rect">
+            <a:avLst/>
+          </a:prstGeom>
+          <a:noFill/>
+        </p:spPr>
+        <p:txBody>
+          <a:bodyPr wrap="none" rtlCol="0">
+            <a:spAutoFit/>
+          </a:bodyPr>
+          <a:lstStyle/>
+          <a:p>
+            <a:r>
+              <a:rPr lang="en-GB" sz="3600" dirty="0">
+                <a:latin typeface="Arial" panose="020B0604020202020204" pitchFamily="34" charset="0"/>
+                <a:cs typeface="Arial" panose="020B0604020202020204" pitchFamily="34" charset="0"/>
+              </a:rPr>
+              <a:t>Sample text</a:t>
+            </a:r>
+          </a:p>
+        </p:txBody>
+      </p:sp>
+      <p:sp>
+        <p:nvSpPr>
+          <p:cNvPr id="5" name="TextBox 4">
+            <a:extLst>
+              <a:ext uri="{FF2B5EF4-FFF2-40B4-BE49-F238E27FC236}">
+                <a16:creationId xmlns:a16="http://schemas.microsoft.com/office/drawing/2014/main" id="{896CF217-BFBD-493C-AB68-87A8BC9371B8}"/>
+              </a:ext>
+            </a:extLst>
+          </p:cNvPr>
+          <p:cNvSpPr txBox="1"/>
+          <p:nvPr/>
+        </p:nvSpPr>
+        <p:spPr>
+          <a:xfrm>
+            <a:off x="181429" y="3209816"/>
+            <a:ext cx="3159839" cy="646331"/>
+          </a:xfrm>
+          <a:prstGeom prst="rect">
+            <a:avLst/>
+          </a:prstGeom>
+          <a:noFill/>
+        </p:spPr>
+        <p:txBody>
+          <a:bodyPr wrap="none" rtlCol="0">
+            <a:spAutoFit/>
+          </a:bodyPr>
+          <a:lstStyle/>
+          <a:p>
+            <a:r>
+              <a:rPr lang="en-GB" sz="3600" b="1" dirty="0">
+                <a:solidFill>
+                  <a:schemeClr val="tx1">
+                    <a:lumMod val="65000"/>
+                    <a:lumOff val="35000"/>
+                  </a:schemeClr>
+                </a:solidFill>
+                <a:latin typeface="Arial" panose="020B0604020202020204" pitchFamily="34" charset="0"/>
+                <a:cs typeface="Arial" panose="020B0604020202020204" pitchFamily="34" charset="0"/>
+              </a:rPr>
+              <a:t>Sample text 2</a:t>
+            </a:r>
+          </a:p>
+        </p:txBody>
+      </p:sp>
+      <p:sp>
+        <p:nvSpPr>
+          <p:cNvPr id="7" name="TextBox 6">
+            <a:extLst>
+              <a:ext uri="{FF2B5EF4-FFF2-40B4-BE49-F238E27FC236}">
+                <a16:creationId xmlns:a16="http://schemas.microsoft.com/office/drawing/2014/main" id="{A269A873-90E1-4BED-AF3F-2907645C3A7D}"/>
+              </a:ext>
+            </a:extLst>
+          </p:cNvPr>
+          <p:cNvSpPr txBox="1"/>
+          <p:nvPr/>
+        </p:nvSpPr>
+        <p:spPr>
+          <a:xfrm>
+            <a:off x="1220547" y="4018643"/>
+            <a:ext cx="1633781" cy="369332"/>
+          </a:xfrm>
+          <a:prstGeom prst="rect">
+            <a:avLst/>
+          </a:prstGeom>
+          <a:noFill/>
+        </p:spPr>
+        <p:txBody>
+          <a:bodyPr wrap="none" rtlCol="0">
+            <a:spAutoFit/>
+          </a:bodyPr>
+          <a:lstStyle/>
+          <a:p>
+            <a:r>
+              <a:rPr lang="en-GB" dirty="0">
+                <a:latin typeface="Arial" panose="020B0604020202020204" pitchFamily="34" charset="0"/>
+                <a:cs typeface="Arial" panose="020B0604020202020204" pitchFamily="34" charset="0"/>
+              </a:rPr>
+              <a:t>Image caption</a:t>
+            </a:r>
+            <a:endParaRPr lang="LID4096" dirty="0">
+              <a:latin typeface="Arial" panose="020B0604020202020204" pitchFamily="34" charset="0"/>
+              <a:cs typeface="Arial" panose="020B0604020202020204" pitchFamily="34" charset="0"/>
+            </a:endParaRPr>
+          </a:p>
+        </p:txBody>
+      </p:sp>
+    </p:spTree>
+    <p:extLst>
+      <p:ext uri="{BB962C8B-B14F-4D97-AF65-F5344CB8AC3E}">
+        <p14:creationId xmlns:p14="http://schemas.microsoft.com/office/powerpoint/2010/main" val="4002409651"/>
+      </p:ext>
+    </p:extLst>
+  </p:cSld>
+  <p:clrMapOvr>
+    <a:masterClrMapping/>
+  </p:clrMapOvr>
+</p:sld>
+</file>
+
+<file path=ppt/slides/slide4.xml><?xml version="1.0" encoding="utf-8"?>
+<p:sld xmlns:a="http://schemas.openxmlformats.org/drawingml/2006/main" xmlns:r="http://schemas.openxmlformats.org/officeDocument/2006/relationships" xmlns:p="http://schemas.openxmlformats.org/presentationml/2006/main">
+  <p:cSld>
+    <p:spTree>
+      <p:nvGrpSpPr>
+        <p:cNvPr id="1" name=""/>
+        <p:cNvGrpSpPr/>
+        <p:nvPr/>
+      </p:nvGrpSpPr>
+      <p:grpSpPr>
+        <a:xfrm>
+          <a:off x="0" y="0"/>
+          <a:ext cx="0" cy="0"/>
+          <a:chOff x="0" y="0"/>
+          <a:chExt cx="0" cy="0"/>
+        </a:xfrm>
+      </p:grpSpPr>
+      <p:sp>
+        <p:nvSpPr>
+          <p:cNvPr id="4" name="Slide Number Placeholder 3">
+            <a:extLst>
+              <a:ext uri="{FF2B5EF4-FFF2-40B4-BE49-F238E27FC236}">
+                <a16:creationId xmlns:a16="http://schemas.microsoft.com/office/drawing/2014/main" id="{7448BF2A-1F67-45F3-9E5B-A0E949BC49D6}"/>
+              </a:ext>
+            </a:extLst>
+          </p:cNvPr>
+          <p:cNvSpPr>
+            <a:spLocks noGrp="1"/>
+          </p:cNvSpPr>
+          <p:nvPr>
+            <p:ph type="sldNum" sz="quarter" idx="12"/>
+          </p:nvPr>
+        </p:nvSpPr>
+        <p:spPr/>
+        <p:txBody>
+          <a:bodyPr/>
+          <a:lstStyle/>
+          <a:p>
+            <a:fld id="{8F224621-ADB6-4DE2-A945-BF9C42D66C16}" type="slidenum">
+              <a:rPr lang="LID4096" smtClean="0"/>
+              <a:pPr/>
+              <a:t>4</a:t>
             </a:fld>
             <a:endParaRPr lang="LID4096" dirty="0"/>
           </a:p>
@@ -9660,7 +13238,7 @@
 </p:sld>
 </file>
 
-<file path=ppt/slides/slide6.xml><?xml version="1.0" encoding="utf-8"?>
+<file path=ppt/slides/slide5.xml><?xml version="1.0" encoding="utf-8"?>
 <p:sld xmlns:a="http://schemas.openxmlformats.org/drawingml/2006/main" xmlns:r="http://schemas.openxmlformats.org/officeDocument/2006/relationships" xmlns:p="http://schemas.openxmlformats.org/presentationml/2006/main">
   <p:cSld>
     <p:spTree>
@@ -9701,7 +13279,7 @@
             <a:fld id="{8F224621-ADB6-4DE2-A945-BF9C42D66C16}" type="slidenum">
               <a:rPr lang="LID4096" smtClean="0"/>
               <a:pPr/>
-              <a:t>6</a:t>
+              <a:t>5</a:t>
             </a:fld>
             <a:endParaRPr lang="LID4096" dirty="0"/>
           </a:p>
@@ -11474,7 +15052,7 @@
 </p:sld>
 </file>
 
-<file path=ppt/slides/slide7.xml><?xml version="1.0" encoding="utf-8"?>
+<file path=ppt/slides/slide6.xml><?xml version="1.0" encoding="utf-8"?>
 <p:sld xmlns:a="http://schemas.openxmlformats.org/drawingml/2006/main" xmlns:r="http://schemas.openxmlformats.org/officeDocument/2006/relationships" xmlns:p="http://schemas.openxmlformats.org/presentationml/2006/main">
   <p:cSld>
     <p:spTree>
@@ -11515,7 +15093,7 @@
             <a:fld id="{8F224621-ADB6-4DE2-A945-BF9C42D66C16}" type="slidenum">
               <a:rPr lang="LID4096" smtClean="0"/>
               <a:pPr/>
-              <a:t>7</a:t>
+              <a:t>6</a:t>
             </a:fld>
             <a:endParaRPr lang="LID4096" dirty="0"/>
           </a:p>
@@ -11689,7 +15267,7 @@
 </p:sld>
 </file>
 
-<file path=ppt/slides/slide8.xml><?xml version="1.0" encoding="utf-8"?>
+<file path=ppt/slides/slide7.xml><?xml version="1.0" encoding="utf-8"?>
 <p:sld xmlns:a="http://schemas.openxmlformats.org/drawingml/2006/main" xmlns:r="http://schemas.openxmlformats.org/officeDocument/2006/relationships" xmlns:p="http://schemas.openxmlformats.org/presentationml/2006/main">
   <p:cSld>
     <p:spTree>
@@ -11730,7 +15308,7 @@
             <a:fld id="{8F224621-ADB6-4DE2-A945-BF9C42D66C16}" type="slidenum">
               <a:rPr lang="LID4096" smtClean="0"/>
               <a:pPr/>
-              <a:t>8</a:t>
+              <a:t>7</a:t>
             </a:fld>
             <a:endParaRPr lang="LID4096" dirty="0"/>
           </a:p>
@@ -11903,7 +15481,7 @@
 </p:sld>
 </file>
 
-<file path=ppt/slides/slide9.xml><?xml version="1.0" encoding="utf-8"?>
+<file path=ppt/slides/slide8.xml><?xml version="1.0" encoding="utf-8"?>
 <p:sld xmlns:a="http://schemas.openxmlformats.org/drawingml/2006/main" xmlns:r="http://schemas.openxmlformats.org/officeDocument/2006/relationships" xmlns:p="http://schemas.openxmlformats.org/presentationml/2006/main">
   <p:cSld>
     <p:spTree>
@@ -11944,7 +15522,7 @@
             <a:fld id="{8F224621-ADB6-4DE2-A945-BF9C42D66C16}" type="slidenum">
               <a:rPr lang="LID4096" smtClean="0"/>
               <a:pPr/>
-              <a:t>9</a:t>
+              <a:t>8</a:t>
             </a:fld>
             <a:endParaRPr lang="LID4096" dirty="0"/>
           </a:p>
@@ -12114,6 +15692,417 @@
   <p:clrMapOvr>
     <a:masterClrMapping/>
   </p:clrMapOvr>
+</p:sld>
+</file>
+
+<file path=ppt/slides/slide9.xml><?xml version="1.0" encoding="utf-8"?>
+<p:sld xmlns:a="http://schemas.openxmlformats.org/drawingml/2006/main" xmlns:r="http://schemas.openxmlformats.org/officeDocument/2006/relationships" xmlns:p="http://schemas.openxmlformats.org/presentationml/2006/main">
+  <p:cSld>
+    <p:spTree>
+      <p:nvGrpSpPr>
+        <p:cNvPr id="1" name=""/>
+        <p:cNvGrpSpPr/>
+        <p:nvPr/>
+      </p:nvGrpSpPr>
+      <p:grpSpPr>
+        <a:xfrm>
+          <a:off x="0" y="0"/>
+          <a:ext cx="0" cy="0"/>
+          <a:chOff x="0" y="0"/>
+          <a:chExt cx="0" cy="0"/>
+        </a:xfrm>
+      </p:grpSpPr>
+      <p:sp>
+        <p:nvSpPr>
+          <p:cNvPr id="4" name="Slide Number Placeholder 3">
+            <a:extLst>
+              <a:ext uri="{FF2B5EF4-FFF2-40B4-BE49-F238E27FC236}">
+                <a16:creationId xmlns:a16="http://schemas.microsoft.com/office/drawing/2014/main" id="{7448BF2A-1F67-45F3-9E5B-A0E949BC49D6}"/>
+              </a:ext>
+            </a:extLst>
+          </p:cNvPr>
+          <p:cNvSpPr>
+            <a:spLocks noGrp="1"/>
+          </p:cNvSpPr>
+          <p:nvPr>
+            <p:ph type="sldNum" sz="quarter" idx="12"/>
+          </p:nvPr>
+        </p:nvSpPr>
+        <p:spPr/>
+        <p:txBody>
+          <a:bodyPr/>
+          <a:lstStyle/>
+          <a:p>
+            <a:fld id="{8F224621-ADB6-4DE2-A945-BF9C42D66C16}" type="slidenum">
+              <a:rPr lang="LID4096" smtClean="0"/>
+              <a:pPr/>
+              <a:t>9</a:t>
+            </a:fld>
+            <a:endParaRPr lang="LID4096" dirty="0"/>
+          </a:p>
+        </p:txBody>
+      </p:sp>
+      <p:sp>
+        <p:nvSpPr>
+          <p:cNvPr id="3" name="Google Shape;62;p14">
+            <a:extLst>
+              <a:ext uri="{FF2B5EF4-FFF2-40B4-BE49-F238E27FC236}">
+                <a16:creationId xmlns:a16="http://schemas.microsoft.com/office/drawing/2014/main" id="{E155BFF9-202C-475B-A266-871949978C02}"/>
+              </a:ext>
+            </a:extLst>
+          </p:cNvPr>
+          <p:cNvSpPr txBox="1">
+            <a:spLocks/>
+          </p:cNvSpPr>
+          <p:nvPr/>
+        </p:nvSpPr>
+        <p:spPr>
+          <a:xfrm>
+            <a:off x="415600" y="247650"/>
+            <a:ext cx="11360800" cy="834800"/>
+          </a:xfrm>
+          <a:prstGeom prst="rect">
+            <a:avLst/>
+          </a:prstGeom>
+        </p:spPr>
+        <p:txBody>
+          <a:bodyPr spcFirstLastPara="1" vert="horz" wrap="square" lIns="121900" tIns="121900" rIns="121900" bIns="121900" rtlCol="0" anchor="b" anchorCtr="0">
+            <a:noAutofit/>
+          </a:bodyPr>
+          <a:lstStyle>
+            <a:lvl1pPr algn="l" defTabSz="914400" rtl="0" eaLnBrk="1" latinLnBrk="0" hangingPunct="1">
+              <a:lnSpc>
+                <a:spcPct val="90000"/>
+              </a:lnSpc>
+              <a:spcBef>
+                <a:spcPct val="0"/>
+              </a:spcBef>
+              <a:buNone/>
+              <a:defRPr sz="4400" kern="1200">
+                <a:solidFill>
+                  <a:schemeClr val="tx1"/>
+                </a:solidFill>
+                <a:latin typeface="+mj-lt"/>
+                <a:ea typeface="+mj-ea"/>
+                <a:cs typeface="+mj-cs"/>
+              </a:defRPr>
+            </a:lvl1pPr>
+          </a:lstStyle>
+          <a:p>
+            <a:pPr algn="ctr">
+              <a:spcBef>
+                <a:spcPts val="0"/>
+              </a:spcBef>
+            </a:pPr>
+            <a:r>
+              <a:rPr lang="en-US" sz="4800" b="1" dirty="0">
+                <a:latin typeface="Arial" panose="020B0604020202020204" pitchFamily="34" charset="0"/>
+                <a:cs typeface="Arial" panose="020B0604020202020204" pitchFamily="34" charset="0"/>
+              </a:rPr>
+              <a:t>LTI systems</a:t>
+            </a:r>
+          </a:p>
+        </p:txBody>
+      </p:sp>
+      <p:pic>
+        <p:nvPicPr>
+          <p:cNvPr id="8" name="Picture 7">
+            <a:extLst>
+              <a:ext uri="{FF2B5EF4-FFF2-40B4-BE49-F238E27FC236}">
+                <a16:creationId xmlns:a16="http://schemas.microsoft.com/office/drawing/2014/main" id="{570403F4-C157-48BD-BFE2-601540A75248}"/>
+              </a:ext>
+            </a:extLst>
+          </p:cNvPr>
+          <p:cNvPicPr>
+            <a:picLocks noChangeAspect="1"/>
+          </p:cNvPicPr>
+          <p:nvPr/>
+        </p:nvPicPr>
+        <p:blipFill>
+          <a:blip r:embed="rId2">
+            <a:extLst>
+              <a:ext uri="{28A0092B-C50C-407E-A947-70E740481C1C}">
+                <a14:useLocalDpi xmlns:a14="http://schemas.microsoft.com/office/drawing/2010/main" val="0"/>
+              </a:ext>
+            </a:extLst>
+          </a:blip>
+          <a:srcRect/>
+          <a:stretch/>
+        </p:blipFill>
+        <p:spPr>
+          <a:xfrm>
+            <a:off x="1795204" y="1115855"/>
+            <a:ext cx="8601593" cy="5149940"/>
+          </a:xfrm>
+          <a:prstGeom prst="rect">
+            <a:avLst/>
+          </a:prstGeom>
+        </p:spPr>
+      </p:pic>
+      <p:sp>
+        <p:nvSpPr>
+          <p:cNvPr id="10" name="TextBox 9">
+            <a:extLst>
+              <a:ext uri="{FF2B5EF4-FFF2-40B4-BE49-F238E27FC236}">
+                <a16:creationId xmlns:a16="http://schemas.microsoft.com/office/drawing/2014/main" id="{3F2A25D7-4A81-49B8-B8FD-19AC8BF46B28}"/>
+              </a:ext>
+            </a:extLst>
+          </p:cNvPr>
+          <p:cNvSpPr txBox="1"/>
+          <p:nvPr/>
+        </p:nvSpPr>
+        <p:spPr>
+          <a:xfrm>
+            <a:off x="5054690" y="6299200"/>
+            <a:ext cx="2082621" cy="369332"/>
+          </a:xfrm>
+          <a:prstGeom prst="rect">
+            <a:avLst/>
+          </a:prstGeom>
+          <a:noFill/>
+        </p:spPr>
+        <p:txBody>
+          <a:bodyPr wrap="none" rtlCol="0">
+            <a:spAutoFit/>
+          </a:bodyPr>
+          <a:lstStyle/>
+          <a:p>
+            <a:pPr algn="ctr"/>
+            <a:r>
+              <a:rPr lang="en-GB" dirty="0">
+                <a:latin typeface="Arial" panose="020B0604020202020204" pitchFamily="34" charset="0"/>
+                <a:cs typeface="Arial" panose="020B0604020202020204" pitchFamily="34" charset="0"/>
+              </a:rPr>
+              <a:t>Ref. </a:t>
+            </a:r>
+            <a:r>
+              <a:rPr lang="en-GB" dirty="0" err="1">
+                <a:latin typeface="Arial" panose="020B0604020202020204" pitchFamily="34" charset="0"/>
+                <a:cs typeface="Arial" panose="020B0604020202020204" pitchFamily="34" charset="0"/>
+              </a:rPr>
+              <a:t>Lataire</a:t>
+            </a:r>
+            <a:r>
+              <a:rPr lang="en-GB" dirty="0">
+                <a:latin typeface="Arial" panose="020B0604020202020204" pitchFamily="34" charset="0"/>
+                <a:cs typeface="Arial" panose="020B0604020202020204" pitchFamily="34" charset="0"/>
+              </a:rPr>
+              <a:t> [2017]</a:t>
+            </a:r>
+            <a:endParaRPr lang="LID4096" dirty="0">
+              <a:latin typeface="Arial" panose="020B0604020202020204" pitchFamily="34" charset="0"/>
+              <a:cs typeface="Arial" panose="020B0604020202020204" pitchFamily="34" charset="0"/>
+            </a:endParaRPr>
+          </a:p>
+        </p:txBody>
+      </p:sp>
+      <p:cxnSp>
+        <p:nvCxnSpPr>
+          <p:cNvPr id="6" name="Straight Arrow Connector 5">
+            <a:extLst>
+              <a:ext uri="{FF2B5EF4-FFF2-40B4-BE49-F238E27FC236}">
+                <a16:creationId xmlns:a16="http://schemas.microsoft.com/office/drawing/2014/main" id="{14DAAD0F-D684-4F4C-8822-38A9D0D38B59}"/>
+              </a:ext>
+            </a:extLst>
+          </p:cNvPr>
+          <p:cNvCxnSpPr>
+            <a:cxnSpLocks/>
+          </p:cNvCxnSpPr>
+          <p:nvPr/>
+        </p:nvCxnSpPr>
+        <p:spPr>
+          <a:xfrm flipH="1">
+            <a:off x="4455887" y="2017486"/>
+            <a:ext cx="3207656" cy="2090057"/>
+          </a:xfrm>
+          <a:prstGeom prst="straightConnector1">
+            <a:avLst/>
+          </a:prstGeom>
+          <a:ln w="57150">
+            <a:solidFill>
+              <a:srgbClr val="FF0000"/>
+            </a:solidFill>
+            <a:tailEnd type="triangle"/>
+          </a:ln>
+        </p:spPr>
+        <p:style>
+          <a:lnRef idx="1">
+            <a:schemeClr val="accent1"/>
+          </a:lnRef>
+          <a:fillRef idx="0">
+            <a:schemeClr val="accent1"/>
+          </a:fillRef>
+          <a:effectRef idx="0">
+            <a:schemeClr val="accent1"/>
+          </a:effectRef>
+          <a:fontRef idx="minor">
+            <a:schemeClr val="tx1"/>
+          </a:fontRef>
+        </p:style>
+      </p:cxnSp>
+      <p:sp>
+        <p:nvSpPr>
+          <p:cNvPr id="9" name="TextBox 8">
+            <a:extLst>
+              <a:ext uri="{FF2B5EF4-FFF2-40B4-BE49-F238E27FC236}">
+                <a16:creationId xmlns:a16="http://schemas.microsoft.com/office/drawing/2014/main" id="{B00A6F4C-F3CB-46BD-AD47-735075D46F77}"/>
+              </a:ext>
+            </a:extLst>
+          </p:cNvPr>
+          <p:cNvSpPr txBox="1"/>
+          <p:nvPr/>
+        </p:nvSpPr>
+        <p:spPr>
+          <a:xfrm>
+            <a:off x="6660704" y="1371155"/>
+            <a:ext cx="2005677" cy="646331"/>
+          </a:xfrm>
+          <a:prstGeom prst="rect">
+            <a:avLst/>
+          </a:prstGeom>
+          <a:noFill/>
+        </p:spPr>
+        <p:txBody>
+          <a:bodyPr wrap="none" rtlCol="0">
+            <a:spAutoFit/>
+          </a:bodyPr>
+          <a:lstStyle/>
+          <a:p>
+            <a:r>
+              <a:rPr lang="en-GB" sz="3600" dirty="0" err="1">
+                <a:solidFill>
+                  <a:srgbClr val="FF0000"/>
+                </a:solidFill>
+                <a:latin typeface="Arial" panose="020B0604020202020204" pitchFamily="34" charset="0"/>
+                <a:cs typeface="Arial" panose="020B0604020202020204" pitchFamily="34" charset="0"/>
+              </a:rPr>
+              <a:t>Multisine</a:t>
+            </a:r>
+            <a:endParaRPr lang="en-GB" sz="3600" dirty="0">
+              <a:solidFill>
+                <a:srgbClr val="FF0000"/>
+              </a:solidFill>
+              <a:latin typeface="Arial" panose="020B0604020202020204" pitchFamily="34" charset="0"/>
+              <a:cs typeface="Arial" panose="020B0604020202020204" pitchFamily="34" charset="0"/>
+            </a:endParaRPr>
+          </a:p>
+        </p:txBody>
+      </p:sp>
+    </p:spTree>
+    <p:extLst>
+      <p:ext uri="{BB962C8B-B14F-4D97-AF65-F5344CB8AC3E}">
+        <p14:creationId xmlns:p14="http://schemas.microsoft.com/office/powerpoint/2010/main" val="1346309420"/>
+      </p:ext>
+    </p:extLst>
+  </p:cSld>
+  <p:clrMapOvr>
+    <a:masterClrMapping/>
+  </p:clrMapOvr>
+  <p:timing>
+    <p:tnLst>
+      <p:par>
+        <p:cTn id="1" dur="indefinite" restart="never" nodeType="tmRoot">
+          <p:childTnLst>
+            <p:seq concurrent="1" nextAc="seek">
+              <p:cTn id="2" dur="indefinite" nodeType="mainSeq">
+                <p:childTnLst>
+                  <p:par>
+                    <p:cTn id="3" fill="hold">
+                      <p:stCondLst>
+                        <p:cond delay="indefinite"/>
+                      </p:stCondLst>
+                      <p:childTnLst>
+                        <p:par>
+                          <p:cTn id="4" fill="hold">
+                            <p:stCondLst>
+                              <p:cond delay="0"/>
+                            </p:stCondLst>
+                            <p:childTnLst>
+                              <p:par>
+                                <p:cTn id="5" presetID="1" presetClass="entr" presetSubtype="0" fill="hold" grpId="0" nodeType="clickEffect">
+                                  <p:stCondLst>
+                                    <p:cond delay="0"/>
+                                  </p:stCondLst>
+                                  <p:childTnLst>
+                                    <p:set>
+                                      <p:cBhvr>
+                                        <p:cTn id="6" dur="1" fill="hold">
+                                          <p:stCondLst>
+                                            <p:cond delay="0"/>
+                                          </p:stCondLst>
+                                        </p:cTn>
+                                        <p:tgtEl>
+                                          <p:spTgt spid="9"/>
+                                        </p:tgtEl>
+                                        <p:attrNameLst>
+                                          <p:attrName>style.visibility</p:attrName>
+                                        </p:attrNameLst>
+                                      </p:cBhvr>
+                                      <p:to>
+                                        <p:strVal val="visible"/>
+                                      </p:to>
+                                    </p:set>
+                                  </p:childTnLst>
+                                </p:cTn>
+                              </p:par>
+                              <p:par>
+                                <p:cTn id="7" presetID="1" presetClass="entr" presetSubtype="0" fill="hold" nodeType="withEffect">
+                                  <p:stCondLst>
+                                    <p:cond delay="0"/>
+                                  </p:stCondLst>
+                                  <p:childTnLst>
+                                    <p:set>
+                                      <p:cBhvr>
+                                        <p:cTn id="8" dur="1" fill="hold">
+                                          <p:stCondLst>
+                                            <p:cond delay="0"/>
+                                          </p:stCondLst>
+                                        </p:cTn>
+                                        <p:tgtEl>
+                                          <p:spTgt spid="6"/>
+                                        </p:tgtEl>
+                                        <p:attrNameLst>
+                                          <p:attrName>style.visibility</p:attrName>
+                                        </p:attrNameLst>
+                                      </p:cBhvr>
+                                      <p:to>
+                                        <p:strVal val="visible"/>
+                                      </p:to>
+                                    </p:set>
+                                  </p:childTnLst>
+                                </p:cTn>
+                              </p:par>
+                            </p:childTnLst>
+                          </p:cTn>
+                        </p:par>
+                      </p:childTnLst>
+                    </p:cTn>
+                  </p:par>
+                </p:childTnLst>
+              </p:cTn>
+              <p:prevCondLst>
+                <p:cond evt="onPrev" delay="0">
+                  <p:tgtEl>
+                    <p:sldTgt/>
+                  </p:tgtEl>
+                </p:cond>
+              </p:prevCondLst>
+              <p:nextCondLst>
+                <p:cond evt="onNext" delay="0">
+                  <p:tgtEl>
+                    <p:sldTgt/>
+                  </p:tgtEl>
+                </p:cond>
+              </p:nextCondLst>
+            </p:seq>
+          </p:childTnLst>
+        </p:cTn>
+      </p:par>
+    </p:tnLst>
+    <p:bldLst>
+      <p:bldP spid="9" grpId="0"/>
+    </p:bldLst>
+  </p:timing>
 </p:sld>
 </file>
 

--- a/Presentation/Thesis.pptx
+++ b/Presentation/Thesis.pptx
@@ -5,10 +5,10 @@
     <p:sldMasterId id="2147483648" r:id="rId1"/>
   </p:sldMasterIdLst>
   <p:notesMasterIdLst>
-    <p:notesMasterId r:id="rId32"/>
+    <p:notesMasterId r:id="rId37"/>
   </p:notesMasterIdLst>
   <p:handoutMasterIdLst>
-    <p:handoutMasterId r:id="rId33"/>
+    <p:handoutMasterId r:id="rId38"/>
   </p:handoutMasterIdLst>
   <p:sldIdLst>
     <p:sldId id="256" r:id="rId2"/>
@@ -39,8 +39,13 @@
     <p:sldId id="291" r:id="rId27"/>
     <p:sldId id="292" r:id="rId28"/>
     <p:sldId id="265" r:id="rId29"/>
-    <p:sldId id="270" r:id="rId30"/>
-    <p:sldId id="266" r:id="rId31"/>
+    <p:sldId id="294" r:id="rId30"/>
+    <p:sldId id="293" r:id="rId31"/>
+    <p:sldId id="295" r:id="rId32"/>
+    <p:sldId id="296" r:id="rId33"/>
+    <p:sldId id="297" r:id="rId34"/>
+    <p:sldId id="270" r:id="rId35"/>
+    <p:sldId id="266" r:id="rId36"/>
   </p:sldIdLst>
   <p:sldSz cx="12192000" cy="6858000"/>
   <p:notesSz cx="6858000" cy="9144000"/>
@@ -165,7 +170,7 @@
 <file path=ppt/revisionInfo.xml><?xml version="1.0" encoding="utf-8"?>
 <p1510:revInfo xmlns:a="http://schemas.openxmlformats.org/drawingml/2006/main" xmlns:r="http://schemas.openxmlformats.org/officeDocument/2006/relationships" xmlns:p1510="http://schemas.microsoft.com/office/powerpoint/2015/10/main">
   <p1510:revLst>
-    <p1510:client id="{586DEE1A-CE0A-4E3C-B144-A347ABF1FE9F}" v="121" dt="2020-08-24T19:50:39.057"/>
+    <p1510:client id="{586DEE1A-CE0A-4E3C-B144-A347ABF1FE9F}" v="412" dt="2020-08-24T21:53:29.973"/>
   </p1510:revLst>
 </p1510:revInfo>
 </file>
@@ -175,7 +180,7 @@
   <pc:docChgLst>
     <pc:chgData name="Marc Berneman" userId="6e80ea52-aae6-495c-9775-04fc3644c8c5" providerId="ADAL" clId="{586DEE1A-CE0A-4E3C-B144-A347ABF1FE9F}"/>
     <pc:docChg chg="undo custSel addSld delSld modSld sldOrd">
-      <pc:chgData name="Marc Berneman" userId="6e80ea52-aae6-495c-9775-04fc3644c8c5" providerId="ADAL" clId="{586DEE1A-CE0A-4E3C-B144-A347ABF1FE9F}" dt="2020-08-24T19:56:24.737" v="692" actId="20577"/>
+      <pc:chgData name="Marc Berneman" userId="6e80ea52-aae6-495c-9775-04fc3644c8c5" providerId="ADAL" clId="{586DEE1A-CE0A-4E3C-B144-A347ABF1FE9F}" dt="2020-08-24T21:53:29.972" v="1828"/>
       <pc:docMkLst>
         <pc:docMk/>
       </pc:docMkLst>
@@ -209,12 +214,28 @@
           </ac:spMkLst>
         </pc:spChg>
       </pc:sldChg>
-      <pc:sldChg chg="delSp add mod">
-        <pc:chgData name="Marc Berneman" userId="6e80ea52-aae6-495c-9775-04fc3644c8c5" providerId="ADAL" clId="{586DEE1A-CE0A-4E3C-B144-A347ABF1FE9F}" dt="2020-08-24T19:50:48.391" v="680" actId="21"/>
+      <pc:sldChg chg="addSp delSp modSp add mod modAnim">
+        <pc:chgData name="Marc Berneman" userId="6e80ea52-aae6-495c-9775-04fc3644c8c5" providerId="ADAL" clId="{586DEE1A-CE0A-4E3C-B144-A347ABF1FE9F}" dt="2020-08-24T21:13:08.843" v="878" actId="478"/>
         <pc:sldMkLst>
           <pc:docMk/>
           <pc:sldMk cId="2061743488" sldId="265"/>
         </pc:sldMkLst>
+        <pc:spChg chg="add mod">
+          <ac:chgData name="Marc Berneman" userId="6e80ea52-aae6-495c-9775-04fc3644c8c5" providerId="ADAL" clId="{586DEE1A-CE0A-4E3C-B144-A347ABF1FE9F}" dt="2020-08-24T21:13:00.571" v="874" actId="313"/>
+          <ac:spMkLst>
+            <pc:docMk/>
+            <pc:sldMk cId="2061743488" sldId="265"/>
+            <ac:spMk id="13" creationId="{351CB553-65FE-4CE5-90AB-114524B0C57B}"/>
+          </ac:spMkLst>
+        </pc:spChg>
+        <pc:picChg chg="add mod ord">
+          <ac:chgData name="Marc Berneman" userId="6e80ea52-aae6-495c-9775-04fc3644c8c5" providerId="ADAL" clId="{586DEE1A-CE0A-4E3C-B144-A347ABF1FE9F}" dt="2020-08-24T21:08:07.591" v="703" actId="1076"/>
+          <ac:picMkLst>
+            <pc:docMk/>
+            <pc:sldMk cId="2061743488" sldId="265"/>
+            <ac:picMk id="5" creationId="{E25A6CD7-9611-4C0E-BDE2-DEE9A989C0E8}"/>
+          </ac:picMkLst>
+        </pc:picChg>
         <pc:picChg chg="del">
           <ac:chgData name="Marc Berneman" userId="6e80ea52-aae6-495c-9775-04fc3644c8c5" providerId="ADAL" clId="{586DEE1A-CE0A-4E3C-B144-A347ABF1FE9F}" dt="2020-08-24T19:50:48.391" v="680" actId="21"/>
           <ac:picMkLst>
@@ -223,6 +244,46 @@
             <ac:picMk id="6" creationId="{F45AC2AE-F3F7-4B17-8253-2E7C11CF54F2}"/>
           </ac:picMkLst>
         </pc:picChg>
+        <pc:picChg chg="add mod">
+          <ac:chgData name="Marc Berneman" userId="6e80ea52-aae6-495c-9775-04fc3644c8c5" providerId="ADAL" clId="{586DEE1A-CE0A-4E3C-B144-A347ABF1FE9F}" dt="2020-08-24T21:11:20.433" v="864" actId="1038"/>
+          <ac:picMkLst>
+            <pc:docMk/>
+            <pc:sldMk cId="2061743488" sldId="265"/>
+            <ac:picMk id="7" creationId="{EBB96318-73CD-4B7E-9759-B1AC3BFDAA90}"/>
+          </ac:picMkLst>
+        </pc:picChg>
+        <pc:picChg chg="add del mod">
+          <ac:chgData name="Marc Berneman" userId="6e80ea52-aae6-495c-9775-04fc3644c8c5" providerId="ADAL" clId="{586DEE1A-CE0A-4E3C-B144-A347ABF1FE9F}" dt="2020-08-24T21:13:08.843" v="878" actId="478"/>
+          <ac:picMkLst>
+            <pc:docMk/>
+            <pc:sldMk cId="2061743488" sldId="265"/>
+            <ac:picMk id="9" creationId="{0A13FD4B-B172-4C97-BBC2-53A6F72D45DA}"/>
+          </ac:picMkLst>
+        </pc:picChg>
+        <pc:picChg chg="add mod">
+          <ac:chgData name="Marc Berneman" userId="6e80ea52-aae6-495c-9775-04fc3644c8c5" providerId="ADAL" clId="{586DEE1A-CE0A-4E3C-B144-A347ABF1FE9F}" dt="2020-08-24T21:11:20.433" v="864" actId="1038"/>
+          <ac:picMkLst>
+            <pc:docMk/>
+            <pc:sldMk cId="2061743488" sldId="265"/>
+            <ac:picMk id="11" creationId="{923B81C2-9631-47CF-B916-92C503315C74}"/>
+          </ac:picMkLst>
+        </pc:picChg>
+        <pc:cxnChg chg="add mod">
+          <ac:chgData name="Marc Berneman" userId="6e80ea52-aae6-495c-9775-04fc3644c8c5" providerId="ADAL" clId="{586DEE1A-CE0A-4E3C-B144-A347ABF1FE9F}" dt="2020-08-24T21:11:55.274" v="869" actId="208"/>
+          <ac:cxnSpMkLst>
+            <pc:docMk/>
+            <pc:sldMk cId="2061743488" sldId="265"/>
+            <ac:cxnSpMk id="14" creationId="{9B35F633-3233-42A8-BD86-11CCC70409A9}"/>
+          </ac:cxnSpMkLst>
+        </pc:cxnChg>
+        <pc:cxnChg chg="add del mod">
+          <ac:chgData name="Marc Berneman" userId="6e80ea52-aae6-495c-9775-04fc3644c8c5" providerId="ADAL" clId="{586DEE1A-CE0A-4E3C-B144-A347ABF1FE9F}" dt="2020-08-24T21:13:05.695" v="876"/>
+          <ac:cxnSpMkLst>
+            <pc:docMk/>
+            <pc:sldMk cId="2061743488" sldId="265"/>
+            <ac:cxnSpMk id="16" creationId="{2044D36C-7BED-48F2-A81E-FFB549A3C55F}"/>
+          </ac:cxnSpMkLst>
+        </pc:cxnChg>
       </pc:sldChg>
       <pc:sldChg chg="del">
         <pc:chgData name="Marc Berneman" userId="6e80ea52-aae6-495c-9775-04fc3644c8c5" providerId="ADAL" clId="{586DEE1A-CE0A-4E3C-B144-A347ABF1FE9F}" dt="2020-08-24T19:50:30.011" v="650" actId="2696"/>
@@ -692,6 +753,432 @@
           </ac:picMkLst>
         </pc:picChg>
       </pc:sldChg>
+      <pc:sldChg chg="addSp delSp modSp add mod delAnim modAnim">
+        <pc:chgData name="Marc Berneman" userId="6e80ea52-aae6-495c-9775-04fc3644c8c5" providerId="ADAL" clId="{586DEE1A-CE0A-4E3C-B144-A347ABF1FE9F}" dt="2020-08-24T21:34:02.383" v="1103"/>
+        <pc:sldMkLst>
+          <pc:docMk/>
+          <pc:sldMk cId="1812415350" sldId="293"/>
+        </pc:sldMkLst>
+        <pc:spChg chg="add del mod">
+          <ac:chgData name="Marc Berneman" userId="6e80ea52-aae6-495c-9775-04fc3644c8c5" providerId="ADAL" clId="{586DEE1A-CE0A-4E3C-B144-A347ABF1FE9F}" dt="2020-08-24T21:22:35.705" v="965" actId="478"/>
+          <ac:spMkLst>
+            <pc:docMk/>
+            <pc:sldMk cId="1812415350" sldId="293"/>
+            <ac:spMk id="12" creationId="{6A8C6B2F-64BA-4A18-83A7-7210B785DC19}"/>
+          </ac:spMkLst>
+        </pc:spChg>
+        <pc:spChg chg="del">
+          <ac:chgData name="Marc Berneman" userId="6e80ea52-aae6-495c-9775-04fc3644c8c5" providerId="ADAL" clId="{586DEE1A-CE0A-4E3C-B144-A347ABF1FE9F}" dt="2020-08-24T21:13:11.869" v="880" actId="478"/>
+          <ac:spMkLst>
+            <pc:docMk/>
+            <pc:sldMk cId="1812415350" sldId="293"/>
+            <ac:spMk id="13" creationId="{351CB553-65FE-4CE5-90AB-114524B0C57B}"/>
+          </ac:spMkLst>
+        </pc:spChg>
+        <pc:spChg chg="add del mod">
+          <ac:chgData name="Marc Berneman" userId="6e80ea52-aae6-495c-9775-04fc3644c8c5" providerId="ADAL" clId="{586DEE1A-CE0A-4E3C-B144-A347ABF1FE9F}" dt="2020-08-24T21:20:48.207" v="929" actId="478"/>
+          <ac:spMkLst>
+            <pc:docMk/>
+            <pc:sldMk cId="1812415350" sldId="293"/>
+            <ac:spMk id="18" creationId="{D4ED38AD-C431-43D1-A73C-EC3ADB95C7A2}"/>
+          </ac:spMkLst>
+        </pc:spChg>
+        <pc:spChg chg="add del mod">
+          <ac:chgData name="Marc Berneman" userId="6e80ea52-aae6-495c-9775-04fc3644c8c5" providerId="ADAL" clId="{586DEE1A-CE0A-4E3C-B144-A347ABF1FE9F}" dt="2020-08-24T21:22:35.705" v="965" actId="478"/>
+          <ac:spMkLst>
+            <pc:docMk/>
+            <pc:sldMk cId="1812415350" sldId="293"/>
+            <ac:spMk id="20" creationId="{34D1D757-426A-4069-86EC-46289E87DBA6}"/>
+          </ac:spMkLst>
+        </pc:spChg>
+        <pc:spChg chg="add mod">
+          <ac:chgData name="Marc Berneman" userId="6e80ea52-aae6-495c-9775-04fc3644c8c5" providerId="ADAL" clId="{586DEE1A-CE0A-4E3C-B144-A347ABF1FE9F}" dt="2020-08-24T21:33:45.576" v="1101" actId="1038"/>
+          <ac:spMkLst>
+            <pc:docMk/>
+            <pc:sldMk cId="1812415350" sldId="293"/>
+            <ac:spMk id="36" creationId="{FEC5FA52-2EC7-4B93-9469-5C9BB9D90A60}"/>
+          </ac:spMkLst>
+        </pc:spChg>
+        <pc:picChg chg="del">
+          <ac:chgData name="Marc Berneman" userId="6e80ea52-aae6-495c-9775-04fc3644c8c5" providerId="ADAL" clId="{586DEE1A-CE0A-4E3C-B144-A347ABF1FE9F}" dt="2020-08-24T21:13:10.150" v="879" actId="478"/>
+          <ac:picMkLst>
+            <pc:docMk/>
+            <pc:sldMk cId="1812415350" sldId="293"/>
+            <ac:picMk id="5" creationId="{E25A6CD7-9611-4C0E-BDE2-DEE9A989C0E8}"/>
+          </ac:picMkLst>
+        </pc:picChg>
+        <pc:picChg chg="add del mod">
+          <ac:chgData name="Marc Berneman" userId="6e80ea52-aae6-495c-9775-04fc3644c8c5" providerId="ADAL" clId="{586DEE1A-CE0A-4E3C-B144-A347ABF1FE9F}" dt="2020-08-24T21:22:35.705" v="965" actId="478"/>
+          <ac:picMkLst>
+            <pc:docMk/>
+            <pc:sldMk cId="1812415350" sldId="293"/>
+            <ac:picMk id="6" creationId="{ECC84D1F-55C5-4D79-90EC-4382B315D6E3}"/>
+          </ac:picMkLst>
+        </pc:picChg>
+        <pc:picChg chg="del">
+          <ac:chgData name="Marc Berneman" userId="6e80ea52-aae6-495c-9775-04fc3644c8c5" providerId="ADAL" clId="{586DEE1A-CE0A-4E3C-B144-A347ABF1FE9F}" dt="2020-08-24T21:13:14.032" v="882" actId="478"/>
+          <ac:picMkLst>
+            <pc:docMk/>
+            <pc:sldMk cId="1812415350" sldId="293"/>
+            <ac:picMk id="7" creationId="{EBB96318-73CD-4B7E-9759-B1AC3BFDAA90}"/>
+          </ac:picMkLst>
+        </pc:picChg>
+        <pc:picChg chg="del mod">
+          <ac:chgData name="Marc Berneman" userId="6e80ea52-aae6-495c-9775-04fc3644c8c5" providerId="ADAL" clId="{586DEE1A-CE0A-4E3C-B144-A347ABF1FE9F}" dt="2020-08-24T21:22:13.341" v="964" actId="478"/>
+          <ac:picMkLst>
+            <pc:docMk/>
+            <pc:sldMk cId="1812415350" sldId="293"/>
+            <ac:picMk id="9" creationId="{0A13FD4B-B172-4C97-BBC2-53A6F72D45DA}"/>
+          </ac:picMkLst>
+        </pc:picChg>
+        <pc:picChg chg="del mod">
+          <ac:chgData name="Marc Berneman" userId="6e80ea52-aae6-495c-9775-04fc3644c8c5" providerId="ADAL" clId="{586DEE1A-CE0A-4E3C-B144-A347ABF1FE9F}" dt="2020-08-24T21:22:35.705" v="965" actId="478"/>
+          <ac:picMkLst>
+            <pc:docMk/>
+            <pc:sldMk cId="1812415350" sldId="293"/>
+            <ac:picMk id="11" creationId="{923B81C2-9631-47CF-B916-92C503315C74}"/>
+          </ac:picMkLst>
+        </pc:picChg>
+        <pc:picChg chg="add del mod">
+          <ac:chgData name="Marc Berneman" userId="6e80ea52-aae6-495c-9775-04fc3644c8c5" providerId="ADAL" clId="{586DEE1A-CE0A-4E3C-B144-A347ABF1FE9F}" dt="2020-08-24T21:20:34.422" v="919" actId="478"/>
+          <ac:picMkLst>
+            <pc:docMk/>
+            <pc:sldMk cId="1812415350" sldId="293"/>
+            <ac:picMk id="17" creationId="{6BDE9BFB-86C3-4FA9-B3DC-B03D2E78F6C0}"/>
+          </ac:picMkLst>
+        </pc:picChg>
+        <pc:picChg chg="add mod">
+          <ac:chgData name="Marc Berneman" userId="6e80ea52-aae6-495c-9775-04fc3644c8c5" providerId="ADAL" clId="{586DEE1A-CE0A-4E3C-B144-A347ABF1FE9F}" dt="2020-08-24T21:33:41.989" v="1096" actId="1038"/>
+          <ac:picMkLst>
+            <pc:docMk/>
+            <pc:sldMk cId="1812415350" sldId="293"/>
+            <ac:picMk id="24" creationId="{C711E0F4-1B22-472C-8CDB-6EA2F883AB31}"/>
+          </ac:picMkLst>
+        </pc:picChg>
+        <pc:picChg chg="add mod">
+          <ac:chgData name="Marc Berneman" userId="6e80ea52-aae6-495c-9775-04fc3644c8c5" providerId="ADAL" clId="{586DEE1A-CE0A-4E3C-B144-A347ABF1FE9F}" dt="2020-08-24T21:24:51.743" v="1010" actId="1076"/>
+          <ac:picMkLst>
+            <pc:docMk/>
+            <pc:sldMk cId="1812415350" sldId="293"/>
+            <ac:picMk id="26" creationId="{5B2C6490-465A-4E7B-A19A-0B36544F94C0}"/>
+          </ac:picMkLst>
+        </pc:picChg>
+        <pc:picChg chg="add del mod">
+          <ac:chgData name="Marc Berneman" userId="6e80ea52-aae6-495c-9775-04fc3644c8c5" providerId="ADAL" clId="{586DEE1A-CE0A-4E3C-B144-A347ABF1FE9F}" dt="2020-08-24T21:24:28.028" v="1001" actId="478"/>
+          <ac:picMkLst>
+            <pc:docMk/>
+            <pc:sldMk cId="1812415350" sldId="293"/>
+            <ac:picMk id="28" creationId="{DA08CA20-3624-4CFF-A008-C45982530B4F}"/>
+          </ac:picMkLst>
+        </pc:picChg>
+        <pc:picChg chg="add del mod">
+          <ac:chgData name="Marc Berneman" userId="6e80ea52-aae6-495c-9775-04fc3644c8c5" providerId="ADAL" clId="{586DEE1A-CE0A-4E3C-B144-A347ABF1FE9F}" dt="2020-08-24T21:24:28.673" v="1002" actId="478"/>
+          <ac:picMkLst>
+            <pc:docMk/>
+            <pc:sldMk cId="1812415350" sldId="293"/>
+            <ac:picMk id="30" creationId="{B800025A-CA74-4351-8D62-A60D63199407}"/>
+          </ac:picMkLst>
+        </pc:picChg>
+        <pc:picChg chg="add del mod">
+          <ac:chgData name="Marc Berneman" userId="6e80ea52-aae6-495c-9775-04fc3644c8c5" providerId="ADAL" clId="{586DEE1A-CE0A-4E3C-B144-A347ABF1FE9F}" dt="2020-08-24T21:24:59.619" v="1013" actId="478"/>
+          <ac:picMkLst>
+            <pc:docMk/>
+            <pc:sldMk cId="1812415350" sldId="293"/>
+            <ac:picMk id="32" creationId="{944323C6-1EDE-44A8-95C6-FBC072449E36}"/>
+          </ac:picMkLst>
+        </pc:picChg>
+        <pc:picChg chg="add mod">
+          <ac:chgData name="Marc Berneman" userId="6e80ea52-aae6-495c-9775-04fc3644c8c5" providerId="ADAL" clId="{586DEE1A-CE0A-4E3C-B144-A347ABF1FE9F}" dt="2020-08-24T21:24:37.055" v="1007" actId="1076"/>
+          <ac:picMkLst>
+            <pc:docMk/>
+            <pc:sldMk cId="1812415350" sldId="293"/>
+            <ac:picMk id="34" creationId="{E95FD6C0-C866-4BD5-9340-F1FE6E8C8817}"/>
+          </ac:picMkLst>
+        </pc:picChg>
+        <pc:cxnChg chg="del">
+          <ac:chgData name="Marc Berneman" userId="6e80ea52-aae6-495c-9775-04fc3644c8c5" providerId="ADAL" clId="{586DEE1A-CE0A-4E3C-B144-A347ABF1FE9F}" dt="2020-08-24T21:13:12.789" v="881" actId="478"/>
+          <ac:cxnSpMkLst>
+            <pc:docMk/>
+            <pc:sldMk cId="1812415350" sldId="293"/>
+            <ac:cxnSpMk id="14" creationId="{9B35F633-3233-42A8-BD86-11CCC70409A9}"/>
+          </ac:cxnSpMkLst>
+        </pc:cxnChg>
+        <pc:cxnChg chg="add del mod">
+          <ac:chgData name="Marc Berneman" userId="6e80ea52-aae6-495c-9775-04fc3644c8c5" providerId="ADAL" clId="{586DEE1A-CE0A-4E3C-B144-A347ABF1FE9F}" dt="2020-08-24T21:22:35.705" v="965" actId="478"/>
+          <ac:cxnSpMkLst>
+            <pc:docMk/>
+            <pc:sldMk cId="1812415350" sldId="293"/>
+            <ac:cxnSpMk id="15" creationId="{C7E8D4AC-3799-4E70-AC27-91F5A238EFE3}"/>
+          </ac:cxnSpMkLst>
+        </pc:cxnChg>
+        <pc:cxnChg chg="add del mod">
+          <ac:chgData name="Marc Berneman" userId="6e80ea52-aae6-495c-9775-04fc3644c8c5" providerId="ADAL" clId="{586DEE1A-CE0A-4E3C-B144-A347ABF1FE9F}" dt="2020-08-24T21:22:35.705" v="965" actId="478"/>
+          <ac:cxnSpMkLst>
+            <pc:docMk/>
+            <pc:sldMk cId="1812415350" sldId="293"/>
+            <ac:cxnSpMk id="21" creationId="{3F3296BE-6FCD-43C0-BA6B-43541BE0B210}"/>
+          </ac:cxnSpMkLst>
+        </pc:cxnChg>
+      </pc:sldChg>
+      <pc:sldChg chg="delSp add mod ord">
+        <pc:chgData name="Marc Berneman" userId="6e80ea52-aae6-495c-9775-04fc3644c8c5" providerId="ADAL" clId="{586DEE1A-CE0A-4E3C-B144-A347ABF1FE9F}" dt="2020-08-24T21:26:49.345" v="1036" actId="478"/>
+        <pc:sldMkLst>
+          <pc:docMk/>
+          <pc:sldMk cId="1370871428" sldId="294"/>
+        </pc:sldMkLst>
+        <pc:picChg chg="del">
+          <ac:chgData name="Marc Berneman" userId="6e80ea52-aae6-495c-9775-04fc3644c8c5" providerId="ADAL" clId="{586DEE1A-CE0A-4E3C-B144-A347ABF1FE9F}" dt="2020-08-24T21:26:49.345" v="1036" actId="478"/>
+          <ac:picMkLst>
+            <pc:docMk/>
+            <pc:sldMk cId="1370871428" sldId="294"/>
+            <ac:picMk id="9" creationId="{0A13FD4B-B172-4C97-BBC2-53A6F72D45DA}"/>
+          </ac:picMkLst>
+        </pc:picChg>
+      </pc:sldChg>
+      <pc:sldChg chg="addSp delSp modSp add mod modAnim">
+        <pc:chgData name="Marc Berneman" userId="6e80ea52-aae6-495c-9775-04fc3644c8c5" providerId="ADAL" clId="{586DEE1A-CE0A-4E3C-B144-A347ABF1FE9F}" dt="2020-08-24T21:28:25.543" v="1064"/>
+        <pc:sldMkLst>
+          <pc:docMk/>
+          <pc:sldMk cId="13440707" sldId="295"/>
+        </pc:sldMkLst>
+        <pc:spChg chg="add mod">
+          <ac:chgData name="Marc Berneman" userId="6e80ea52-aae6-495c-9775-04fc3644c8c5" providerId="ADAL" clId="{586DEE1A-CE0A-4E3C-B144-A347ABF1FE9F}" dt="2020-08-24T21:27:22.380" v="1057" actId="6549"/>
+          <ac:spMkLst>
+            <pc:docMk/>
+            <pc:sldMk cId="13440707" sldId="295"/>
+            <ac:spMk id="10" creationId="{4B09F3EB-45BB-4F74-9BC2-3EC7E2665C13}"/>
+          </ac:spMkLst>
+        </pc:spChg>
+        <pc:picChg chg="del mod">
+          <ac:chgData name="Marc Berneman" userId="6e80ea52-aae6-495c-9775-04fc3644c8c5" providerId="ADAL" clId="{586DEE1A-CE0A-4E3C-B144-A347ABF1FE9F}" dt="2020-08-24T21:26:05.937" v="1029" actId="478"/>
+          <ac:picMkLst>
+            <pc:docMk/>
+            <pc:sldMk cId="13440707" sldId="295"/>
+            <ac:picMk id="24" creationId="{C711E0F4-1B22-472C-8CDB-6EA2F883AB31}"/>
+          </ac:picMkLst>
+        </pc:picChg>
+        <pc:picChg chg="del">
+          <ac:chgData name="Marc Berneman" userId="6e80ea52-aae6-495c-9775-04fc3644c8c5" providerId="ADAL" clId="{586DEE1A-CE0A-4E3C-B144-A347ABF1FE9F}" dt="2020-08-24T21:25:07.424" v="1016" actId="478"/>
+          <ac:picMkLst>
+            <pc:docMk/>
+            <pc:sldMk cId="13440707" sldId="295"/>
+            <ac:picMk id="26" creationId="{5B2C6490-465A-4E7B-A19A-0B36544F94C0}"/>
+          </ac:picMkLst>
+        </pc:picChg>
+        <pc:picChg chg="mod">
+          <ac:chgData name="Marc Berneman" userId="6e80ea52-aae6-495c-9775-04fc3644c8c5" providerId="ADAL" clId="{586DEE1A-CE0A-4E3C-B144-A347ABF1FE9F}" dt="2020-08-24T21:26:18.315" v="1032" actId="12788"/>
+          <ac:picMkLst>
+            <pc:docMk/>
+            <pc:sldMk cId="13440707" sldId="295"/>
+            <ac:picMk id="28" creationId="{DA08CA20-3624-4CFF-A008-C45982530B4F}"/>
+          </ac:picMkLst>
+        </pc:picChg>
+        <pc:picChg chg="mod">
+          <ac:chgData name="Marc Berneman" userId="6e80ea52-aae6-495c-9775-04fc3644c8c5" providerId="ADAL" clId="{586DEE1A-CE0A-4E3C-B144-A347ABF1FE9F}" dt="2020-08-24T21:26:18.315" v="1032" actId="12788"/>
+          <ac:picMkLst>
+            <pc:docMk/>
+            <pc:sldMk cId="13440707" sldId="295"/>
+            <ac:picMk id="30" creationId="{B800025A-CA74-4351-8D62-A60D63199407}"/>
+          </ac:picMkLst>
+        </pc:picChg>
+        <pc:picChg chg="mod">
+          <ac:chgData name="Marc Berneman" userId="6e80ea52-aae6-495c-9775-04fc3644c8c5" providerId="ADAL" clId="{586DEE1A-CE0A-4E3C-B144-A347ABF1FE9F}" dt="2020-08-24T21:26:34.870" v="1033" actId="1076"/>
+          <ac:picMkLst>
+            <pc:docMk/>
+            <pc:sldMk cId="13440707" sldId="295"/>
+            <ac:picMk id="32" creationId="{944323C6-1EDE-44A8-95C6-FBC072449E36}"/>
+          </ac:picMkLst>
+        </pc:picChg>
+        <pc:picChg chg="mod">
+          <ac:chgData name="Marc Berneman" userId="6e80ea52-aae6-495c-9775-04fc3644c8c5" providerId="ADAL" clId="{586DEE1A-CE0A-4E3C-B144-A347ABF1FE9F}" dt="2020-08-24T21:26:18.315" v="1032" actId="12788"/>
+          <ac:picMkLst>
+            <pc:docMk/>
+            <pc:sldMk cId="13440707" sldId="295"/>
+            <ac:picMk id="34" creationId="{E95FD6C0-C866-4BD5-9340-F1FE6E8C8817}"/>
+          </ac:picMkLst>
+        </pc:picChg>
+        <pc:cxnChg chg="add mod">
+          <ac:chgData name="Marc Berneman" userId="6e80ea52-aae6-495c-9775-04fc3644c8c5" providerId="ADAL" clId="{586DEE1A-CE0A-4E3C-B144-A347ABF1FE9F}" dt="2020-08-24T21:27:32.591" v="1059" actId="14100"/>
+          <ac:cxnSpMkLst>
+            <pc:docMk/>
+            <pc:sldMk cId="13440707" sldId="295"/>
+            <ac:cxnSpMk id="11" creationId="{8C90689E-F148-43DA-892A-AD06E3D8C2D5}"/>
+          </ac:cxnSpMkLst>
+        </pc:cxnChg>
+        <pc:cxnChg chg="add mod">
+          <ac:chgData name="Marc Berneman" userId="6e80ea52-aae6-495c-9775-04fc3644c8c5" providerId="ADAL" clId="{586DEE1A-CE0A-4E3C-B144-A347ABF1FE9F}" dt="2020-08-24T21:27:22.380" v="1057" actId="6549"/>
+          <ac:cxnSpMkLst>
+            <pc:docMk/>
+            <pc:sldMk cId="13440707" sldId="295"/>
+            <ac:cxnSpMk id="13" creationId="{62B582B4-C8A8-4544-802F-E3BD9A129266}"/>
+          </ac:cxnSpMkLst>
+        </pc:cxnChg>
+      </pc:sldChg>
+      <pc:sldChg chg="add del">
+        <pc:chgData name="Marc Berneman" userId="6e80ea52-aae6-495c-9775-04fc3644c8c5" providerId="ADAL" clId="{586DEE1A-CE0A-4E3C-B144-A347ABF1FE9F}" dt="2020-08-24T21:26:54.837" v="1038"/>
+        <pc:sldMkLst>
+          <pc:docMk/>
+          <pc:sldMk cId="853626989" sldId="296"/>
+        </pc:sldMkLst>
+      </pc:sldChg>
+      <pc:sldChg chg="addSp delSp modSp add mod addAnim delAnim modAnim">
+        <pc:chgData name="Marc Berneman" userId="6e80ea52-aae6-495c-9775-04fc3644c8c5" providerId="ADAL" clId="{586DEE1A-CE0A-4E3C-B144-A347ABF1FE9F}" dt="2020-08-24T21:46:53.789" v="1384" actId="12788"/>
+        <pc:sldMkLst>
+          <pc:docMk/>
+          <pc:sldMk cId="1480662667" sldId="296"/>
+        </pc:sldMkLst>
+        <pc:spChg chg="add mod">
+          <ac:chgData name="Marc Berneman" userId="6e80ea52-aae6-495c-9775-04fc3644c8c5" providerId="ADAL" clId="{586DEE1A-CE0A-4E3C-B144-A347ABF1FE9F}" dt="2020-08-24T21:46:53.789" v="1384" actId="12788"/>
+          <ac:spMkLst>
+            <pc:docMk/>
+            <pc:sldMk cId="1480662667" sldId="296"/>
+            <ac:spMk id="6" creationId="{4F9AEFF4-DFCA-41E9-81BB-9DFCE05160BD}"/>
+          </ac:spMkLst>
+        </pc:spChg>
+        <pc:spChg chg="add del mod">
+          <ac:chgData name="Marc Berneman" userId="6e80ea52-aae6-495c-9775-04fc3644c8c5" providerId="ADAL" clId="{586DEE1A-CE0A-4E3C-B144-A347ABF1FE9F}" dt="2020-08-24T21:46:29.360" v="1377" actId="21"/>
+          <ac:spMkLst>
+            <pc:docMk/>
+            <pc:sldMk cId="1480662667" sldId="296"/>
+            <ac:spMk id="7" creationId="{1D2B9091-822D-45DE-94AB-1F73D08F7853}"/>
+          </ac:spMkLst>
+        </pc:spChg>
+        <pc:spChg chg="del mod">
+          <ac:chgData name="Marc Berneman" userId="6e80ea52-aae6-495c-9775-04fc3644c8c5" providerId="ADAL" clId="{586DEE1A-CE0A-4E3C-B144-A347ABF1FE9F}" dt="2020-08-24T21:41:14.960" v="1114" actId="478"/>
+          <ac:spMkLst>
+            <pc:docMk/>
+            <pc:sldMk cId="1480662667" sldId="296"/>
+            <ac:spMk id="10" creationId="{4B09F3EB-45BB-4F74-9BC2-3EC7E2665C13}"/>
+          </ac:spMkLst>
+        </pc:spChg>
+        <pc:picChg chg="add mod">
+          <ac:chgData name="Marc Berneman" userId="6e80ea52-aae6-495c-9775-04fc3644c8c5" providerId="ADAL" clId="{586DEE1A-CE0A-4E3C-B144-A347ABF1FE9F}" dt="2020-08-24T21:46:50.052" v="1383" actId="12788"/>
+          <ac:picMkLst>
+            <pc:docMk/>
+            <pc:sldMk cId="1480662667" sldId="296"/>
+            <ac:picMk id="5" creationId="{54175B6B-F333-4A23-8C26-AA5B6C2544DA}"/>
+          </ac:picMkLst>
+        </pc:picChg>
+        <pc:picChg chg="del">
+          <ac:chgData name="Marc Berneman" userId="6e80ea52-aae6-495c-9775-04fc3644c8c5" providerId="ADAL" clId="{586DEE1A-CE0A-4E3C-B144-A347ABF1FE9F}" dt="2020-08-24T21:41:09.278" v="1106" actId="478"/>
+          <ac:picMkLst>
+            <pc:docMk/>
+            <pc:sldMk cId="1480662667" sldId="296"/>
+            <ac:picMk id="28" creationId="{DA08CA20-3624-4CFF-A008-C45982530B4F}"/>
+          </ac:picMkLst>
+        </pc:picChg>
+        <pc:picChg chg="add del mod">
+          <ac:chgData name="Marc Berneman" userId="6e80ea52-aae6-495c-9775-04fc3644c8c5" providerId="ADAL" clId="{586DEE1A-CE0A-4E3C-B144-A347ABF1FE9F}" dt="2020-08-24T21:41:32.788" v="1122" actId="478"/>
+          <ac:picMkLst>
+            <pc:docMk/>
+            <pc:sldMk cId="1480662667" sldId="296"/>
+            <ac:picMk id="30" creationId="{B800025A-CA74-4351-8D62-A60D63199407}"/>
+          </ac:picMkLst>
+        </pc:picChg>
+        <pc:picChg chg="del">
+          <ac:chgData name="Marc Berneman" userId="6e80ea52-aae6-495c-9775-04fc3644c8c5" providerId="ADAL" clId="{586DEE1A-CE0A-4E3C-B144-A347ABF1FE9F}" dt="2020-08-24T21:41:12.097" v="1109" actId="478"/>
+          <ac:picMkLst>
+            <pc:docMk/>
+            <pc:sldMk cId="1480662667" sldId="296"/>
+            <ac:picMk id="32" creationId="{944323C6-1EDE-44A8-95C6-FBC072449E36}"/>
+          </ac:picMkLst>
+        </pc:picChg>
+        <pc:picChg chg="del">
+          <ac:chgData name="Marc Berneman" userId="6e80ea52-aae6-495c-9775-04fc3644c8c5" providerId="ADAL" clId="{586DEE1A-CE0A-4E3C-B144-A347ABF1FE9F}" dt="2020-08-24T21:41:08.777" v="1105" actId="478"/>
+          <ac:picMkLst>
+            <pc:docMk/>
+            <pc:sldMk cId="1480662667" sldId="296"/>
+            <ac:picMk id="34" creationId="{E95FD6C0-C866-4BD5-9340-F1FE6E8C8817}"/>
+          </ac:picMkLst>
+        </pc:picChg>
+        <pc:cxnChg chg="del">
+          <ac:chgData name="Marc Berneman" userId="6e80ea52-aae6-495c-9775-04fc3644c8c5" providerId="ADAL" clId="{586DEE1A-CE0A-4E3C-B144-A347ABF1FE9F}" dt="2020-08-24T21:41:13.304" v="1111" actId="478"/>
+          <ac:cxnSpMkLst>
+            <pc:docMk/>
+            <pc:sldMk cId="1480662667" sldId="296"/>
+            <ac:cxnSpMk id="11" creationId="{8C90689E-F148-43DA-892A-AD06E3D8C2D5}"/>
+          </ac:cxnSpMkLst>
+        </pc:cxnChg>
+        <pc:cxnChg chg="del mod">
+          <ac:chgData name="Marc Berneman" userId="6e80ea52-aae6-495c-9775-04fc3644c8c5" providerId="ADAL" clId="{586DEE1A-CE0A-4E3C-B144-A347ABF1FE9F}" dt="2020-08-24T21:41:12.828" v="1110" actId="478"/>
+          <ac:cxnSpMkLst>
+            <pc:docMk/>
+            <pc:sldMk cId="1480662667" sldId="296"/>
+            <ac:cxnSpMk id="13" creationId="{62B582B4-C8A8-4544-802F-E3BD9A129266}"/>
+          </ac:cxnSpMkLst>
+        </pc:cxnChg>
+      </pc:sldChg>
+      <pc:sldChg chg="addSp delSp modSp add mod modAnim">
+        <pc:chgData name="Marc Berneman" userId="6e80ea52-aae6-495c-9775-04fc3644c8c5" providerId="ADAL" clId="{586DEE1A-CE0A-4E3C-B144-A347ABF1FE9F}" dt="2020-08-24T21:53:29.972" v="1828"/>
+        <pc:sldMkLst>
+          <pc:docMk/>
+          <pc:sldMk cId="3359434609" sldId="297"/>
+        </pc:sldMkLst>
+        <pc:spChg chg="add mod">
+          <ac:chgData name="Marc Berneman" userId="6e80ea52-aae6-495c-9775-04fc3644c8c5" providerId="ADAL" clId="{586DEE1A-CE0A-4E3C-B144-A347ABF1FE9F}" dt="2020-08-24T21:51:55.313" v="1699" actId="20577"/>
+          <ac:spMkLst>
+            <pc:docMk/>
+            <pc:sldMk cId="3359434609" sldId="297"/>
+            <ac:spMk id="2" creationId="{7B3E9659-82ED-4952-A02A-93E150057D00}"/>
+          </ac:spMkLst>
+        </pc:spChg>
+        <pc:spChg chg="del">
+          <ac:chgData name="Marc Berneman" userId="6e80ea52-aae6-495c-9775-04fc3644c8c5" providerId="ADAL" clId="{586DEE1A-CE0A-4E3C-B144-A347ABF1FE9F}" dt="2020-08-24T21:46:58.857" v="1387" actId="478"/>
+          <ac:spMkLst>
+            <pc:docMk/>
+            <pc:sldMk cId="3359434609" sldId="297"/>
+            <ac:spMk id="6" creationId="{4F9AEFF4-DFCA-41E9-81BB-9DFCE05160BD}"/>
+          </ac:spMkLst>
+        </pc:spChg>
+        <pc:spChg chg="add mod">
+          <ac:chgData name="Marc Berneman" userId="6e80ea52-aae6-495c-9775-04fc3644c8c5" providerId="ADAL" clId="{586DEE1A-CE0A-4E3C-B144-A347ABF1FE9F}" dt="2020-08-24T21:52:32.815" v="1764" actId="1076"/>
+          <ac:spMkLst>
+            <pc:docMk/>
+            <pc:sldMk cId="3359434609" sldId="297"/>
+            <ac:spMk id="9" creationId="{41DED8D7-DED2-4D3D-BE9D-D18FD5A2FCDF}"/>
+          </ac:spMkLst>
+        </pc:spChg>
+        <pc:spChg chg="add mod">
+          <ac:chgData name="Marc Berneman" userId="6e80ea52-aae6-495c-9775-04fc3644c8c5" providerId="ADAL" clId="{586DEE1A-CE0A-4E3C-B144-A347ABF1FE9F}" dt="2020-08-24T21:53:06.742" v="1823" actId="1076"/>
+          <ac:spMkLst>
+            <pc:docMk/>
+            <pc:sldMk cId="3359434609" sldId="297"/>
+            <ac:spMk id="15" creationId="{05B12297-9766-48EF-A05D-66BDEB7574B8}"/>
+          </ac:spMkLst>
+        </pc:spChg>
+        <pc:picChg chg="del">
+          <ac:chgData name="Marc Berneman" userId="6e80ea52-aae6-495c-9775-04fc3644c8c5" providerId="ADAL" clId="{586DEE1A-CE0A-4E3C-B144-A347ABF1FE9F}" dt="2020-08-24T21:46:57.895" v="1386" actId="478"/>
+          <ac:picMkLst>
+            <pc:docMk/>
+            <pc:sldMk cId="3359434609" sldId="297"/>
+            <ac:picMk id="5" creationId="{54175B6B-F333-4A23-8C26-AA5B6C2544DA}"/>
+          </ac:picMkLst>
+        </pc:picChg>
+        <pc:picChg chg="add mod">
+          <ac:chgData name="Marc Berneman" userId="6e80ea52-aae6-495c-9775-04fc3644c8c5" providerId="ADAL" clId="{586DEE1A-CE0A-4E3C-B144-A347ABF1FE9F}" dt="2020-08-24T21:47:17.860" v="1393" actId="12788"/>
+          <ac:picMkLst>
+            <pc:docMk/>
+            <pc:sldMk cId="3359434609" sldId="297"/>
+            <ac:picMk id="7" creationId="{284F1569-DF20-4A22-B0C4-EF1AC357DBC7}"/>
+          </ac:picMkLst>
+        </pc:picChg>
+        <pc:cxnChg chg="add mod">
+          <ac:chgData name="Marc Berneman" userId="6e80ea52-aae6-495c-9775-04fc3644c8c5" providerId="ADAL" clId="{586DEE1A-CE0A-4E3C-B144-A347ABF1FE9F}" dt="2020-08-24T21:52:34.975" v="1765" actId="14100"/>
+          <ac:cxnSpMkLst>
+            <pc:docMk/>
+            <pc:sldMk cId="3359434609" sldId="297"/>
+            <ac:cxnSpMk id="10" creationId="{1C5BDD97-1C83-49E4-849F-B85F24ABC1A9}"/>
+          </ac:cxnSpMkLst>
+        </pc:cxnChg>
+        <pc:cxnChg chg="add mod">
+          <ac:chgData name="Marc Berneman" userId="6e80ea52-aae6-495c-9775-04fc3644c8c5" providerId="ADAL" clId="{586DEE1A-CE0A-4E3C-B144-A347ABF1FE9F}" dt="2020-08-24T21:52:50.551" v="1768" actId="14100"/>
+          <ac:cxnSpMkLst>
+            <pc:docMk/>
+            <pc:sldMk cId="3359434609" sldId="297"/>
+            <ac:cxnSpMk id="13" creationId="{0E0F0786-512D-4335-8C7E-F10ECCC59A02}"/>
+          </ac:cxnSpMkLst>
+        </pc:cxnChg>
+      </pc:sldChg>
     </pc:docChg>
   </pc:docChgLst>
 </pc:chgInfo>
@@ -8122,8 +8609,8 @@
           </a:p>
         </p:txBody>
       </p:sp>
-      <mc:AlternateContent xmlns:mc="http://schemas.openxmlformats.org/markup-compatibility/2006">
-        <mc:Choice xmlns:a14="http://schemas.microsoft.com/office/drawing/2010/main" Requires="a14">
+      <mc:AlternateContent xmlns:mc="http://schemas.openxmlformats.org/markup-compatibility/2006" xmlns:a14="http://schemas.microsoft.com/office/drawing/2010/main">
+        <mc:Choice Requires="a14">
           <p:sp>
             <p:nvSpPr>
               <p:cNvPr id="2" name="TextBox 1">
@@ -8179,7 +8666,7 @@
             </p:txBody>
           </p:sp>
         </mc:Choice>
-        <mc:Fallback>
+        <mc:Fallback xmlns="">
           <p:sp>
             <p:nvSpPr>
               <p:cNvPr id="2" name="TextBox 1">
@@ -9419,8 +9906,8 @@
           </a:p>
         </p:txBody>
       </p:sp>
-      <mc:AlternateContent xmlns:mc="http://schemas.openxmlformats.org/markup-compatibility/2006">
-        <mc:Choice xmlns:a14="http://schemas.microsoft.com/office/drawing/2010/main" Requires="a14">
+      <mc:AlternateContent xmlns:mc="http://schemas.openxmlformats.org/markup-compatibility/2006" xmlns:a14="http://schemas.microsoft.com/office/drawing/2010/main">
+        <mc:Choice Requires="a14">
           <p:sp>
             <p:nvSpPr>
               <p:cNvPr id="12" name="TextBox 11">
@@ -9449,6 +9936,7 @@
               </a:bodyPr>
               <a:lstStyle/>
               <a:p>
+                <a:pPr/>
                 <a14:m>
                   <m:oMathPara xmlns:m="http://schemas.openxmlformats.org/officeDocument/2006/math">
                     <m:oMathParaPr>
@@ -9503,7 +9991,7 @@
             </p:txBody>
           </p:sp>
         </mc:Choice>
-        <mc:Fallback>
+        <mc:Fallback xmlns="">
           <p:sp>
             <p:nvSpPr>
               <p:cNvPr id="12" name="TextBox 11">
@@ -9548,8 +10036,8 @@
           </p:sp>
         </mc:Fallback>
       </mc:AlternateContent>
-      <mc:AlternateContent xmlns:mc="http://schemas.openxmlformats.org/markup-compatibility/2006">
-        <mc:Choice xmlns:a14="http://schemas.microsoft.com/office/drawing/2010/main" Requires="a14">
+      <mc:AlternateContent xmlns:mc="http://schemas.openxmlformats.org/markup-compatibility/2006" xmlns:a14="http://schemas.microsoft.com/office/drawing/2010/main">
+        <mc:Choice Requires="a14">
           <p:sp>
             <p:nvSpPr>
               <p:cNvPr id="13" name="TextBox 12">
@@ -9633,7 +10121,7 @@
             </p:txBody>
           </p:sp>
         </mc:Choice>
-        <mc:Fallback>
+        <mc:Fallback xmlns="">
           <p:sp>
             <p:nvSpPr>
               <p:cNvPr id="13" name="TextBox 12">
@@ -9678,8 +10166,8 @@
           </p:sp>
         </mc:Fallback>
       </mc:AlternateContent>
-      <mc:AlternateContent xmlns:mc="http://schemas.openxmlformats.org/markup-compatibility/2006">
-        <mc:Choice xmlns:a14="http://schemas.microsoft.com/office/drawing/2010/main" Requires="a14">
+      <mc:AlternateContent xmlns:mc="http://schemas.openxmlformats.org/markup-compatibility/2006" xmlns:a14="http://schemas.microsoft.com/office/drawing/2010/main">
+        <mc:Choice Requires="a14">
           <p:sp>
             <p:nvSpPr>
               <p:cNvPr id="15" name="TextBox 14">
@@ -9763,7 +10251,7 @@
             </p:txBody>
           </p:sp>
         </mc:Choice>
-        <mc:Fallback>
+        <mc:Fallback xmlns="">
           <p:sp>
             <p:nvSpPr>
               <p:cNvPr id="15" name="TextBox 14">
@@ -9808,8 +10296,8 @@
           </p:sp>
         </mc:Fallback>
       </mc:AlternateContent>
-      <mc:AlternateContent xmlns:mc="http://schemas.openxmlformats.org/markup-compatibility/2006">
-        <mc:Choice xmlns:a14="http://schemas.microsoft.com/office/drawing/2010/main" Requires="a14">
+      <mc:AlternateContent xmlns:mc="http://schemas.openxmlformats.org/markup-compatibility/2006" xmlns:a14="http://schemas.microsoft.com/office/drawing/2010/main">
+        <mc:Choice Requires="a14">
           <p:sp>
             <p:nvSpPr>
               <p:cNvPr id="19" name="TextBox 18">
@@ -9893,7 +10381,7 @@
             </p:txBody>
           </p:sp>
         </mc:Choice>
-        <mc:Fallback>
+        <mc:Fallback xmlns="">
           <p:sp>
             <p:nvSpPr>
               <p:cNvPr id="19" name="TextBox 18">
@@ -10508,8 +10996,8 @@
           </a:p>
         </p:txBody>
       </p:sp>
-      <mc:AlternateContent xmlns:mc="http://schemas.openxmlformats.org/markup-compatibility/2006">
-        <mc:Choice xmlns:a14="http://schemas.microsoft.com/office/drawing/2010/main" Requires="a14">
+      <mc:AlternateContent xmlns:mc="http://schemas.openxmlformats.org/markup-compatibility/2006" xmlns:a14="http://schemas.microsoft.com/office/drawing/2010/main">
+        <mc:Choice Requires="a14">
           <p:sp>
             <p:nvSpPr>
               <p:cNvPr id="2" name="TextBox 1">
@@ -10565,7 +11053,7 @@
             </p:txBody>
           </p:sp>
         </mc:Choice>
-        <mc:Fallback>
+        <mc:Fallback xmlns="">
           <p:sp>
             <p:nvSpPr>
               <p:cNvPr id="2" name="TextBox 1">
@@ -10691,8 +11179,8 @@
           </a:prstGeom>
         </p:spPr>
       </p:pic>
-      <mc:AlternateContent xmlns:mc="http://schemas.openxmlformats.org/markup-compatibility/2006">
-        <mc:Choice xmlns:a14="http://schemas.microsoft.com/office/drawing/2010/main" Requires="a14">
+      <mc:AlternateContent xmlns:mc="http://schemas.openxmlformats.org/markup-compatibility/2006" xmlns:a14="http://schemas.microsoft.com/office/drawing/2010/main">
+        <mc:Choice Requires="a14">
           <p:sp>
             <p:nvSpPr>
               <p:cNvPr id="6" name="TextBox 5">
@@ -10804,7 +11292,7 @@
             </p:txBody>
           </p:sp>
         </mc:Choice>
-        <mc:Fallback>
+        <mc:Fallback xmlns="">
           <p:sp>
             <p:nvSpPr>
               <p:cNvPr id="6" name="TextBox 5">
@@ -11430,6 +11918,42 @@
           <a:chExt cx="0" cy="0"/>
         </a:xfrm>
       </p:grpSpPr>
+      <p:pic>
+        <p:nvPicPr>
+          <p:cNvPr id="5" name="Picture 4" descr="A picture containing clock&#10;&#10;Description automatically generated">
+            <a:extLst>
+              <a:ext uri="{FF2B5EF4-FFF2-40B4-BE49-F238E27FC236}">
+                <a16:creationId xmlns:a16="http://schemas.microsoft.com/office/drawing/2014/main" id="{E25A6CD7-9611-4C0E-BDE2-DEE9A989C0E8}"/>
+              </a:ext>
+            </a:extLst>
+          </p:cNvPr>
+          <p:cNvPicPr>
+            <a:picLocks noChangeAspect="1"/>
+          </p:cNvPicPr>
+          <p:nvPr/>
+        </p:nvPicPr>
+        <p:blipFill>
+          <a:blip r:embed="rId2">
+            <a:extLst>
+              <a:ext uri="{28A0092B-C50C-407E-A947-70E740481C1C}">
+                <a14:useLocalDpi xmlns:a14="http://schemas.microsoft.com/office/drawing/2010/main" val="0"/>
+              </a:ext>
+            </a:extLst>
+          </a:blip>
+          <a:stretch>
+            <a:fillRect/>
+          </a:stretch>
+        </p:blipFill>
+        <p:spPr>
+          <a:xfrm>
+            <a:off x="1987061" y="958522"/>
+            <a:ext cx="8217877" cy="2666644"/>
+          </a:xfrm>
+          <a:prstGeom prst="rect">
+            <a:avLst/>
+          </a:prstGeom>
+        </p:spPr>
+      </p:pic>
       <p:sp>
         <p:nvSpPr>
           <p:cNvPr id="4" name="Slide Number Placeholder 3">
@@ -11526,6 +12050,186 @@
           </a:p>
         </p:txBody>
       </p:sp>
+      <p:pic>
+        <p:nvPicPr>
+          <p:cNvPr id="7" name="Picture 6" descr="A close up of a logo&#10;&#10;Description automatically generated">
+            <a:extLst>
+              <a:ext uri="{FF2B5EF4-FFF2-40B4-BE49-F238E27FC236}">
+                <a16:creationId xmlns:a16="http://schemas.microsoft.com/office/drawing/2014/main" id="{EBB96318-73CD-4B7E-9759-B1AC3BFDAA90}"/>
+              </a:ext>
+            </a:extLst>
+          </p:cNvPr>
+          <p:cNvPicPr>
+            <a:picLocks noChangeAspect="1"/>
+          </p:cNvPicPr>
+          <p:nvPr/>
+        </p:nvPicPr>
+        <p:blipFill>
+          <a:blip r:embed="rId3">
+            <a:extLst>
+              <a:ext uri="{28A0092B-C50C-407E-A947-70E740481C1C}">
+                <a14:useLocalDpi xmlns:a14="http://schemas.microsoft.com/office/drawing/2010/main" val="0"/>
+              </a:ext>
+            </a:extLst>
+          </a:blip>
+          <a:stretch>
+            <a:fillRect/>
+          </a:stretch>
+        </p:blipFill>
+        <p:spPr>
+          <a:xfrm>
+            <a:off x="1781450" y="3625166"/>
+            <a:ext cx="5590476" cy="1561905"/>
+          </a:xfrm>
+          <a:prstGeom prst="rect">
+            <a:avLst/>
+          </a:prstGeom>
+        </p:spPr>
+      </p:pic>
+      <p:pic>
+        <p:nvPicPr>
+          <p:cNvPr id="11" name="Picture 10" descr="A close up of a logo&#10;&#10;Description automatically generated">
+            <a:extLst>
+              <a:ext uri="{FF2B5EF4-FFF2-40B4-BE49-F238E27FC236}">
+                <a16:creationId xmlns:a16="http://schemas.microsoft.com/office/drawing/2014/main" id="{923B81C2-9631-47CF-B916-92C503315C74}"/>
+              </a:ext>
+            </a:extLst>
+          </p:cNvPr>
+          <p:cNvPicPr>
+            <a:picLocks noChangeAspect="1"/>
+          </p:cNvPicPr>
+          <p:nvPr/>
+        </p:nvPicPr>
+        <p:blipFill>
+          <a:blip r:embed="rId4">
+            <a:extLst>
+              <a:ext uri="{28A0092B-C50C-407E-A947-70E740481C1C}">
+                <a14:useLocalDpi xmlns:a14="http://schemas.microsoft.com/office/drawing/2010/main" val="0"/>
+              </a:ext>
+            </a:extLst>
+          </a:blip>
+          <a:stretch>
+            <a:fillRect/>
+          </a:stretch>
+        </p:blipFill>
+        <p:spPr>
+          <a:xfrm>
+            <a:off x="1838593" y="5082568"/>
+            <a:ext cx="5476190" cy="1504762"/>
+          </a:xfrm>
+          <a:prstGeom prst="rect">
+            <a:avLst/>
+          </a:prstGeom>
+        </p:spPr>
+      </p:pic>
+      <p:sp>
+        <p:nvSpPr>
+          <p:cNvPr id="13" name="TextBox 12">
+            <a:extLst>
+              <a:ext uri="{FF2B5EF4-FFF2-40B4-BE49-F238E27FC236}">
+                <a16:creationId xmlns:a16="http://schemas.microsoft.com/office/drawing/2014/main" id="{351CB553-65FE-4CE5-90AB-114524B0C57B}"/>
+              </a:ext>
+            </a:extLst>
+          </p:cNvPr>
+          <p:cNvSpPr txBox="1"/>
+          <p:nvPr/>
+        </p:nvSpPr>
+        <p:spPr>
+          <a:xfrm>
+            <a:off x="7737521" y="3763982"/>
+            <a:ext cx="4038879" cy="2308324"/>
+          </a:xfrm>
+          <a:prstGeom prst="rect">
+            <a:avLst/>
+          </a:prstGeom>
+          <a:noFill/>
+        </p:spPr>
+        <p:txBody>
+          <a:bodyPr wrap="square" rtlCol="0">
+            <a:spAutoFit/>
+          </a:bodyPr>
+          <a:lstStyle/>
+          <a:p>
+            <a:pPr algn="ctr"/>
+            <a:r>
+              <a:rPr lang="en-GB" sz="3600" b="1" dirty="0">
+                <a:solidFill>
+                  <a:schemeClr val="tx1">
+                    <a:lumMod val="65000"/>
+                    <a:lumOff val="35000"/>
+                  </a:schemeClr>
+                </a:solidFill>
+                <a:latin typeface="Arial" panose="020B0604020202020204" pitchFamily="34" charset="0"/>
+                <a:cs typeface="Arial" panose="020B0604020202020204" pitchFamily="34" charset="0"/>
+              </a:rPr>
+              <a:t>User-defined reference model</a:t>
+            </a:r>
+          </a:p>
+          <a:p>
+            <a:pPr algn="ctr"/>
+            <a:r>
+              <a:rPr lang="en-GB" sz="3600" b="1" dirty="0">
+                <a:solidFill>
+                  <a:schemeClr val="tx1">
+                    <a:lumMod val="65000"/>
+                    <a:lumOff val="35000"/>
+                  </a:schemeClr>
+                </a:solidFill>
+                <a:latin typeface="Arial" panose="020B0604020202020204" pitchFamily="34" charset="0"/>
+                <a:cs typeface="Arial" panose="020B0604020202020204" pitchFamily="34" charset="0"/>
+              </a:rPr>
+              <a:t>“model reference control”</a:t>
+            </a:r>
+          </a:p>
+        </p:txBody>
+      </p:sp>
+      <p:cxnSp>
+        <p:nvCxnSpPr>
+          <p:cNvPr id="14" name="Straight Arrow Connector 13">
+            <a:extLst>
+              <a:ext uri="{FF2B5EF4-FFF2-40B4-BE49-F238E27FC236}">
+                <a16:creationId xmlns:a16="http://schemas.microsoft.com/office/drawing/2014/main" id="{9B35F633-3233-42A8-BD86-11CCC70409A9}"/>
+              </a:ext>
+            </a:extLst>
+          </p:cNvPr>
+          <p:cNvCxnSpPr>
+            <a:cxnSpLocks/>
+          </p:cNvCxnSpPr>
+          <p:nvPr/>
+        </p:nvCxnSpPr>
+        <p:spPr>
+          <a:xfrm flipH="1">
+            <a:off x="7136625" y="4712677"/>
+            <a:ext cx="769418" cy="1174523"/>
+          </a:xfrm>
+          <a:prstGeom prst="straightConnector1">
+            <a:avLst/>
+          </a:prstGeom>
+          <a:ln w="57150">
+            <a:solidFill>
+              <a:schemeClr val="tx1">
+                <a:lumMod val="65000"/>
+                <a:lumOff val="35000"/>
+              </a:schemeClr>
+            </a:solidFill>
+            <a:tailEnd type="triangle"/>
+          </a:ln>
+        </p:spPr>
+        <p:style>
+          <a:lnRef idx="1">
+            <a:schemeClr val="accent1"/>
+          </a:lnRef>
+          <a:fillRef idx="0">
+            <a:schemeClr val="accent1"/>
+          </a:fillRef>
+          <a:effectRef idx="0">
+            <a:schemeClr val="accent1"/>
+          </a:effectRef>
+          <a:fontRef idx="minor">
+            <a:schemeClr val="tx1"/>
+          </a:fontRef>
+        </p:style>
+      </p:cxnSp>
     </p:spTree>
     <p:extLst>
       <p:ext uri="{BB962C8B-B14F-4D97-AF65-F5344CB8AC3E}">
@@ -11536,6 +12240,183 @@
   <p:clrMapOvr>
     <a:masterClrMapping/>
   </p:clrMapOvr>
+  <p:timing>
+    <p:tnLst>
+      <p:par>
+        <p:cTn id="1" dur="indefinite" restart="never" nodeType="tmRoot">
+          <p:childTnLst>
+            <p:seq concurrent="1" nextAc="seek">
+              <p:cTn id="2" dur="indefinite" nodeType="mainSeq">
+                <p:childTnLst>
+                  <p:par>
+                    <p:cTn id="3" fill="hold">
+                      <p:stCondLst>
+                        <p:cond delay="indefinite"/>
+                      </p:stCondLst>
+                      <p:childTnLst>
+                        <p:par>
+                          <p:cTn id="4" fill="hold">
+                            <p:stCondLst>
+                              <p:cond delay="0"/>
+                            </p:stCondLst>
+                            <p:childTnLst>
+                              <p:par>
+                                <p:cTn id="5" presetID="1" presetClass="entr" presetSubtype="0" fill="hold" nodeType="clickEffect">
+                                  <p:stCondLst>
+                                    <p:cond delay="0"/>
+                                  </p:stCondLst>
+                                  <p:childTnLst>
+                                    <p:set>
+                                      <p:cBhvr>
+                                        <p:cTn id="6" dur="1" fill="hold">
+                                          <p:stCondLst>
+                                            <p:cond delay="0"/>
+                                          </p:stCondLst>
+                                        </p:cTn>
+                                        <p:tgtEl>
+                                          <p:spTgt spid="7"/>
+                                        </p:tgtEl>
+                                        <p:attrNameLst>
+                                          <p:attrName>style.visibility</p:attrName>
+                                        </p:attrNameLst>
+                                      </p:cBhvr>
+                                      <p:to>
+                                        <p:strVal val="visible"/>
+                                      </p:to>
+                                    </p:set>
+                                  </p:childTnLst>
+                                </p:cTn>
+                              </p:par>
+                            </p:childTnLst>
+                          </p:cTn>
+                        </p:par>
+                      </p:childTnLst>
+                    </p:cTn>
+                  </p:par>
+                  <p:par>
+                    <p:cTn id="7" fill="hold">
+                      <p:stCondLst>
+                        <p:cond delay="indefinite"/>
+                      </p:stCondLst>
+                      <p:childTnLst>
+                        <p:par>
+                          <p:cTn id="8" fill="hold">
+                            <p:stCondLst>
+                              <p:cond delay="0"/>
+                            </p:stCondLst>
+                            <p:childTnLst>
+                              <p:par>
+                                <p:cTn id="9" presetID="1" presetClass="entr" presetSubtype="0" fill="hold" nodeType="clickEffect">
+                                  <p:stCondLst>
+                                    <p:cond delay="0"/>
+                                  </p:stCondLst>
+                                  <p:childTnLst>
+                                    <p:set>
+                                      <p:cBhvr>
+                                        <p:cTn id="10" dur="1" fill="hold">
+                                          <p:stCondLst>
+                                            <p:cond delay="0"/>
+                                          </p:stCondLst>
+                                        </p:cTn>
+                                        <p:tgtEl>
+                                          <p:spTgt spid="11"/>
+                                        </p:tgtEl>
+                                        <p:attrNameLst>
+                                          <p:attrName>style.visibility</p:attrName>
+                                        </p:attrNameLst>
+                                      </p:cBhvr>
+                                      <p:to>
+                                        <p:strVal val="visible"/>
+                                      </p:to>
+                                    </p:set>
+                                  </p:childTnLst>
+                                </p:cTn>
+                              </p:par>
+                              <p:par>
+                                <p:cTn id="11" presetID="1" presetClass="entr" presetSubtype="0" fill="hold" grpId="0" nodeType="withEffect">
+                                  <p:stCondLst>
+                                    <p:cond delay="0"/>
+                                  </p:stCondLst>
+                                  <p:childTnLst>
+                                    <p:set>
+                                      <p:cBhvr>
+                                        <p:cTn id="12" dur="1" fill="hold">
+                                          <p:stCondLst>
+                                            <p:cond delay="0"/>
+                                          </p:stCondLst>
+                                        </p:cTn>
+                                        <p:tgtEl>
+                                          <p:spTgt spid="13"/>
+                                        </p:tgtEl>
+                                        <p:attrNameLst>
+                                          <p:attrName>style.visibility</p:attrName>
+                                        </p:attrNameLst>
+                                      </p:cBhvr>
+                                      <p:to>
+                                        <p:strVal val="visible"/>
+                                      </p:to>
+                                    </p:set>
+                                  </p:childTnLst>
+                                </p:cTn>
+                              </p:par>
+                              <p:par>
+                                <p:cTn id="13" presetID="1" presetClass="entr" presetSubtype="0" fill="hold" nodeType="withEffect">
+                                  <p:stCondLst>
+                                    <p:cond delay="0"/>
+                                  </p:stCondLst>
+                                  <p:childTnLst>
+                                    <p:set>
+                                      <p:cBhvr>
+                                        <p:cTn id="14" dur="1" fill="hold">
+                                          <p:stCondLst>
+                                            <p:cond delay="0"/>
+                                          </p:stCondLst>
+                                        </p:cTn>
+                                        <p:tgtEl>
+                                          <p:spTgt spid="14"/>
+                                        </p:tgtEl>
+                                        <p:attrNameLst>
+                                          <p:attrName>style.visibility</p:attrName>
+                                        </p:attrNameLst>
+                                      </p:cBhvr>
+                                      <p:to>
+                                        <p:strVal val="visible"/>
+                                      </p:to>
+                                    </p:set>
+                                  </p:childTnLst>
+                                </p:cTn>
+                              </p:par>
+                            </p:childTnLst>
+                          </p:cTn>
+                        </p:par>
+                      </p:childTnLst>
+                    </p:cTn>
+                  </p:par>
+                </p:childTnLst>
+              </p:cTn>
+              <p:prevCondLst>
+                <p:cond evt="onPrev" delay="0">
+                  <p:tgtEl>
+                    <p:sldTgt/>
+                  </p:tgtEl>
+                </p:cond>
+              </p:prevCondLst>
+              <p:nextCondLst>
+                <p:cond evt="onNext" delay="0">
+                  <p:tgtEl>
+                    <p:sldTgt/>
+                  </p:tgtEl>
+                </p:cond>
+              </p:nextCondLst>
+            </p:seq>
+          </p:childTnLst>
+        </p:cTn>
+      </p:par>
+    </p:tnLst>
+    <p:bldLst>
+      <p:bldP spid="13" grpId="0"/>
+    </p:bldLst>
+  </p:timing>
 </p:sld>
 </file>
 
@@ -11556,6 +12437,777 @@
           <a:chExt cx="0" cy="0"/>
         </a:xfrm>
       </p:grpSpPr>
+      <p:sp>
+        <p:nvSpPr>
+          <p:cNvPr id="4" name="Slide Number Placeholder 3">
+            <a:extLst>
+              <a:ext uri="{FF2B5EF4-FFF2-40B4-BE49-F238E27FC236}">
+                <a16:creationId xmlns:a16="http://schemas.microsoft.com/office/drawing/2014/main" id="{7448BF2A-1F67-45F3-9E5B-A0E949BC49D6}"/>
+              </a:ext>
+            </a:extLst>
+          </p:cNvPr>
+          <p:cNvSpPr>
+            <a:spLocks noGrp="1"/>
+          </p:cNvSpPr>
+          <p:nvPr>
+            <p:ph type="sldNum" sz="quarter" idx="12"/>
+          </p:nvPr>
+        </p:nvSpPr>
+        <p:spPr/>
+        <p:txBody>
+          <a:bodyPr/>
+          <a:lstStyle/>
+          <a:p>
+            <a:fld id="{8F224621-ADB6-4DE2-A945-BF9C42D66C16}" type="slidenum">
+              <a:rPr lang="LID4096" smtClean="0"/>
+              <a:pPr/>
+              <a:t>29</a:t>
+            </a:fld>
+            <a:endParaRPr lang="LID4096" dirty="0"/>
+          </a:p>
+        </p:txBody>
+      </p:sp>
+      <p:sp>
+        <p:nvSpPr>
+          <p:cNvPr id="3" name="Google Shape;62;p14">
+            <a:extLst>
+              <a:ext uri="{FF2B5EF4-FFF2-40B4-BE49-F238E27FC236}">
+                <a16:creationId xmlns:a16="http://schemas.microsoft.com/office/drawing/2014/main" id="{E155BFF9-202C-475B-A266-871949978C02}"/>
+              </a:ext>
+            </a:extLst>
+          </p:cNvPr>
+          <p:cNvSpPr txBox="1">
+            <a:spLocks/>
+          </p:cNvSpPr>
+          <p:nvPr/>
+        </p:nvSpPr>
+        <p:spPr>
+          <a:xfrm>
+            <a:off x="415600" y="247650"/>
+            <a:ext cx="11360800" cy="834800"/>
+          </a:xfrm>
+          <a:prstGeom prst="rect">
+            <a:avLst/>
+          </a:prstGeom>
+        </p:spPr>
+        <p:txBody>
+          <a:bodyPr spcFirstLastPara="1" vert="horz" wrap="square" lIns="121900" tIns="121900" rIns="121900" bIns="121900" rtlCol="0" anchor="b" anchorCtr="0">
+            <a:noAutofit/>
+          </a:bodyPr>
+          <a:lstStyle>
+            <a:lvl1pPr algn="l" defTabSz="914400" rtl="0" eaLnBrk="1" latinLnBrk="0" hangingPunct="1">
+              <a:lnSpc>
+                <a:spcPct val="90000"/>
+              </a:lnSpc>
+              <a:spcBef>
+                <a:spcPct val="0"/>
+              </a:spcBef>
+              <a:buNone/>
+              <a:defRPr sz="4400" kern="1200">
+                <a:solidFill>
+                  <a:schemeClr val="tx1"/>
+                </a:solidFill>
+                <a:latin typeface="+mj-lt"/>
+                <a:ea typeface="+mj-ea"/>
+                <a:cs typeface="+mj-cs"/>
+              </a:defRPr>
+            </a:lvl1pPr>
+          </a:lstStyle>
+          <a:p>
+            <a:pPr algn="ctr">
+              <a:spcBef>
+                <a:spcPts val="0"/>
+              </a:spcBef>
+            </a:pPr>
+            <a:r>
+              <a:rPr lang="nl" sz="4800" b="1" dirty="0">
+                <a:latin typeface="Arial" panose="020B0604020202020204" pitchFamily="34" charset="0"/>
+                <a:cs typeface="Arial" panose="020B0604020202020204" pitchFamily="34" charset="0"/>
+              </a:rPr>
+              <a:t>Data-driven control</a:t>
+            </a:r>
+            <a:endParaRPr lang="en-US" sz="4800" b="1" dirty="0">
+              <a:latin typeface="Arial" panose="020B0604020202020204" pitchFamily="34" charset="0"/>
+              <a:cs typeface="Arial" panose="020B0604020202020204" pitchFamily="34" charset="0"/>
+            </a:endParaRPr>
+          </a:p>
+        </p:txBody>
+      </p:sp>
+      <p:pic>
+        <p:nvPicPr>
+          <p:cNvPr id="11" name="Picture 10" descr="A close up of a logo&#10;&#10;Description automatically generated">
+            <a:extLst>
+              <a:ext uri="{FF2B5EF4-FFF2-40B4-BE49-F238E27FC236}">
+                <a16:creationId xmlns:a16="http://schemas.microsoft.com/office/drawing/2014/main" id="{923B81C2-9631-47CF-B916-92C503315C74}"/>
+              </a:ext>
+            </a:extLst>
+          </p:cNvPr>
+          <p:cNvPicPr>
+            <a:picLocks noChangeAspect="1"/>
+          </p:cNvPicPr>
+          <p:nvPr/>
+        </p:nvPicPr>
+        <p:blipFill>
+          <a:blip r:embed="rId2">
+            <a:extLst>
+              <a:ext uri="{28A0092B-C50C-407E-A947-70E740481C1C}">
+                <a14:useLocalDpi xmlns:a14="http://schemas.microsoft.com/office/drawing/2010/main" val="0"/>
+              </a:ext>
+            </a:extLst>
+          </a:blip>
+          <a:stretch>
+            <a:fillRect/>
+          </a:stretch>
+        </p:blipFill>
+        <p:spPr>
+          <a:xfrm>
+            <a:off x="3309594" y="1106503"/>
+            <a:ext cx="5476190" cy="1504762"/>
+          </a:xfrm>
+          <a:prstGeom prst="rect">
+            <a:avLst/>
+          </a:prstGeom>
+        </p:spPr>
+      </p:pic>
+      <p:pic>
+        <p:nvPicPr>
+          <p:cNvPr id="6" name="Picture 5" descr="A close up of a clock&#10;&#10;Description automatically generated">
+            <a:extLst>
+              <a:ext uri="{FF2B5EF4-FFF2-40B4-BE49-F238E27FC236}">
+                <a16:creationId xmlns:a16="http://schemas.microsoft.com/office/drawing/2014/main" id="{ECC84D1F-55C5-4D79-90EC-4382B315D6E3}"/>
+              </a:ext>
+            </a:extLst>
+          </p:cNvPr>
+          <p:cNvPicPr>
+            <a:picLocks noChangeAspect="1"/>
+          </p:cNvPicPr>
+          <p:nvPr/>
+        </p:nvPicPr>
+        <p:blipFill>
+          <a:blip r:embed="rId3">
+            <a:extLst>
+              <a:ext uri="{28A0092B-C50C-407E-A947-70E740481C1C}">
+                <a14:useLocalDpi xmlns:a14="http://schemas.microsoft.com/office/drawing/2010/main" val="0"/>
+              </a:ext>
+            </a:extLst>
+          </a:blip>
+          <a:stretch>
+            <a:fillRect/>
+          </a:stretch>
+        </p:blipFill>
+        <p:spPr>
+          <a:xfrm>
+            <a:off x="1385785" y="2927932"/>
+            <a:ext cx="9323809" cy="1342857"/>
+          </a:xfrm>
+          <a:prstGeom prst="rect">
+            <a:avLst/>
+          </a:prstGeom>
+        </p:spPr>
+      </p:pic>
+      <p:sp>
+        <p:nvSpPr>
+          <p:cNvPr id="12" name="TextBox 11">
+            <a:extLst>
+              <a:ext uri="{FF2B5EF4-FFF2-40B4-BE49-F238E27FC236}">
+                <a16:creationId xmlns:a16="http://schemas.microsoft.com/office/drawing/2014/main" id="{6A8C6B2F-64BA-4A18-83A7-7210B785DC19}"/>
+              </a:ext>
+            </a:extLst>
+          </p:cNvPr>
+          <p:cNvSpPr txBox="1"/>
+          <p:nvPr/>
+        </p:nvSpPr>
+        <p:spPr>
+          <a:xfrm>
+            <a:off x="1829090" y="4712677"/>
+            <a:ext cx="4038879" cy="646331"/>
+          </a:xfrm>
+          <a:prstGeom prst="rect">
+            <a:avLst/>
+          </a:prstGeom>
+          <a:noFill/>
+        </p:spPr>
+        <p:txBody>
+          <a:bodyPr wrap="square" rtlCol="0">
+            <a:spAutoFit/>
+          </a:bodyPr>
+          <a:lstStyle/>
+          <a:p>
+            <a:pPr algn="ctr"/>
+            <a:r>
+              <a:rPr lang="en-GB" sz="3600" b="1" dirty="0">
+                <a:solidFill>
+                  <a:schemeClr val="tx1">
+                    <a:lumMod val="65000"/>
+                    <a:lumOff val="35000"/>
+                  </a:schemeClr>
+                </a:solidFill>
+                <a:latin typeface="Arial" panose="020B0604020202020204" pitchFamily="34" charset="0"/>
+                <a:cs typeface="Arial" panose="020B0604020202020204" pitchFamily="34" charset="0"/>
+              </a:rPr>
+              <a:t>Weighing filter</a:t>
+            </a:r>
+          </a:p>
+        </p:txBody>
+      </p:sp>
+      <p:cxnSp>
+        <p:nvCxnSpPr>
+          <p:cNvPr id="15" name="Straight Arrow Connector 14">
+            <a:extLst>
+              <a:ext uri="{FF2B5EF4-FFF2-40B4-BE49-F238E27FC236}">
+                <a16:creationId xmlns:a16="http://schemas.microsoft.com/office/drawing/2014/main" id="{C7E8D4AC-3799-4E70-AC27-91F5A238EFE3}"/>
+              </a:ext>
+            </a:extLst>
+          </p:cNvPr>
+          <p:cNvCxnSpPr>
+            <a:cxnSpLocks/>
+            <a:stCxn id="12" idx="0"/>
+          </p:cNvCxnSpPr>
+          <p:nvPr/>
+        </p:nvCxnSpPr>
+        <p:spPr>
+          <a:xfrm flipV="1">
+            <a:off x="3848530" y="3904473"/>
+            <a:ext cx="259236" cy="808204"/>
+          </a:xfrm>
+          <a:prstGeom prst="straightConnector1">
+            <a:avLst/>
+          </a:prstGeom>
+          <a:ln w="57150">
+            <a:solidFill>
+              <a:schemeClr val="tx1">
+                <a:lumMod val="65000"/>
+                <a:lumOff val="35000"/>
+              </a:schemeClr>
+            </a:solidFill>
+            <a:tailEnd type="triangle"/>
+          </a:ln>
+        </p:spPr>
+        <p:style>
+          <a:lnRef idx="1">
+            <a:schemeClr val="accent1"/>
+          </a:lnRef>
+          <a:fillRef idx="0">
+            <a:schemeClr val="accent1"/>
+          </a:fillRef>
+          <a:effectRef idx="0">
+            <a:schemeClr val="accent1"/>
+          </a:effectRef>
+          <a:fontRef idx="minor">
+            <a:schemeClr val="tx1"/>
+          </a:fontRef>
+        </p:style>
+      </p:cxnSp>
+      <p:sp>
+        <p:nvSpPr>
+          <p:cNvPr id="20" name="TextBox 19">
+            <a:extLst>
+              <a:ext uri="{FF2B5EF4-FFF2-40B4-BE49-F238E27FC236}">
+                <a16:creationId xmlns:a16="http://schemas.microsoft.com/office/drawing/2014/main" id="{34D1D757-426A-4069-86EC-46289E87DBA6}"/>
+              </a:ext>
+            </a:extLst>
+          </p:cNvPr>
+          <p:cNvSpPr txBox="1"/>
+          <p:nvPr/>
+        </p:nvSpPr>
+        <p:spPr>
+          <a:xfrm>
+            <a:off x="6825333" y="4611509"/>
+            <a:ext cx="3010761" cy="646331"/>
+          </a:xfrm>
+          <a:prstGeom prst="rect">
+            <a:avLst/>
+          </a:prstGeom>
+          <a:noFill/>
+        </p:spPr>
+        <p:txBody>
+          <a:bodyPr wrap="none" rtlCol="0">
+            <a:spAutoFit/>
+          </a:bodyPr>
+          <a:lstStyle/>
+          <a:p>
+            <a:r>
+              <a:rPr lang="en-GB" sz="3600" dirty="0">
+                <a:solidFill>
+                  <a:srgbClr val="FF0000"/>
+                </a:solidFill>
+                <a:latin typeface="Arial" panose="020B0604020202020204" pitchFamily="34" charset="0"/>
+                <a:cs typeface="Arial" panose="020B0604020202020204" pitchFamily="34" charset="0"/>
+                <a:sym typeface="Wingdings" panose="05000000000000000000" pitchFamily="2" charset="2"/>
+              </a:rPr>
+              <a:t>Not convex </a:t>
+            </a:r>
+            <a:endParaRPr lang="en-GB" sz="3600" dirty="0">
+              <a:solidFill>
+                <a:srgbClr val="FF0000"/>
+              </a:solidFill>
+              <a:latin typeface="Arial" panose="020B0604020202020204" pitchFamily="34" charset="0"/>
+              <a:cs typeface="Arial" panose="020B0604020202020204" pitchFamily="34" charset="0"/>
+            </a:endParaRPr>
+          </a:p>
+        </p:txBody>
+      </p:sp>
+      <p:cxnSp>
+        <p:nvCxnSpPr>
+          <p:cNvPr id="21" name="Straight Arrow Connector 20">
+            <a:extLst>
+              <a:ext uri="{FF2B5EF4-FFF2-40B4-BE49-F238E27FC236}">
+                <a16:creationId xmlns:a16="http://schemas.microsoft.com/office/drawing/2014/main" id="{3F3296BE-6FCD-43C0-BA6B-43541BE0B210}"/>
+              </a:ext>
+            </a:extLst>
+          </p:cNvPr>
+          <p:cNvCxnSpPr>
+            <a:cxnSpLocks/>
+          </p:cNvCxnSpPr>
+          <p:nvPr/>
+        </p:nvCxnSpPr>
+        <p:spPr>
+          <a:xfrm>
+            <a:off x="8071487" y="4076065"/>
+            <a:ext cx="283993" cy="730168"/>
+          </a:xfrm>
+          <a:prstGeom prst="straightConnector1">
+            <a:avLst/>
+          </a:prstGeom>
+          <a:ln w="57150">
+            <a:solidFill>
+              <a:srgbClr val="FF0000"/>
+            </a:solidFill>
+            <a:tailEnd type="triangle"/>
+          </a:ln>
+        </p:spPr>
+        <p:style>
+          <a:lnRef idx="1">
+            <a:schemeClr val="accent1"/>
+          </a:lnRef>
+          <a:fillRef idx="0">
+            <a:schemeClr val="accent1"/>
+          </a:fillRef>
+          <a:effectRef idx="0">
+            <a:schemeClr val="accent1"/>
+          </a:effectRef>
+          <a:fontRef idx="minor">
+            <a:schemeClr val="tx1"/>
+          </a:fontRef>
+        </p:style>
+      </p:cxnSp>
+    </p:spTree>
+    <p:extLst>
+      <p:ext uri="{BB962C8B-B14F-4D97-AF65-F5344CB8AC3E}">
+        <p14:creationId xmlns:p14="http://schemas.microsoft.com/office/powerpoint/2010/main" val="1370871428"/>
+      </p:ext>
+    </p:extLst>
+  </p:cSld>
+  <p:clrMapOvr>
+    <a:masterClrMapping/>
+  </p:clrMapOvr>
+  <p:timing>
+    <p:tnLst>
+      <p:par>
+        <p:cTn id="1" dur="indefinite" restart="never" nodeType="tmRoot">
+          <p:childTnLst>
+            <p:seq concurrent="1" nextAc="seek">
+              <p:cTn id="2" dur="indefinite" nodeType="mainSeq">
+                <p:childTnLst>
+                  <p:par>
+                    <p:cTn id="3" fill="hold">
+                      <p:stCondLst>
+                        <p:cond delay="indefinite"/>
+                      </p:stCondLst>
+                      <p:childTnLst>
+                        <p:par>
+                          <p:cTn id="4" fill="hold">
+                            <p:stCondLst>
+                              <p:cond delay="0"/>
+                            </p:stCondLst>
+                            <p:childTnLst>
+                              <p:par>
+                                <p:cTn id="5" presetID="1" presetClass="entr" presetSubtype="0" fill="hold" nodeType="clickEffect">
+                                  <p:stCondLst>
+                                    <p:cond delay="0"/>
+                                  </p:stCondLst>
+                                  <p:childTnLst>
+                                    <p:set>
+                                      <p:cBhvr>
+                                        <p:cTn id="6" dur="1" fill="hold">
+                                          <p:stCondLst>
+                                            <p:cond delay="0"/>
+                                          </p:stCondLst>
+                                        </p:cTn>
+                                        <p:tgtEl>
+                                          <p:spTgt spid="6"/>
+                                        </p:tgtEl>
+                                        <p:attrNameLst>
+                                          <p:attrName>style.visibility</p:attrName>
+                                        </p:attrNameLst>
+                                      </p:cBhvr>
+                                      <p:to>
+                                        <p:strVal val="visible"/>
+                                      </p:to>
+                                    </p:set>
+                                  </p:childTnLst>
+                                </p:cTn>
+                              </p:par>
+                              <p:par>
+                                <p:cTn id="7" presetID="1" presetClass="entr" presetSubtype="0" fill="hold" nodeType="withEffect">
+                                  <p:stCondLst>
+                                    <p:cond delay="0"/>
+                                  </p:stCondLst>
+                                  <p:childTnLst>
+                                    <p:set>
+                                      <p:cBhvr>
+                                        <p:cTn id="8" dur="1" fill="hold">
+                                          <p:stCondLst>
+                                            <p:cond delay="0"/>
+                                          </p:stCondLst>
+                                        </p:cTn>
+                                        <p:tgtEl>
+                                          <p:spTgt spid="15"/>
+                                        </p:tgtEl>
+                                        <p:attrNameLst>
+                                          <p:attrName>style.visibility</p:attrName>
+                                        </p:attrNameLst>
+                                      </p:cBhvr>
+                                      <p:to>
+                                        <p:strVal val="visible"/>
+                                      </p:to>
+                                    </p:set>
+                                  </p:childTnLst>
+                                </p:cTn>
+                              </p:par>
+                              <p:par>
+                                <p:cTn id="9" presetID="1" presetClass="entr" presetSubtype="0" fill="hold" grpId="0" nodeType="withEffect">
+                                  <p:stCondLst>
+                                    <p:cond delay="0"/>
+                                  </p:stCondLst>
+                                  <p:childTnLst>
+                                    <p:set>
+                                      <p:cBhvr>
+                                        <p:cTn id="10" dur="1" fill="hold">
+                                          <p:stCondLst>
+                                            <p:cond delay="0"/>
+                                          </p:stCondLst>
+                                        </p:cTn>
+                                        <p:tgtEl>
+                                          <p:spTgt spid="12"/>
+                                        </p:tgtEl>
+                                        <p:attrNameLst>
+                                          <p:attrName>style.visibility</p:attrName>
+                                        </p:attrNameLst>
+                                      </p:cBhvr>
+                                      <p:to>
+                                        <p:strVal val="visible"/>
+                                      </p:to>
+                                    </p:set>
+                                  </p:childTnLst>
+                                </p:cTn>
+                              </p:par>
+                            </p:childTnLst>
+                          </p:cTn>
+                        </p:par>
+                      </p:childTnLst>
+                    </p:cTn>
+                  </p:par>
+                  <p:par>
+                    <p:cTn id="11" fill="hold">
+                      <p:stCondLst>
+                        <p:cond delay="indefinite"/>
+                      </p:stCondLst>
+                      <p:childTnLst>
+                        <p:par>
+                          <p:cTn id="12" fill="hold">
+                            <p:stCondLst>
+                              <p:cond delay="0"/>
+                            </p:stCondLst>
+                            <p:childTnLst>
+                              <p:par>
+                                <p:cTn id="13" presetID="1" presetClass="entr" presetSubtype="0" fill="hold" nodeType="clickEffect">
+                                  <p:stCondLst>
+                                    <p:cond delay="0"/>
+                                  </p:stCondLst>
+                                  <p:childTnLst>
+                                    <p:set>
+                                      <p:cBhvr>
+                                        <p:cTn id="14" dur="1" fill="hold">
+                                          <p:stCondLst>
+                                            <p:cond delay="0"/>
+                                          </p:stCondLst>
+                                        </p:cTn>
+                                        <p:tgtEl>
+                                          <p:spTgt spid="21"/>
+                                        </p:tgtEl>
+                                        <p:attrNameLst>
+                                          <p:attrName>style.visibility</p:attrName>
+                                        </p:attrNameLst>
+                                      </p:cBhvr>
+                                      <p:to>
+                                        <p:strVal val="visible"/>
+                                      </p:to>
+                                    </p:set>
+                                  </p:childTnLst>
+                                </p:cTn>
+                              </p:par>
+                              <p:par>
+                                <p:cTn id="15" presetID="1" presetClass="entr" presetSubtype="0" fill="hold" grpId="0" nodeType="withEffect">
+                                  <p:stCondLst>
+                                    <p:cond delay="0"/>
+                                  </p:stCondLst>
+                                  <p:childTnLst>
+                                    <p:set>
+                                      <p:cBhvr>
+                                        <p:cTn id="16" dur="1" fill="hold">
+                                          <p:stCondLst>
+                                            <p:cond delay="0"/>
+                                          </p:stCondLst>
+                                        </p:cTn>
+                                        <p:tgtEl>
+                                          <p:spTgt spid="20"/>
+                                        </p:tgtEl>
+                                        <p:attrNameLst>
+                                          <p:attrName>style.visibility</p:attrName>
+                                        </p:attrNameLst>
+                                      </p:cBhvr>
+                                      <p:to>
+                                        <p:strVal val="visible"/>
+                                      </p:to>
+                                    </p:set>
+                                  </p:childTnLst>
+                                </p:cTn>
+                              </p:par>
+                            </p:childTnLst>
+                          </p:cTn>
+                        </p:par>
+                      </p:childTnLst>
+                    </p:cTn>
+                  </p:par>
+                </p:childTnLst>
+              </p:cTn>
+              <p:prevCondLst>
+                <p:cond evt="onPrev" delay="0">
+                  <p:tgtEl>
+                    <p:sldTgt/>
+                  </p:tgtEl>
+                </p:cond>
+              </p:prevCondLst>
+              <p:nextCondLst>
+                <p:cond evt="onNext" delay="0">
+                  <p:tgtEl>
+                    <p:sldTgt/>
+                  </p:tgtEl>
+                </p:cond>
+              </p:nextCondLst>
+            </p:seq>
+          </p:childTnLst>
+        </p:cTn>
+      </p:par>
+    </p:tnLst>
+    <p:bldLst>
+      <p:bldP spid="12" grpId="0"/>
+      <p:bldP spid="20" grpId="0"/>
+    </p:bldLst>
+  </p:timing>
+</p:sld>
+</file>
+
+<file path=ppt/slides/slide3.xml><?xml version="1.0" encoding="utf-8"?>
+<p:sld xmlns:a="http://schemas.openxmlformats.org/drawingml/2006/main" xmlns:r="http://schemas.openxmlformats.org/officeDocument/2006/relationships" xmlns:p="http://schemas.openxmlformats.org/presentationml/2006/main">
+  <p:cSld>
+    <p:spTree>
+      <p:nvGrpSpPr>
+        <p:cNvPr id="1" name=""/>
+        <p:cNvGrpSpPr/>
+        <p:nvPr/>
+      </p:nvGrpSpPr>
+      <p:grpSpPr>
+        <a:xfrm>
+          <a:off x="0" y="0"/>
+          <a:ext cx="0" cy="0"/>
+          <a:chOff x="0" y="0"/>
+          <a:chExt cx="0" cy="0"/>
+        </a:xfrm>
+      </p:grpSpPr>
+      <p:pic>
+        <p:nvPicPr>
+          <p:cNvPr id="7" name="Picture 6">
+            <a:extLst>
+              <a:ext uri="{FF2B5EF4-FFF2-40B4-BE49-F238E27FC236}">
+                <a16:creationId xmlns:a16="http://schemas.microsoft.com/office/drawing/2014/main" id="{F25F8897-BE75-4366-9D06-6DFF36D643BC}"/>
+              </a:ext>
+            </a:extLst>
+          </p:cNvPr>
+          <p:cNvPicPr>
+            <a:picLocks noChangeAspect="1"/>
+          </p:cNvPicPr>
+          <p:nvPr/>
+        </p:nvPicPr>
+        <p:blipFill>
+          <a:blip r:embed="rId2">
+            <a:extLst>
+              <a:ext uri="{28A0092B-C50C-407E-A947-70E740481C1C}">
+                <a14:useLocalDpi xmlns:a14="http://schemas.microsoft.com/office/drawing/2010/main" val="0"/>
+              </a:ext>
+            </a:extLst>
+          </a:blip>
+          <a:srcRect/>
+          <a:stretch/>
+        </p:blipFill>
+        <p:spPr>
+          <a:xfrm>
+            <a:off x="344728" y="2282504"/>
+            <a:ext cx="11502543" cy="2292990"/>
+          </a:xfrm>
+          <a:prstGeom prst="rect">
+            <a:avLst/>
+          </a:prstGeom>
+        </p:spPr>
+      </p:pic>
+      <p:sp>
+        <p:nvSpPr>
+          <p:cNvPr id="8" name="Right Triangle 7">
+            <a:extLst>
+              <a:ext uri="{FF2B5EF4-FFF2-40B4-BE49-F238E27FC236}">
+                <a16:creationId xmlns:a16="http://schemas.microsoft.com/office/drawing/2014/main" id="{34BC60F9-272B-49CB-BBC3-9ECABF03CBED}"/>
+              </a:ext>
+            </a:extLst>
+          </p:cNvPr>
+          <p:cNvSpPr/>
+          <p:nvPr/>
+        </p:nvSpPr>
+        <p:spPr>
+          <a:xfrm rot="16200000">
+            <a:off x="9013371" y="3679371"/>
+            <a:ext cx="2931886" cy="3425372"/>
+          </a:xfrm>
+          <a:prstGeom prst="rtTriangle">
+            <a:avLst/>
+          </a:prstGeom>
+          <a:solidFill>
+            <a:schemeClr val="accent2">
+              <a:lumMod val="60000"/>
+              <a:lumOff val="40000"/>
+            </a:schemeClr>
+          </a:solidFill>
+          <a:ln>
+            <a:noFill/>
+          </a:ln>
+        </p:spPr>
+        <p:style>
+          <a:lnRef idx="2">
+            <a:schemeClr val="accent2">
+              <a:shade val="50000"/>
+            </a:schemeClr>
+          </a:lnRef>
+          <a:fillRef idx="1">
+            <a:schemeClr val="accent2"/>
+          </a:fillRef>
+          <a:effectRef idx="0">
+            <a:schemeClr val="accent2"/>
+          </a:effectRef>
+          <a:fontRef idx="minor">
+            <a:schemeClr val="lt1"/>
+          </a:fontRef>
+        </p:style>
+        <p:txBody>
+          <a:bodyPr rtlCol="0" anchor="ctr"/>
+          <a:lstStyle/>
+          <a:p>
+            <a:pPr algn="ctr"/>
+            <a:endParaRPr lang="LID4096"/>
+          </a:p>
+        </p:txBody>
+      </p:sp>
+      <p:sp>
+        <p:nvSpPr>
+          <p:cNvPr id="4" name="Slide Number Placeholder 3">
+            <a:extLst>
+              <a:ext uri="{FF2B5EF4-FFF2-40B4-BE49-F238E27FC236}">
+                <a16:creationId xmlns:a16="http://schemas.microsoft.com/office/drawing/2014/main" id="{7448BF2A-1F67-45F3-9E5B-A0E949BC49D6}"/>
+              </a:ext>
+            </a:extLst>
+          </p:cNvPr>
+          <p:cNvSpPr>
+            <a:spLocks noGrp="1"/>
+          </p:cNvSpPr>
+          <p:nvPr>
+            <p:ph type="sldNum" sz="quarter" idx="12"/>
+          </p:nvPr>
+        </p:nvSpPr>
+        <p:spPr/>
+        <p:txBody>
+          <a:bodyPr/>
+          <a:lstStyle/>
+          <a:p>
+            <a:fld id="{8F224621-ADB6-4DE2-A945-BF9C42D66C16}" type="slidenum">
+              <a:rPr lang="LID4096" smtClean="0"/>
+              <a:pPr/>
+              <a:t>3</a:t>
+            </a:fld>
+            <a:endParaRPr lang="LID4096" dirty="0"/>
+          </a:p>
+        </p:txBody>
+      </p:sp>
+      <p:sp>
+        <p:nvSpPr>
+          <p:cNvPr id="3" name="Google Shape;62;p14">
+            <a:extLst>
+              <a:ext uri="{FF2B5EF4-FFF2-40B4-BE49-F238E27FC236}">
+                <a16:creationId xmlns:a16="http://schemas.microsoft.com/office/drawing/2014/main" id="{E155BFF9-202C-475B-A266-871949978C02}"/>
+              </a:ext>
+            </a:extLst>
+          </p:cNvPr>
+          <p:cNvSpPr txBox="1">
+            <a:spLocks/>
+          </p:cNvSpPr>
+          <p:nvPr/>
+        </p:nvSpPr>
+        <p:spPr>
+          <a:xfrm>
+            <a:off x="415600" y="247650"/>
+            <a:ext cx="11360800" cy="834800"/>
+          </a:xfrm>
+          <a:prstGeom prst="rect">
+            <a:avLst/>
+          </a:prstGeom>
+        </p:spPr>
+        <p:txBody>
+          <a:bodyPr spcFirstLastPara="1" vert="horz" wrap="square" lIns="121900" tIns="121900" rIns="121900" bIns="121900" rtlCol="0" anchor="b" anchorCtr="0">
+            <a:noAutofit/>
+          </a:bodyPr>
+          <a:lstStyle>
+            <a:lvl1pPr algn="l" defTabSz="914400" rtl="0" eaLnBrk="1" latinLnBrk="0" hangingPunct="1">
+              <a:lnSpc>
+                <a:spcPct val="90000"/>
+              </a:lnSpc>
+              <a:spcBef>
+                <a:spcPct val="0"/>
+              </a:spcBef>
+              <a:buNone/>
+              <a:defRPr sz="4400" kern="1200">
+                <a:solidFill>
+                  <a:schemeClr val="tx1"/>
+                </a:solidFill>
+                <a:latin typeface="+mj-lt"/>
+                <a:ea typeface="+mj-ea"/>
+                <a:cs typeface="+mj-cs"/>
+              </a:defRPr>
+            </a:lvl1pPr>
+          </a:lstStyle>
+          <a:p>
+            <a:pPr algn="ctr">
+              <a:spcBef>
+                <a:spcPts val="0"/>
+              </a:spcBef>
+            </a:pPr>
+            <a:r>
+              <a:rPr lang="en-US" sz="4800" b="1" dirty="0">
+                <a:latin typeface="Arial" panose="020B0604020202020204" pitchFamily="34" charset="0"/>
+                <a:cs typeface="Arial" panose="020B0604020202020204" pitchFamily="34" charset="0"/>
+              </a:rPr>
+              <a:t>LTI systems</a:t>
+            </a:r>
+          </a:p>
+        </p:txBody>
+      </p:sp>
       <p:sp>
         <p:nvSpPr>
           <p:cNvPr id="2" name="Right Triangle 1">
@@ -11611,6 +13263,2083 @@
           </a:p>
         </p:txBody>
       </p:sp>
+    </p:spTree>
+    <p:extLst>
+      <p:ext uri="{BB962C8B-B14F-4D97-AF65-F5344CB8AC3E}">
+        <p14:creationId xmlns:p14="http://schemas.microsoft.com/office/powerpoint/2010/main" val="981051219"/>
+      </p:ext>
+    </p:extLst>
+  </p:cSld>
+  <p:clrMapOvr>
+    <a:masterClrMapping/>
+  </p:clrMapOvr>
+</p:sld>
+</file>
+
+<file path=ppt/slides/slide30.xml><?xml version="1.0" encoding="utf-8"?>
+<p:sld xmlns:a="http://schemas.openxmlformats.org/drawingml/2006/main" xmlns:r="http://schemas.openxmlformats.org/officeDocument/2006/relationships" xmlns:p="http://schemas.openxmlformats.org/presentationml/2006/main">
+  <p:cSld>
+    <p:spTree>
+      <p:nvGrpSpPr>
+        <p:cNvPr id="1" name=""/>
+        <p:cNvGrpSpPr/>
+        <p:nvPr/>
+      </p:nvGrpSpPr>
+      <p:grpSpPr>
+        <a:xfrm>
+          <a:off x="0" y="0"/>
+          <a:ext cx="0" cy="0"/>
+          <a:chOff x="0" y="0"/>
+          <a:chExt cx="0" cy="0"/>
+        </a:xfrm>
+      </p:grpSpPr>
+      <p:sp>
+        <p:nvSpPr>
+          <p:cNvPr id="4" name="Slide Number Placeholder 3">
+            <a:extLst>
+              <a:ext uri="{FF2B5EF4-FFF2-40B4-BE49-F238E27FC236}">
+                <a16:creationId xmlns:a16="http://schemas.microsoft.com/office/drawing/2014/main" id="{7448BF2A-1F67-45F3-9E5B-A0E949BC49D6}"/>
+              </a:ext>
+            </a:extLst>
+          </p:cNvPr>
+          <p:cNvSpPr>
+            <a:spLocks noGrp="1"/>
+          </p:cNvSpPr>
+          <p:nvPr>
+            <p:ph type="sldNum" sz="quarter" idx="12"/>
+          </p:nvPr>
+        </p:nvSpPr>
+        <p:spPr/>
+        <p:txBody>
+          <a:bodyPr/>
+          <a:lstStyle/>
+          <a:p>
+            <a:fld id="{8F224621-ADB6-4DE2-A945-BF9C42D66C16}" type="slidenum">
+              <a:rPr lang="LID4096" smtClean="0"/>
+              <a:pPr/>
+              <a:t>30</a:t>
+            </a:fld>
+            <a:endParaRPr lang="LID4096" dirty="0"/>
+          </a:p>
+        </p:txBody>
+      </p:sp>
+      <p:sp>
+        <p:nvSpPr>
+          <p:cNvPr id="3" name="Google Shape;62;p14">
+            <a:extLst>
+              <a:ext uri="{FF2B5EF4-FFF2-40B4-BE49-F238E27FC236}">
+                <a16:creationId xmlns:a16="http://schemas.microsoft.com/office/drawing/2014/main" id="{E155BFF9-202C-475B-A266-871949978C02}"/>
+              </a:ext>
+            </a:extLst>
+          </p:cNvPr>
+          <p:cNvSpPr txBox="1">
+            <a:spLocks/>
+          </p:cNvSpPr>
+          <p:nvPr/>
+        </p:nvSpPr>
+        <p:spPr>
+          <a:xfrm>
+            <a:off x="415600" y="247650"/>
+            <a:ext cx="11360800" cy="834800"/>
+          </a:xfrm>
+          <a:prstGeom prst="rect">
+            <a:avLst/>
+          </a:prstGeom>
+        </p:spPr>
+        <p:txBody>
+          <a:bodyPr spcFirstLastPara="1" vert="horz" wrap="square" lIns="121900" tIns="121900" rIns="121900" bIns="121900" rtlCol="0" anchor="b" anchorCtr="0">
+            <a:noAutofit/>
+          </a:bodyPr>
+          <a:lstStyle>
+            <a:lvl1pPr algn="l" defTabSz="914400" rtl="0" eaLnBrk="1" latinLnBrk="0" hangingPunct="1">
+              <a:lnSpc>
+                <a:spcPct val="90000"/>
+              </a:lnSpc>
+              <a:spcBef>
+                <a:spcPct val="0"/>
+              </a:spcBef>
+              <a:buNone/>
+              <a:defRPr sz="4400" kern="1200">
+                <a:solidFill>
+                  <a:schemeClr val="tx1"/>
+                </a:solidFill>
+                <a:latin typeface="+mj-lt"/>
+                <a:ea typeface="+mj-ea"/>
+                <a:cs typeface="+mj-cs"/>
+              </a:defRPr>
+            </a:lvl1pPr>
+          </a:lstStyle>
+          <a:p>
+            <a:pPr algn="ctr">
+              <a:spcBef>
+                <a:spcPts val="0"/>
+              </a:spcBef>
+            </a:pPr>
+            <a:r>
+              <a:rPr lang="nl" sz="4800" b="1" dirty="0">
+                <a:latin typeface="Arial" panose="020B0604020202020204" pitchFamily="34" charset="0"/>
+                <a:cs typeface="Arial" panose="020B0604020202020204" pitchFamily="34" charset="0"/>
+              </a:rPr>
+              <a:t>Data-driven control</a:t>
+            </a:r>
+            <a:endParaRPr lang="en-US" sz="4800" b="1" dirty="0">
+              <a:latin typeface="Arial" panose="020B0604020202020204" pitchFamily="34" charset="0"/>
+              <a:cs typeface="Arial" panose="020B0604020202020204" pitchFamily="34" charset="0"/>
+            </a:endParaRPr>
+          </a:p>
+        </p:txBody>
+      </p:sp>
+      <p:pic>
+        <p:nvPicPr>
+          <p:cNvPr id="24" name="Picture 23" descr="A picture containing drawing, clock&#10;&#10;Description automatically generated">
+            <a:extLst>
+              <a:ext uri="{FF2B5EF4-FFF2-40B4-BE49-F238E27FC236}">
+                <a16:creationId xmlns:a16="http://schemas.microsoft.com/office/drawing/2014/main" id="{C711E0F4-1B22-472C-8CDB-6EA2F883AB31}"/>
+              </a:ext>
+            </a:extLst>
+          </p:cNvPr>
+          <p:cNvPicPr>
+            <a:picLocks noChangeAspect="1"/>
+          </p:cNvPicPr>
+          <p:nvPr/>
+        </p:nvPicPr>
+        <p:blipFill>
+          <a:blip r:embed="rId2">
+            <a:extLst>
+              <a:ext uri="{28A0092B-C50C-407E-A947-70E740481C1C}">
+                <a14:useLocalDpi xmlns:a14="http://schemas.microsoft.com/office/drawing/2010/main" val="0"/>
+              </a:ext>
+            </a:extLst>
+          </a:blip>
+          <a:stretch>
+            <a:fillRect/>
+          </a:stretch>
+        </p:blipFill>
+        <p:spPr>
+          <a:xfrm>
+            <a:off x="3720644" y="2717844"/>
+            <a:ext cx="5257143" cy="1209524"/>
+          </a:xfrm>
+          <a:prstGeom prst="rect">
+            <a:avLst/>
+          </a:prstGeom>
+        </p:spPr>
+      </p:pic>
+      <p:pic>
+        <p:nvPicPr>
+          <p:cNvPr id="26" name="Picture 25" descr="A close up of a sign&#10;&#10;Description automatically generated">
+            <a:extLst>
+              <a:ext uri="{FF2B5EF4-FFF2-40B4-BE49-F238E27FC236}">
+                <a16:creationId xmlns:a16="http://schemas.microsoft.com/office/drawing/2014/main" id="{5B2C6490-465A-4E7B-A19A-0B36544F94C0}"/>
+              </a:ext>
+            </a:extLst>
+          </p:cNvPr>
+          <p:cNvPicPr>
+            <a:picLocks noChangeAspect="1"/>
+          </p:cNvPicPr>
+          <p:nvPr/>
+        </p:nvPicPr>
+        <p:blipFill>
+          <a:blip r:embed="rId3">
+            <a:extLst>
+              <a:ext uri="{28A0092B-C50C-407E-A947-70E740481C1C}">
+                <a14:useLocalDpi xmlns:a14="http://schemas.microsoft.com/office/drawing/2010/main" val="0"/>
+              </a:ext>
+            </a:extLst>
+          </a:blip>
+          <a:stretch>
+            <a:fillRect/>
+          </a:stretch>
+        </p:blipFill>
+        <p:spPr>
+          <a:xfrm>
+            <a:off x="3572188" y="4353239"/>
+            <a:ext cx="5047619" cy="1419048"/>
+          </a:xfrm>
+          <a:prstGeom prst="rect">
+            <a:avLst/>
+          </a:prstGeom>
+        </p:spPr>
+      </p:pic>
+      <p:pic>
+        <p:nvPicPr>
+          <p:cNvPr id="34" name="Picture 33" descr="A screenshot of a cell phone&#10;&#10;Description automatically generated">
+            <a:extLst>
+              <a:ext uri="{FF2B5EF4-FFF2-40B4-BE49-F238E27FC236}">
+                <a16:creationId xmlns:a16="http://schemas.microsoft.com/office/drawing/2014/main" id="{E95FD6C0-C866-4BD5-9340-F1FE6E8C8817}"/>
+              </a:ext>
+            </a:extLst>
+          </p:cNvPr>
+          <p:cNvPicPr>
+            <a:picLocks noChangeAspect="1"/>
+          </p:cNvPicPr>
+          <p:nvPr/>
+        </p:nvPicPr>
+        <p:blipFill>
+          <a:blip r:embed="rId4">
+            <a:extLst>
+              <a:ext uri="{28A0092B-C50C-407E-A947-70E740481C1C}">
+                <a14:useLocalDpi xmlns:a14="http://schemas.microsoft.com/office/drawing/2010/main" val="0"/>
+              </a:ext>
+            </a:extLst>
+          </a:blip>
+          <a:stretch>
+            <a:fillRect/>
+          </a:stretch>
+        </p:blipFill>
+        <p:spPr>
+          <a:xfrm>
+            <a:off x="1409094" y="1082450"/>
+            <a:ext cx="9373811" cy="1209524"/>
+          </a:xfrm>
+          <a:prstGeom prst="rect">
+            <a:avLst/>
+          </a:prstGeom>
+        </p:spPr>
+      </p:pic>
+      <p:sp>
+        <p:nvSpPr>
+          <p:cNvPr id="36" name="TextBox 35">
+            <a:extLst>
+              <a:ext uri="{FF2B5EF4-FFF2-40B4-BE49-F238E27FC236}">
+                <a16:creationId xmlns:a16="http://schemas.microsoft.com/office/drawing/2014/main" id="{FEC5FA52-2EC7-4B93-9469-5C9BB9D90A60}"/>
+              </a:ext>
+            </a:extLst>
+          </p:cNvPr>
+          <p:cNvSpPr txBox="1"/>
+          <p:nvPr/>
+        </p:nvSpPr>
+        <p:spPr>
+          <a:xfrm>
+            <a:off x="58568" y="2930193"/>
+            <a:ext cx="3647152" cy="646331"/>
+          </a:xfrm>
+          <a:prstGeom prst="rect">
+            <a:avLst/>
+          </a:prstGeom>
+          <a:noFill/>
+        </p:spPr>
+        <p:txBody>
+          <a:bodyPr wrap="none" rtlCol="0">
+            <a:spAutoFit/>
+          </a:bodyPr>
+          <a:lstStyle/>
+          <a:p>
+            <a:r>
+              <a:rPr lang="en-GB" sz="3600" b="1" dirty="0">
+                <a:solidFill>
+                  <a:schemeClr val="tx1">
+                    <a:lumMod val="65000"/>
+                    <a:lumOff val="35000"/>
+                  </a:schemeClr>
+                </a:solidFill>
+                <a:latin typeface="Arial" panose="020B0604020202020204" pitchFamily="34" charset="0"/>
+                <a:cs typeface="Arial" panose="020B0604020202020204" pitchFamily="34" charset="0"/>
+              </a:rPr>
+              <a:t>Ideal controller:</a:t>
+            </a:r>
+          </a:p>
+        </p:txBody>
+      </p:sp>
+    </p:spTree>
+    <p:extLst>
+      <p:ext uri="{BB962C8B-B14F-4D97-AF65-F5344CB8AC3E}">
+        <p14:creationId xmlns:p14="http://schemas.microsoft.com/office/powerpoint/2010/main" val="1812415350"/>
+      </p:ext>
+    </p:extLst>
+  </p:cSld>
+  <p:clrMapOvr>
+    <a:masterClrMapping/>
+  </p:clrMapOvr>
+  <p:timing>
+    <p:tnLst>
+      <p:par>
+        <p:cTn id="1" dur="indefinite" restart="never" nodeType="tmRoot">
+          <p:childTnLst>
+            <p:seq concurrent="1" nextAc="seek">
+              <p:cTn id="2" dur="indefinite" nodeType="mainSeq">
+                <p:childTnLst>
+                  <p:par>
+                    <p:cTn id="3" fill="hold">
+                      <p:stCondLst>
+                        <p:cond delay="indefinite"/>
+                      </p:stCondLst>
+                      <p:childTnLst>
+                        <p:par>
+                          <p:cTn id="4" fill="hold">
+                            <p:stCondLst>
+                              <p:cond delay="0"/>
+                            </p:stCondLst>
+                            <p:childTnLst>
+                              <p:par>
+                                <p:cTn id="5" presetID="1" presetClass="entr" presetSubtype="0" fill="hold" grpId="0" nodeType="clickEffect">
+                                  <p:stCondLst>
+                                    <p:cond delay="0"/>
+                                  </p:stCondLst>
+                                  <p:childTnLst>
+                                    <p:set>
+                                      <p:cBhvr>
+                                        <p:cTn id="6" dur="1" fill="hold">
+                                          <p:stCondLst>
+                                            <p:cond delay="0"/>
+                                          </p:stCondLst>
+                                        </p:cTn>
+                                        <p:tgtEl>
+                                          <p:spTgt spid="36"/>
+                                        </p:tgtEl>
+                                        <p:attrNameLst>
+                                          <p:attrName>style.visibility</p:attrName>
+                                        </p:attrNameLst>
+                                      </p:cBhvr>
+                                      <p:to>
+                                        <p:strVal val="visible"/>
+                                      </p:to>
+                                    </p:set>
+                                  </p:childTnLst>
+                                </p:cTn>
+                              </p:par>
+                              <p:par>
+                                <p:cTn id="7" presetID="1" presetClass="entr" presetSubtype="0" fill="hold" nodeType="withEffect">
+                                  <p:stCondLst>
+                                    <p:cond delay="0"/>
+                                  </p:stCondLst>
+                                  <p:childTnLst>
+                                    <p:set>
+                                      <p:cBhvr>
+                                        <p:cTn id="8" dur="1" fill="hold">
+                                          <p:stCondLst>
+                                            <p:cond delay="0"/>
+                                          </p:stCondLst>
+                                        </p:cTn>
+                                        <p:tgtEl>
+                                          <p:spTgt spid="24"/>
+                                        </p:tgtEl>
+                                        <p:attrNameLst>
+                                          <p:attrName>style.visibility</p:attrName>
+                                        </p:attrNameLst>
+                                      </p:cBhvr>
+                                      <p:to>
+                                        <p:strVal val="visible"/>
+                                      </p:to>
+                                    </p:set>
+                                  </p:childTnLst>
+                                </p:cTn>
+                              </p:par>
+                              <p:par>
+                                <p:cTn id="9" presetID="1" presetClass="entr" presetSubtype="0" fill="hold" nodeType="withEffect">
+                                  <p:stCondLst>
+                                    <p:cond delay="0"/>
+                                  </p:stCondLst>
+                                  <p:childTnLst>
+                                    <p:set>
+                                      <p:cBhvr>
+                                        <p:cTn id="10" dur="1" fill="hold">
+                                          <p:stCondLst>
+                                            <p:cond delay="0"/>
+                                          </p:stCondLst>
+                                        </p:cTn>
+                                        <p:tgtEl>
+                                          <p:spTgt spid="26"/>
+                                        </p:tgtEl>
+                                        <p:attrNameLst>
+                                          <p:attrName>style.visibility</p:attrName>
+                                        </p:attrNameLst>
+                                      </p:cBhvr>
+                                      <p:to>
+                                        <p:strVal val="visible"/>
+                                      </p:to>
+                                    </p:set>
+                                  </p:childTnLst>
+                                </p:cTn>
+                              </p:par>
+                            </p:childTnLst>
+                          </p:cTn>
+                        </p:par>
+                      </p:childTnLst>
+                    </p:cTn>
+                  </p:par>
+                </p:childTnLst>
+              </p:cTn>
+              <p:prevCondLst>
+                <p:cond evt="onPrev" delay="0">
+                  <p:tgtEl>
+                    <p:sldTgt/>
+                  </p:tgtEl>
+                </p:cond>
+              </p:prevCondLst>
+              <p:nextCondLst>
+                <p:cond evt="onNext" delay="0">
+                  <p:tgtEl>
+                    <p:sldTgt/>
+                  </p:tgtEl>
+                </p:cond>
+              </p:nextCondLst>
+            </p:seq>
+          </p:childTnLst>
+        </p:cTn>
+      </p:par>
+    </p:tnLst>
+    <p:bldLst>
+      <p:bldP spid="36" grpId="0"/>
+    </p:bldLst>
+  </p:timing>
+</p:sld>
+</file>
+
+<file path=ppt/slides/slide31.xml><?xml version="1.0" encoding="utf-8"?>
+<p:sld xmlns:a="http://schemas.openxmlformats.org/drawingml/2006/main" xmlns:r="http://schemas.openxmlformats.org/officeDocument/2006/relationships" xmlns:p="http://schemas.openxmlformats.org/presentationml/2006/main">
+  <p:cSld>
+    <p:spTree>
+      <p:nvGrpSpPr>
+        <p:cNvPr id="1" name=""/>
+        <p:cNvGrpSpPr/>
+        <p:nvPr/>
+      </p:nvGrpSpPr>
+      <p:grpSpPr>
+        <a:xfrm>
+          <a:off x="0" y="0"/>
+          <a:ext cx="0" cy="0"/>
+          <a:chOff x="0" y="0"/>
+          <a:chExt cx="0" cy="0"/>
+        </a:xfrm>
+      </p:grpSpPr>
+      <p:sp>
+        <p:nvSpPr>
+          <p:cNvPr id="4" name="Slide Number Placeholder 3">
+            <a:extLst>
+              <a:ext uri="{FF2B5EF4-FFF2-40B4-BE49-F238E27FC236}">
+                <a16:creationId xmlns:a16="http://schemas.microsoft.com/office/drawing/2014/main" id="{7448BF2A-1F67-45F3-9E5B-A0E949BC49D6}"/>
+              </a:ext>
+            </a:extLst>
+          </p:cNvPr>
+          <p:cNvSpPr>
+            <a:spLocks noGrp="1"/>
+          </p:cNvSpPr>
+          <p:nvPr>
+            <p:ph type="sldNum" sz="quarter" idx="12"/>
+          </p:nvPr>
+        </p:nvSpPr>
+        <p:spPr/>
+        <p:txBody>
+          <a:bodyPr/>
+          <a:lstStyle/>
+          <a:p>
+            <a:fld id="{8F224621-ADB6-4DE2-A945-BF9C42D66C16}" type="slidenum">
+              <a:rPr lang="LID4096" smtClean="0"/>
+              <a:pPr/>
+              <a:t>31</a:t>
+            </a:fld>
+            <a:endParaRPr lang="LID4096" dirty="0"/>
+          </a:p>
+        </p:txBody>
+      </p:sp>
+      <p:sp>
+        <p:nvSpPr>
+          <p:cNvPr id="3" name="Google Shape;62;p14">
+            <a:extLst>
+              <a:ext uri="{FF2B5EF4-FFF2-40B4-BE49-F238E27FC236}">
+                <a16:creationId xmlns:a16="http://schemas.microsoft.com/office/drawing/2014/main" id="{E155BFF9-202C-475B-A266-871949978C02}"/>
+              </a:ext>
+            </a:extLst>
+          </p:cNvPr>
+          <p:cNvSpPr txBox="1">
+            <a:spLocks/>
+          </p:cNvSpPr>
+          <p:nvPr/>
+        </p:nvSpPr>
+        <p:spPr>
+          <a:xfrm>
+            <a:off x="415600" y="247650"/>
+            <a:ext cx="11360800" cy="834800"/>
+          </a:xfrm>
+          <a:prstGeom prst="rect">
+            <a:avLst/>
+          </a:prstGeom>
+        </p:spPr>
+        <p:txBody>
+          <a:bodyPr spcFirstLastPara="1" vert="horz" wrap="square" lIns="121900" tIns="121900" rIns="121900" bIns="121900" rtlCol="0" anchor="b" anchorCtr="0">
+            <a:noAutofit/>
+          </a:bodyPr>
+          <a:lstStyle>
+            <a:lvl1pPr algn="l" defTabSz="914400" rtl="0" eaLnBrk="1" latinLnBrk="0" hangingPunct="1">
+              <a:lnSpc>
+                <a:spcPct val="90000"/>
+              </a:lnSpc>
+              <a:spcBef>
+                <a:spcPct val="0"/>
+              </a:spcBef>
+              <a:buNone/>
+              <a:defRPr sz="4400" kern="1200">
+                <a:solidFill>
+                  <a:schemeClr val="tx1"/>
+                </a:solidFill>
+                <a:latin typeface="+mj-lt"/>
+                <a:ea typeface="+mj-ea"/>
+                <a:cs typeface="+mj-cs"/>
+              </a:defRPr>
+            </a:lvl1pPr>
+          </a:lstStyle>
+          <a:p>
+            <a:pPr algn="ctr">
+              <a:spcBef>
+                <a:spcPts val="0"/>
+              </a:spcBef>
+            </a:pPr>
+            <a:r>
+              <a:rPr lang="nl" sz="4800" b="1" dirty="0">
+                <a:latin typeface="Arial" panose="020B0604020202020204" pitchFamily="34" charset="0"/>
+                <a:cs typeface="Arial" panose="020B0604020202020204" pitchFamily="34" charset="0"/>
+              </a:rPr>
+              <a:t>Data-driven control</a:t>
+            </a:r>
+            <a:endParaRPr lang="en-US" sz="4800" b="1" dirty="0">
+              <a:latin typeface="Arial" panose="020B0604020202020204" pitchFamily="34" charset="0"/>
+              <a:cs typeface="Arial" panose="020B0604020202020204" pitchFamily="34" charset="0"/>
+            </a:endParaRPr>
+          </a:p>
+        </p:txBody>
+      </p:sp>
+      <p:pic>
+        <p:nvPicPr>
+          <p:cNvPr id="28" name="Picture 27" descr="A picture containing clock&#10;&#10;Description automatically generated">
+            <a:extLst>
+              <a:ext uri="{FF2B5EF4-FFF2-40B4-BE49-F238E27FC236}">
+                <a16:creationId xmlns:a16="http://schemas.microsoft.com/office/drawing/2014/main" id="{DA08CA20-3624-4CFF-A008-C45982530B4F}"/>
+              </a:ext>
+            </a:extLst>
+          </p:cNvPr>
+          <p:cNvPicPr>
+            <a:picLocks noChangeAspect="1"/>
+          </p:cNvPicPr>
+          <p:nvPr/>
+        </p:nvPicPr>
+        <p:blipFill>
+          <a:blip r:embed="rId2">
+            <a:extLst>
+              <a:ext uri="{28A0092B-C50C-407E-A947-70E740481C1C}">
+                <a14:useLocalDpi xmlns:a14="http://schemas.microsoft.com/office/drawing/2010/main" val="0"/>
+              </a:ext>
+            </a:extLst>
+          </a:blip>
+          <a:stretch>
+            <a:fillRect/>
+          </a:stretch>
+        </p:blipFill>
+        <p:spPr>
+          <a:xfrm>
+            <a:off x="860500" y="2264926"/>
+            <a:ext cx="10884746" cy="1419048"/>
+          </a:xfrm>
+          <a:prstGeom prst="rect">
+            <a:avLst/>
+          </a:prstGeom>
+        </p:spPr>
+      </p:pic>
+      <p:pic>
+        <p:nvPicPr>
+          <p:cNvPr id="30" name="Picture 29">
+            <a:extLst>
+              <a:ext uri="{FF2B5EF4-FFF2-40B4-BE49-F238E27FC236}">
+                <a16:creationId xmlns:a16="http://schemas.microsoft.com/office/drawing/2014/main" id="{B800025A-CA74-4351-8D62-A60D63199407}"/>
+              </a:ext>
+            </a:extLst>
+          </p:cNvPr>
+          <p:cNvPicPr>
+            <a:picLocks noChangeAspect="1"/>
+          </p:cNvPicPr>
+          <p:nvPr/>
+        </p:nvPicPr>
+        <p:blipFill>
+          <a:blip r:embed="rId3">
+            <a:extLst>
+              <a:ext uri="{28A0092B-C50C-407E-A947-70E740481C1C}">
+                <a14:useLocalDpi xmlns:a14="http://schemas.microsoft.com/office/drawing/2010/main" val="0"/>
+              </a:ext>
+            </a:extLst>
+          </a:blip>
+          <a:stretch>
+            <a:fillRect/>
+          </a:stretch>
+        </p:blipFill>
+        <p:spPr>
+          <a:xfrm>
+            <a:off x="1052136" y="3755403"/>
+            <a:ext cx="10501475" cy="942857"/>
+          </a:xfrm>
+          <a:prstGeom prst="rect">
+            <a:avLst/>
+          </a:prstGeom>
+        </p:spPr>
+      </p:pic>
+      <p:pic>
+        <p:nvPicPr>
+          <p:cNvPr id="32" name="Picture 31" descr="A picture containing clock&#10;&#10;Description automatically generated">
+            <a:extLst>
+              <a:ext uri="{FF2B5EF4-FFF2-40B4-BE49-F238E27FC236}">
+                <a16:creationId xmlns:a16="http://schemas.microsoft.com/office/drawing/2014/main" id="{944323C6-1EDE-44A8-95C6-FBC072449E36}"/>
+              </a:ext>
+            </a:extLst>
+          </p:cNvPr>
+          <p:cNvPicPr>
+            <a:picLocks noChangeAspect="1"/>
+          </p:cNvPicPr>
+          <p:nvPr/>
+        </p:nvPicPr>
+        <p:blipFill>
+          <a:blip r:embed="rId4">
+            <a:extLst>
+              <a:ext uri="{28A0092B-C50C-407E-A947-70E740481C1C}">
+                <a14:useLocalDpi xmlns:a14="http://schemas.microsoft.com/office/drawing/2010/main" val="0"/>
+              </a:ext>
+            </a:extLst>
+          </a:blip>
+          <a:stretch>
+            <a:fillRect/>
+          </a:stretch>
+        </p:blipFill>
+        <p:spPr>
+          <a:xfrm>
+            <a:off x="2400509" y="5127743"/>
+            <a:ext cx="3495238" cy="942857"/>
+          </a:xfrm>
+          <a:prstGeom prst="rect">
+            <a:avLst/>
+          </a:prstGeom>
+        </p:spPr>
+      </p:pic>
+      <p:pic>
+        <p:nvPicPr>
+          <p:cNvPr id="34" name="Picture 33" descr="A screenshot of a cell phone&#10;&#10;Description automatically generated">
+            <a:extLst>
+              <a:ext uri="{FF2B5EF4-FFF2-40B4-BE49-F238E27FC236}">
+                <a16:creationId xmlns:a16="http://schemas.microsoft.com/office/drawing/2014/main" id="{E95FD6C0-C866-4BD5-9340-F1FE6E8C8817}"/>
+              </a:ext>
+            </a:extLst>
+          </p:cNvPr>
+          <p:cNvPicPr>
+            <a:picLocks noChangeAspect="1"/>
+          </p:cNvPicPr>
+          <p:nvPr/>
+        </p:nvPicPr>
+        <p:blipFill>
+          <a:blip r:embed="rId5">
+            <a:extLst>
+              <a:ext uri="{28A0092B-C50C-407E-A947-70E740481C1C}">
+                <a14:useLocalDpi xmlns:a14="http://schemas.microsoft.com/office/drawing/2010/main" val="0"/>
+              </a:ext>
+            </a:extLst>
+          </a:blip>
+          <a:stretch>
+            <a:fillRect/>
+          </a:stretch>
+        </p:blipFill>
+        <p:spPr>
+          <a:xfrm>
+            <a:off x="804062" y="913116"/>
+            <a:ext cx="10997622" cy="1419048"/>
+          </a:xfrm>
+          <a:prstGeom prst="rect">
+            <a:avLst/>
+          </a:prstGeom>
+        </p:spPr>
+      </p:pic>
+      <p:sp>
+        <p:nvSpPr>
+          <p:cNvPr id="10" name="TextBox 9">
+            <a:extLst>
+              <a:ext uri="{FF2B5EF4-FFF2-40B4-BE49-F238E27FC236}">
+                <a16:creationId xmlns:a16="http://schemas.microsoft.com/office/drawing/2014/main" id="{4B09F3EB-45BB-4F74-9BC2-3EC7E2665C13}"/>
+              </a:ext>
+            </a:extLst>
+          </p:cNvPr>
+          <p:cNvSpPr txBox="1"/>
+          <p:nvPr/>
+        </p:nvSpPr>
+        <p:spPr>
+          <a:xfrm>
+            <a:off x="7317702" y="5401894"/>
+            <a:ext cx="2266967" cy="646331"/>
+          </a:xfrm>
+          <a:prstGeom prst="rect">
+            <a:avLst/>
+          </a:prstGeom>
+          <a:noFill/>
+        </p:spPr>
+        <p:txBody>
+          <a:bodyPr wrap="none" rtlCol="0">
+            <a:spAutoFit/>
+          </a:bodyPr>
+          <a:lstStyle/>
+          <a:p>
+            <a:r>
+              <a:rPr lang="en-GB" sz="3600" dirty="0">
+                <a:solidFill>
+                  <a:srgbClr val="FF0000"/>
+                </a:solidFill>
+                <a:latin typeface="Arial" panose="020B0604020202020204" pitchFamily="34" charset="0"/>
+                <a:cs typeface="Arial" panose="020B0604020202020204" pitchFamily="34" charset="0"/>
+                <a:sym typeface="Wingdings" panose="05000000000000000000" pitchFamily="2" charset="2"/>
+              </a:rPr>
+              <a:t>Convex </a:t>
+            </a:r>
+            <a:endParaRPr lang="en-GB" sz="3600" dirty="0">
+              <a:solidFill>
+                <a:srgbClr val="FF0000"/>
+              </a:solidFill>
+              <a:latin typeface="Arial" panose="020B0604020202020204" pitchFamily="34" charset="0"/>
+              <a:cs typeface="Arial" panose="020B0604020202020204" pitchFamily="34" charset="0"/>
+            </a:endParaRPr>
+          </a:p>
+        </p:txBody>
+      </p:sp>
+      <p:cxnSp>
+        <p:nvCxnSpPr>
+          <p:cNvPr id="11" name="Straight Arrow Connector 10">
+            <a:extLst>
+              <a:ext uri="{FF2B5EF4-FFF2-40B4-BE49-F238E27FC236}">
+                <a16:creationId xmlns:a16="http://schemas.microsoft.com/office/drawing/2014/main" id="{8C90689E-F148-43DA-892A-AD06E3D8C2D5}"/>
+              </a:ext>
+            </a:extLst>
+          </p:cNvPr>
+          <p:cNvCxnSpPr>
+            <a:cxnSpLocks/>
+          </p:cNvCxnSpPr>
+          <p:nvPr/>
+        </p:nvCxnSpPr>
+        <p:spPr>
+          <a:xfrm>
+            <a:off x="7441809" y="4547918"/>
+            <a:ext cx="661182" cy="1048700"/>
+          </a:xfrm>
+          <a:prstGeom prst="straightConnector1">
+            <a:avLst/>
+          </a:prstGeom>
+          <a:ln w="57150">
+            <a:solidFill>
+              <a:srgbClr val="FF0000"/>
+            </a:solidFill>
+            <a:tailEnd type="triangle"/>
+          </a:ln>
+        </p:spPr>
+        <p:style>
+          <a:lnRef idx="1">
+            <a:schemeClr val="accent1"/>
+          </a:lnRef>
+          <a:fillRef idx="0">
+            <a:schemeClr val="accent1"/>
+          </a:fillRef>
+          <a:effectRef idx="0">
+            <a:schemeClr val="accent1"/>
+          </a:effectRef>
+          <a:fontRef idx="minor">
+            <a:schemeClr val="tx1"/>
+          </a:fontRef>
+        </p:style>
+      </p:cxnSp>
+      <p:cxnSp>
+        <p:nvCxnSpPr>
+          <p:cNvPr id="13" name="Straight Arrow Connector 12">
+            <a:extLst>
+              <a:ext uri="{FF2B5EF4-FFF2-40B4-BE49-F238E27FC236}">
+                <a16:creationId xmlns:a16="http://schemas.microsoft.com/office/drawing/2014/main" id="{62B582B4-C8A8-4544-802F-E3BD9A129266}"/>
+              </a:ext>
+            </a:extLst>
+          </p:cNvPr>
+          <p:cNvCxnSpPr>
+            <a:cxnSpLocks/>
+            <a:endCxn id="10" idx="1"/>
+          </p:cNvCxnSpPr>
+          <p:nvPr/>
+        </p:nvCxnSpPr>
+        <p:spPr>
+          <a:xfrm>
+            <a:off x="5837088" y="5596618"/>
+            <a:ext cx="1480614" cy="128442"/>
+          </a:xfrm>
+          <a:prstGeom prst="straightConnector1">
+            <a:avLst/>
+          </a:prstGeom>
+          <a:ln w="57150">
+            <a:solidFill>
+              <a:srgbClr val="FF0000"/>
+            </a:solidFill>
+            <a:tailEnd type="triangle"/>
+          </a:ln>
+        </p:spPr>
+        <p:style>
+          <a:lnRef idx="1">
+            <a:schemeClr val="accent1"/>
+          </a:lnRef>
+          <a:fillRef idx="0">
+            <a:schemeClr val="accent1"/>
+          </a:fillRef>
+          <a:effectRef idx="0">
+            <a:schemeClr val="accent1"/>
+          </a:effectRef>
+          <a:fontRef idx="minor">
+            <a:schemeClr val="tx1"/>
+          </a:fontRef>
+        </p:style>
+      </p:cxnSp>
+    </p:spTree>
+    <p:extLst>
+      <p:ext uri="{BB962C8B-B14F-4D97-AF65-F5344CB8AC3E}">
+        <p14:creationId xmlns:p14="http://schemas.microsoft.com/office/powerpoint/2010/main" val="13440707"/>
+      </p:ext>
+    </p:extLst>
+  </p:cSld>
+  <p:clrMapOvr>
+    <a:masterClrMapping/>
+  </p:clrMapOvr>
+  <p:timing>
+    <p:tnLst>
+      <p:par>
+        <p:cTn id="1" dur="indefinite" restart="never" nodeType="tmRoot">
+          <p:childTnLst>
+            <p:seq concurrent="1" nextAc="seek">
+              <p:cTn id="2" dur="indefinite" nodeType="mainSeq">
+                <p:childTnLst>
+                  <p:par>
+                    <p:cTn id="3" fill="hold">
+                      <p:stCondLst>
+                        <p:cond delay="indefinite"/>
+                      </p:stCondLst>
+                      <p:childTnLst>
+                        <p:par>
+                          <p:cTn id="4" fill="hold">
+                            <p:stCondLst>
+                              <p:cond delay="0"/>
+                            </p:stCondLst>
+                            <p:childTnLst>
+                              <p:par>
+                                <p:cTn id="5" presetID="1" presetClass="entr" presetSubtype="0" fill="hold" nodeType="clickEffect">
+                                  <p:stCondLst>
+                                    <p:cond delay="0"/>
+                                  </p:stCondLst>
+                                  <p:childTnLst>
+                                    <p:set>
+                                      <p:cBhvr>
+                                        <p:cTn id="6" dur="1" fill="hold">
+                                          <p:stCondLst>
+                                            <p:cond delay="0"/>
+                                          </p:stCondLst>
+                                        </p:cTn>
+                                        <p:tgtEl>
+                                          <p:spTgt spid="28"/>
+                                        </p:tgtEl>
+                                        <p:attrNameLst>
+                                          <p:attrName>style.visibility</p:attrName>
+                                        </p:attrNameLst>
+                                      </p:cBhvr>
+                                      <p:to>
+                                        <p:strVal val="visible"/>
+                                      </p:to>
+                                    </p:set>
+                                  </p:childTnLst>
+                                </p:cTn>
+                              </p:par>
+                            </p:childTnLst>
+                          </p:cTn>
+                        </p:par>
+                      </p:childTnLst>
+                    </p:cTn>
+                  </p:par>
+                  <p:par>
+                    <p:cTn id="7" fill="hold">
+                      <p:stCondLst>
+                        <p:cond delay="indefinite"/>
+                      </p:stCondLst>
+                      <p:childTnLst>
+                        <p:par>
+                          <p:cTn id="8" fill="hold">
+                            <p:stCondLst>
+                              <p:cond delay="0"/>
+                            </p:stCondLst>
+                            <p:childTnLst>
+                              <p:par>
+                                <p:cTn id="9" presetID="1" presetClass="entr" presetSubtype="0" fill="hold" nodeType="clickEffect">
+                                  <p:stCondLst>
+                                    <p:cond delay="0"/>
+                                  </p:stCondLst>
+                                  <p:childTnLst>
+                                    <p:set>
+                                      <p:cBhvr>
+                                        <p:cTn id="10" dur="1" fill="hold">
+                                          <p:stCondLst>
+                                            <p:cond delay="0"/>
+                                          </p:stCondLst>
+                                        </p:cTn>
+                                        <p:tgtEl>
+                                          <p:spTgt spid="30"/>
+                                        </p:tgtEl>
+                                        <p:attrNameLst>
+                                          <p:attrName>style.visibility</p:attrName>
+                                        </p:attrNameLst>
+                                      </p:cBhvr>
+                                      <p:to>
+                                        <p:strVal val="visible"/>
+                                      </p:to>
+                                    </p:set>
+                                  </p:childTnLst>
+                                </p:cTn>
+                              </p:par>
+                            </p:childTnLst>
+                          </p:cTn>
+                        </p:par>
+                      </p:childTnLst>
+                    </p:cTn>
+                  </p:par>
+                  <p:par>
+                    <p:cTn id="11" fill="hold">
+                      <p:stCondLst>
+                        <p:cond delay="indefinite"/>
+                      </p:stCondLst>
+                      <p:childTnLst>
+                        <p:par>
+                          <p:cTn id="12" fill="hold">
+                            <p:stCondLst>
+                              <p:cond delay="0"/>
+                            </p:stCondLst>
+                            <p:childTnLst>
+                              <p:par>
+                                <p:cTn id="13" presetID="1" presetClass="entr" presetSubtype="0" fill="hold" nodeType="clickEffect">
+                                  <p:stCondLst>
+                                    <p:cond delay="0"/>
+                                  </p:stCondLst>
+                                  <p:childTnLst>
+                                    <p:set>
+                                      <p:cBhvr>
+                                        <p:cTn id="14" dur="1" fill="hold">
+                                          <p:stCondLst>
+                                            <p:cond delay="0"/>
+                                          </p:stCondLst>
+                                        </p:cTn>
+                                        <p:tgtEl>
+                                          <p:spTgt spid="32"/>
+                                        </p:tgtEl>
+                                        <p:attrNameLst>
+                                          <p:attrName>style.visibility</p:attrName>
+                                        </p:attrNameLst>
+                                      </p:cBhvr>
+                                      <p:to>
+                                        <p:strVal val="visible"/>
+                                      </p:to>
+                                    </p:set>
+                                  </p:childTnLst>
+                                </p:cTn>
+                              </p:par>
+                              <p:par>
+                                <p:cTn id="15" presetID="1" presetClass="entr" presetSubtype="0" fill="hold" nodeType="withEffect">
+                                  <p:stCondLst>
+                                    <p:cond delay="0"/>
+                                  </p:stCondLst>
+                                  <p:childTnLst>
+                                    <p:set>
+                                      <p:cBhvr>
+                                        <p:cTn id="16" dur="1" fill="hold">
+                                          <p:stCondLst>
+                                            <p:cond delay="0"/>
+                                          </p:stCondLst>
+                                        </p:cTn>
+                                        <p:tgtEl>
+                                          <p:spTgt spid="13"/>
+                                        </p:tgtEl>
+                                        <p:attrNameLst>
+                                          <p:attrName>style.visibility</p:attrName>
+                                        </p:attrNameLst>
+                                      </p:cBhvr>
+                                      <p:to>
+                                        <p:strVal val="visible"/>
+                                      </p:to>
+                                    </p:set>
+                                  </p:childTnLst>
+                                </p:cTn>
+                              </p:par>
+                              <p:par>
+                                <p:cTn id="17" presetID="1" presetClass="entr" presetSubtype="0" fill="hold" nodeType="withEffect">
+                                  <p:stCondLst>
+                                    <p:cond delay="0"/>
+                                  </p:stCondLst>
+                                  <p:childTnLst>
+                                    <p:set>
+                                      <p:cBhvr>
+                                        <p:cTn id="18" dur="1" fill="hold">
+                                          <p:stCondLst>
+                                            <p:cond delay="0"/>
+                                          </p:stCondLst>
+                                        </p:cTn>
+                                        <p:tgtEl>
+                                          <p:spTgt spid="11"/>
+                                        </p:tgtEl>
+                                        <p:attrNameLst>
+                                          <p:attrName>style.visibility</p:attrName>
+                                        </p:attrNameLst>
+                                      </p:cBhvr>
+                                      <p:to>
+                                        <p:strVal val="visible"/>
+                                      </p:to>
+                                    </p:set>
+                                  </p:childTnLst>
+                                </p:cTn>
+                              </p:par>
+                              <p:par>
+                                <p:cTn id="19" presetID="1" presetClass="entr" presetSubtype="0" fill="hold" grpId="0" nodeType="withEffect">
+                                  <p:stCondLst>
+                                    <p:cond delay="0"/>
+                                  </p:stCondLst>
+                                  <p:childTnLst>
+                                    <p:set>
+                                      <p:cBhvr>
+                                        <p:cTn id="20" dur="1" fill="hold">
+                                          <p:stCondLst>
+                                            <p:cond delay="0"/>
+                                          </p:stCondLst>
+                                        </p:cTn>
+                                        <p:tgtEl>
+                                          <p:spTgt spid="10"/>
+                                        </p:tgtEl>
+                                        <p:attrNameLst>
+                                          <p:attrName>style.visibility</p:attrName>
+                                        </p:attrNameLst>
+                                      </p:cBhvr>
+                                      <p:to>
+                                        <p:strVal val="visible"/>
+                                      </p:to>
+                                    </p:set>
+                                  </p:childTnLst>
+                                </p:cTn>
+                              </p:par>
+                            </p:childTnLst>
+                          </p:cTn>
+                        </p:par>
+                      </p:childTnLst>
+                    </p:cTn>
+                  </p:par>
+                </p:childTnLst>
+              </p:cTn>
+              <p:prevCondLst>
+                <p:cond evt="onPrev" delay="0">
+                  <p:tgtEl>
+                    <p:sldTgt/>
+                  </p:tgtEl>
+                </p:cond>
+              </p:prevCondLst>
+              <p:nextCondLst>
+                <p:cond evt="onNext" delay="0">
+                  <p:tgtEl>
+                    <p:sldTgt/>
+                  </p:tgtEl>
+                </p:cond>
+              </p:nextCondLst>
+            </p:seq>
+          </p:childTnLst>
+        </p:cTn>
+      </p:par>
+    </p:tnLst>
+    <p:bldLst>
+      <p:bldP spid="10" grpId="0"/>
+    </p:bldLst>
+  </p:timing>
+</p:sld>
+</file>
+
+<file path=ppt/slides/slide32.xml><?xml version="1.0" encoding="utf-8"?>
+<p:sld xmlns:a="http://schemas.openxmlformats.org/drawingml/2006/main" xmlns:r="http://schemas.openxmlformats.org/officeDocument/2006/relationships" xmlns:p="http://schemas.openxmlformats.org/presentationml/2006/main">
+  <p:cSld>
+    <p:spTree>
+      <p:nvGrpSpPr>
+        <p:cNvPr id="1" name=""/>
+        <p:cNvGrpSpPr/>
+        <p:nvPr/>
+      </p:nvGrpSpPr>
+      <p:grpSpPr>
+        <a:xfrm>
+          <a:off x="0" y="0"/>
+          <a:ext cx="0" cy="0"/>
+          <a:chOff x="0" y="0"/>
+          <a:chExt cx="0" cy="0"/>
+        </a:xfrm>
+      </p:grpSpPr>
+      <p:sp>
+        <p:nvSpPr>
+          <p:cNvPr id="4" name="Slide Number Placeholder 3">
+            <a:extLst>
+              <a:ext uri="{FF2B5EF4-FFF2-40B4-BE49-F238E27FC236}">
+                <a16:creationId xmlns:a16="http://schemas.microsoft.com/office/drawing/2014/main" id="{7448BF2A-1F67-45F3-9E5B-A0E949BC49D6}"/>
+              </a:ext>
+            </a:extLst>
+          </p:cNvPr>
+          <p:cNvSpPr>
+            <a:spLocks noGrp="1"/>
+          </p:cNvSpPr>
+          <p:nvPr>
+            <p:ph type="sldNum" sz="quarter" idx="12"/>
+          </p:nvPr>
+        </p:nvSpPr>
+        <p:spPr/>
+        <p:txBody>
+          <a:bodyPr/>
+          <a:lstStyle/>
+          <a:p>
+            <a:fld id="{8F224621-ADB6-4DE2-A945-BF9C42D66C16}" type="slidenum">
+              <a:rPr lang="LID4096" smtClean="0"/>
+              <a:pPr/>
+              <a:t>32</a:t>
+            </a:fld>
+            <a:endParaRPr lang="LID4096" dirty="0"/>
+          </a:p>
+        </p:txBody>
+      </p:sp>
+      <p:sp>
+        <p:nvSpPr>
+          <p:cNvPr id="3" name="Google Shape;62;p14">
+            <a:extLst>
+              <a:ext uri="{FF2B5EF4-FFF2-40B4-BE49-F238E27FC236}">
+                <a16:creationId xmlns:a16="http://schemas.microsoft.com/office/drawing/2014/main" id="{E155BFF9-202C-475B-A266-871949978C02}"/>
+              </a:ext>
+            </a:extLst>
+          </p:cNvPr>
+          <p:cNvSpPr txBox="1">
+            <a:spLocks/>
+          </p:cNvSpPr>
+          <p:nvPr/>
+        </p:nvSpPr>
+        <p:spPr>
+          <a:xfrm>
+            <a:off x="415600" y="247650"/>
+            <a:ext cx="11360800" cy="834800"/>
+          </a:xfrm>
+          <a:prstGeom prst="rect">
+            <a:avLst/>
+          </a:prstGeom>
+        </p:spPr>
+        <p:txBody>
+          <a:bodyPr spcFirstLastPara="1" vert="horz" wrap="square" lIns="121900" tIns="121900" rIns="121900" bIns="121900" rtlCol="0" anchor="b" anchorCtr="0">
+            <a:noAutofit/>
+          </a:bodyPr>
+          <a:lstStyle>
+            <a:lvl1pPr algn="l" defTabSz="914400" rtl="0" eaLnBrk="1" latinLnBrk="0" hangingPunct="1">
+              <a:lnSpc>
+                <a:spcPct val="90000"/>
+              </a:lnSpc>
+              <a:spcBef>
+                <a:spcPct val="0"/>
+              </a:spcBef>
+              <a:buNone/>
+              <a:defRPr sz="4400" kern="1200">
+                <a:solidFill>
+                  <a:schemeClr val="tx1"/>
+                </a:solidFill>
+                <a:latin typeface="+mj-lt"/>
+                <a:ea typeface="+mj-ea"/>
+                <a:cs typeface="+mj-cs"/>
+              </a:defRPr>
+            </a:lvl1pPr>
+          </a:lstStyle>
+          <a:p>
+            <a:pPr algn="ctr">
+              <a:spcBef>
+                <a:spcPts val="0"/>
+              </a:spcBef>
+            </a:pPr>
+            <a:r>
+              <a:rPr lang="nl" sz="4800" b="1" dirty="0">
+                <a:latin typeface="Arial" panose="020B0604020202020204" pitchFamily="34" charset="0"/>
+                <a:cs typeface="Arial" panose="020B0604020202020204" pitchFamily="34" charset="0"/>
+              </a:rPr>
+              <a:t>Data-driven control</a:t>
+            </a:r>
+            <a:endParaRPr lang="en-US" sz="4800" b="1" dirty="0">
+              <a:latin typeface="Arial" panose="020B0604020202020204" pitchFamily="34" charset="0"/>
+              <a:cs typeface="Arial" panose="020B0604020202020204" pitchFamily="34" charset="0"/>
+            </a:endParaRPr>
+          </a:p>
+        </p:txBody>
+      </p:sp>
+      <p:pic>
+        <p:nvPicPr>
+          <p:cNvPr id="5" name="Picture 4" descr="A screenshot of a social media post&#10;&#10;Description automatically generated">
+            <a:extLst>
+              <a:ext uri="{FF2B5EF4-FFF2-40B4-BE49-F238E27FC236}">
+                <a16:creationId xmlns:a16="http://schemas.microsoft.com/office/drawing/2014/main" id="{54175B6B-F333-4A23-8C26-AA5B6C2544DA}"/>
+              </a:ext>
+            </a:extLst>
+          </p:cNvPr>
+          <p:cNvPicPr>
+            <a:picLocks noChangeAspect="1"/>
+          </p:cNvPicPr>
+          <p:nvPr/>
+        </p:nvPicPr>
+        <p:blipFill>
+          <a:blip r:embed="rId2">
+            <a:extLst>
+              <a:ext uri="{28A0092B-C50C-407E-A947-70E740481C1C}">
+                <a14:useLocalDpi xmlns:a14="http://schemas.microsoft.com/office/drawing/2010/main" val="0"/>
+              </a:ext>
+            </a:extLst>
+          </a:blip>
+          <a:stretch>
+            <a:fillRect/>
+          </a:stretch>
+        </p:blipFill>
+        <p:spPr>
+          <a:xfrm>
+            <a:off x="2615653" y="1082450"/>
+            <a:ext cx="6960694" cy="5060360"/>
+          </a:xfrm>
+          <a:prstGeom prst="rect">
+            <a:avLst/>
+          </a:prstGeom>
+        </p:spPr>
+      </p:pic>
+      <p:sp>
+        <p:nvSpPr>
+          <p:cNvPr id="6" name="TextBox 5">
+            <a:extLst>
+              <a:ext uri="{FF2B5EF4-FFF2-40B4-BE49-F238E27FC236}">
+                <a16:creationId xmlns:a16="http://schemas.microsoft.com/office/drawing/2014/main" id="{4F9AEFF4-DFCA-41E9-81BB-9DFCE05160BD}"/>
+              </a:ext>
+            </a:extLst>
+          </p:cNvPr>
+          <p:cNvSpPr txBox="1"/>
+          <p:nvPr/>
+        </p:nvSpPr>
+        <p:spPr>
+          <a:xfrm>
+            <a:off x="4454108" y="6241018"/>
+            <a:ext cx="3283784" cy="369332"/>
+          </a:xfrm>
+          <a:prstGeom prst="rect">
+            <a:avLst/>
+          </a:prstGeom>
+          <a:noFill/>
+        </p:spPr>
+        <p:txBody>
+          <a:bodyPr wrap="none" rtlCol="0">
+            <a:spAutoFit/>
+          </a:bodyPr>
+          <a:lstStyle/>
+          <a:p>
+            <a:r>
+              <a:rPr lang="en-GB" dirty="0">
+                <a:latin typeface="Arial" panose="020B0604020202020204" pitchFamily="34" charset="0"/>
+                <a:cs typeface="Arial" panose="020B0604020202020204" pitchFamily="34" charset="0"/>
+              </a:rPr>
+              <a:t>Ref. van </a:t>
+            </a:r>
+            <a:r>
+              <a:rPr lang="en-GB" dirty="0" err="1">
+                <a:latin typeface="Arial" panose="020B0604020202020204" pitchFamily="34" charset="0"/>
+                <a:cs typeface="Arial" panose="020B0604020202020204" pitchFamily="34" charset="0"/>
+              </a:rPr>
+              <a:t>Heusden</a:t>
+            </a:r>
+            <a:r>
+              <a:rPr lang="en-GB" dirty="0">
+                <a:latin typeface="Arial" panose="020B0604020202020204" pitchFamily="34" charset="0"/>
+                <a:cs typeface="Arial" panose="020B0604020202020204" pitchFamily="34" charset="0"/>
+              </a:rPr>
+              <a:t> et al. [2011]</a:t>
+            </a:r>
+            <a:endParaRPr lang="LID4096" dirty="0">
+              <a:latin typeface="Arial" panose="020B0604020202020204" pitchFamily="34" charset="0"/>
+              <a:cs typeface="Arial" panose="020B0604020202020204" pitchFamily="34" charset="0"/>
+            </a:endParaRPr>
+          </a:p>
+        </p:txBody>
+      </p:sp>
+    </p:spTree>
+    <p:extLst>
+      <p:ext uri="{BB962C8B-B14F-4D97-AF65-F5344CB8AC3E}">
+        <p14:creationId xmlns:p14="http://schemas.microsoft.com/office/powerpoint/2010/main" val="1480662667"/>
+      </p:ext>
+    </p:extLst>
+  </p:cSld>
+  <p:clrMapOvr>
+    <a:masterClrMapping/>
+  </p:clrMapOvr>
+</p:sld>
+</file>
+
+<file path=ppt/slides/slide33.xml><?xml version="1.0" encoding="utf-8"?>
+<p:sld xmlns:a="http://schemas.openxmlformats.org/drawingml/2006/main" xmlns:r="http://schemas.openxmlformats.org/officeDocument/2006/relationships" xmlns:p="http://schemas.openxmlformats.org/presentationml/2006/main">
+  <p:cSld>
+    <p:spTree>
+      <p:nvGrpSpPr>
+        <p:cNvPr id="1" name=""/>
+        <p:cNvGrpSpPr/>
+        <p:nvPr/>
+      </p:nvGrpSpPr>
+      <p:grpSpPr>
+        <a:xfrm>
+          <a:off x="0" y="0"/>
+          <a:ext cx="0" cy="0"/>
+          <a:chOff x="0" y="0"/>
+          <a:chExt cx="0" cy="0"/>
+        </a:xfrm>
+      </p:grpSpPr>
+      <p:sp>
+        <p:nvSpPr>
+          <p:cNvPr id="4" name="Slide Number Placeholder 3">
+            <a:extLst>
+              <a:ext uri="{FF2B5EF4-FFF2-40B4-BE49-F238E27FC236}">
+                <a16:creationId xmlns:a16="http://schemas.microsoft.com/office/drawing/2014/main" id="{7448BF2A-1F67-45F3-9E5B-A0E949BC49D6}"/>
+              </a:ext>
+            </a:extLst>
+          </p:cNvPr>
+          <p:cNvSpPr>
+            <a:spLocks noGrp="1"/>
+          </p:cNvSpPr>
+          <p:nvPr>
+            <p:ph type="sldNum" sz="quarter" idx="12"/>
+          </p:nvPr>
+        </p:nvSpPr>
+        <p:spPr/>
+        <p:txBody>
+          <a:bodyPr/>
+          <a:lstStyle/>
+          <a:p>
+            <a:fld id="{8F224621-ADB6-4DE2-A945-BF9C42D66C16}" type="slidenum">
+              <a:rPr lang="LID4096" smtClean="0"/>
+              <a:pPr/>
+              <a:t>33</a:t>
+            </a:fld>
+            <a:endParaRPr lang="LID4096" dirty="0"/>
+          </a:p>
+        </p:txBody>
+      </p:sp>
+      <p:sp>
+        <p:nvSpPr>
+          <p:cNvPr id="3" name="Google Shape;62;p14">
+            <a:extLst>
+              <a:ext uri="{FF2B5EF4-FFF2-40B4-BE49-F238E27FC236}">
+                <a16:creationId xmlns:a16="http://schemas.microsoft.com/office/drawing/2014/main" id="{E155BFF9-202C-475B-A266-871949978C02}"/>
+              </a:ext>
+            </a:extLst>
+          </p:cNvPr>
+          <p:cNvSpPr txBox="1">
+            <a:spLocks/>
+          </p:cNvSpPr>
+          <p:nvPr/>
+        </p:nvSpPr>
+        <p:spPr>
+          <a:xfrm>
+            <a:off x="415600" y="247650"/>
+            <a:ext cx="11360800" cy="834800"/>
+          </a:xfrm>
+          <a:prstGeom prst="rect">
+            <a:avLst/>
+          </a:prstGeom>
+        </p:spPr>
+        <p:txBody>
+          <a:bodyPr spcFirstLastPara="1" vert="horz" wrap="square" lIns="121900" tIns="121900" rIns="121900" bIns="121900" rtlCol="0" anchor="b" anchorCtr="0">
+            <a:noAutofit/>
+          </a:bodyPr>
+          <a:lstStyle>
+            <a:lvl1pPr algn="l" defTabSz="914400" rtl="0" eaLnBrk="1" latinLnBrk="0" hangingPunct="1">
+              <a:lnSpc>
+                <a:spcPct val="90000"/>
+              </a:lnSpc>
+              <a:spcBef>
+                <a:spcPct val="0"/>
+              </a:spcBef>
+              <a:buNone/>
+              <a:defRPr sz="4400" kern="1200">
+                <a:solidFill>
+                  <a:schemeClr val="tx1"/>
+                </a:solidFill>
+                <a:latin typeface="+mj-lt"/>
+                <a:ea typeface="+mj-ea"/>
+                <a:cs typeface="+mj-cs"/>
+              </a:defRPr>
+            </a:lvl1pPr>
+          </a:lstStyle>
+          <a:p>
+            <a:pPr algn="ctr">
+              <a:spcBef>
+                <a:spcPts val="0"/>
+              </a:spcBef>
+            </a:pPr>
+            <a:r>
+              <a:rPr lang="nl" sz="4800" b="1" dirty="0">
+                <a:latin typeface="Arial" panose="020B0604020202020204" pitchFamily="34" charset="0"/>
+                <a:cs typeface="Arial" panose="020B0604020202020204" pitchFamily="34" charset="0"/>
+              </a:rPr>
+              <a:t>Data-driven control</a:t>
+            </a:r>
+            <a:endParaRPr lang="en-US" sz="4800" b="1" dirty="0">
+              <a:latin typeface="Arial" panose="020B0604020202020204" pitchFamily="34" charset="0"/>
+              <a:cs typeface="Arial" panose="020B0604020202020204" pitchFamily="34" charset="0"/>
+            </a:endParaRPr>
+          </a:p>
+        </p:txBody>
+      </p:sp>
+      <p:pic>
+        <p:nvPicPr>
+          <p:cNvPr id="7" name="Picture 6">
+            <a:extLst>
+              <a:ext uri="{FF2B5EF4-FFF2-40B4-BE49-F238E27FC236}">
+                <a16:creationId xmlns:a16="http://schemas.microsoft.com/office/drawing/2014/main" id="{284F1569-DF20-4A22-B0C4-EF1AC357DBC7}"/>
+              </a:ext>
+            </a:extLst>
+          </p:cNvPr>
+          <p:cNvPicPr>
+            <a:picLocks noChangeAspect="1"/>
+          </p:cNvPicPr>
+          <p:nvPr/>
+        </p:nvPicPr>
+        <p:blipFill>
+          <a:blip r:embed="rId2">
+            <a:extLst>
+              <a:ext uri="{28A0092B-C50C-407E-A947-70E740481C1C}">
+                <a14:useLocalDpi xmlns:a14="http://schemas.microsoft.com/office/drawing/2010/main" val="0"/>
+              </a:ext>
+            </a:extLst>
+          </a:blip>
+          <a:stretch>
+            <a:fillRect/>
+          </a:stretch>
+        </p:blipFill>
+        <p:spPr>
+          <a:xfrm>
+            <a:off x="845263" y="1082450"/>
+            <a:ext cx="10501475" cy="942857"/>
+          </a:xfrm>
+          <a:prstGeom prst="rect">
+            <a:avLst/>
+          </a:prstGeom>
+        </p:spPr>
+      </p:pic>
+      <mc:AlternateContent xmlns:mc="http://schemas.openxmlformats.org/markup-compatibility/2006">
+        <mc:Choice xmlns:a14="http://schemas.microsoft.com/office/drawing/2010/main" Requires="a14">
+          <p:sp>
+            <p:nvSpPr>
+              <p:cNvPr id="2" name="TextBox 1">
+                <a:extLst>
+                  <a:ext uri="{FF2B5EF4-FFF2-40B4-BE49-F238E27FC236}">
+                    <a16:creationId xmlns:a16="http://schemas.microsoft.com/office/drawing/2014/main" id="{7B3E9659-82ED-4952-A02A-93E150057D00}"/>
+                  </a:ext>
+                </a:extLst>
+              </p:cNvPr>
+              <p:cNvSpPr txBox="1"/>
+              <p:nvPr/>
+            </p:nvSpPr>
+            <p:spPr>
+              <a:xfrm>
+                <a:off x="415602" y="2213776"/>
+                <a:ext cx="11204312" cy="1754326"/>
+              </a:xfrm>
+              <a:prstGeom prst="rect">
+                <a:avLst/>
+              </a:prstGeom>
+              <a:noFill/>
+            </p:spPr>
+            <p:txBody>
+              <a:bodyPr wrap="square" rtlCol="0">
+                <a:spAutoFit/>
+              </a:bodyPr>
+              <a:lstStyle/>
+              <a:p>
+                <a:pPr marL="571500" indent="-571500">
+                  <a:buFont typeface="Arial" panose="020B0604020202020204" pitchFamily="34" charset="0"/>
+                  <a:buChar char="•"/>
+                </a:pPr>
+                <a:r>
+                  <a:rPr lang="en-GB" sz="3600" dirty="0">
+                    <a:latin typeface="Arial" panose="020B0604020202020204" pitchFamily="34" charset="0"/>
+                    <a:cs typeface="Arial" panose="020B0604020202020204" pitchFamily="34" charset="0"/>
+                  </a:rPr>
+                  <a:t>They calculate </a:t>
+                </a:r>
+                <a14:m>
+                  <m:oMath xmlns:m="http://schemas.openxmlformats.org/officeDocument/2006/math">
+                    <m:r>
+                      <a:rPr lang="en-GB" sz="3600" b="0" i="1" smtClean="0">
+                        <a:latin typeface="Cambria Math" panose="02040503050406030204" pitchFamily="18" charset="0"/>
+                        <a:cs typeface="Arial" panose="020B0604020202020204" pitchFamily="34" charset="0"/>
+                      </a:rPr>
+                      <m:t>𝐽</m:t>
+                    </m:r>
+                    <m:d>
+                      <m:dPr>
+                        <m:ctrlPr>
+                          <a:rPr lang="en-GB" sz="3600" b="0" i="1" smtClean="0">
+                            <a:latin typeface="Cambria Math" panose="02040503050406030204" pitchFamily="18" charset="0"/>
+                            <a:cs typeface="Arial" panose="020B0604020202020204" pitchFamily="34" charset="0"/>
+                          </a:rPr>
+                        </m:ctrlPr>
+                      </m:dPr>
+                      <m:e>
+                        <m:r>
+                          <a:rPr lang="en-GB" sz="3600" b="0" i="1" smtClean="0">
+                            <a:latin typeface="Cambria Math" panose="02040503050406030204" pitchFamily="18" charset="0"/>
+                            <a:cs typeface="Arial" panose="020B0604020202020204" pitchFamily="34" charset="0"/>
+                          </a:rPr>
+                          <m:t>𝜌</m:t>
+                        </m:r>
+                      </m:e>
+                    </m:d>
+                  </m:oMath>
+                </a14:m>
+                <a:r>
+                  <a:rPr lang="en-GB" sz="3600" dirty="0">
+                    <a:latin typeface="Arial" panose="020B0604020202020204" pitchFamily="34" charset="0"/>
+                    <a:cs typeface="Arial" panose="020B0604020202020204" pitchFamily="34" charset="0"/>
+                  </a:rPr>
+                  <a:t> by filtering in the time domain</a:t>
+                </a:r>
+              </a:p>
+              <a:p>
+                <a:pPr marL="571500" indent="-571500">
+                  <a:buFont typeface="Arial" panose="020B0604020202020204" pitchFamily="34" charset="0"/>
+                  <a:buChar char="•"/>
+                </a:pPr>
+                <a:r>
+                  <a:rPr lang="en-GB" sz="3600" dirty="0">
+                    <a:latin typeface="Arial" panose="020B0604020202020204" pitchFamily="34" charset="0"/>
+                    <a:cs typeface="Arial" panose="020B0604020202020204" pitchFamily="34" charset="0"/>
+                  </a:rPr>
+                  <a:t>This is shown to be equivalent to estimating a nonparametric estimate of </a:t>
+                </a:r>
+                <a14:m>
+                  <m:oMath xmlns:m="http://schemas.openxmlformats.org/officeDocument/2006/math">
+                    <m:r>
+                      <a:rPr lang="en-GB" sz="3600" b="0" i="1" smtClean="0">
+                        <a:latin typeface="Cambria Math" panose="02040503050406030204" pitchFamily="18" charset="0"/>
+                        <a:cs typeface="Arial" panose="020B0604020202020204" pitchFamily="34" charset="0"/>
+                      </a:rPr>
+                      <m:t>𝐺</m:t>
+                    </m:r>
+                    <m:r>
+                      <a:rPr lang="en-GB" sz="3600" b="0" i="1" smtClean="0">
+                        <a:latin typeface="Cambria Math" panose="02040503050406030204" pitchFamily="18" charset="0"/>
+                        <a:cs typeface="Arial" panose="020B0604020202020204" pitchFamily="34" charset="0"/>
+                      </a:rPr>
+                      <m:t>(</m:t>
+                    </m:r>
+                    <m:r>
+                      <m:rPr>
+                        <m:sty m:val="p"/>
+                      </m:rPr>
+                      <a:rPr lang="en-GB" sz="3600" b="0" i="0" smtClean="0">
+                        <a:latin typeface="Cambria Math" panose="02040503050406030204" pitchFamily="18" charset="0"/>
+                        <a:cs typeface="Arial" panose="020B0604020202020204" pitchFamily="34" charset="0"/>
+                      </a:rPr>
+                      <m:t>Ω</m:t>
+                    </m:r>
+                    <m:r>
+                      <a:rPr lang="en-GB" sz="3600" b="0" i="1" smtClean="0">
+                        <a:latin typeface="Cambria Math" panose="02040503050406030204" pitchFamily="18" charset="0"/>
+                        <a:cs typeface="Arial" panose="020B0604020202020204" pitchFamily="34" charset="0"/>
+                      </a:rPr>
+                      <m:t>)</m:t>
+                    </m:r>
+                  </m:oMath>
+                </a14:m>
+                <a:endParaRPr lang="en-GB" sz="3600" dirty="0">
+                  <a:latin typeface="Arial" panose="020B0604020202020204" pitchFamily="34" charset="0"/>
+                  <a:cs typeface="Arial" panose="020B0604020202020204" pitchFamily="34" charset="0"/>
+                </a:endParaRPr>
+              </a:p>
+            </p:txBody>
+          </p:sp>
+        </mc:Choice>
+        <mc:Fallback>
+          <p:sp>
+            <p:nvSpPr>
+              <p:cNvPr id="2" name="TextBox 1">
+                <a:extLst>
+                  <a:ext uri="{FF2B5EF4-FFF2-40B4-BE49-F238E27FC236}">
+                    <a16:creationId xmlns:a16="http://schemas.microsoft.com/office/drawing/2014/main" id="{7B3E9659-82ED-4952-A02A-93E150057D00}"/>
+                  </a:ext>
+                </a:extLst>
+              </p:cNvPr>
+              <p:cNvSpPr txBox="1">
+                <a:spLocks noRot="1" noChangeAspect="1" noMove="1" noResize="1" noEditPoints="1" noAdjustHandles="1" noChangeArrowheads="1" noChangeShapeType="1" noTextEdit="1"/>
+              </p:cNvSpPr>
+              <p:nvPr/>
+            </p:nvSpPr>
+            <p:spPr>
+              <a:xfrm>
+                <a:off x="415602" y="2213776"/>
+                <a:ext cx="11204312" cy="1754326"/>
+              </a:xfrm>
+              <a:prstGeom prst="rect">
+                <a:avLst/>
+              </a:prstGeom>
+              <a:blipFill>
+                <a:blip r:embed="rId3"/>
+                <a:stretch>
+                  <a:fillRect l="-1469" t="-5208" b="-12153"/>
+                </a:stretch>
+              </a:blipFill>
+            </p:spPr>
+            <p:txBody>
+              <a:bodyPr/>
+              <a:lstStyle/>
+              <a:p>
+                <a:r>
+                  <a:rPr lang="LID4096">
+                    <a:noFill/>
+                  </a:rPr>
+                  <a:t> </a:t>
+                </a:r>
+              </a:p>
+            </p:txBody>
+          </p:sp>
+        </mc:Fallback>
+      </mc:AlternateContent>
+      <p:sp>
+        <p:nvSpPr>
+          <p:cNvPr id="9" name="TextBox 8">
+            <a:extLst>
+              <a:ext uri="{FF2B5EF4-FFF2-40B4-BE49-F238E27FC236}">
+                <a16:creationId xmlns:a16="http://schemas.microsoft.com/office/drawing/2014/main" id="{41DED8D7-DED2-4D3D-BE9D-D18FD5A2FCDF}"/>
+              </a:ext>
+            </a:extLst>
+          </p:cNvPr>
+          <p:cNvSpPr txBox="1"/>
+          <p:nvPr/>
+        </p:nvSpPr>
+        <p:spPr>
+          <a:xfrm>
+            <a:off x="7406603" y="4850252"/>
+            <a:ext cx="4785397" cy="1200329"/>
+          </a:xfrm>
+          <a:prstGeom prst="rect">
+            <a:avLst/>
+          </a:prstGeom>
+          <a:noFill/>
+        </p:spPr>
+        <p:txBody>
+          <a:bodyPr wrap="square" rtlCol="0">
+            <a:spAutoFit/>
+          </a:bodyPr>
+          <a:lstStyle/>
+          <a:p>
+            <a:pPr algn="ctr"/>
+            <a:r>
+              <a:rPr lang="en-GB" sz="3600" dirty="0">
+                <a:solidFill>
+                  <a:srgbClr val="FF0000"/>
+                </a:solidFill>
+                <a:latin typeface="Arial" panose="020B0604020202020204" pitchFamily="34" charset="0"/>
+                <a:cs typeface="Arial" panose="020B0604020202020204" pitchFamily="34" charset="0"/>
+                <a:sym typeface="Wingdings" panose="05000000000000000000" pitchFamily="2" charset="2"/>
+              </a:rPr>
+              <a:t>Only possible for discrete time systems</a:t>
+            </a:r>
+            <a:endParaRPr lang="en-GB" sz="3600" dirty="0">
+              <a:solidFill>
+                <a:srgbClr val="FF0000"/>
+              </a:solidFill>
+              <a:latin typeface="Arial" panose="020B0604020202020204" pitchFamily="34" charset="0"/>
+              <a:cs typeface="Arial" panose="020B0604020202020204" pitchFamily="34" charset="0"/>
+            </a:endParaRPr>
+          </a:p>
+        </p:txBody>
+      </p:sp>
+      <p:cxnSp>
+        <p:nvCxnSpPr>
+          <p:cNvPr id="10" name="Straight Arrow Connector 9">
+            <a:extLst>
+              <a:ext uri="{FF2B5EF4-FFF2-40B4-BE49-F238E27FC236}">
+                <a16:creationId xmlns:a16="http://schemas.microsoft.com/office/drawing/2014/main" id="{1C5BDD97-1C83-49E4-849F-B85F24ABC1A9}"/>
+              </a:ext>
+            </a:extLst>
+          </p:cNvPr>
+          <p:cNvCxnSpPr>
+            <a:cxnSpLocks/>
+          </p:cNvCxnSpPr>
+          <p:nvPr/>
+        </p:nvCxnSpPr>
+        <p:spPr>
+          <a:xfrm flipH="1">
+            <a:off x="10002129" y="2782704"/>
+            <a:ext cx="805180" cy="2228494"/>
+          </a:xfrm>
+          <a:prstGeom prst="straightConnector1">
+            <a:avLst/>
+          </a:prstGeom>
+          <a:ln w="57150">
+            <a:solidFill>
+              <a:srgbClr val="FF0000"/>
+            </a:solidFill>
+            <a:tailEnd type="triangle"/>
+          </a:ln>
+        </p:spPr>
+        <p:style>
+          <a:lnRef idx="1">
+            <a:schemeClr val="accent1"/>
+          </a:lnRef>
+          <a:fillRef idx="0">
+            <a:schemeClr val="accent1"/>
+          </a:fillRef>
+          <a:effectRef idx="0">
+            <a:schemeClr val="accent1"/>
+          </a:effectRef>
+          <a:fontRef idx="minor">
+            <a:schemeClr val="tx1"/>
+          </a:fontRef>
+        </p:style>
+      </p:cxnSp>
+      <p:cxnSp>
+        <p:nvCxnSpPr>
+          <p:cNvPr id="13" name="Straight Arrow Connector 12">
+            <a:extLst>
+              <a:ext uri="{FF2B5EF4-FFF2-40B4-BE49-F238E27FC236}">
+                <a16:creationId xmlns:a16="http://schemas.microsoft.com/office/drawing/2014/main" id="{0E0F0786-512D-4335-8C7E-F10ECCC59A02}"/>
+              </a:ext>
+            </a:extLst>
+          </p:cNvPr>
+          <p:cNvCxnSpPr>
+            <a:cxnSpLocks/>
+          </p:cNvCxnSpPr>
+          <p:nvPr/>
+        </p:nvCxnSpPr>
+        <p:spPr>
+          <a:xfrm flipH="1">
+            <a:off x="5317588" y="3842106"/>
+            <a:ext cx="1276410" cy="1503617"/>
+          </a:xfrm>
+          <a:prstGeom prst="straightConnector1">
+            <a:avLst/>
+          </a:prstGeom>
+          <a:ln w="57150">
+            <a:solidFill>
+              <a:srgbClr val="FF0000"/>
+            </a:solidFill>
+            <a:tailEnd type="triangle"/>
+          </a:ln>
+        </p:spPr>
+        <p:style>
+          <a:lnRef idx="1">
+            <a:schemeClr val="accent1"/>
+          </a:lnRef>
+          <a:fillRef idx="0">
+            <a:schemeClr val="accent1"/>
+          </a:fillRef>
+          <a:effectRef idx="0">
+            <a:schemeClr val="accent1"/>
+          </a:effectRef>
+          <a:fontRef idx="minor">
+            <a:schemeClr val="tx1"/>
+          </a:fontRef>
+        </p:style>
+      </p:cxnSp>
+      <p:sp>
+        <p:nvSpPr>
+          <p:cNvPr id="15" name="TextBox 14">
+            <a:extLst>
+              <a:ext uri="{FF2B5EF4-FFF2-40B4-BE49-F238E27FC236}">
+                <a16:creationId xmlns:a16="http://schemas.microsoft.com/office/drawing/2014/main" id="{05B12297-9766-48EF-A05D-66BDEB7574B8}"/>
+              </a:ext>
+            </a:extLst>
+          </p:cNvPr>
+          <p:cNvSpPr txBox="1"/>
+          <p:nvPr/>
+        </p:nvSpPr>
+        <p:spPr>
+          <a:xfrm>
+            <a:off x="2924889" y="5345723"/>
+            <a:ext cx="4785397" cy="1200329"/>
+          </a:xfrm>
+          <a:prstGeom prst="rect">
+            <a:avLst/>
+          </a:prstGeom>
+          <a:noFill/>
+        </p:spPr>
+        <p:txBody>
+          <a:bodyPr wrap="square" rtlCol="0">
+            <a:spAutoFit/>
+          </a:bodyPr>
+          <a:lstStyle/>
+          <a:p>
+            <a:pPr algn="ctr"/>
+            <a:r>
+              <a:rPr lang="en-GB" sz="3600" dirty="0">
+                <a:solidFill>
+                  <a:srgbClr val="FF0000"/>
+                </a:solidFill>
+                <a:latin typeface="Arial" panose="020B0604020202020204" pitchFamily="34" charset="0"/>
+                <a:cs typeface="Arial" panose="020B0604020202020204" pitchFamily="34" charset="0"/>
+                <a:sym typeface="Wingdings" panose="05000000000000000000" pitchFamily="2" charset="2"/>
+              </a:rPr>
+              <a:t>Also possible for continuous time</a:t>
+            </a:r>
+            <a:endParaRPr lang="en-GB" sz="3600" dirty="0">
+              <a:solidFill>
+                <a:srgbClr val="FF0000"/>
+              </a:solidFill>
+              <a:latin typeface="Arial" panose="020B0604020202020204" pitchFamily="34" charset="0"/>
+              <a:cs typeface="Arial" panose="020B0604020202020204" pitchFamily="34" charset="0"/>
+            </a:endParaRPr>
+          </a:p>
+        </p:txBody>
+      </p:sp>
+    </p:spTree>
+    <p:extLst>
+      <p:ext uri="{BB962C8B-B14F-4D97-AF65-F5344CB8AC3E}">
+        <p14:creationId xmlns:p14="http://schemas.microsoft.com/office/powerpoint/2010/main" val="3359434609"/>
+      </p:ext>
+    </p:extLst>
+  </p:cSld>
+  <p:clrMapOvr>
+    <a:masterClrMapping/>
+  </p:clrMapOvr>
+  <p:timing>
+    <p:tnLst>
+      <p:par>
+        <p:cTn id="1" dur="indefinite" restart="never" nodeType="tmRoot">
+          <p:childTnLst>
+            <p:seq concurrent="1" nextAc="seek">
+              <p:cTn id="2" dur="indefinite" nodeType="mainSeq">
+                <p:childTnLst>
+                  <p:par>
+                    <p:cTn id="3" fill="hold">
+                      <p:stCondLst>
+                        <p:cond delay="indefinite"/>
+                      </p:stCondLst>
+                      <p:childTnLst>
+                        <p:par>
+                          <p:cTn id="4" fill="hold">
+                            <p:stCondLst>
+                              <p:cond delay="0"/>
+                            </p:stCondLst>
+                            <p:childTnLst>
+                              <p:par>
+                                <p:cTn id="5" presetID="1" presetClass="entr" presetSubtype="0" fill="hold" grpId="0" nodeType="clickEffect">
+                                  <p:stCondLst>
+                                    <p:cond delay="0"/>
+                                  </p:stCondLst>
+                                  <p:childTnLst>
+                                    <p:set>
+                                      <p:cBhvr>
+                                        <p:cTn id="6" dur="1" fill="hold">
+                                          <p:stCondLst>
+                                            <p:cond delay="0"/>
+                                          </p:stCondLst>
+                                        </p:cTn>
+                                        <p:tgtEl>
+                                          <p:spTgt spid="9"/>
+                                        </p:tgtEl>
+                                        <p:attrNameLst>
+                                          <p:attrName>style.visibility</p:attrName>
+                                        </p:attrNameLst>
+                                      </p:cBhvr>
+                                      <p:to>
+                                        <p:strVal val="visible"/>
+                                      </p:to>
+                                    </p:set>
+                                  </p:childTnLst>
+                                </p:cTn>
+                              </p:par>
+                              <p:par>
+                                <p:cTn id="7" presetID="1" presetClass="entr" presetSubtype="0" fill="hold" nodeType="withEffect">
+                                  <p:stCondLst>
+                                    <p:cond delay="0"/>
+                                  </p:stCondLst>
+                                  <p:childTnLst>
+                                    <p:set>
+                                      <p:cBhvr>
+                                        <p:cTn id="8" dur="1" fill="hold">
+                                          <p:stCondLst>
+                                            <p:cond delay="0"/>
+                                          </p:stCondLst>
+                                        </p:cTn>
+                                        <p:tgtEl>
+                                          <p:spTgt spid="10"/>
+                                        </p:tgtEl>
+                                        <p:attrNameLst>
+                                          <p:attrName>style.visibility</p:attrName>
+                                        </p:attrNameLst>
+                                      </p:cBhvr>
+                                      <p:to>
+                                        <p:strVal val="visible"/>
+                                      </p:to>
+                                    </p:set>
+                                  </p:childTnLst>
+                                </p:cTn>
+                              </p:par>
+                            </p:childTnLst>
+                          </p:cTn>
+                        </p:par>
+                      </p:childTnLst>
+                    </p:cTn>
+                  </p:par>
+                  <p:par>
+                    <p:cTn id="9" fill="hold">
+                      <p:stCondLst>
+                        <p:cond delay="indefinite"/>
+                      </p:stCondLst>
+                      <p:childTnLst>
+                        <p:par>
+                          <p:cTn id="10" fill="hold">
+                            <p:stCondLst>
+                              <p:cond delay="0"/>
+                            </p:stCondLst>
+                            <p:childTnLst>
+                              <p:par>
+                                <p:cTn id="11" presetID="1" presetClass="entr" presetSubtype="0" fill="hold" grpId="0" nodeType="clickEffect">
+                                  <p:stCondLst>
+                                    <p:cond delay="0"/>
+                                  </p:stCondLst>
+                                  <p:childTnLst>
+                                    <p:set>
+                                      <p:cBhvr>
+                                        <p:cTn id="12" dur="1" fill="hold">
+                                          <p:stCondLst>
+                                            <p:cond delay="0"/>
+                                          </p:stCondLst>
+                                        </p:cTn>
+                                        <p:tgtEl>
+                                          <p:spTgt spid="15"/>
+                                        </p:tgtEl>
+                                        <p:attrNameLst>
+                                          <p:attrName>style.visibility</p:attrName>
+                                        </p:attrNameLst>
+                                      </p:cBhvr>
+                                      <p:to>
+                                        <p:strVal val="visible"/>
+                                      </p:to>
+                                    </p:set>
+                                  </p:childTnLst>
+                                </p:cTn>
+                              </p:par>
+                              <p:par>
+                                <p:cTn id="13" presetID="1" presetClass="entr" presetSubtype="0" fill="hold" nodeType="withEffect">
+                                  <p:stCondLst>
+                                    <p:cond delay="0"/>
+                                  </p:stCondLst>
+                                  <p:childTnLst>
+                                    <p:set>
+                                      <p:cBhvr>
+                                        <p:cTn id="14" dur="1" fill="hold">
+                                          <p:stCondLst>
+                                            <p:cond delay="0"/>
+                                          </p:stCondLst>
+                                        </p:cTn>
+                                        <p:tgtEl>
+                                          <p:spTgt spid="13"/>
+                                        </p:tgtEl>
+                                        <p:attrNameLst>
+                                          <p:attrName>style.visibility</p:attrName>
+                                        </p:attrNameLst>
+                                      </p:cBhvr>
+                                      <p:to>
+                                        <p:strVal val="visible"/>
+                                      </p:to>
+                                    </p:set>
+                                  </p:childTnLst>
+                                </p:cTn>
+                              </p:par>
+                            </p:childTnLst>
+                          </p:cTn>
+                        </p:par>
+                      </p:childTnLst>
+                    </p:cTn>
+                  </p:par>
+                </p:childTnLst>
+              </p:cTn>
+              <p:prevCondLst>
+                <p:cond evt="onPrev" delay="0">
+                  <p:tgtEl>
+                    <p:sldTgt/>
+                  </p:tgtEl>
+                </p:cond>
+              </p:prevCondLst>
+              <p:nextCondLst>
+                <p:cond evt="onNext" delay="0">
+                  <p:tgtEl>
+                    <p:sldTgt/>
+                  </p:tgtEl>
+                </p:cond>
+              </p:nextCondLst>
+            </p:seq>
+          </p:childTnLst>
+        </p:cTn>
+      </p:par>
+    </p:tnLst>
+    <p:bldLst>
+      <p:bldP spid="9" grpId="0"/>
+      <p:bldP spid="15" grpId="0"/>
+    </p:bldLst>
+  </p:timing>
+</p:sld>
+</file>
+
+<file path=ppt/slides/slide34.xml><?xml version="1.0" encoding="utf-8"?>
+<p:sld xmlns:a="http://schemas.openxmlformats.org/drawingml/2006/main" xmlns:r="http://schemas.openxmlformats.org/officeDocument/2006/relationships" xmlns:p="http://schemas.openxmlformats.org/presentationml/2006/main">
+  <p:cSld>
+    <p:spTree>
+      <p:nvGrpSpPr>
+        <p:cNvPr id="1" name=""/>
+        <p:cNvGrpSpPr/>
+        <p:nvPr/>
+      </p:nvGrpSpPr>
+      <p:grpSpPr>
+        <a:xfrm>
+          <a:off x="0" y="0"/>
+          <a:ext cx="0" cy="0"/>
+          <a:chOff x="0" y="0"/>
+          <a:chExt cx="0" cy="0"/>
+        </a:xfrm>
+      </p:grpSpPr>
+      <p:sp>
+        <p:nvSpPr>
+          <p:cNvPr id="2" name="Right Triangle 1">
+            <a:extLst>
+              <a:ext uri="{FF2B5EF4-FFF2-40B4-BE49-F238E27FC236}">
+                <a16:creationId xmlns:a16="http://schemas.microsoft.com/office/drawing/2014/main" id="{9FEF3065-1ED2-4A32-A448-D3353C03F4A5}"/>
+              </a:ext>
+            </a:extLst>
+          </p:cNvPr>
+          <p:cNvSpPr/>
+          <p:nvPr/>
+        </p:nvSpPr>
+        <p:spPr>
+          <a:xfrm rot="5400000">
+            <a:off x="246741" y="-246743"/>
+            <a:ext cx="2931886" cy="3425372"/>
+          </a:xfrm>
+          <a:prstGeom prst="rtTriangle">
+            <a:avLst/>
+          </a:prstGeom>
+          <a:solidFill>
+            <a:schemeClr val="accent1">
+              <a:lumMod val="40000"/>
+              <a:lumOff val="60000"/>
+            </a:schemeClr>
+          </a:solidFill>
+          <a:ln>
+            <a:noFill/>
+          </a:ln>
+        </p:spPr>
+        <p:style>
+          <a:lnRef idx="2">
+            <a:schemeClr val="accent1">
+              <a:shade val="50000"/>
+            </a:schemeClr>
+          </a:lnRef>
+          <a:fillRef idx="1">
+            <a:schemeClr val="accent1"/>
+          </a:fillRef>
+          <a:effectRef idx="0">
+            <a:schemeClr val="accent1"/>
+          </a:effectRef>
+          <a:fontRef idx="minor">
+            <a:schemeClr val="lt1"/>
+          </a:fontRef>
+        </p:style>
+        <p:txBody>
+          <a:bodyPr rtlCol="0" anchor="ctr"/>
+          <a:lstStyle/>
+          <a:p>
+            <a:pPr algn="ctr"/>
+            <a:endParaRPr lang="LID4096"/>
+          </a:p>
+        </p:txBody>
+      </p:sp>
       <p:sp>
         <p:nvSpPr>
           <p:cNvPr id="8" name="Right Triangle 7">
@@ -11690,7 +15419,7 @@
             <a:fld id="{8F224621-ADB6-4DE2-A945-BF9C42D66C16}" type="slidenum">
               <a:rPr lang="LID4096" smtClean="0"/>
               <a:pPr/>
-              <a:t>29</a:t>
+              <a:t>34</a:t>
             </a:fld>
             <a:endParaRPr lang="LID4096" dirty="0"/>
           </a:p>
@@ -11771,274 +15500,7 @@
 </p:sld>
 </file>
 
-<file path=ppt/slides/slide3.xml><?xml version="1.0" encoding="utf-8"?>
-<p:sld xmlns:a="http://schemas.openxmlformats.org/drawingml/2006/main" xmlns:r="http://schemas.openxmlformats.org/officeDocument/2006/relationships" xmlns:p="http://schemas.openxmlformats.org/presentationml/2006/main">
-  <p:cSld>
-    <p:spTree>
-      <p:nvGrpSpPr>
-        <p:cNvPr id="1" name=""/>
-        <p:cNvGrpSpPr/>
-        <p:nvPr/>
-      </p:nvGrpSpPr>
-      <p:grpSpPr>
-        <a:xfrm>
-          <a:off x="0" y="0"/>
-          <a:ext cx="0" cy="0"/>
-          <a:chOff x="0" y="0"/>
-          <a:chExt cx="0" cy="0"/>
-        </a:xfrm>
-      </p:grpSpPr>
-      <p:pic>
-        <p:nvPicPr>
-          <p:cNvPr id="7" name="Picture 6">
-            <a:extLst>
-              <a:ext uri="{FF2B5EF4-FFF2-40B4-BE49-F238E27FC236}">
-                <a16:creationId xmlns:a16="http://schemas.microsoft.com/office/drawing/2014/main" id="{F25F8897-BE75-4366-9D06-6DFF36D643BC}"/>
-              </a:ext>
-            </a:extLst>
-          </p:cNvPr>
-          <p:cNvPicPr>
-            <a:picLocks noChangeAspect="1"/>
-          </p:cNvPicPr>
-          <p:nvPr/>
-        </p:nvPicPr>
-        <p:blipFill>
-          <a:blip r:embed="rId2">
-            <a:extLst>
-              <a:ext uri="{28A0092B-C50C-407E-A947-70E740481C1C}">
-                <a14:useLocalDpi xmlns:a14="http://schemas.microsoft.com/office/drawing/2010/main" val="0"/>
-              </a:ext>
-            </a:extLst>
-          </a:blip>
-          <a:srcRect/>
-          <a:stretch/>
-        </p:blipFill>
-        <p:spPr>
-          <a:xfrm>
-            <a:off x="344728" y="2282504"/>
-            <a:ext cx="11502543" cy="2292990"/>
-          </a:xfrm>
-          <a:prstGeom prst="rect">
-            <a:avLst/>
-          </a:prstGeom>
-        </p:spPr>
-      </p:pic>
-      <p:sp>
-        <p:nvSpPr>
-          <p:cNvPr id="8" name="Right Triangle 7">
-            <a:extLst>
-              <a:ext uri="{FF2B5EF4-FFF2-40B4-BE49-F238E27FC236}">
-                <a16:creationId xmlns:a16="http://schemas.microsoft.com/office/drawing/2014/main" id="{34BC60F9-272B-49CB-BBC3-9ECABF03CBED}"/>
-              </a:ext>
-            </a:extLst>
-          </p:cNvPr>
-          <p:cNvSpPr/>
-          <p:nvPr/>
-        </p:nvSpPr>
-        <p:spPr>
-          <a:xfrm rot="16200000">
-            <a:off x="9013371" y="3679371"/>
-            <a:ext cx="2931886" cy="3425372"/>
-          </a:xfrm>
-          <a:prstGeom prst="rtTriangle">
-            <a:avLst/>
-          </a:prstGeom>
-          <a:solidFill>
-            <a:schemeClr val="accent2">
-              <a:lumMod val="60000"/>
-              <a:lumOff val="40000"/>
-            </a:schemeClr>
-          </a:solidFill>
-          <a:ln>
-            <a:noFill/>
-          </a:ln>
-        </p:spPr>
-        <p:style>
-          <a:lnRef idx="2">
-            <a:schemeClr val="accent2">
-              <a:shade val="50000"/>
-            </a:schemeClr>
-          </a:lnRef>
-          <a:fillRef idx="1">
-            <a:schemeClr val="accent2"/>
-          </a:fillRef>
-          <a:effectRef idx="0">
-            <a:schemeClr val="accent2"/>
-          </a:effectRef>
-          <a:fontRef idx="minor">
-            <a:schemeClr val="lt1"/>
-          </a:fontRef>
-        </p:style>
-        <p:txBody>
-          <a:bodyPr rtlCol="0" anchor="ctr"/>
-          <a:lstStyle/>
-          <a:p>
-            <a:pPr algn="ctr"/>
-            <a:endParaRPr lang="LID4096"/>
-          </a:p>
-        </p:txBody>
-      </p:sp>
-      <p:sp>
-        <p:nvSpPr>
-          <p:cNvPr id="4" name="Slide Number Placeholder 3">
-            <a:extLst>
-              <a:ext uri="{FF2B5EF4-FFF2-40B4-BE49-F238E27FC236}">
-                <a16:creationId xmlns:a16="http://schemas.microsoft.com/office/drawing/2014/main" id="{7448BF2A-1F67-45F3-9E5B-A0E949BC49D6}"/>
-              </a:ext>
-            </a:extLst>
-          </p:cNvPr>
-          <p:cNvSpPr>
-            <a:spLocks noGrp="1"/>
-          </p:cNvSpPr>
-          <p:nvPr>
-            <p:ph type="sldNum" sz="quarter" idx="12"/>
-          </p:nvPr>
-        </p:nvSpPr>
-        <p:spPr/>
-        <p:txBody>
-          <a:bodyPr/>
-          <a:lstStyle/>
-          <a:p>
-            <a:fld id="{8F224621-ADB6-4DE2-A945-BF9C42D66C16}" type="slidenum">
-              <a:rPr lang="LID4096" smtClean="0"/>
-              <a:pPr/>
-              <a:t>3</a:t>
-            </a:fld>
-            <a:endParaRPr lang="LID4096" dirty="0"/>
-          </a:p>
-        </p:txBody>
-      </p:sp>
-      <p:sp>
-        <p:nvSpPr>
-          <p:cNvPr id="3" name="Google Shape;62;p14">
-            <a:extLst>
-              <a:ext uri="{FF2B5EF4-FFF2-40B4-BE49-F238E27FC236}">
-                <a16:creationId xmlns:a16="http://schemas.microsoft.com/office/drawing/2014/main" id="{E155BFF9-202C-475B-A266-871949978C02}"/>
-              </a:ext>
-            </a:extLst>
-          </p:cNvPr>
-          <p:cNvSpPr txBox="1">
-            <a:spLocks/>
-          </p:cNvSpPr>
-          <p:nvPr/>
-        </p:nvSpPr>
-        <p:spPr>
-          <a:xfrm>
-            <a:off x="415600" y="247650"/>
-            <a:ext cx="11360800" cy="834800"/>
-          </a:xfrm>
-          <a:prstGeom prst="rect">
-            <a:avLst/>
-          </a:prstGeom>
-        </p:spPr>
-        <p:txBody>
-          <a:bodyPr spcFirstLastPara="1" vert="horz" wrap="square" lIns="121900" tIns="121900" rIns="121900" bIns="121900" rtlCol="0" anchor="b" anchorCtr="0">
-            <a:noAutofit/>
-          </a:bodyPr>
-          <a:lstStyle>
-            <a:lvl1pPr algn="l" defTabSz="914400" rtl="0" eaLnBrk="1" latinLnBrk="0" hangingPunct="1">
-              <a:lnSpc>
-                <a:spcPct val="90000"/>
-              </a:lnSpc>
-              <a:spcBef>
-                <a:spcPct val="0"/>
-              </a:spcBef>
-              <a:buNone/>
-              <a:defRPr sz="4400" kern="1200">
-                <a:solidFill>
-                  <a:schemeClr val="tx1"/>
-                </a:solidFill>
-                <a:latin typeface="+mj-lt"/>
-                <a:ea typeface="+mj-ea"/>
-                <a:cs typeface="+mj-cs"/>
-              </a:defRPr>
-            </a:lvl1pPr>
-          </a:lstStyle>
-          <a:p>
-            <a:pPr algn="ctr">
-              <a:spcBef>
-                <a:spcPts val="0"/>
-              </a:spcBef>
-            </a:pPr>
-            <a:r>
-              <a:rPr lang="en-US" sz="4800" b="1" dirty="0">
-                <a:latin typeface="Arial" panose="020B0604020202020204" pitchFamily="34" charset="0"/>
-                <a:cs typeface="Arial" panose="020B0604020202020204" pitchFamily="34" charset="0"/>
-              </a:rPr>
-              <a:t>LTI systems</a:t>
-            </a:r>
-          </a:p>
-        </p:txBody>
-      </p:sp>
-      <p:sp>
-        <p:nvSpPr>
-          <p:cNvPr id="2" name="Right Triangle 1">
-            <a:extLst>
-              <a:ext uri="{FF2B5EF4-FFF2-40B4-BE49-F238E27FC236}">
-                <a16:creationId xmlns:a16="http://schemas.microsoft.com/office/drawing/2014/main" id="{9FEF3065-1ED2-4A32-A448-D3353C03F4A5}"/>
-              </a:ext>
-            </a:extLst>
-          </p:cNvPr>
-          <p:cNvSpPr/>
-          <p:nvPr/>
-        </p:nvSpPr>
-        <p:spPr>
-          <a:xfrm rot="5400000">
-            <a:off x="246741" y="-246743"/>
-            <a:ext cx="2931886" cy="3425372"/>
-          </a:xfrm>
-          <a:prstGeom prst="rtTriangle">
-            <a:avLst/>
-          </a:prstGeom>
-          <a:solidFill>
-            <a:schemeClr val="accent1">
-              <a:lumMod val="40000"/>
-              <a:lumOff val="60000"/>
-            </a:schemeClr>
-          </a:solidFill>
-          <a:ln>
-            <a:noFill/>
-          </a:ln>
-        </p:spPr>
-        <p:style>
-          <a:lnRef idx="2">
-            <a:schemeClr val="accent1">
-              <a:shade val="50000"/>
-            </a:schemeClr>
-          </a:lnRef>
-          <a:fillRef idx="1">
-            <a:schemeClr val="accent1"/>
-          </a:fillRef>
-          <a:effectRef idx="0">
-            <a:schemeClr val="accent1"/>
-          </a:effectRef>
-          <a:fontRef idx="minor">
-            <a:schemeClr val="lt1"/>
-          </a:fontRef>
-        </p:style>
-        <p:txBody>
-          <a:bodyPr rtlCol="0" anchor="ctr"/>
-          <a:lstStyle/>
-          <a:p>
-            <a:pPr algn="ctr"/>
-            <a:endParaRPr lang="LID4096"/>
-          </a:p>
-        </p:txBody>
-      </p:sp>
-    </p:spTree>
-    <p:extLst>
-      <p:ext uri="{BB962C8B-B14F-4D97-AF65-F5344CB8AC3E}">
-        <p14:creationId xmlns:p14="http://schemas.microsoft.com/office/powerpoint/2010/main" val="981051219"/>
-      </p:ext>
-    </p:extLst>
-  </p:cSld>
-  <p:clrMapOvr>
-    <a:masterClrMapping/>
-  </p:clrMapOvr>
-</p:sld>
-</file>
-
-<file path=ppt/slides/slide30.xml><?xml version="1.0" encoding="utf-8"?>
+<file path=ppt/slides/slide35.xml><?xml version="1.0" encoding="utf-8"?>
 <p:sld xmlns:a="http://schemas.openxmlformats.org/drawingml/2006/main" xmlns:r="http://schemas.openxmlformats.org/officeDocument/2006/relationships" xmlns:p="http://schemas.openxmlformats.org/presentationml/2006/main">
   <p:cSld>
     <p:spTree>
@@ -12079,7 +15541,7 @@
             <a:fld id="{8F224621-ADB6-4DE2-A945-BF9C42D66C16}" type="slidenum">
               <a:rPr lang="LID4096" smtClean="0"/>
               <a:pPr/>
-              <a:t>30</a:t>
+              <a:t>35</a:t>
             </a:fld>
             <a:endParaRPr lang="LID4096" dirty="0"/>
           </a:p>
